--- a/Apresentação.pptx
+++ b/Apresentação.pptx
@@ -533,7 +533,6 @@
     </c:plotArea>
     <c:legend>
       <c:legendPos val="b"/>
-      <c:layout/>
       <c:overlay val="0"/>
       <c:spPr>
         <a:noFill/>
@@ -13747,7 +13746,6 @@
               <a:rPr lang="pt-BR" spc="-75" dirty="0"/>
               <a:t>Adicionar título de slide – 1</a:t>
             </a:r>
-            <a:endParaRPr lang="pt-BR" spc="-75" dirty="0"/>
           </a:p>
         </p:txBody>
       </p:sp>
@@ -14428,7 +14426,11 @@
             <a:pPr rtl="0"/>
             <a:r>
               <a:rPr lang="pt-BR" b="1" dirty="0" smtClean="0"/>
-              <a:t>SOLUÇÃO POR FORÇA BRUTA</a:t>
+              <a:t>SOLUÇÃO </a:t>
+            </a:r>
+            <a:r>
+              <a:rPr lang="pt-BR" b="1" dirty="0" smtClean="0"/>
+              <a:t>TRIVIAL</a:t>
             </a:r>
             <a:endParaRPr lang="pt-BR" b="1" dirty="0"/>
           </a:p>
@@ -14452,7 +14454,169 @@
             <a:pPr rtl="0"/>
             <a:r>
               <a:rPr lang="pt-BR" dirty="0" smtClean="0"/>
-              <a:t>Incluir pseudocódigo</a:t>
+              <a:t>Pseudocódigo:</a:t>
+            </a:r>
+            <a:endParaRPr lang="pt-BR" dirty="0"/>
+          </a:p>
+        </p:txBody>
+      </p:sp>
+      <p:sp>
+        <p:nvSpPr>
+          <p:cNvPr id="4" name="Retângulo 3"/>
+          <p:cNvSpPr/>
+          <p:nvPr/>
+        </p:nvSpPr>
+        <p:spPr>
+          <a:xfrm>
+            <a:off x="1331640" y="2274838"/>
+            <a:ext cx="6912768" cy="1754326"/>
+          </a:xfrm>
+          <a:prstGeom prst="rect">
+            <a:avLst/>
+          </a:prstGeom>
+        </p:spPr>
+        <p:txBody>
+          <a:bodyPr wrap="square">
+            <a:spAutoFit/>
+          </a:bodyPr>
+          <a:lstStyle/>
+          <a:p>
+            <a:pPr>
+              <a:lnSpc>
+                <a:spcPct val="120000"/>
+              </a:lnSpc>
+            </a:pPr>
+            <a:r>
+              <a:rPr lang="pt-BR" dirty="0" smtClean="0">
+                <a:solidFill>
+                  <a:srgbClr val="0070C0"/>
+                </a:solidFill>
+              </a:rPr>
+              <a:t>CONTAGEM-OCORRÊNCIAS</a:t>
+            </a:r>
+            <a:r>
+              <a:rPr lang="pt-BR" dirty="0" smtClean="0"/>
+              <a:t>(A, n)</a:t>
+            </a:r>
+          </a:p>
+          <a:p>
+            <a:pPr lvl="1">
+              <a:lnSpc>
+                <a:spcPct val="120000"/>
+              </a:lnSpc>
+            </a:pPr>
+            <a:r>
+              <a:rPr lang="pt-BR" b="1" dirty="0" smtClean="0"/>
+              <a:t>para</a:t>
+            </a:r>
+            <a:r>
+              <a:rPr lang="pt-BR" dirty="0" smtClean="0"/>
+              <a:t> i ← 1 </a:t>
+            </a:r>
+            <a:r>
+              <a:rPr lang="pt-BR" b="1" dirty="0" smtClean="0"/>
+              <a:t>até</a:t>
+            </a:r>
+            <a:r>
+              <a:rPr lang="pt-BR" dirty="0" smtClean="0"/>
+              <a:t> n </a:t>
+            </a:r>
+            <a:r>
+              <a:rPr lang="pt-BR" b="1" dirty="0" smtClean="0"/>
+              <a:t>faça</a:t>
+            </a:r>
+          </a:p>
+          <a:p>
+            <a:pPr lvl="1">
+              <a:lnSpc>
+                <a:spcPct val="120000"/>
+              </a:lnSpc>
+            </a:pPr>
+            <a:r>
+              <a:rPr lang="pt-BR" dirty="0"/>
+              <a:t>	</a:t>
+            </a:r>
+            <a:r>
+              <a:rPr lang="pt-BR" b="1" dirty="0"/>
+              <a:t>para</a:t>
+            </a:r>
+            <a:r>
+              <a:rPr lang="pt-BR" dirty="0"/>
+              <a:t> j</a:t>
+            </a:r>
+            <a:r>
+              <a:rPr lang="pt-BR" dirty="0" smtClean="0"/>
+              <a:t> </a:t>
+            </a:r>
+            <a:r>
+              <a:rPr lang="pt-BR" dirty="0"/>
+              <a:t>← </a:t>
+            </a:r>
+            <a:r>
+              <a:rPr lang="pt-BR" dirty="0" smtClean="0"/>
+              <a:t>1 </a:t>
+            </a:r>
+            <a:r>
+              <a:rPr lang="pt-BR" b="1" dirty="0"/>
+              <a:t>até</a:t>
+            </a:r>
+            <a:r>
+              <a:rPr lang="pt-BR" dirty="0"/>
+              <a:t> n </a:t>
+            </a:r>
+            <a:r>
+              <a:rPr lang="pt-BR" b="1" dirty="0" smtClean="0"/>
+              <a:t>faça</a:t>
+            </a:r>
+          </a:p>
+          <a:p>
+            <a:pPr lvl="1">
+              <a:lnSpc>
+                <a:spcPct val="120000"/>
+              </a:lnSpc>
+            </a:pPr>
+            <a:r>
+              <a:rPr lang="pt-BR" dirty="0" smtClean="0"/>
+              <a:t>		</a:t>
+            </a:r>
+            <a:r>
+              <a:rPr lang="pt-BR" b="1" dirty="0" smtClean="0"/>
+              <a:t>se</a:t>
+            </a:r>
+            <a:r>
+              <a:rPr lang="pt-BR" dirty="0" smtClean="0"/>
+              <a:t> A[i] = A[j]</a:t>
+            </a:r>
+          </a:p>
+          <a:p>
+            <a:pPr lvl="1">
+              <a:lnSpc>
+                <a:spcPct val="120000"/>
+              </a:lnSpc>
+            </a:pPr>
+            <a:r>
+              <a:rPr lang="pt-BR" dirty="0"/>
+              <a:t>	</a:t>
+            </a:r>
+            <a:r>
+              <a:rPr lang="pt-BR" dirty="0" smtClean="0"/>
+              <a:t>		</a:t>
+            </a:r>
+            <a:r>
+              <a:rPr lang="pt-BR" b="1" dirty="0" smtClean="0"/>
+              <a:t>então</a:t>
+            </a:r>
+            <a:r>
+              <a:rPr lang="pt-BR" dirty="0" smtClean="0"/>
+              <a:t> contar </a:t>
+            </a:r>
+            <a:r>
+              <a:rPr lang="pt-BR" dirty="0"/>
+              <a:t>←</a:t>
+            </a:r>
+            <a:r>
+              <a:rPr lang="pt-BR" dirty="0" smtClean="0"/>
+              <a:t> contar +1</a:t>
             </a:r>
             <a:endParaRPr lang="pt-BR" dirty="0"/>
           </a:p>
@@ -14525,7 +14689,11 @@
             <a:pPr rtl="0"/>
             <a:r>
               <a:rPr lang="pt-BR" b="1" dirty="0" smtClean="0"/>
-              <a:t>SOLUÇÃO POR FORÇA BRUTA</a:t>
+              <a:t>SOLUÇÃO </a:t>
+            </a:r>
+            <a:r>
+              <a:rPr lang="pt-BR" b="1" dirty="0" smtClean="0"/>
+              <a:t>TRIVIAL</a:t>
             </a:r>
             <a:endParaRPr lang="pt-BR" b="1" dirty="0"/>
           </a:p>
@@ -14622,7 +14790,11 @@
             <a:pPr rtl="0"/>
             <a:r>
               <a:rPr lang="pt-BR" b="1" dirty="0" smtClean="0"/>
-              <a:t>SOLUÇÃO POR FORÇA BRUTA</a:t>
+              <a:t>SOLUÇÃO </a:t>
+            </a:r>
+            <a:r>
+              <a:rPr lang="pt-BR" b="1" dirty="0" smtClean="0"/>
+              <a:t>TRIVIAL</a:t>
             </a:r>
             <a:endParaRPr lang="pt-BR" b="1" dirty="0"/>
           </a:p>
@@ -14646,12 +14818,46 @@
             <a:pPr rtl="0"/>
             <a:r>
               <a:rPr lang="pt-BR" dirty="0" smtClean="0"/>
-              <a:t>Exibir trecho do código</a:t>
+              <a:t>Trecho do código responsável pelo tempo </a:t>
+            </a:r>
+            <a:r>
+              <a:rPr lang="pt-BR" dirty="0"/>
+              <a:t>exponencial</a:t>
             </a:r>
             <a:endParaRPr lang="pt-BR" dirty="0"/>
           </a:p>
         </p:txBody>
       </p:sp>
+      <p:pic>
+        <p:nvPicPr>
+          <p:cNvPr id="16" name="Imagem 15"/>
+          <p:cNvPicPr>
+            <a:picLocks noChangeAspect="1"/>
+          </p:cNvPicPr>
+          <p:nvPr/>
+        </p:nvPicPr>
+        <p:blipFill>
+          <a:blip r:embed="rId3">
+            <a:extLst>
+              <a:ext uri="{28A0092B-C50C-407E-A947-70E740481C1C}">
+                <a14:useLocalDpi xmlns:a14="http://schemas.microsoft.com/office/drawing/2010/main" val="0"/>
+              </a:ext>
+            </a:extLst>
+          </a:blip>
+          <a:stretch>
+            <a:fillRect/>
+          </a:stretch>
+        </p:blipFill>
+        <p:spPr>
+          <a:xfrm>
+            <a:off x="1534779" y="2276872"/>
+            <a:ext cx="6421597" cy="3949047"/>
+          </a:xfrm>
+          <a:prstGeom prst="rect">
+            <a:avLst/>
+          </a:prstGeom>
+        </p:spPr>
+      </p:pic>
     </p:spTree>
     <p:extLst>
       <p:ext uri="{BB962C8B-B14F-4D97-AF65-F5344CB8AC3E}">
@@ -14870,6 +15076,98 @@
               <a:t>Incluir pseudocódigo</a:t>
             </a:r>
             <a:endParaRPr lang="pt-BR" dirty="0"/>
+          </a:p>
+        </p:txBody>
+      </p:sp>
+      <p:sp>
+        <p:nvSpPr>
+          <p:cNvPr id="6" name="Retângulo 5"/>
+          <p:cNvSpPr/>
+          <p:nvPr/>
+        </p:nvSpPr>
+        <p:spPr>
+          <a:xfrm>
+            <a:off x="2286000" y="2274838"/>
+            <a:ext cx="4572000" cy="2862322"/>
+          </a:xfrm>
+          <a:prstGeom prst="rect">
+            <a:avLst/>
+          </a:prstGeom>
+        </p:spPr>
+        <p:txBody>
+          <a:bodyPr>
+            <a:spAutoFit/>
+          </a:bodyPr>
+          <a:lstStyle/>
+          <a:p>
+            <a:r>
+              <a:rPr lang="pt-BR" dirty="0" smtClean="0"/>
+              <a:t>COUNTING-SORT(</a:t>
+            </a:r>
+            <a:r>
+              <a:rPr lang="pt-BR" dirty="0" err="1" smtClean="0"/>
+              <a:t>A,B,n,k</a:t>
+            </a:r>
+            <a:r>
+              <a:rPr lang="pt-BR" dirty="0" smtClean="0"/>
+              <a:t>)</a:t>
+            </a:r>
+          </a:p>
+          <a:p>
+            <a:r>
+              <a:rPr lang="pt-BR" dirty="0" smtClean="0"/>
+              <a:t>para i ← 0 até k faça</a:t>
+            </a:r>
+          </a:p>
+          <a:p>
+            <a:r>
+              <a:rPr lang="pt-BR" dirty="0"/>
+              <a:t>	</a:t>
+            </a:r>
+            <a:r>
+              <a:rPr lang="pt-BR" dirty="0" smtClean="0"/>
+              <a:t>2C[i</a:t>
+            </a:r>
+            <a:r>
+              <a:rPr lang="pt-BR" dirty="0"/>
+              <a:t>]←0 </a:t>
+            </a:r>
+            <a:r>
+              <a:rPr lang="pt-BR" dirty="0" smtClean="0"/>
+              <a:t>3</a:t>
+            </a:r>
+          </a:p>
+          <a:p>
+            <a:r>
+              <a:rPr lang="pt-BR" dirty="0" smtClean="0"/>
+              <a:t>para j ← 1 até n faça</a:t>
+            </a:r>
+          </a:p>
+          <a:p>
+            <a:r>
+              <a:rPr lang="pt-BR" dirty="0" smtClean="0"/>
+              <a:t>	4C[A[j</a:t>
+            </a:r>
+            <a:r>
+              <a:rPr lang="pt-BR" dirty="0"/>
+              <a:t>]]←C[A[j]]+1 C[i]</a:t>
+            </a:r>
+            <a:r>
+              <a:rPr lang="pt-BR" dirty="0" err="1"/>
+              <a:t>éonúmerodejstaisqueA</a:t>
+            </a:r>
+            <a:r>
+              <a:rPr lang="pt-BR" dirty="0"/>
+              <a:t>[j]=i 5parai←1atékfaça 6C[i]←C[i]+C[i−1] C[i]</a:t>
+            </a:r>
+            <a:r>
+              <a:rPr lang="pt-BR" dirty="0" err="1"/>
+              <a:t>éonúmerodejstaisqueA</a:t>
+            </a:r>
+            <a:r>
+              <a:rPr lang="pt-BR" dirty="0"/>
+              <a:t>[j]≤i 7paraj←ndecrescendoaté1faça 8B[C[A[j]]]←A[j] 9C[A[j]]←C[A[j]]−1</a:t>
+            </a:r>
           </a:p>
         </p:txBody>
       </p:sp>

--- a/Apresentação.pptx
+++ b/Apresentação.pptx
@@ -5,10 +5,10 @@
     <p:sldMasterId id="2147483648" r:id="rId1"/>
   </p:sldMasterIdLst>
   <p:notesMasterIdLst>
-    <p:notesMasterId r:id="rId23"/>
+    <p:notesMasterId r:id="rId14"/>
   </p:notesMasterIdLst>
   <p:handoutMasterIdLst>
-    <p:handoutMasterId r:id="rId24"/>
+    <p:handoutMasterId r:id="rId15"/>
   </p:handoutMasterIdLst>
   <p:sldIdLst>
     <p:sldId id="256" r:id="rId2"/>
@@ -23,15 +23,6 @@
     <p:sldId id="280" r:id="rId11"/>
     <p:sldId id="281" r:id="rId12"/>
     <p:sldId id="282" r:id="rId13"/>
-    <p:sldId id="268" r:id="rId14"/>
-    <p:sldId id="269" r:id="rId15"/>
-    <p:sldId id="271" r:id="rId16"/>
-    <p:sldId id="258" r:id="rId17"/>
-    <p:sldId id="260" r:id="rId18"/>
-    <p:sldId id="261" r:id="rId19"/>
-    <p:sldId id="262" r:id="rId20"/>
-    <p:sldId id="272" r:id="rId21"/>
-    <p:sldId id="264" r:id="rId22"/>
   </p:sldIdLst>
   <p:sldSz cx="9144000" cy="6858000" type="screen4x3"/>
   <p:notesSz cx="6858000" cy="9144000"/>
@@ -533,6 +524,7 @@
     </c:plotArea>
     <c:legend>
       <c:legendPos val="b"/>
+      <c:layout/>
       <c:overlay val="0"/>
       <c:spPr>
         <a:noFill/>
@@ -1094,3224 +1086,6 @@
 </cs:chartStyle>
 </file>
 
-<file path=ppt/diagrams/colors1.xml><?xml version="1.0" encoding="utf-8"?>
-<dgm:colorsDef xmlns:dgm="http://schemas.openxmlformats.org/drawingml/2006/diagram" xmlns:a="http://schemas.openxmlformats.org/drawingml/2006/main" uniqueId="urn:microsoft.com/office/officeart/2005/8/colors/accent0_1">
-  <dgm:title val=""/>
-  <dgm:desc val=""/>
-  <dgm:catLst>
-    <dgm:cat type="mainScheme" pri="10100"/>
-  </dgm:catLst>
-  <dgm:styleLbl name="node0">
-    <dgm:fillClrLst meth="repeat">
-      <a:schemeClr val="lt1"/>
-    </dgm:fillClrLst>
-    <dgm:linClrLst meth="repeat">
-      <a:schemeClr val="dk1">
-        <a:shade val="80000"/>
-      </a:schemeClr>
-    </dgm:linClrLst>
-    <dgm:effectClrLst/>
-    <dgm:txLinClrLst/>
-    <dgm:txFillClrLst meth="repeat">
-      <a:schemeClr val="dk1"/>
-    </dgm:txFillClrLst>
-    <dgm:txEffectClrLst/>
-  </dgm:styleLbl>
-  <dgm:styleLbl name="node1">
-    <dgm:fillClrLst meth="repeat">
-      <a:schemeClr val="lt1"/>
-    </dgm:fillClrLst>
-    <dgm:linClrLst meth="repeat">
-      <a:schemeClr val="dk1">
-        <a:shade val="80000"/>
-      </a:schemeClr>
-    </dgm:linClrLst>
-    <dgm:effectClrLst/>
-    <dgm:txLinClrLst/>
-    <dgm:txFillClrLst meth="repeat">
-      <a:schemeClr val="dk1"/>
-    </dgm:txFillClrLst>
-    <dgm:txEffectClrLst/>
-  </dgm:styleLbl>
-  <dgm:styleLbl name="alignNode1">
-    <dgm:fillClrLst meth="repeat">
-      <a:schemeClr val="lt1"/>
-    </dgm:fillClrLst>
-    <dgm:linClrLst meth="repeat">
-      <a:schemeClr val="dk1">
-        <a:shade val="80000"/>
-      </a:schemeClr>
-    </dgm:linClrLst>
-    <dgm:effectClrLst/>
-    <dgm:txLinClrLst/>
-    <dgm:txFillClrLst meth="repeat">
-      <a:schemeClr val="dk1"/>
-    </dgm:txFillClrLst>
-    <dgm:txEffectClrLst/>
-  </dgm:styleLbl>
-  <dgm:styleLbl name="lnNode1">
-    <dgm:fillClrLst meth="repeat">
-      <a:schemeClr val="lt1"/>
-    </dgm:fillClrLst>
-    <dgm:linClrLst meth="repeat">
-      <a:schemeClr val="dk1">
-        <a:shade val="80000"/>
-      </a:schemeClr>
-    </dgm:linClrLst>
-    <dgm:effectClrLst/>
-    <dgm:txLinClrLst/>
-    <dgm:txFillClrLst meth="repeat">
-      <a:schemeClr val="dk1"/>
-    </dgm:txFillClrLst>
-    <dgm:txEffectClrLst/>
-  </dgm:styleLbl>
-  <dgm:styleLbl name="vennNode1">
-    <dgm:fillClrLst meth="repeat">
-      <a:schemeClr val="lt1">
-        <a:alpha val="50000"/>
-      </a:schemeClr>
-    </dgm:fillClrLst>
-    <dgm:linClrLst meth="repeat">
-      <a:schemeClr val="dk1">
-        <a:shade val="80000"/>
-      </a:schemeClr>
-    </dgm:linClrLst>
-    <dgm:effectClrLst/>
-    <dgm:txLinClrLst/>
-    <dgm:txFillClrLst/>
-    <dgm:txEffectClrLst/>
-  </dgm:styleLbl>
-  <dgm:styleLbl name="node2">
-    <dgm:fillClrLst meth="repeat">
-      <a:schemeClr val="lt1"/>
-    </dgm:fillClrLst>
-    <dgm:linClrLst meth="repeat">
-      <a:schemeClr val="dk1">
-        <a:shade val="80000"/>
-      </a:schemeClr>
-    </dgm:linClrLst>
-    <dgm:effectClrLst/>
-    <dgm:txLinClrLst/>
-    <dgm:txFillClrLst meth="repeat">
-      <a:schemeClr val="dk1"/>
-    </dgm:txFillClrLst>
-    <dgm:txEffectClrLst/>
-  </dgm:styleLbl>
-  <dgm:styleLbl name="node3">
-    <dgm:fillClrLst meth="repeat">
-      <a:schemeClr val="lt1"/>
-    </dgm:fillClrLst>
-    <dgm:linClrLst meth="repeat">
-      <a:schemeClr val="dk1">
-        <a:shade val="80000"/>
-      </a:schemeClr>
-    </dgm:linClrLst>
-    <dgm:effectClrLst/>
-    <dgm:txLinClrLst/>
-    <dgm:txFillClrLst meth="repeat">
-      <a:schemeClr val="dk1"/>
-    </dgm:txFillClrLst>
-    <dgm:txEffectClrLst/>
-  </dgm:styleLbl>
-  <dgm:styleLbl name="node4">
-    <dgm:fillClrLst meth="repeat">
-      <a:schemeClr val="lt1"/>
-    </dgm:fillClrLst>
-    <dgm:linClrLst meth="repeat">
-      <a:schemeClr val="dk1">
-        <a:shade val="80000"/>
-      </a:schemeClr>
-    </dgm:linClrLst>
-    <dgm:effectClrLst/>
-    <dgm:txLinClrLst/>
-    <dgm:txFillClrLst meth="repeat">
-      <a:schemeClr val="dk1"/>
-    </dgm:txFillClrLst>
-    <dgm:txEffectClrLst/>
-  </dgm:styleLbl>
-  <dgm:styleLbl name="fgImgPlace1">
-    <dgm:fillClrLst meth="repeat">
-      <a:schemeClr val="dk1">
-        <a:tint val="40000"/>
-      </a:schemeClr>
-    </dgm:fillClrLst>
-    <dgm:linClrLst meth="repeat">
-      <a:schemeClr val="dk1">
-        <a:shade val="80000"/>
-      </a:schemeClr>
-    </dgm:linClrLst>
-    <dgm:effectClrLst/>
-    <dgm:txLinClrLst/>
-    <dgm:txFillClrLst meth="repeat">
-      <a:schemeClr val="lt1"/>
-    </dgm:txFillClrLst>
-    <dgm:txEffectClrLst/>
-  </dgm:styleLbl>
-  <dgm:styleLbl name="alignImgPlace1">
-    <dgm:fillClrLst meth="repeat">
-      <a:schemeClr val="dk1">
-        <a:tint val="40000"/>
-      </a:schemeClr>
-    </dgm:fillClrLst>
-    <dgm:linClrLst meth="repeat">
-      <a:schemeClr val="dk1">
-        <a:shade val="80000"/>
-      </a:schemeClr>
-    </dgm:linClrLst>
-    <dgm:effectClrLst/>
-    <dgm:txLinClrLst/>
-    <dgm:txFillClrLst meth="repeat">
-      <a:schemeClr val="lt1"/>
-    </dgm:txFillClrLst>
-    <dgm:txEffectClrLst/>
-  </dgm:styleLbl>
-  <dgm:styleLbl name="bgImgPlace1">
-    <dgm:fillClrLst meth="repeat">
-      <a:schemeClr val="dk1">
-        <a:tint val="40000"/>
-      </a:schemeClr>
-    </dgm:fillClrLst>
-    <dgm:linClrLst meth="repeat">
-      <a:schemeClr val="dk1">
-        <a:shade val="80000"/>
-      </a:schemeClr>
-    </dgm:linClrLst>
-    <dgm:effectClrLst/>
-    <dgm:txLinClrLst/>
-    <dgm:txFillClrLst meth="repeat">
-      <a:schemeClr val="lt1"/>
-    </dgm:txFillClrLst>
-    <dgm:txEffectClrLst/>
-  </dgm:styleLbl>
-  <dgm:styleLbl name="sibTrans2D1">
-    <dgm:fillClrLst meth="repeat">
-      <a:schemeClr val="dk1">
-        <a:tint val="60000"/>
-      </a:schemeClr>
-    </dgm:fillClrLst>
-    <dgm:linClrLst meth="repeat">
-      <a:schemeClr val="dk1">
-        <a:tint val="60000"/>
-      </a:schemeClr>
-    </dgm:linClrLst>
-    <dgm:effectClrLst/>
-    <dgm:txLinClrLst/>
-    <dgm:txFillClrLst meth="repeat">
-      <a:schemeClr val="dk1"/>
-    </dgm:txFillClrLst>
-    <dgm:txEffectClrLst/>
-  </dgm:styleLbl>
-  <dgm:styleLbl name="fgSibTrans2D1">
-    <dgm:fillClrLst meth="repeat">
-      <a:schemeClr val="dk1">
-        <a:tint val="60000"/>
-      </a:schemeClr>
-    </dgm:fillClrLst>
-    <dgm:linClrLst meth="repeat">
-      <a:schemeClr val="dk1">
-        <a:tint val="60000"/>
-      </a:schemeClr>
-    </dgm:linClrLst>
-    <dgm:effectClrLst/>
-    <dgm:txLinClrLst/>
-    <dgm:txFillClrLst meth="repeat">
-      <a:schemeClr val="dk1"/>
-    </dgm:txFillClrLst>
-    <dgm:txEffectClrLst/>
-  </dgm:styleLbl>
-  <dgm:styleLbl name="bgSibTrans2D1">
-    <dgm:fillClrLst meth="repeat">
-      <a:schemeClr val="dk1">
-        <a:tint val="60000"/>
-      </a:schemeClr>
-    </dgm:fillClrLst>
-    <dgm:linClrLst meth="repeat">
-      <a:schemeClr val="dk1">
-        <a:tint val="60000"/>
-      </a:schemeClr>
-    </dgm:linClrLst>
-    <dgm:effectClrLst/>
-    <dgm:txLinClrLst/>
-    <dgm:txFillClrLst meth="repeat">
-      <a:schemeClr val="dk1"/>
-    </dgm:txFillClrLst>
-    <dgm:txEffectClrLst/>
-  </dgm:styleLbl>
-  <dgm:styleLbl name="sibTrans1D1">
-    <dgm:fillClrLst meth="repeat">
-      <a:schemeClr val="dk1"/>
-    </dgm:fillClrLst>
-    <dgm:linClrLst meth="repeat">
-      <a:schemeClr val="dk1"/>
-    </dgm:linClrLst>
-    <dgm:effectClrLst/>
-    <dgm:txLinClrLst/>
-    <dgm:txFillClrLst meth="repeat">
-      <a:schemeClr val="tx1"/>
-    </dgm:txFillClrLst>
-    <dgm:txEffectClrLst/>
-  </dgm:styleLbl>
-  <dgm:styleLbl name="callout">
-    <dgm:fillClrLst meth="repeat">
-      <a:schemeClr val="dk1"/>
-    </dgm:fillClrLst>
-    <dgm:linClrLst meth="repeat">
-      <a:schemeClr val="dk1"/>
-    </dgm:linClrLst>
-    <dgm:effectClrLst/>
-    <dgm:txLinClrLst/>
-    <dgm:txFillClrLst meth="repeat">
-      <a:schemeClr val="tx1"/>
-    </dgm:txFillClrLst>
-    <dgm:txEffectClrLst/>
-  </dgm:styleLbl>
-  <dgm:styleLbl name="asst0">
-    <dgm:fillClrLst meth="repeat">
-      <a:schemeClr val="lt1"/>
-    </dgm:fillClrLst>
-    <dgm:linClrLst meth="repeat">
-      <a:schemeClr val="dk1">
-        <a:shade val="80000"/>
-      </a:schemeClr>
-    </dgm:linClrLst>
-    <dgm:effectClrLst/>
-    <dgm:txLinClrLst/>
-    <dgm:txFillClrLst meth="repeat">
-      <a:schemeClr val="dk1"/>
-    </dgm:txFillClrLst>
-    <dgm:txEffectClrLst/>
-  </dgm:styleLbl>
-  <dgm:styleLbl name="asst1">
-    <dgm:fillClrLst meth="repeat">
-      <a:schemeClr val="lt1"/>
-    </dgm:fillClrLst>
-    <dgm:linClrLst meth="repeat">
-      <a:schemeClr val="dk1">
-        <a:shade val="80000"/>
-      </a:schemeClr>
-    </dgm:linClrLst>
-    <dgm:effectClrLst/>
-    <dgm:txLinClrLst/>
-    <dgm:txFillClrLst meth="repeat">
-      <a:schemeClr val="dk1"/>
-    </dgm:txFillClrLst>
-    <dgm:txEffectClrLst/>
-  </dgm:styleLbl>
-  <dgm:styleLbl name="asst2">
-    <dgm:fillClrLst meth="repeat">
-      <a:schemeClr val="lt1"/>
-    </dgm:fillClrLst>
-    <dgm:linClrLst meth="repeat">
-      <a:schemeClr val="dk1">
-        <a:shade val="80000"/>
-      </a:schemeClr>
-    </dgm:linClrLst>
-    <dgm:effectClrLst/>
-    <dgm:txLinClrLst/>
-    <dgm:txFillClrLst meth="repeat">
-      <a:schemeClr val="dk1"/>
-    </dgm:txFillClrLst>
-    <dgm:txEffectClrLst/>
-  </dgm:styleLbl>
-  <dgm:styleLbl name="asst3">
-    <dgm:fillClrLst meth="repeat">
-      <a:schemeClr val="lt1"/>
-    </dgm:fillClrLst>
-    <dgm:linClrLst meth="repeat">
-      <a:schemeClr val="dk1">
-        <a:shade val="80000"/>
-      </a:schemeClr>
-    </dgm:linClrLst>
-    <dgm:effectClrLst/>
-    <dgm:txLinClrLst/>
-    <dgm:txFillClrLst meth="repeat">
-      <a:schemeClr val="dk1"/>
-    </dgm:txFillClrLst>
-    <dgm:txEffectClrLst/>
-  </dgm:styleLbl>
-  <dgm:styleLbl name="asst4">
-    <dgm:fillClrLst meth="repeat">
-      <a:schemeClr val="lt1"/>
-    </dgm:fillClrLst>
-    <dgm:linClrLst meth="repeat">
-      <a:schemeClr val="dk1">
-        <a:shade val="80000"/>
-      </a:schemeClr>
-    </dgm:linClrLst>
-    <dgm:effectClrLst/>
-    <dgm:txLinClrLst/>
-    <dgm:txFillClrLst meth="repeat">
-      <a:schemeClr val="dk1"/>
-    </dgm:txFillClrLst>
-    <dgm:txEffectClrLst/>
-  </dgm:styleLbl>
-  <dgm:styleLbl name="parChTrans2D1">
-    <dgm:fillClrLst meth="repeat">
-      <a:schemeClr val="dk1">
-        <a:tint val="60000"/>
-      </a:schemeClr>
-    </dgm:fillClrLst>
-    <dgm:linClrLst meth="repeat">
-      <a:schemeClr val="dk1">
-        <a:tint val="60000"/>
-      </a:schemeClr>
-    </dgm:linClrLst>
-    <dgm:effectClrLst/>
-    <dgm:txLinClrLst/>
-    <dgm:txFillClrLst/>
-    <dgm:txEffectClrLst/>
-  </dgm:styleLbl>
-  <dgm:styleLbl name="parChTrans2D2">
-    <dgm:fillClrLst meth="repeat">
-      <a:schemeClr val="dk1"/>
-    </dgm:fillClrLst>
-    <dgm:linClrLst meth="repeat">
-      <a:schemeClr val="dk1"/>
-    </dgm:linClrLst>
-    <dgm:effectClrLst/>
-    <dgm:txLinClrLst/>
-    <dgm:txFillClrLst/>
-    <dgm:txEffectClrLst/>
-  </dgm:styleLbl>
-  <dgm:styleLbl name="parChTrans2D3">
-    <dgm:fillClrLst meth="repeat">
-      <a:schemeClr val="dk1"/>
-    </dgm:fillClrLst>
-    <dgm:linClrLst meth="repeat">
-      <a:schemeClr val="dk1"/>
-    </dgm:linClrLst>
-    <dgm:effectClrLst/>
-    <dgm:txLinClrLst/>
-    <dgm:txFillClrLst/>
-    <dgm:txEffectClrLst/>
-  </dgm:styleLbl>
-  <dgm:styleLbl name="parChTrans2D4">
-    <dgm:fillClrLst meth="repeat">
-      <a:schemeClr val="dk1"/>
-    </dgm:fillClrLst>
-    <dgm:linClrLst meth="repeat">
-      <a:schemeClr val="dk1"/>
-    </dgm:linClrLst>
-    <dgm:effectClrLst/>
-    <dgm:txLinClrLst/>
-    <dgm:txFillClrLst meth="repeat">
-      <a:schemeClr val="lt1"/>
-    </dgm:txFillClrLst>
-    <dgm:txEffectClrLst/>
-  </dgm:styleLbl>
-  <dgm:styleLbl name="parChTrans1D1">
-    <dgm:fillClrLst meth="repeat">
-      <a:schemeClr val="dk1"/>
-    </dgm:fillClrLst>
-    <dgm:linClrLst meth="repeat">
-      <a:schemeClr val="dk1">
-        <a:shade val="60000"/>
-      </a:schemeClr>
-    </dgm:linClrLst>
-    <dgm:effectClrLst/>
-    <dgm:txLinClrLst/>
-    <dgm:txFillClrLst meth="repeat">
-      <a:schemeClr val="tx1"/>
-    </dgm:txFillClrLst>
-    <dgm:txEffectClrLst/>
-  </dgm:styleLbl>
-  <dgm:styleLbl name="parChTrans1D2">
-    <dgm:fillClrLst meth="repeat">
-      <a:schemeClr val="dk1"/>
-    </dgm:fillClrLst>
-    <dgm:linClrLst meth="repeat">
-      <a:schemeClr val="dk1">
-        <a:shade val="60000"/>
-      </a:schemeClr>
-    </dgm:linClrLst>
-    <dgm:effectClrLst/>
-    <dgm:txLinClrLst/>
-    <dgm:txFillClrLst meth="repeat">
-      <a:schemeClr val="tx1"/>
-    </dgm:txFillClrLst>
-    <dgm:txEffectClrLst/>
-  </dgm:styleLbl>
-  <dgm:styleLbl name="parChTrans1D3">
-    <dgm:fillClrLst meth="repeat">
-      <a:schemeClr val="dk1"/>
-    </dgm:fillClrLst>
-    <dgm:linClrLst meth="repeat">
-      <a:schemeClr val="dk1">
-        <a:shade val="80000"/>
-      </a:schemeClr>
-    </dgm:linClrLst>
-    <dgm:effectClrLst/>
-    <dgm:txLinClrLst/>
-    <dgm:txFillClrLst meth="repeat">
-      <a:schemeClr val="tx1"/>
-    </dgm:txFillClrLst>
-    <dgm:txEffectClrLst/>
-  </dgm:styleLbl>
-  <dgm:styleLbl name="parChTrans1D4">
-    <dgm:fillClrLst meth="repeat">
-      <a:schemeClr val="dk1"/>
-    </dgm:fillClrLst>
-    <dgm:linClrLst meth="repeat">
-      <a:schemeClr val="dk1">
-        <a:shade val="80000"/>
-      </a:schemeClr>
-    </dgm:linClrLst>
-    <dgm:effectClrLst/>
-    <dgm:txLinClrLst/>
-    <dgm:txFillClrLst meth="repeat">
-      <a:schemeClr val="tx1"/>
-    </dgm:txFillClrLst>
-    <dgm:txEffectClrLst/>
-  </dgm:styleLbl>
-  <dgm:styleLbl name="fgAcc1">
-    <dgm:fillClrLst meth="repeat">
-      <a:schemeClr val="dk1">
-        <a:alpha val="90000"/>
-        <a:tint val="40000"/>
-      </a:schemeClr>
-    </dgm:fillClrLst>
-    <dgm:linClrLst meth="repeat">
-      <a:schemeClr val="dk1"/>
-    </dgm:linClrLst>
-    <dgm:effectClrLst/>
-    <dgm:txLinClrLst/>
-    <dgm:txFillClrLst meth="repeat">
-      <a:schemeClr val="dk1"/>
-    </dgm:txFillClrLst>
-    <dgm:txEffectClrLst/>
-  </dgm:styleLbl>
-  <dgm:styleLbl name="conFgAcc1">
-    <dgm:fillClrLst meth="repeat">
-      <a:schemeClr val="dk1">
-        <a:alpha val="90000"/>
-        <a:tint val="40000"/>
-      </a:schemeClr>
-    </dgm:fillClrLst>
-    <dgm:linClrLst meth="repeat">
-      <a:schemeClr val="dk1"/>
-    </dgm:linClrLst>
-    <dgm:effectClrLst/>
-    <dgm:txLinClrLst/>
-    <dgm:txFillClrLst meth="repeat">
-      <a:schemeClr val="dk1"/>
-    </dgm:txFillClrLst>
-    <dgm:txEffectClrLst/>
-  </dgm:styleLbl>
-  <dgm:styleLbl name="alignAcc1">
-    <dgm:fillClrLst meth="repeat">
-      <a:schemeClr val="dk1">
-        <a:alpha val="90000"/>
-        <a:tint val="40000"/>
-      </a:schemeClr>
-    </dgm:fillClrLst>
-    <dgm:linClrLst meth="repeat">
-      <a:schemeClr val="dk1"/>
-    </dgm:linClrLst>
-    <dgm:effectClrLst/>
-    <dgm:txLinClrLst/>
-    <dgm:txFillClrLst meth="repeat">
-      <a:schemeClr val="dk1"/>
-    </dgm:txFillClrLst>
-    <dgm:txEffectClrLst/>
-  </dgm:styleLbl>
-  <dgm:styleLbl name="trAlignAcc1">
-    <dgm:fillClrLst meth="repeat">
-      <a:schemeClr val="dk1">
-        <a:alpha val="40000"/>
-        <a:tint val="40000"/>
-      </a:schemeClr>
-    </dgm:fillClrLst>
-    <dgm:linClrLst meth="repeat">
-      <a:schemeClr val="dk1"/>
-    </dgm:linClrLst>
-    <dgm:effectClrLst/>
-    <dgm:txLinClrLst/>
-    <dgm:txFillClrLst meth="repeat">
-      <a:schemeClr val="dk1"/>
-    </dgm:txFillClrLst>
-    <dgm:txEffectClrLst/>
-  </dgm:styleLbl>
-  <dgm:styleLbl name="bgAcc1">
-    <dgm:fillClrLst meth="repeat">
-      <a:schemeClr val="dk1">
-        <a:alpha val="90000"/>
-        <a:tint val="40000"/>
-      </a:schemeClr>
-    </dgm:fillClrLst>
-    <dgm:linClrLst meth="repeat">
-      <a:schemeClr val="dk1"/>
-    </dgm:linClrLst>
-    <dgm:effectClrLst/>
-    <dgm:txLinClrLst/>
-    <dgm:txFillClrLst meth="repeat">
-      <a:schemeClr val="dk1"/>
-    </dgm:txFillClrLst>
-    <dgm:txEffectClrLst/>
-  </dgm:styleLbl>
-  <dgm:styleLbl name="solidFgAcc1">
-    <dgm:fillClrLst meth="repeat">
-      <a:schemeClr val="lt1"/>
-    </dgm:fillClrLst>
-    <dgm:linClrLst meth="repeat">
-      <a:schemeClr val="dk1"/>
-    </dgm:linClrLst>
-    <dgm:effectClrLst/>
-    <dgm:txLinClrLst/>
-    <dgm:txFillClrLst meth="repeat">
-      <a:schemeClr val="dk1"/>
-    </dgm:txFillClrLst>
-    <dgm:txEffectClrLst/>
-  </dgm:styleLbl>
-  <dgm:styleLbl name="solidAlignAcc1">
-    <dgm:fillClrLst meth="repeat">
-      <a:schemeClr val="lt1"/>
-    </dgm:fillClrLst>
-    <dgm:linClrLst meth="repeat">
-      <a:schemeClr val="dk1"/>
-    </dgm:linClrLst>
-    <dgm:effectClrLst/>
-    <dgm:txLinClrLst/>
-    <dgm:txFillClrLst meth="repeat">
-      <a:schemeClr val="dk1"/>
-    </dgm:txFillClrLst>
-    <dgm:txEffectClrLst/>
-  </dgm:styleLbl>
-  <dgm:styleLbl name="solidBgAcc1">
-    <dgm:fillClrLst meth="repeat">
-      <a:schemeClr val="lt1"/>
-    </dgm:fillClrLst>
-    <dgm:linClrLst meth="repeat">
-      <a:schemeClr val="dk1"/>
-    </dgm:linClrLst>
-    <dgm:effectClrLst/>
-    <dgm:txLinClrLst/>
-    <dgm:txFillClrLst meth="repeat">
-      <a:schemeClr val="dk1"/>
-    </dgm:txFillClrLst>
-    <dgm:txEffectClrLst/>
-  </dgm:styleLbl>
-  <dgm:styleLbl name="fgAccFollowNode1">
-    <dgm:fillClrLst meth="repeat">
-      <a:schemeClr val="lt1">
-        <a:alpha val="90000"/>
-        <a:tint val="40000"/>
-      </a:schemeClr>
-    </dgm:fillClrLst>
-    <dgm:linClrLst meth="repeat">
-      <a:schemeClr val="dk1">
-        <a:alpha val="90000"/>
-      </a:schemeClr>
-    </dgm:linClrLst>
-    <dgm:effectClrLst/>
-    <dgm:txLinClrLst/>
-    <dgm:txFillClrLst meth="repeat">
-      <a:schemeClr val="dk1"/>
-    </dgm:txFillClrLst>
-    <dgm:txEffectClrLst/>
-  </dgm:styleLbl>
-  <dgm:styleLbl name="alignAccFollowNode1">
-    <dgm:fillClrLst meth="repeat">
-      <a:schemeClr val="lt1">
-        <a:alpha val="90000"/>
-        <a:tint val="40000"/>
-      </a:schemeClr>
-    </dgm:fillClrLst>
-    <dgm:linClrLst meth="repeat">
-      <a:schemeClr val="dk1">
-        <a:alpha val="90000"/>
-      </a:schemeClr>
-    </dgm:linClrLst>
-    <dgm:effectClrLst/>
-    <dgm:txLinClrLst/>
-    <dgm:txFillClrLst meth="repeat">
-      <a:schemeClr val="dk1"/>
-    </dgm:txFillClrLst>
-    <dgm:txEffectClrLst/>
-  </dgm:styleLbl>
-  <dgm:styleLbl name="bgAccFollowNode1">
-    <dgm:fillClrLst meth="repeat">
-      <a:schemeClr val="lt1">
-        <a:alpha val="90000"/>
-        <a:tint val="40000"/>
-      </a:schemeClr>
-    </dgm:fillClrLst>
-    <dgm:linClrLst meth="repeat">
-      <a:schemeClr val="dk1">
-        <a:alpha val="90000"/>
-      </a:schemeClr>
-    </dgm:linClrLst>
-    <dgm:effectClrLst/>
-    <dgm:txLinClrLst/>
-    <dgm:txFillClrLst meth="repeat">
-      <a:schemeClr val="dk1"/>
-    </dgm:txFillClrLst>
-    <dgm:txEffectClrLst/>
-  </dgm:styleLbl>
-  <dgm:styleLbl name="fgAcc0">
-    <dgm:fillClrLst meth="repeat">
-      <a:schemeClr val="dk1">
-        <a:alpha val="90000"/>
-        <a:tint val="40000"/>
-      </a:schemeClr>
-    </dgm:fillClrLst>
-    <dgm:linClrLst meth="repeat">
-      <a:schemeClr val="dk1"/>
-    </dgm:linClrLst>
-    <dgm:effectClrLst/>
-    <dgm:txLinClrLst/>
-    <dgm:txFillClrLst meth="repeat">
-      <a:schemeClr val="dk1"/>
-    </dgm:txFillClrLst>
-    <dgm:txEffectClrLst/>
-  </dgm:styleLbl>
-  <dgm:styleLbl name="fgAcc2">
-    <dgm:fillClrLst meth="repeat">
-      <a:schemeClr val="dk1">
-        <a:alpha val="90000"/>
-        <a:tint val="40000"/>
-      </a:schemeClr>
-    </dgm:fillClrLst>
-    <dgm:linClrLst meth="repeat">
-      <a:schemeClr val="dk1"/>
-    </dgm:linClrLst>
-    <dgm:effectClrLst/>
-    <dgm:txLinClrLst/>
-    <dgm:txFillClrLst meth="repeat">
-      <a:schemeClr val="dk1"/>
-    </dgm:txFillClrLst>
-    <dgm:txEffectClrLst/>
-  </dgm:styleLbl>
-  <dgm:styleLbl name="fgAcc3">
-    <dgm:fillClrLst meth="repeat">
-      <a:schemeClr val="dk1">
-        <a:alpha val="90000"/>
-        <a:tint val="40000"/>
-      </a:schemeClr>
-    </dgm:fillClrLst>
-    <dgm:linClrLst meth="repeat">
-      <a:schemeClr val="dk1"/>
-    </dgm:linClrLst>
-    <dgm:effectClrLst/>
-    <dgm:txLinClrLst/>
-    <dgm:txFillClrLst meth="repeat">
-      <a:schemeClr val="dk1"/>
-    </dgm:txFillClrLst>
-    <dgm:txEffectClrLst/>
-  </dgm:styleLbl>
-  <dgm:styleLbl name="fgAcc4">
-    <dgm:fillClrLst meth="repeat">
-      <a:schemeClr val="dk1">
-        <a:alpha val="90000"/>
-        <a:tint val="40000"/>
-      </a:schemeClr>
-    </dgm:fillClrLst>
-    <dgm:linClrLst meth="repeat">
-      <a:schemeClr val="dk1"/>
-    </dgm:linClrLst>
-    <dgm:effectClrLst/>
-    <dgm:txLinClrLst/>
-    <dgm:txFillClrLst meth="repeat">
-      <a:schemeClr val="dk1"/>
-    </dgm:txFillClrLst>
-    <dgm:txEffectClrLst/>
-  </dgm:styleLbl>
-  <dgm:styleLbl name="bgShp">
-    <dgm:fillClrLst meth="repeat">
-      <a:schemeClr val="dk1">
-        <a:tint val="40000"/>
-      </a:schemeClr>
-    </dgm:fillClrLst>
-    <dgm:linClrLst meth="repeat">
-      <a:schemeClr val="dk1"/>
-    </dgm:linClrLst>
-    <dgm:effectClrLst/>
-    <dgm:txLinClrLst/>
-    <dgm:txFillClrLst meth="repeat">
-      <a:schemeClr val="dk1"/>
-    </dgm:txFillClrLst>
-    <dgm:txEffectClrLst/>
-  </dgm:styleLbl>
-  <dgm:styleLbl name="dkBgShp">
-    <dgm:fillClrLst meth="repeat">
-      <a:schemeClr val="dk1">
-        <a:shade val="80000"/>
-      </a:schemeClr>
-    </dgm:fillClrLst>
-    <dgm:linClrLst meth="repeat">
-      <a:schemeClr val="dk1"/>
-    </dgm:linClrLst>
-    <dgm:effectClrLst/>
-    <dgm:txLinClrLst/>
-    <dgm:txFillClrLst meth="repeat">
-      <a:schemeClr val="lt1"/>
-    </dgm:txFillClrLst>
-    <dgm:txEffectClrLst/>
-  </dgm:styleLbl>
-  <dgm:styleLbl name="trBgShp">
-    <dgm:fillClrLst meth="repeat">
-      <a:schemeClr val="dk1">
-        <a:tint val="50000"/>
-        <a:alpha val="40000"/>
-      </a:schemeClr>
-    </dgm:fillClrLst>
-    <dgm:linClrLst meth="repeat">
-      <a:schemeClr val="dk1"/>
-    </dgm:linClrLst>
-    <dgm:effectClrLst/>
-    <dgm:txLinClrLst/>
-    <dgm:txFillClrLst meth="repeat">
-      <a:schemeClr val="lt1"/>
-    </dgm:txFillClrLst>
-    <dgm:txEffectClrLst/>
-  </dgm:styleLbl>
-  <dgm:styleLbl name="fgShp">
-    <dgm:fillClrLst meth="repeat">
-      <a:schemeClr val="dk1">
-        <a:tint val="60000"/>
-      </a:schemeClr>
-    </dgm:fillClrLst>
-    <dgm:linClrLst meth="repeat">
-      <a:schemeClr val="lt1"/>
-    </dgm:linClrLst>
-    <dgm:effectClrLst/>
-    <dgm:txLinClrLst/>
-    <dgm:txFillClrLst meth="repeat">
-      <a:schemeClr val="dk1"/>
-    </dgm:txFillClrLst>
-    <dgm:txEffectClrLst/>
-  </dgm:styleLbl>
-  <dgm:styleLbl name="revTx">
-    <dgm:fillClrLst meth="repeat">
-      <a:schemeClr val="lt1">
-        <a:alpha val="0"/>
-      </a:schemeClr>
-    </dgm:fillClrLst>
-    <dgm:linClrLst meth="repeat">
-      <a:schemeClr val="dk1">
-        <a:alpha val="0"/>
-      </a:schemeClr>
-    </dgm:linClrLst>
-    <dgm:effectClrLst/>
-    <dgm:txLinClrLst/>
-    <dgm:txFillClrLst meth="repeat">
-      <a:schemeClr val="tx1"/>
-    </dgm:txFillClrLst>
-    <dgm:txEffectClrLst/>
-  </dgm:styleLbl>
-</dgm:colorsDef>
-</file>
-
-<file path=ppt/diagrams/data1.xml><?xml version="1.0" encoding="utf-8"?>
-<dgm:dataModel xmlns:dgm="http://schemas.openxmlformats.org/drawingml/2006/diagram" xmlns:a="http://schemas.openxmlformats.org/drawingml/2006/main">
-  <dgm:ptLst>
-    <dgm:pt modelId="{3183185A-2A53-4D8C-8F32-C845F2F70CBF}" type="doc">
-      <dgm:prSet loTypeId="urn:microsoft.com/office/officeart/2005/8/layout/chevron2" loCatId="list" qsTypeId="urn:microsoft.com/office/officeart/2005/8/quickstyle/simple1" qsCatId="simple" csTypeId="urn:microsoft.com/office/officeart/2005/8/colors/accent0_1" csCatId="mainScheme" phldr="1"/>
-      <dgm:spPr/>
-      <dgm:t>
-        <a:bodyPr rtlCol="0"/>
-        <a:lstStyle/>
-        <a:p>
-          <a:pPr rtl="0"/>
-          <a:endParaRPr lang="en-US"/>
-        </a:p>
-      </dgm:t>
-    </dgm:pt>
-    <dgm:pt modelId="{758CBA3A-9936-4C67-965C-A8DD3074879B}">
-      <dgm:prSet phldrT="[Text]"/>
-      <dgm:spPr/>
-      <dgm:t>
-        <a:bodyPr rtlCol="0"/>
-        <a:lstStyle/>
-        <a:p>
-          <a:pPr rtl="0"/>
-          <a:r>
-            <a:rPr lang="pt-BR" noProof="0" dirty="0" smtClean="0"/>
-            <a:t>A</a:t>
-          </a:r>
-          <a:endParaRPr lang="pt-BR" noProof="0" dirty="0"/>
-        </a:p>
-      </dgm:t>
-      <dgm:extLst>
-        <a:ext uri="{E40237B7-FDA0-4F09-8148-C483321AD2D9}">
-          <dgm14:cNvPr xmlns:dgm14="http://schemas.microsoft.com/office/drawing/2010/diagram" id="0" name="" title="Group A"/>
-        </a:ext>
-      </dgm:extLst>
-    </dgm:pt>
-    <dgm:pt modelId="{39812E31-9C15-4A6C-B8B9-78CE6FB555B1}" type="parTrans" cxnId="{F717B596-7122-4C3F-9238-14763508386B}">
-      <dgm:prSet/>
-      <dgm:spPr/>
-      <dgm:t>
-        <a:bodyPr rtlCol="0"/>
-        <a:lstStyle/>
-        <a:p>
-          <a:pPr rtl="0"/>
-          <a:endParaRPr lang="pt-BR" noProof="0" dirty="0"/>
-        </a:p>
-      </dgm:t>
-    </dgm:pt>
-    <dgm:pt modelId="{290E9CBE-1634-47AD-B973-508944073D35}" type="sibTrans" cxnId="{F717B596-7122-4C3F-9238-14763508386B}">
-      <dgm:prSet/>
-      <dgm:spPr/>
-      <dgm:t>
-        <a:bodyPr rtlCol="0"/>
-        <a:lstStyle/>
-        <a:p>
-          <a:pPr rtl="0"/>
-          <a:endParaRPr lang="pt-BR" noProof="0" dirty="0"/>
-        </a:p>
-      </dgm:t>
-    </dgm:pt>
-    <dgm:pt modelId="{E90264E4-81CE-47E1-80E3-2624D8E5DFEE}">
-      <dgm:prSet phldrT="[Text]"/>
-      <dgm:spPr/>
-      <dgm:t>
-        <a:bodyPr rtlCol="0"/>
-        <a:lstStyle/>
-        <a:p>
-          <a:pPr rtl="0"/>
-          <a:r>
-            <a:rPr lang="pt-BR" noProof="0" dirty="0" smtClean="0"/>
-            <a:t>Tarefa 1</a:t>
-          </a:r>
-          <a:endParaRPr lang="pt-BR" noProof="0" dirty="0"/>
-        </a:p>
-      </dgm:t>
-      <dgm:extLst>
-        <a:ext uri="{E40237B7-FDA0-4F09-8148-C483321AD2D9}">
-          <dgm14:cNvPr xmlns:dgm14="http://schemas.microsoft.com/office/drawing/2010/diagram" id="0" name="" title="Task 1 and task 2 under group A"/>
-        </a:ext>
-      </dgm:extLst>
-    </dgm:pt>
-    <dgm:pt modelId="{79881485-DDC4-4A70-AA7E-393B9FD5747B}" type="parTrans" cxnId="{F3B89C52-602F-49F7-B10E-F3B64BCDF706}">
-      <dgm:prSet/>
-      <dgm:spPr/>
-      <dgm:t>
-        <a:bodyPr rtlCol="0"/>
-        <a:lstStyle/>
-        <a:p>
-          <a:pPr rtl="0"/>
-          <a:endParaRPr lang="pt-BR" noProof="0" dirty="0"/>
-        </a:p>
-      </dgm:t>
-    </dgm:pt>
-    <dgm:pt modelId="{F41EE2E3-AB57-4E33-8FAD-2DCFFB467FDC}" type="sibTrans" cxnId="{F3B89C52-602F-49F7-B10E-F3B64BCDF706}">
-      <dgm:prSet/>
-      <dgm:spPr/>
-      <dgm:t>
-        <a:bodyPr rtlCol="0"/>
-        <a:lstStyle/>
-        <a:p>
-          <a:pPr rtl="0"/>
-          <a:endParaRPr lang="pt-BR" noProof="0" dirty="0"/>
-        </a:p>
-      </dgm:t>
-    </dgm:pt>
-    <dgm:pt modelId="{B8D53E29-122A-46E1-B481-B57598D97444}">
-      <dgm:prSet phldrT="[Text]"/>
-      <dgm:spPr/>
-      <dgm:t>
-        <a:bodyPr rtlCol="0"/>
-        <a:lstStyle/>
-        <a:p>
-          <a:pPr rtl="0"/>
-          <a:r>
-            <a:rPr lang="pt-BR" noProof="0" dirty="0" smtClean="0"/>
-            <a:t>Tarefa 2</a:t>
-          </a:r>
-          <a:endParaRPr lang="pt-BR" noProof="0" dirty="0"/>
-        </a:p>
-      </dgm:t>
-    </dgm:pt>
-    <dgm:pt modelId="{EF8E1F9D-EFFE-4283-A7B6-A44D3292ACA4}" type="parTrans" cxnId="{C5FFCAE6-64D2-4A77-B85B-A376B2EE8E4F}">
-      <dgm:prSet/>
-      <dgm:spPr/>
-      <dgm:t>
-        <a:bodyPr rtlCol="0"/>
-        <a:lstStyle/>
-        <a:p>
-          <a:pPr rtl="0"/>
-          <a:endParaRPr lang="pt-BR" noProof="0" dirty="0"/>
-        </a:p>
-      </dgm:t>
-    </dgm:pt>
-    <dgm:pt modelId="{99B04B81-08CA-46AC-951C-217069AEF451}" type="sibTrans" cxnId="{C5FFCAE6-64D2-4A77-B85B-A376B2EE8E4F}">
-      <dgm:prSet/>
-      <dgm:spPr/>
-      <dgm:t>
-        <a:bodyPr rtlCol="0"/>
-        <a:lstStyle/>
-        <a:p>
-          <a:pPr rtl="0"/>
-          <a:endParaRPr lang="pt-BR" noProof="0" dirty="0"/>
-        </a:p>
-      </dgm:t>
-    </dgm:pt>
-    <dgm:pt modelId="{15031D9C-993C-4715-A26F-56D8831933EB}">
-      <dgm:prSet phldrT="[Text]"/>
-      <dgm:spPr/>
-      <dgm:t>
-        <a:bodyPr rtlCol="0"/>
-        <a:lstStyle/>
-        <a:p>
-          <a:pPr rtl="0"/>
-          <a:r>
-            <a:rPr lang="pt-BR" noProof="0" dirty="0" smtClean="0"/>
-            <a:t>B</a:t>
-          </a:r>
-          <a:endParaRPr lang="pt-BR" noProof="0" dirty="0"/>
-        </a:p>
-      </dgm:t>
-      <dgm:extLst>
-        <a:ext uri="{E40237B7-FDA0-4F09-8148-C483321AD2D9}">
-          <dgm14:cNvPr xmlns:dgm14="http://schemas.microsoft.com/office/drawing/2010/diagram" id="0" name="" title="Group B"/>
-        </a:ext>
-      </dgm:extLst>
-    </dgm:pt>
-    <dgm:pt modelId="{77530735-8AD3-469C-AEC2-B5B17A08AF65}" type="parTrans" cxnId="{C8C2ADA0-316E-46E3-A4D5-49BD4A9A4B0B}">
-      <dgm:prSet/>
-      <dgm:spPr/>
-      <dgm:t>
-        <a:bodyPr rtlCol="0"/>
-        <a:lstStyle/>
-        <a:p>
-          <a:pPr rtl="0"/>
-          <a:endParaRPr lang="pt-BR" noProof="0" dirty="0"/>
-        </a:p>
-      </dgm:t>
-    </dgm:pt>
-    <dgm:pt modelId="{FB1D36D5-798A-40AA-91C3-3F3E5AF1A86F}" type="sibTrans" cxnId="{C8C2ADA0-316E-46E3-A4D5-49BD4A9A4B0B}">
-      <dgm:prSet/>
-      <dgm:spPr/>
-      <dgm:t>
-        <a:bodyPr rtlCol="0"/>
-        <a:lstStyle/>
-        <a:p>
-          <a:pPr rtl="0"/>
-          <a:endParaRPr lang="pt-BR" noProof="0" dirty="0"/>
-        </a:p>
-      </dgm:t>
-    </dgm:pt>
-    <dgm:pt modelId="{07B93839-AE15-473C-B47B-27FA5DBEE4E9}">
-      <dgm:prSet phldrT="[Text]"/>
-      <dgm:spPr/>
-      <dgm:t>
-        <a:bodyPr rtlCol="0"/>
-        <a:lstStyle/>
-        <a:p>
-          <a:pPr rtl="0"/>
-          <a:r>
-            <a:rPr lang="pt-BR" noProof="0" dirty="0" smtClean="0"/>
-            <a:t>Tarefa 1</a:t>
-          </a:r>
-          <a:endParaRPr lang="pt-BR" noProof="0" dirty="0"/>
-        </a:p>
-      </dgm:t>
-      <dgm:extLst>
-        <a:ext uri="{E40237B7-FDA0-4F09-8148-C483321AD2D9}">
-          <dgm14:cNvPr xmlns:dgm14="http://schemas.microsoft.com/office/drawing/2010/diagram" id="0" name="" title="Task 1 and task 2 under group B"/>
-        </a:ext>
-      </dgm:extLst>
-    </dgm:pt>
-    <dgm:pt modelId="{2BEFC288-C4D1-45AF-B679-7A41333941DE}" type="parTrans" cxnId="{4D38D698-DC6D-4926-9520-43A255B536D4}">
-      <dgm:prSet/>
-      <dgm:spPr/>
-      <dgm:t>
-        <a:bodyPr rtlCol="0"/>
-        <a:lstStyle/>
-        <a:p>
-          <a:pPr rtl="0"/>
-          <a:endParaRPr lang="pt-BR" noProof="0" dirty="0"/>
-        </a:p>
-      </dgm:t>
-    </dgm:pt>
-    <dgm:pt modelId="{0468DBFC-CB2D-4B3A-AAE7-09352D12344E}" type="sibTrans" cxnId="{4D38D698-DC6D-4926-9520-43A255B536D4}">
-      <dgm:prSet/>
-      <dgm:spPr/>
-      <dgm:t>
-        <a:bodyPr rtlCol="0"/>
-        <a:lstStyle/>
-        <a:p>
-          <a:pPr rtl="0"/>
-          <a:endParaRPr lang="pt-BR" noProof="0" dirty="0"/>
-        </a:p>
-      </dgm:t>
-    </dgm:pt>
-    <dgm:pt modelId="{23C50191-A44D-4110-97C1-1DC6F9FD79CA}">
-      <dgm:prSet phldrT="[Text]"/>
-      <dgm:spPr/>
-      <dgm:t>
-        <a:bodyPr rtlCol="0"/>
-        <a:lstStyle/>
-        <a:p>
-          <a:pPr rtl="0"/>
-          <a:r>
-            <a:rPr lang="pt-BR" noProof="0" dirty="0" smtClean="0"/>
-            <a:t>Tarefa 2</a:t>
-          </a:r>
-          <a:endParaRPr lang="pt-BR" noProof="0" dirty="0"/>
-        </a:p>
-      </dgm:t>
-    </dgm:pt>
-    <dgm:pt modelId="{E183CF6D-105A-4EAB-A780-A97B120C1182}" type="parTrans" cxnId="{A71F00B0-D098-4236-AD79-95FC48F754F5}">
-      <dgm:prSet/>
-      <dgm:spPr/>
-      <dgm:t>
-        <a:bodyPr rtlCol="0"/>
-        <a:lstStyle/>
-        <a:p>
-          <a:pPr rtl="0"/>
-          <a:endParaRPr lang="pt-BR" noProof="0" dirty="0"/>
-        </a:p>
-      </dgm:t>
-    </dgm:pt>
-    <dgm:pt modelId="{8625F877-DCE4-4E39-929E-7FA0A761B660}" type="sibTrans" cxnId="{A71F00B0-D098-4236-AD79-95FC48F754F5}">
-      <dgm:prSet/>
-      <dgm:spPr/>
-      <dgm:t>
-        <a:bodyPr rtlCol="0"/>
-        <a:lstStyle/>
-        <a:p>
-          <a:pPr rtl="0"/>
-          <a:endParaRPr lang="pt-BR" noProof="0" dirty="0"/>
-        </a:p>
-      </dgm:t>
-    </dgm:pt>
-    <dgm:pt modelId="{2936D842-720E-4365-AD39-F6EAEC441633}">
-      <dgm:prSet phldrT="[Text]"/>
-      <dgm:spPr/>
-      <dgm:t>
-        <a:bodyPr rtlCol="0"/>
-        <a:lstStyle/>
-        <a:p>
-          <a:pPr rtl="0"/>
-          <a:r>
-            <a:rPr lang="pt-BR" noProof="0" dirty="0" smtClean="0"/>
-            <a:t>C</a:t>
-          </a:r>
-          <a:endParaRPr lang="pt-BR" noProof="0" dirty="0"/>
-        </a:p>
-      </dgm:t>
-      <dgm:extLst>
-        <a:ext uri="{E40237B7-FDA0-4F09-8148-C483321AD2D9}">
-          <dgm14:cNvPr xmlns:dgm14="http://schemas.microsoft.com/office/drawing/2010/diagram" id="0" name="" title="Group C"/>
-        </a:ext>
-      </dgm:extLst>
-    </dgm:pt>
-    <dgm:pt modelId="{13139645-28B0-41D9-8ED9-DA67D736E51B}" type="parTrans" cxnId="{3A8ECB28-E23B-45B6-8C84-8AF5114507DE}">
-      <dgm:prSet/>
-      <dgm:spPr/>
-      <dgm:t>
-        <a:bodyPr rtlCol="0"/>
-        <a:lstStyle/>
-        <a:p>
-          <a:pPr rtl="0"/>
-          <a:endParaRPr lang="pt-BR" noProof="0" dirty="0"/>
-        </a:p>
-      </dgm:t>
-    </dgm:pt>
-    <dgm:pt modelId="{96C19FF6-672B-4588-9D93-2A932D4ACF8D}" type="sibTrans" cxnId="{3A8ECB28-E23B-45B6-8C84-8AF5114507DE}">
-      <dgm:prSet/>
-      <dgm:spPr/>
-      <dgm:t>
-        <a:bodyPr rtlCol="0"/>
-        <a:lstStyle/>
-        <a:p>
-          <a:pPr rtl="0"/>
-          <a:endParaRPr lang="pt-BR" noProof="0" dirty="0"/>
-        </a:p>
-      </dgm:t>
-    </dgm:pt>
-    <dgm:pt modelId="{A05E8D05-15E6-4BEC-B725-D745A48258D3}">
-      <dgm:prSet phldrT="[Text]"/>
-      <dgm:spPr/>
-      <dgm:t>
-        <a:bodyPr rtlCol="0"/>
-        <a:lstStyle/>
-        <a:p>
-          <a:pPr rtl="0"/>
-          <a:r>
-            <a:rPr lang="pt-BR" noProof="0" dirty="0" smtClean="0"/>
-            <a:t>Tarefa 1</a:t>
-          </a:r>
-          <a:endParaRPr lang="pt-BR" noProof="0" dirty="0"/>
-        </a:p>
-      </dgm:t>
-      <dgm:extLst>
-        <a:ext uri="{E40237B7-FDA0-4F09-8148-C483321AD2D9}">
-          <dgm14:cNvPr xmlns:dgm14="http://schemas.microsoft.com/office/drawing/2010/diagram" id="0" name="" title="Task 1 and task 2 under group C"/>
-        </a:ext>
-      </dgm:extLst>
-    </dgm:pt>
-    <dgm:pt modelId="{29C49A6E-36B2-41D1-83D5-6B58713D5DAF}" type="parTrans" cxnId="{EFE22C42-C667-4B7A-8208-6758BAEC1445}">
-      <dgm:prSet/>
-      <dgm:spPr/>
-      <dgm:t>
-        <a:bodyPr rtlCol="0"/>
-        <a:lstStyle/>
-        <a:p>
-          <a:pPr rtl="0"/>
-          <a:endParaRPr lang="pt-BR" noProof="0" dirty="0"/>
-        </a:p>
-      </dgm:t>
-    </dgm:pt>
-    <dgm:pt modelId="{EA09E308-F440-47C6-8C86-B63BABC170D9}" type="sibTrans" cxnId="{EFE22C42-C667-4B7A-8208-6758BAEC1445}">
-      <dgm:prSet/>
-      <dgm:spPr/>
-      <dgm:t>
-        <a:bodyPr rtlCol="0"/>
-        <a:lstStyle/>
-        <a:p>
-          <a:pPr rtl="0"/>
-          <a:endParaRPr lang="pt-BR" noProof="0" dirty="0"/>
-        </a:p>
-      </dgm:t>
-    </dgm:pt>
-    <dgm:pt modelId="{501543CC-DA58-457B-906B-32038F856438}">
-      <dgm:prSet phldrT="[Text]"/>
-      <dgm:spPr/>
-      <dgm:t>
-        <a:bodyPr rtlCol="0"/>
-        <a:lstStyle/>
-        <a:p>
-          <a:pPr rtl="0"/>
-          <a:r>
-            <a:rPr lang="pt-BR" noProof="0" dirty="0" smtClean="0"/>
-            <a:t>Tarefa 2</a:t>
-          </a:r>
-          <a:endParaRPr lang="pt-BR" noProof="0" dirty="0"/>
-        </a:p>
-      </dgm:t>
-    </dgm:pt>
-    <dgm:pt modelId="{5E67377B-1C69-4BC4-AA80-867A0F76CC63}" type="parTrans" cxnId="{828862EB-D32C-4FA8-A0B8-53A1BB9A1CA8}">
-      <dgm:prSet/>
-      <dgm:spPr/>
-      <dgm:t>
-        <a:bodyPr rtlCol="0"/>
-        <a:lstStyle/>
-        <a:p>
-          <a:pPr rtl="0"/>
-          <a:endParaRPr lang="pt-BR" noProof="0" dirty="0"/>
-        </a:p>
-      </dgm:t>
-    </dgm:pt>
-    <dgm:pt modelId="{C9786BDC-DE69-4580-9357-6DFCD292EB5B}" type="sibTrans" cxnId="{828862EB-D32C-4FA8-A0B8-53A1BB9A1CA8}">
-      <dgm:prSet/>
-      <dgm:spPr/>
-      <dgm:t>
-        <a:bodyPr rtlCol="0"/>
-        <a:lstStyle/>
-        <a:p>
-          <a:pPr rtl="0"/>
-          <a:endParaRPr lang="pt-BR" noProof="0" dirty="0"/>
-        </a:p>
-      </dgm:t>
-    </dgm:pt>
-    <dgm:pt modelId="{E80E23AD-ECAE-46D2-92A5-71CA9074EED7}" type="pres">
-      <dgm:prSet presAssocID="{3183185A-2A53-4D8C-8F32-C845F2F70CBF}" presName="linearFlow" presStyleCnt="0">
-        <dgm:presLayoutVars>
-          <dgm:dir/>
-          <dgm:animLvl val="lvl"/>
-          <dgm:resizeHandles val="exact"/>
-        </dgm:presLayoutVars>
-      </dgm:prSet>
-      <dgm:spPr/>
-      <dgm:t>
-        <a:bodyPr/>
-        <a:lstStyle/>
-        <a:p>
-          <a:endParaRPr lang="pt-BR"/>
-        </a:p>
-      </dgm:t>
-    </dgm:pt>
-    <dgm:pt modelId="{63DDCCD6-3F31-4095-8E42-5BBFC31B83BE}" type="pres">
-      <dgm:prSet presAssocID="{758CBA3A-9936-4C67-965C-A8DD3074879B}" presName="composite" presStyleCnt="0"/>
-      <dgm:spPr/>
-    </dgm:pt>
-    <dgm:pt modelId="{C0AF5CB7-6C4F-49BC-8738-E4DE0AC00B72}" type="pres">
-      <dgm:prSet presAssocID="{758CBA3A-9936-4C67-965C-A8DD3074879B}" presName="parentText" presStyleLbl="alignNode1" presStyleIdx="0" presStyleCnt="3">
-        <dgm:presLayoutVars>
-          <dgm:chMax val="1"/>
-          <dgm:bulletEnabled val="1"/>
-        </dgm:presLayoutVars>
-      </dgm:prSet>
-      <dgm:spPr/>
-      <dgm:t>
-        <a:bodyPr/>
-        <a:lstStyle/>
-        <a:p>
-          <a:endParaRPr lang="pt-BR"/>
-        </a:p>
-      </dgm:t>
-    </dgm:pt>
-    <dgm:pt modelId="{0E09DE89-66C0-478D-8170-8F0BC920F1EB}" type="pres">
-      <dgm:prSet presAssocID="{758CBA3A-9936-4C67-965C-A8DD3074879B}" presName="descendantText" presStyleLbl="alignAcc1" presStyleIdx="0" presStyleCnt="3">
-        <dgm:presLayoutVars>
-          <dgm:bulletEnabled val="1"/>
-        </dgm:presLayoutVars>
-      </dgm:prSet>
-      <dgm:spPr/>
-      <dgm:t>
-        <a:bodyPr/>
-        <a:lstStyle/>
-        <a:p>
-          <a:endParaRPr lang="pt-BR"/>
-        </a:p>
-      </dgm:t>
-    </dgm:pt>
-    <dgm:pt modelId="{52E78D13-8FB5-4AEC-B5C0-881B683FCF22}" type="pres">
-      <dgm:prSet presAssocID="{290E9CBE-1634-47AD-B973-508944073D35}" presName="sp" presStyleCnt="0"/>
-      <dgm:spPr/>
-    </dgm:pt>
-    <dgm:pt modelId="{E529DD28-A6C8-4185-BA28-3A73741EACF4}" type="pres">
-      <dgm:prSet presAssocID="{15031D9C-993C-4715-A26F-56D8831933EB}" presName="composite" presStyleCnt="0"/>
-      <dgm:spPr/>
-    </dgm:pt>
-    <dgm:pt modelId="{29EA1718-F619-46D8-B505-CF1DDA71B8BF}" type="pres">
-      <dgm:prSet presAssocID="{15031D9C-993C-4715-A26F-56D8831933EB}" presName="parentText" presStyleLbl="alignNode1" presStyleIdx="1" presStyleCnt="3">
-        <dgm:presLayoutVars>
-          <dgm:chMax val="1"/>
-          <dgm:bulletEnabled val="1"/>
-        </dgm:presLayoutVars>
-      </dgm:prSet>
-      <dgm:spPr/>
-      <dgm:t>
-        <a:bodyPr/>
-        <a:lstStyle/>
-        <a:p>
-          <a:endParaRPr lang="pt-BR"/>
-        </a:p>
-      </dgm:t>
-    </dgm:pt>
-    <dgm:pt modelId="{C96267EA-EF01-411B-8D37-95F44BBB68D3}" type="pres">
-      <dgm:prSet presAssocID="{15031D9C-993C-4715-A26F-56D8831933EB}" presName="descendantText" presStyleLbl="alignAcc1" presStyleIdx="1" presStyleCnt="3">
-        <dgm:presLayoutVars>
-          <dgm:bulletEnabled val="1"/>
-        </dgm:presLayoutVars>
-      </dgm:prSet>
-      <dgm:spPr/>
-      <dgm:t>
-        <a:bodyPr/>
-        <a:lstStyle/>
-        <a:p>
-          <a:endParaRPr lang="pt-BR"/>
-        </a:p>
-      </dgm:t>
-    </dgm:pt>
-    <dgm:pt modelId="{4CCED8E1-297A-4834-9FC1-39D8E59A67B1}" type="pres">
-      <dgm:prSet presAssocID="{FB1D36D5-798A-40AA-91C3-3F3E5AF1A86F}" presName="sp" presStyleCnt="0"/>
-      <dgm:spPr/>
-    </dgm:pt>
-    <dgm:pt modelId="{95036E43-6C97-4BF5-8CB3-7871077B6900}" type="pres">
-      <dgm:prSet presAssocID="{2936D842-720E-4365-AD39-F6EAEC441633}" presName="composite" presStyleCnt="0"/>
-      <dgm:spPr/>
-    </dgm:pt>
-    <dgm:pt modelId="{E7C44091-B50A-4CB0-98F0-E70A01DD36F4}" type="pres">
-      <dgm:prSet presAssocID="{2936D842-720E-4365-AD39-F6EAEC441633}" presName="parentText" presStyleLbl="alignNode1" presStyleIdx="2" presStyleCnt="3">
-        <dgm:presLayoutVars>
-          <dgm:chMax val="1"/>
-          <dgm:bulletEnabled val="1"/>
-        </dgm:presLayoutVars>
-      </dgm:prSet>
-      <dgm:spPr/>
-      <dgm:t>
-        <a:bodyPr/>
-        <a:lstStyle/>
-        <a:p>
-          <a:endParaRPr lang="pt-BR"/>
-        </a:p>
-      </dgm:t>
-    </dgm:pt>
-    <dgm:pt modelId="{68EF0610-07B4-40C7-AD99-F2285099C2E4}" type="pres">
-      <dgm:prSet presAssocID="{2936D842-720E-4365-AD39-F6EAEC441633}" presName="descendantText" presStyleLbl="alignAcc1" presStyleIdx="2" presStyleCnt="3">
-        <dgm:presLayoutVars>
-          <dgm:bulletEnabled val="1"/>
-        </dgm:presLayoutVars>
-      </dgm:prSet>
-      <dgm:spPr/>
-      <dgm:t>
-        <a:bodyPr/>
-        <a:lstStyle/>
-        <a:p>
-          <a:endParaRPr lang="pt-BR"/>
-        </a:p>
-      </dgm:t>
-    </dgm:pt>
-  </dgm:ptLst>
-  <dgm:cxnLst>
-    <dgm:cxn modelId="{4D38D698-DC6D-4926-9520-43A255B536D4}" srcId="{15031D9C-993C-4715-A26F-56D8831933EB}" destId="{07B93839-AE15-473C-B47B-27FA5DBEE4E9}" srcOrd="0" destOrd="0" parTransId="{2BEFC288-C4D1-45AF-B679-7A41333941DE}" sibTransId="{0468DBFC-CB2D-4B3A-AAE7-09352D12344E}"/>
-    <dgm:cxn modelId="{C5FFCAE6-64D2-4A77-B85B-A376B2EE8E4F}" srcId="{758CBA3A-9936-4C67-965C-A8DD3074879B}" destId="{B8D53E29-122A-46E1-B481-B57598D97444}" srcOrd="1" destOrd="0" parTransId="{EF8E1F9D-EFFE-4283-A7B6-A44D3292ACA4}" sibTransId="{99B04B81-08CA-46AC-951C-217069AEF451}"/>
-    <dgm:cxn modelId="{4684350B-06FE-48D5-B3C1-163A56F1155A}" type="presOf" srcId="{07B93839-AE15-473C-B47B-27FA5DBEE4E9}" destId="{C96267EA-EF01-411B-8D37-95F44BBB68D3}" srcOrd="0" destOrd="0" presId="urn:microsoft.com/office/officeart/2005/8/layout/chevron2"/>
-    <dgm:cxn modelId="{C8C2ADA0-316E-46E3-A4D5-49BD4A9A4B0B}" srcId="{3183185A-2A53-4D8C-8F32-C845F2F70CBF}" destId="{15031D9C-993C-4715-A26F-56D8831933EB}" srcOrd="1" destOrd="0" parTransId="{77530735-8AD3-469C-AEC2-B5B17A08AF65}" sibTransId="{FB1D36D5-798A-40AA-91C3-3F3E5AF1A86F}"/>
-    <dgm:cxn modelId="{CCB2FC69-48E6-4186-BB69-434FE6081740}" type="presOf" srcId="{B8D53E29-122A-46E1-B481-B57598D97444}" destId="{0E09DE89-66C0-478D-8170-8F0BC920F1EB}" srcOrd="0" destOrd="1" presId="urn:microsoft.com/office/officeart/2005/8/layout/chevron2"/>
-    <dgm:cxn modelId="{B16F9628-8397-4FE5-BC4D-5FC1A248AC83}" type="presOf" srcId="{15031D9C-993C-4715-A26F-56D8831933EB}" destId="{29EA1718-F619-46D8-B505-CF1DDA71B8BF}" srcOrd="0" destOrd="0" presId="urn:microsoft.com/office/officeart/2005/8/layout/chevron2"/>
-    <dgm:cxn modelId="{2AAAB321-6446-48E6-A15F-5701A9441C34}" type="presOf" srcId="{501543CC-DA58-457B-906B-32038F856438}" destId="{68EF0610-07B4-40C7-AD99-F2285099C2E4}" srcOrd="0" destOrd="1" presId="urn:microsoft.com/office/officeart/2005/8/layout/chevron2"/>
-    <dgm:cxn modelId="{CC2F2B2A-04B7-4809-A4A4-4104809974E6}" type="presOf" srcId="{A05E8D05-15E6-4BEC-B725-D745A48258D3}" destId="{68EF0610-07B4-40C7-AD99-F2285099C2E4}" srcOrd="0" destOrd="0" presId="urn:microsoft.com/office/officeart/2005/8/layout/chevron2"/>
-    <dgm:cxn modelId="{46D65943-0A7C-46F6-A9D3-BDC8883577AD}" type="presOf" srcId="{23C50191-A44D-4110-97C1-1DC6F9FD79CA}" destId="{C96267EA-EF01-411B-8D37-95F44BBB68D3}" srcOrd="0" destOrd="1" presId="urn:microsoft.com/office/officeart/2005/8/layout/chevron2"/>
-    <dgm:cxn modelId="{828862EB-D32C-4FA8-A0B8-53A1BB9A1CA8}" srcId="{2936D842-720E-4365-AD39-F6EAEC441633}" destId="{501543CC-DA58-457B-906B-32038F856438}" srcOrd="1" destOrd="0" parTransId="{5E67377B-1C69-4BC4-AA80-867A0F76CC63}" sibTransId="{C9786BDC-DE69-4580-9357-6DFCD292EB5B}"/>
-    <dgm:cxn modelId="{3A8ECB28-E23B-45B6-8C84-8AF5114507DE}" srcId="{3183185A-2A53-4D8C-8F32-C845F2F70CBF}" destId="{2936D842-720E-4365-AD39-F6EAEC441633}" srcOrd="2" destOrd="0" parTransId="{13139645-28B0-41D9-8ED9-DA67D736E51B}" sibTransId="{96C19FF6-672B-4588-9D93-2A932D4ACF8D}"/>
-    <dgm:cxn modelId="{5F92077A-D266-43D8-B1E4-282FB69A0EF5}" type="presOf" srcId="{3183185A-2A53-4D8C-8F32-C845F2F70CBF}" destId="{E80E23AD-ECAE-46D2-92A5-71CA9074EED7}" srcOrd="0" destOrd="0" presId="urn:microsoft.com/office/officeart/2005/8/layout/chevron2"/>
-    <dgm:cxn modelId="{A71F00B0-D098-4236-AD79-95FC48F754F5}" srcId="{15031D9C-993C-4715-A26F-56D8831933EB}" destId="{23C50191-A44D-4110-97C1-1DC6F9FD79CA}" srcOrd="1" destOrd="0" parTransId="{E183CF6D-105A-4EAB-A780-A97B120C1182}" sibTransId="{8625F877-DCE4-4E39-929E-7FA0A761B660}"/>
-    <dgm:cxn modelId="{71B43602-5819-468F-A340-DA5A96BA033E}" type="presOf" srcId="{758CBA3A-9936-4C67-965C-A8DD3074879B}" destId="{C0AF5CB7-6C4F-49BC-8738-E4DE0AC00B72}" srcOrd="0" destOrd="0" presId="urn:microsoft.com/office/officeart/2005/8/layout/chevron2"/>
-    <dgm:cxn modelId="{B3B75767-F5F8-4491-90D5-5742EB2BC878}" type="presOf" srcId="{E90264E4-81CE-47E1-80E3-2624D8E5DFEE}" destId="{0E09DE89-66C0-478D-8170-8F0BC920F1EB}" srcOrd="0" destOrd="0" presId="urn:microsoft.com/office/officeart/2005/8/layout/chevron2"/>
-    <dgm:cxn modelId="{EFE22C42-C667-4B7A-8208-6758BAEC1445}" srcId="{2936D842-720E-4365-AD39-F6EAEC441633}" destId="{A05E8D05-15E6-4BEC-B725-D745A48258D3}" srcOrd="0" destOrd="0" parTransId="{29C49A6E-36B2-41D1-83D5-6B58713D5DAF}" sibTransId="{EA09E308-F440-47C6-8C86-B63BABC170D9}"/>
-    <dgm:cxn modelId="{F717B596-7122-4C3F-9238-14763508386B}" srcId="{3183185A-2A53-4D8C-8F32-C845F2F70CBF}" destId="{758CBA3A-9936-4C67-965C-A8DD3074879B}" srcOrd="0" destOrd="0" parTransId="{39812E31-9C15-4A6C-B8B9-78CE6FB555B1}" sibTransId="{290E9CBE-1634-47AD-B973-508944073D35}"/>
-    <dgm:cxn modelId="{F3B89C52-602F-49F7-B10E-F3B64BCDF706}" srcId="{758CBA3A-9936-4C67-965C-A8DD3074879B}" destId="{E90264E4-81CE-47E1-80E3-2624D8E5DFEE}" srcOrd="0" destOrd="0" parTransId="{79881485-DDC4-4A70-AA7E-393B9FD5747B}" sibTransId="{F41EE2E3-AB57-4E33-8FAD-2DCFFB467FDC}"/>
-    <dgm:cxn modelId="{4333FB74-FEDF-4697-9A39-612F6D8B9AB6}" type="presOf" srcId="{2936D842-720E-4365-AD39-F6EAEC441633}" destId="{E7C44091-B50A-4CB0-98F0-E70A01DD36F4}" srcOrd="0" destOrd="0" presId="urn:microsoft.com/office/officeart/2005/8/layout/chevron2"/>
-    <dgm:cxn modelId="{135E7873-A46E-4154-8EE3-52AAA60564FD}" type="presParOf" srcId="{E80E23AD-ECAE-46D2-92A5-71CA9074EED7}" destId="{63DDCCD6-3F31-4095-8E42-5BBFC31B83BE}" srcOrd="0" destOrd="0" presId="urn:microsoft.com/office/officeart/2005/8/layout/chevron2"/>
-    <dgm:cxn modelId="{A9FAD751-EA16-40A5-97AE-3F69AE5C1837}" type="presParOf" srcId="{63DDCCD6-3F31-4095-8E42-5BBFC31B83BE}" destId="{C0AF5CB7-6C4F-49BC-8738-E4DE0AC00B72}" srcOrd="0" destOrd="0" presId="urn:microsoft.com/office/officeart/2005/8/layout/chevron2"/>
-    <dgm:cxn modelId="{D4F1CFD9-FAA1-4448-ABAA-E3FEFCB6CAF1}" type="presParOf" srcId="{63DDCCD6-3F31-4095-8E42-5BBFC31B83BE}" destId="{0E09DE89-66C0-478D-8170-8F0BC920F1EB}" srcOrd="1" destOrd="0" presId="urn:microsoft.com/office/officeart/2005/8/layout/chevron2"/>
-    <dgm:cxn modelId="{2E2E534E-4D39-4D42-98E3-8E839879F75B}" type="presParOf" srcId="{E80E23AD-ECAE-46D2-92A5-71CA9074EED7}" destId="{52E78D13-8FB5-4AEC-B5C0-881B683FCF22}" srcOrd="1" destOrd="0" presId="urn:microsoft.com/office/officeart/2005/8/layout/chevron2"/>
-    <dgm:cxn modelId="{E68FD358-61E9-4B14-947B-E013AD32E758}" type="presParOf" srcId="{E80E23AD-ECAE-46D2-92A5-71CA9074EED7}" destId="{E529DD28-A6C8-4185-BA28-3A73741EACF4}" srcOrd="2" destOrd="0" presId="urn:microsoft.com/office/officeart/2005/8/layout/chevron2"/>
-    <dgm:cxn modelId="{ADDEDC8D-E08F-431C-8144-0F1630B4A0CB}" type="presParOf" srcId="{E529DD28-A6C8-4185-BA28-3A73741EACF4}" destId="{29EA1718-F619-46D8-B505-CF1DDA71B8BF}" srcOrd="0" destOrd="0" presId="urn:microsoft.com/office/officeart/2005/8/layout/chevron2"/>
-    <dgm:cxn modelId="{D8DF5C2A-E654-4638-8D6A-DD69C6F02065}" type="presParOf" srcId="{E529DD28-A6C8-4185-BA28-3A73741EACF4}" destId="{C96267EA-EF01-411B-8D37-95F44BBB68D3}" srcOrd="1" destOrd="0" presId="urn:microsoft.com/office/officeart/2005/8/layout/chevron2"/>
-    <dgm:cxn modelId="{8CA69AEF-3F6A-4CF3-AA93-E24960786D06}" type="presParOf" srcId="{E80E23AD-ECAE-46D2-92A5-71CA9074EED7}" destId="{4CCED8E1-297A-4834-9FC1-39D8E59A67B1}" srcOrd="3" destOrd="0" presId="urn:microsoft.com/office/officeart/2005/8/layout/chevron2"/>
-    <dgm:cxn modelId="{23553970-4502-4F21-A038-1A6EF7082C03}" type="presParOf" srcId="{E80E23AD-ECAE-46D2-92A5-71CA9074EED7}" destId="{95036E43-6C97-4BF5-8CB3-7871077B6900}" srcOrd="4" destOrd="0" presId="urn:microsoft.com/office/officeart/2005/8/layout/chevron2"/>
-    <dgm:cxn modelId="{2BCE6584-740F-4DE0-9BB4-2B4E6DC85A9E}" type="presParOf" srcId="{95036E43-6C97-4BF5-8CB3-7871077B6900}" destId="{E7C44091-B50A-4CB0-98F0-E70A01DD36F4}" srcOrd="0" destOrd="0" presId="urn:microsoft.com/office/officeart/2005/8/layout/chevron2"/>
-    <dgm:cxn modelId="{EEBB7F6E-84DC-4C03-95AA-EA05A012B25A}" type="presParOf" srcId="{95036E43-6C97-4BF5-8CB3-7871077B6900}" destId="{68EF0610-07B4-40C7-AD99-F2285099C2E4}" srcOrd="1" destOrd="0" presId="urn:microsoft.com/office/officeart/2005/8/layout/chevron2"/>
-  </dgm:cxnLst>
-  <dgm:bg/>
-  <dgm:whole/>
-  <dgm:extLst>
-    <a:ext uri="http://schemas.microsoft.com/office/drawing/2008/diagram">
-      <dsp:dataModelExt xmlns:dsp="http://schemas.microsoft.com/office/drawing/2008/diagram" relId="rId7" minVer="http://schemas.openxmlformats.org/drawingml/2006/diagram"/>
-    </a:ext>
-  </dgm:extLst>
-</dgm:dataModel>
-</file>
-
-<file path=ppt/diagrams/drawing1.xml><?xml version="1.0" encoding="utf-8"?>
-<dsp:drawing xmlns:dgm="http://schemas.openxmlformats.org/drawingml/2006/diagram" xmlns:dsp="http://schemas.microsoft.com/office/drawing/2008/diagram" xmlns:a="http://schemas.openxmlformats.org/drawingml/2006/main">
-  <dsp:spTree>
-    <dsp:nvGrpSpPr>
-      <dsp:cNvPr id="0" name=""/>
-      <dsp:cNvGrpSpPr/>
-    </dsp:nvGrpSpPr>
-    <dsp:grpSpPr/>
-    <dsp:sp modelId="{C0AF5CB7-6C4F-49BC-8738-E4DE0AC00B72}">
-      <dsp:nvSpPr>
-        <dsp:cNvPr id="0" name=""/>
-        <dsp:cNvSpPr/>
-      </dsp:nvSpPr>
-      <dsp:spPr>
-        <a:xfrm rot="5400000">
-          <a:off x="-191424" y="191439"/>
-          <a:ext cx="1276161" cy="893312"/>
-        </a:xfrm>
-        <a:prstGeom prst="chevron">
-          <a:avLst/>
-        </a:prstGeom>
-        <a:solidFill>
-          <a:schemeClr val="lt1">
-            <a:hueOff val="0"/>
-            <a:satOff val="0"/>
-            <a:lumOff val="0"/>
-            <a:alphaOff val="0"/>
-          </a:schemeClr>
-        </a:solidFill>
-        <a:ln w="12700" cap="flat" cmpd="sng" algn="ctr">
-          <a:solidFill>
-            <a:schemeClr val="dk1">
-              <a:shade val="80000"/>
-              <a:hueOff val="0"/>
-              <a:satOff val="0"/>
-              <a:lumOff val="0"/>
-              <a:alphaOff val="0"/>
-            </a:schemeClr>
-          </a:solidFill>
-          <a:prstDash val="solid"/>
-          <a:miter lim="800000"/>
-        </a:ln>
-        <a:effectLst/>
-      </dsp:spPr>
-      <dsp:style>
-        <a:lnRef idx="2">
-          <a:scrgbClr r="0" g="0" b="0"/>
-        </a:lnRef>
-        <a:fillRef idx="1">
-          <a:scrgbClr r="0" g="0" b="0"/>
-        </a:fillRef>
-        <a:effectRef idx="0">
-          <a:scrgbClr r="0" g="0" b="0"/>
-        </a:effectRef>
-        <a:fontRef idx="minor">
-          <a:schemeClr val="lt1"/>
-        </a:fontRef>
-      </dsp:style>
-      <dsp:txBody>
-        <a:bodyPr spcFirstLastPara="0" vert="horz" wrap="square" lIns="16510" tIns="16510" rIns="16510" bIns="16510" numCol="1" spcCol="1270" rtlCol="0" anchor="ctr" anchorCtr="0">
-          <a:noAutofit/>
-        </a:bodyPr>
-        <a:lstStyle/>
-        <a:p>
-          <a:pPr lvl="0" algn="ctr" defTabSz="1155700" rtl="0">
-            <a:lnSpc>
-              <a:spcPct val="90000"/>
-            </a:lnSpc>
-            <a:spcBef>
-              <a:spcPct val="0"/>
-            </a:spcBef>
-            <a:spcAft>
-              <a:spcPct val="35000"/>
-            </a:spcAft>
-          </a:pPr>
-          <a:r>
-            <a:rPr lang="pt-BR" sz="2600" kern="1200" noProof="0" dirty="0" smtClean="0"/>
-            <a:t>A</a:t>
-          </a:r>
-          <a:endParaRPr lang="pt-BR" sz="2600" kern="1200" noProof="0" dirty="0"/>
-        </a:p>
-      </dsp:txBody>
-      <dsp:txXfrm rot="-5400000">
-        <a:off x="1" y="446670"/>
-        <a:ext cx="893312" cy="382849"/>
-      </dsp:txXfrm>
-    </dsp:sp>
-    <dsp:sp modelId="{0E09DE89-66C0-478D-8170-8F0BC920F1EB}">
-      <dsp:nvSpPr>
-        <dsp:cNvPr id="0" name=""/>
-        <dsp:cNvSpPr/>
-      </dsp:nvSpPr>
-      <dsp:spPr>
-        <a:xfrm rot="5400000">
-          <a:off x="1837957" y="-944629"/>
-          <a:ext cx="829504" cy="2718794"/>
-        </a:xfrm>
-        <a:prstGeom prst="round2SameRect">
-          <a:avLst/>
-        </a:prstGeom>
-        <a:solidFill>
-          <a:schemeClr val="dk1">
-            <a:alpha val="90000"/>
-            <a:tint val="40000"/>
-            <a:hueOff val="0"/>
-            <a:satOff val="0"/>
-            <a:lumOff val="0"/>
-            <a:alphaOff val="0"/>
-          </a:schemeClr>
-        </a:solidFill>
-        <a:ln w="12700" cap="flat" cmpd="sng" algn="ctr">
-          <a:solidFill>
-            <a:schemeClr val="dk1">
-              <a:hueOff val="0"/>
-              <a:satOff val="0"/>
-              <a:lumOff val="0"/>
-              <a:alphaOff val="0"/>
-            </a:schemeClr>
-          </a:solidFill>
-          <a:prstDash val="solid"/>
-          <a:miter lim="800000"/>
-        </a:ln>
-        <a:effectLst/>
-      </dsp:spPr>
-      <dsp:style>
-        <a:lnRef idx="2">
-          <a:scrgbClr r="0" g="0" b="0"/>
-        </a:lnRef>
-        <a:fillRef idx="1">
-          <a:scrgbClr r="0" g="0" b="0"/>
-        </a:fillRef>
-        <a:effectRef idx="0">
-          <a:scrgbClr r="0" g="0" b="0"/>
-        </a:effectRef>
-        <a:fontRef idx="minor"/>
-      </dsp:style>
-      <dsp:txBody>
-        <a:bodyPr spcFirstLastPara="0" vert="horz" wrap="square" lIns="177800" tIns="15875" rIns="15875" bIns="15875" numCol="1" spcCol="1270" rtlCol="0" anchor="ctr" anchorCtr="0">
-          <a:noAutofit/>
-        </a:bodyPr>
-        <a:lstStyle/>
-        <a:p>
-          <a:pPr marL="228600" lvl="1" indent="-228600" algn="l" defTabSz="1111250" rtl="0">
-            <a:lnSpc>
-              <a:spcPct val="90000"/>
-            </a:lnSpc>
-            <a:spcBef>
-              <a:spcPct val="0"/>
-            </a:spcBef>
-            <a:spcAft>
-              <a:spcPct val="15000"/>
-            </a:spcAft>
-            <a:buChar char="••"/>
-          </a:pPr>
-          <a:r>
-            <a:rPr lang="pt-BR" sz="2500" kern="1200" noProof="0" dirty="0" smtClean="0"/>
-            <a:t>Tarefa 1</a:t>
-          </a:r>
-          <a:endParaRPr lang="pt-BR" sz="2500" kern="1200" noProof="0" dirty="0"/>
-        </a:p>
-        <a:p>
-          <a:pPr marL="228600" lvl="1" indent="-228600" algn="l" defTabSz="1111250" rtl="0">
-            <a:lnSpc>
-              <a:spcPct val="90000"/>
-            </a:lnSpc>
-            <a:spcBef>
-              <a:spcPct val="0"/>
-            </a:spcBef>
-            <a:spcAft>
-              <a:spcPct val="15000"/>
-            </a:spcAft>
-            <a:buChar char="••"/>
-          </a:pPr>
-          <a:r>
-            <a:rPr lang="pt-BR" sz="2500" kern="1200" noProof="0" dirty="0" smtClean="0"/>
-            <a:t>Tarefa 2</a:t>
-          </a:r>
-          <a:endParaRPr lang="pt-BR" sz="2500" kern="1200" noProof="0" dirty="0"/>
-        </a:p>
-      </dsp:txBody>
-      <dsp:txXfrm rot="-5400000">
-        <a:off x="893313" y="40508"/>
-        <a:ext cx="2678301" cy="748518"/>
-      </dsp:txXfrm>
-    </dsp:sp>
-    <dsp:sp modelId="{29EA1718-F619-46D8-B505-CF1DDA71B8BF}">
-      <dsp:nvSpPr>
-        <dsp:cNvPr id="0" name=""/>
-        <dsp:cNvSpPr/>
-      </dsp:nvSpPr>
-      <dsp:spPr>
-        <a:xfrm rot="5400000">
-          <a:off x="-191424" y="1268290"/>
-          <a:ext cx="1276161" cy="893312"/>
-        </a:xfrm>
-        <a:prstGeom prst="chevron">
-          <a:avLst/>
-        </a:prstGeom>
-        <a:solidFill>
-          <a:schemeClr val="lt1">
-            <a:hueOff val="0"/>
-            <a:satOff val="0"/>
-            <a:lumOff val="0"/>
-            <a:alphaOff val="0"/>
-          </a:schemeClr>
-        </a:solidFill>
-        <a:ln w="12700" cap="flat" cmpd="sng" algn="ctr">
-          <a:solidFill>
-            <a:schemeClr val="dk1">
-              <a:shade val="80000"/>
-              <a:hueOff val="0"/>
-              <a:satOff val="0"/>
-              <a:lumOff val="0"/>
-              <a:alphaOff val="0"/>
-            </a:schemeClr>
-          </a:solidFill>
-          <a:prstDash val="solid"/>
-          <a:miter lim="800000"/>
-        </a:ln>
-        <a:effectLst/>
-      </dsp:spPr>
-      <dsp:style>
-        <a:lnRef idx="2">
-          <a:scrgbClr r="0" g="0" b="0"/>
-        </a:lnRef>
-        <a:fillRef idx="1">
-          <a:scrgbClr r="0" g="0" b="0"/>
-        </a:fillRef>
-        <a:effectRef idx="0">
-          <a:scrgbClr r="0" g="0" b="0"/>
-        </a:effectRef>
-        <a:fontRef idx="minor">
-          <a:schemeClr val="lt1"/>
-        </a:fontRef>
-      </dsp:style>
-      <dsp:txBody>
-        <a:bodyPr spcFirstLastPara="0" vert="horz" wrap="square" lIns="16510" tIns="16510" rIns="16510" bIns="16510" numCol="1" spcCol="1270" rtlCol="0" anchor="ctr" anchorCtr="0">
-          <a:noAutofit/>
-        </a:bodyPr>
-        <a:lstStyle/>
-        <a:p>
-          <a:pPr lvl="0" algn="ctr" defTabSz="1155700" rtl="0">
-            <a:lnSpc>
-              <a:spcPct val="90000"/>
-            </a:lnSpc>
-            <a:spcBef>
-              <a:spcPct val="0"/>
-            </a:spcBef>
-            <a:spcAft>
-              <a:spcPct val="35000"/>
-            </a:spcAft>
-          </a:pPr>
-          <a:r>
-            <a:rPr lang="pt-BR" sz="2600" kern="1200" noProof="0" dirty="0" smtClean="0"/>
-            <a:t>B</a:t>
-          </a:r>
-          <a:endParaRPr lang="pt-BR" sz="2600" kern="1200" noProof="0" dirty="0"/>
-        </a:p>
-      </dsp:txBody>
-      <dsp:txXfrm rot="-5400000">
-        <a:off x="1" y="1523521"/>
-        <a:ext cx="893312" cy="382849"/>
-      </dsp:txXfrm>
-    </dsp:sp>
-    <dsp:sp modelId="{C96267EA-EF01-411B-8D37-95F44BBB68D3}">
-      <dsp:nvSpPr>
-        <dsp:cNvPr id="0" name=""/>
-        <dsp:cNvSpPr/>
-      </dsp:nvSpPr>
-      <dsp:spPr>
-        <a:xfrm rot="5400000">
-          <a:off x="1837957" y="132221"/>
-          <a:ext cx="829504" cy="2718794"/>
-        </a:xfrm>
-        <a:prstGeom prst="round2SameRect">
-          <a:avLst/>
-        </a:prstGeom>
-        <a:solidFill>
-          <a:schemeClr val="dk1">
-            <a:alpha val="90000"/>
-            <a:tint val="40000"/>
-            <a:hueOff val="0"/>
-            <a:satOff val="0"/>
-            <a:lumOff val="0"/>
-            <a:alphaOff val="0"/>
-          </a:schemeClr>
-        </a:solidFill>
-        <a:ln w="12700" cap="flat" cmpd="sng" algn="ctr">
-          <a:solidFill>
-            <a:schemeClr val="dk1">
-              <a:hueOff val="0"/>
-              <a:satOff val="0"/>
-              <a:lumOff val="0"/>
-              <a:alphaOff val="0"/>
-            </a:schemeClr>
-          </a:solidFill>
-          <a:prstDash val="solid"/>
-          <a:miter lim="800000"/>
-        </a:ln>
-        <a:effectLst/>
-      </dsp:spPr>
-      <dsp:style>
-        <a:lnRef idx="2">
-          <a:scrgbClr r="0" g="0" b="0"/>
-        </a:lnRef>
-        <a:fillRef idx="1">
-          <a:scrgbClr r="0" g="0" b="0"/>
-        </a:fillRef>
-        <a:effectRef idx="0">
-          <a:scrgbClr r="0" g="0" b="0"/>
-        </a:effectRef>
-        <a:fontRef idx="minor"/>
-      </dsp:style>
-      <dsp:txBody>
-        <a:bodyPr spcFirstLastPara="0" vert="horz" wrap="square" lIns="177800" tIns="15875" rIns="15875" bIns="15875" numCol="1" spcCol="1270" rtlCol="0" anchor="ctr" anchorCtr="0">
-          <a:noAutofit/>
-        </a:bodyPr>
-        <a:lstStyle/>
-        <a:p>
-          <a:pPr marL="228600" lvl="1" indent="-228600" algn="l" defTabSz="1111250" rtl="0">
-            <a:lnSpc>
-              <a:spcPct val="90000"/>
-            </a:lnSpc>
-            <a:spcBef>
-              <a:spcPct val="0"/>
-            </a:spcBef>
-            <a:spcAft>
-              <a:spcPct val="15000"/>
-            </a:spcAft>
-            <a:buChar char="••"/>
-          </a:pPr>
-          <a:r>
-            <a:rPr lang="pt-BR" sz="2500" kern="1200" noProof="0" dirty="0" smtClean="0"/>
-            <a:t>Tarefa 1</a:t>
-          </a:r>
-          <a:endParaRPr lang="pt-BR" sz="2500" kern="1200" noProof="0" dirty="0"/>
-        </a:p>
-        <a:p>
-          <a:pPr marL="228600" lvl="1" indent="-228600" algn="l" defTabSz="1111250" rtl="0">
-            <a:lnSpc>
-              <a:spcPct val="90000"/>
-            </a:lnSpc>
-            <a:spcBef>
-              <a:spcPct val="0"/>
-            </a:spcBef>
-            <a:spcAft>
-              <a:spcPct val="15000"/>
-            </a:spcAft>
-            <a:buChar char="••"/>
-          </a:pPr>
-          <a:r>
-            <a:rPr lang="pt-BR" sz="2500" kern="1200" noProof="0" dirty="0" smtClean="0"/>
-            <a:t>Tarefa 2</a:t>
-          </a:r>
-          <a:endParaRPr lang="pt-BR" sz="2500" kern="1200" noProof="0" dirty="0"/>
-        </a:p>
-      </dsp:txBody>
-      <dsp:txXfrm rot="-5400000">
-        <a:off x="893313" y="1117359"/>
-        <a:ext cx="2678301" cy="748518"/>
-      </dsp:txXfrm>
-    </dsp:sp>
-    <dsp:sp modelId="{E7C44091-B50A-4CB0-98F0-E70A01DD36F4}">
-      <dsp:nvSpPr>
-        <dsp:cNvPr id="0" name=""/>
-        <dsp:cNvSpPr/>
-      </dsp:nvSpPr>
-      <dsp:spPr>
-        <a:xfrm rot="5400000">
-          <a:off x="-191424" y="2345140"/>
-          <a:ext cx="1276161" cy="893312"/>
-        </a:xfrm>
-        <a:prstGeom prst="chevron">
-          <a:avLst/>
-        </a:prstGeom>
-        <a:solidFill>
-          <a:schemeClr val="lt1">
-            <a:hueOff val="0"/>
-            <a:satOff val="0"/>
-            <a:lumOff val="0"/>
-            <a:alphaOff val="0"/>
-          </a:schemeClr>
-        </a:solidFill>
-        <a:ln w="12700" cap="flat" cmpd="sng" algn="ctr">
-          <a:solidFill>
-            <a:schemeClr val="dk1">
-              <a:shade val="80000"/>
-              <a:hueOff val="0"/>
-              <a:satOff val="0"/>
-              <a:lumOff val="0"/>
-              <a:alphaOff val="0"/>
-            </a:schemeClr>
-          </a:solidFill>
-          <a:prstDash val="solid"/>
-          <a:miter lim="800000"/>
-        </a:ln>
-        <a:effectLst/>
-      </dsp:spPr>
-      <dsp:style>
-        <a:lnRef idx="2">
-          <a:scrgbClr r="0" g="0" b="0"/>
-        </a:lnRef>
-        <a:fillRef idx="1">
-          <a:scrgbClr r="0" g="0" b="0"/>
-        </a:fillRef>
-        <a:effectRef idx="0">
-          <a:scrgbClr r="0" g="0" b="0"/>
-        </a:effectRef>
-        <a:fontRef idx="minor">
-          <a:schemeClr val="lt1"/>
-        </a:fontRef>
-      </dsp:style>
-      <dsp:txBody>
-        <a:bodyPr spcFirstLastPara="0" vert="horz" wrap="square" lIns="16510" tIns="16510" rIns="16510" bIns="16510" numCol="1" spcCol="1270" rtlCol="0" anchor="ctr" anchorCtr="0">
-          <a:noAutofit/>
-        </a:bodyPr>
-        <a:lstStyle/>
-        <a:p>
-          <a:pPr lvl="0" algn="ctr" defTabSz="1155700" rtl="0">
-            <a:lnSpc>
-              <a:spcPct val="90000"/>
-            </a:lnSpc>
-            <a:spcBef>
-              <a:spcPct val="0"/>
-            </a:spcBef>
-            <a:spcAft>
-              <a:spcPct val="35000"/>
-            </a:spcAft>
-          </a:pPr>
-          <a:r>
-            <a:rPr lang="pt-BR" sz="2600" kern="1200" noProof="0" dirty="0" smtClean="0"/>
-            <a:t>C</a:t>
-          </a:r>
-          <a:endParaRPr lang="pt-BR" sz="2600" kern="1200" noProof="0" dirty="0"/>
-        </a:p>
-      </dsp:txBody>
-      <dsp:txXfrm rot="-5400000">
-        <a:off x="1" y="2600371"/>
-        <a:ext cx="893312" cy="382849"/>
-      </dsp:txXfrm>
-    </dsp:sp>
-    <dsp:sp modelId="{68EF0610-07B4-40C7-AD99-F2285099C2E4}">
-      <dsp:nvSpPr>
-        <dsp:cNvPr id="0" name=""/>
-        <dsp:cNvSpPr/>
-      </dsp:nvSpPr>
-      <dsp:spPr>
-        <a:xfrm rot="5400000">
-          <a:off x="1837957" y="1209071"/>
-          <a:ext cx="829504" cy="2718794"/>
-        </a:xfrm>
-        <a:prstGeom prst="round2SameRect">
-          <a:avLst/>
-        </a:prstGeom>
-        <a:solidFill>
-          <a:schemeClr val="dk1">
-            <a:alpha val="90000"/>
-            <a:tint val="40000"/>
-            <a:hueOff val="0"/>
-            <a:satOff val="0"/>
-            <a:lumOff val="0"/>
-            <a:alphaOff val="0"/>
-          </a:schemeClr>
-        </a:solidFill>
-        <a:ln w="12700" cap="flat" cmpd="sng" algn="ctr">
-          <a:solidFill>
-            <a:schemeClr val="dk1">
-              <a:hueOff val="0"/>
-              <a:satOff val="0"/>
-              <a:lumOff val="0"/>
-              <a:alphaOff val="0"/>
-            </a:schemeClr>
-          </a:solidFill>
-          <a:prstDash val="solid"/>
-          <a:miter lim="800000"/>
-        </a:ln>
-        <a:effectLst/>
-      </dsp:spPr>
-      <dsp:style>
-        <a:lnRef idx="2">
-          <a:scrgbClr r="0" g="0" b="0"/>
-        </a:lnRef>
-        <a:fillRef idx="1">
-          <a:scrgbClr r="0" g="0" b="0"/>
-        </a:fillRef>
-        <a:effectRef idx="0">
-          <a:scrgbClr r="0" g="0" b="0"/>
-        </a:effectRef>
-        <a:fontRef idx="minor"/>
-      </dsp:style>
-      <dsp:txBody>
-        <a:bodyPr spcFirstLastPara="0" vert="horz" wrap="square" lIns="177800" tIns="15875" rIns="15875" bIns="15875" numCol="1" spcCol="1270" rtlCol="0" anchor="ctr" anchorCtr="0">
-          <a:noAutofit/>
-        </a:bodyPr>
-        <a:lstStyle/>
-        <a:p>
-          <a:pPr marL="228600" lvl="1" indent="-228600" algn="l" defTabSz="1111250" rtl="0">
-            <a:lnSpc>
-              <a:spcPct val="90000"/>
-            </a:lnSpc>
-            <a:spcBef>
-              <a:spcPct val="0"/>
-            </a:spcBef>
-            <a:spcAft>
-              <a:spcPct val="15000"/>
-            </a:spcAft>
-            <a:buChar char="••"/>
-          </a:pPr>
-          <a:r>
-            <a:rPr lang="pt-BR" sz="2500" kern="1200" noProof="0" dirty="0" smtClean="0"/>
-            <a:t>Tarefa 1</a:t>
-          </a:r>
-          <a:endParaRPr lang="pt-BR" sz="2500" kern="1200" noProof="0" dirty="0"/>
-        </a:p>
-        <a:p>
-          <a:pPr marL="228600" lvl="1" indent="-228600" algn="l" defTabSz="1111250" rtl="0">
-            <a:lnSpc>
-              <a:spcPct val="90000"/>
-            </a:lnSpc>
-            <a:spcBef>
-              <a:spcPct val="0"/>
-            </a:spcBef>
-            <a:spcAft>
-              <a:spcPct val="15000"/>
-            </a:spcAft>
-            <a:buChar char="••"/>
-          </a:pPr>
-          <a:r>
-            <a:rPr lang="pt-BR" sz="2500" kern="1200" noProof="0" dirty="0" smtClean="0"/>
-            <a:t>Tarefa 2</a:t>
-          </a:r>
-          <a:endParaRPr lang="pt-BR" sz="2500" kern="1200" noProof="0" dirty="0"/>
-        </a:p>
-      </dsp:txBody>
-      <dsp:txXfrm rot="-5400000">
-        <a:off x="893313" y="2194209"/>
-        <a:ext cx="2678301" cy="748518"/>
-      </dsp:txXfrm>
-    </dsp:sp>
-  </dsp:spTree>
-</dsp:drawing>
-</file>
-
-<file path=ppt/diagrams/layout1.xml><?xml version="1.0" encoding="utf-8"?>
-<dgm:layoutDef xmlns:dgm="http://schemas.openxmlformats.org/drawingml/2006/diagram" xmlns:a="http://schemas.openxmlformats.org/drawingml/2006/main" uniqueId="urn:microsoft.com/office/officeart/2005/8/layout/chevron2">
-  <dgm:title val=""/>
-  <dgm:desc val=""/>
-  <dgm:catLst>
-    <dgm:cat type="process" pri="12000"/>
-    <dgm:cat type="list" pri="16000"/>
-    <dgm:cat type="convert" pri="11000"/>
-  </dgm:catLst>
-  <dgm:sampData>
-    <dgm:dataModel>
-      <dgm:ptLst>
-        <dgm:pt modelId="0" type="doc"/>
-        <dgm:pt modelId="1">
-          <dgm:prSet phldr="1"/>
-        </dgm:pt>
-        <dgm:pt modelId="11">
-          <dgm:prSet phldr="1"/>
-        </dgm:pt>
-        <dgm:pt modelId="12">
-          <dgm:prSet phldr="1"/>
-        </dgm:pt>
-        <dgm:pt modelId="2">
-          <dgm:prSet phldr="1"/>
-        </dgm:pt>
-        <dgm:pt modelId="21">
-          <dgm:prSet phldr="1"/>
-        </dgm:pt>
-        <dgm:pt modelId="22">
-          <dgm:prSet phldr="1"/>
-        </dgm:pt>
-        <dgm:pt modelId="3">
-          <dgm:prSet phldr="1"/>
-        </dgm:pt>
-        <dgm:pt modelId="31">
-          <dgm:prSet phldr="1"/>
-        </dgm:pt>
-        <dgm:pt modelId="32">
-          <dgm:prSet phldr="1"/>
-        </dgm:pt>
-      </dgm:ptLst>
-      <dgm:cxnLst>
-        <dgm:cxn modelId="4" srcId="0" destId="1" srcOrd="0" destOrd="0"/>
-        <dgm:cxn modelId="5" srcId="0" destId="2" srcOrd="1" destOrd="0"/>
-        <dgm:cxn modelId="6" srcId="0" destId="3" srcOrd="2" destOrd="0"/>
-        <dgm:cxn modelId="13" srcId="1" destId="11" srcOrd="0" destOrd="0"/>
-        <dgm:cxn modelId="14" srcId="1" destId="12" srcOrd="1" destOrd="0"/>
-        <dgm:cxn modelId="23" srcId="2" destId="21" srcOrd="0" destOrd="0"/>
-        <dgm:cxn modelId="24" srcId="2" destId="22" srcOrd="1" destOrd="0"/>
-        <dgm:cxn modelId="33" srcId="3" destId="31" srcOrd="0" destOrd="0"/>
-        <dgm:cxn modelId="34" srcId="3" destId="32" srcOrd="1" destOrd="0"/>
-      </dgm:cxnLst>
-      <dgm:bg/>
-      <dgm:whole/>
-    </dgm:dataModel>
-  </dgm:sampData>
-  <dgm:styleData>
-    <dgm:dataModel>
-      <dgm:ptLst>
-        <dgm:pt modelId="0" type="doc"/>
-        <dgm:pt modelId="1"/>
-      </dgm:ptLst>
-      <dgm:cxnLst>
-        <dgm:cxn modelId="4" srcId="0" destId="1" srcOrd="0" destOrd="0"/>
-      </dgm:cxnLst>
-      <dgm:bg/>
-      <dgm:whole/>
-    </dgm:dataModel>
-  </dgm:styleData>
-  <dgm:clrData>
-    <dgm:dataModel>
-      <dgm:ptLst>
-        <dgm:pt modelId="0" type="doc"/>
-        <dgm:pt modelId="1"/>
-        <dgm:pt modelId="11"/>
-        <dgm:pt modelId="2"/>
-        <dgm:pt modelId="21"/>
-        <dgm:pt modelId="3"/>
-        <dgm:pt modelId="31"/>
-        <dgm:pt modelId="4"/>
-        <dgm:pt modelId="41"/>
-      </dgm:ptLst>
-      <dgm:cxnLst>
-        <dgm:cxn modelId="5" srcId="0" destId="1" srcOrd="0" destOrd="0"/>
-        <dgm:cxn modelId="6" srcId="0" destId="2" srcOrd="1" destOrd="0"/>
-        <dgm:cxn modelId="7" srcId="0" destId="3" srcOrd="2" destOrd="0"/>
-        <dgm:cxn modelId="8" srcId="0" destId="4" srcOrd="3" destOrd="0"/>
-        <dgm:cxn modelId="13" srcId="1" destId="11" srcOrd="0" destOrd="0"/>
-        <dgm:cxn modelId="23" srcId="2" destId="21" srcOrd="0" destOrd="0"/>
-        <dgm:cxn modelId="33" srcId="3" destId="31" srcOrd="0" destOrd="0"/>
-        <dgm:cxn modelId="43" srcId="4" destId="41" srcOrd="0" destOrd="0"/>
-      </dgm:cxnLst>
-      <dgm:bg/>
-      <dgm:whole/>
-    </dgm:dataModel>
-  </dgm:clrData>
-  <dgm:layoutNode name="linearFlow">
-    <dgm:varLst>
-      <dgm:dir/>
-      <dgm:animLvl val="lvl"/>
-      <dgm:resizeHandles val="exact"/>
-    </dgm:varLst>
-    <dgm:alg type="lin">
-      <dgm:param type="linDir" val="fromT"/>
-      <dgm:param type="nodeHorzAlign" val="l"/>
-    </dgm:alg>
-    <dgm:shape xmlns:r="http://schemas.openxmlformats.org/officeDocument/2006/relationships" r:blip="">
-      <dgm:adjLst/>
-    </dgm:shape>
-    <dgm:presOf/>
-    <dgm:constrLst>
-      <dgm:constr type="h" for="ch" forName="composite" refType="h"/>
-      <dgm:constr type="w" for="ch" forName="composite" refType="w"/>
-      <dgm:constr type="h" for="des" forName="parentText" op="equ"/>
-      <dgm:constr type="h" for="ch" forName="sp" val="-14.88"/>
-      <dgm:constr type="h" for="ch" forName="sp" refType="w" refFor="des" refForName="parentText" op="gte" fact="-0.3"/>
-      <dgm:constr type="primFontSz" for="des" forName="parentText" op="equ" val="65"/>
-      <dgm:constr type="primFontSz" for="des" forName="descendantText" op="equ" val="65"/>
-    </dgm:constrLst>
-    <dgm:ruleLst/>
-    <dgm:forEach name="Name0" axis="ch" ptType="node">
-      <dgm:layoutNode name="composite">
-        <dgm:alg type="composite"/>
-        <dgm:shape xmlns:r="http://schemas.openxmlformats.org/officeDocument/2006/relationships" r:blip="">
-          <dgm:adjLst/>
-        </dgm:shape>
-        <dgm:presOf/>
-        <dgm:choose name="Name1">
-          <dgm:if name="Name2" func="var" arg="dir" op="equ" val="norm">
-            <dgm:constrLst>
-              <dgm:constr type="t" for="ch" forName="parentText"/>
-              <dgm:constr type="l" for="ch" forName="parentText"/>
-              <dgm:constr type="w" for="ch" forName="parentText" refType="w" fact="0.4"/>
-              <dgm:constr type="h" for="ch" forName="parentText" refType="h"/>
-              <dgm:constr type="w" for="ch" forName="parentText" refType="w" op="lte" fact="0.5"/>
-              <dgm:constr type="w" for="ch" forName="parentText" refType="h" refFor="ch" refForName="parentText" op="lte" fact="0.7"/>
-              <dgm:constr type="h" for="ch" forName="parentText" refType="w" refFor="ch" refForName="parentText" op="lte" fact="3"/>
-              <dgm:constr type="l" for="ch" forName="descendantText" refType="w" refFor="ch" refForName="parentText"/>
-              <dgm:constr type="w" for="ch" forName="descendantText" refType="w"/>
-              <dgm:constr type="wOff" for="ch" forName="descendantText" refType="w" refFor="ch" refForName="parentText" fact="-1"/>
-              <dgm:constr type="t" for="ch" forName="descendantText"/>
-              <dgm:constr type="b" for="ch" forName="descendantText" refType="h" refFor="ch" refForName="parentText"/>
-              <dgm:constr type="bOff" for="ch" forName="descendantText" refType="w" refFor="ch" refForName="parentText" fact="-0.5"/>
-            </dgm:constrLst>
-          </dgm:if>
-          <dgm:else name="Name3">
-            <dgm:constrLst>
-              <dgm:constr type="t" for="ch" forName="parentText"/>
-              <dgm:constr type="r" for="ch" forName="parentText" refType="w"/>
-              <dgm:constr type="w" for="ch" forName="parentText" refType="w" fact="0.4"/>
-              <dgm:constr type="h" for="ch" forName="parentText" refType="h"/>
-              <dgm:constr type="w" for="ch" forName="parentText" refType="w" op="lte" fact="0.5"/>
-              <dgm:constr type="w" for="ch" forName="parentText" refType="h" refFor="ch" refForName="parentText" op="lte" fact="0.7"/>
-              <dgm:constr type="h" for="ch" forName="parentText" refType="w" refFor="ch" refForName="parentText" op="lte" fact="3"/>
-              <dgm:constr type="l" for="ch" forName="descendantText"/>
-              <dgm:constr type="w" for="ch" forName="descendantText" refType="w"/>
-              <dgm:constr type="wOff" for="ch" forName="descendantText" refType="w" refFor="ch" refForName="parentText" fact="-1"/>
-              <dgm:constr type="t" for="ch" forName="descendantText"/>
-              <dgm:constr type="b" for="ch" forName="descendantText" refType="h" refFor="ch" refForName="parentText"/>
-              <dgm:constr type="bOff" for="ch" forName="descendantText" refType="w" refFor="ch" refForName="parentText" fact="-0.5"/>
-            </dgm:constrLst>
-          </dgm:else>
-        </dgm:choose>
-        <dgm:ruleLst/>
-        <dgm:layoutNode name="parentText" styleLbl="alignNode1">
-          <dgm:varLst>
-            <dgm:chMax val="1"/>
-            <dgm:bulletEnabled val="1"/>
-          </dgm:varLst>
-          <dgm:alg type="tx"/>
-          <dgm:shape xmlns:r="http://schemas.openxmlformats.org/officeDocument/2006/relationships" rot="90" type="chevron" r:blip="">
-            <dgm:adjLst/>
-          </dgm:shape>
-          <dgm:presOf axis="self" ptType="node"/>
-          <dgm:constrLst>
-            <dgm:constr type="lMarg" refType="primFontSz" fact="0.05"/>
-            <dgm:constr type="rMarg" refType="primFontSz" fact="0.05"/>
-            <dgm:constr type="tMarg" refType="primFontSz" fact="0.05"/>
-            <dgm:constr type="bMarg" refType="primFontSz" fact="0.05"/>
-          </dgm:constrLst>
-          <dgm:ruleLst>
-            <dgm:rule type="h" val="100" fact="NaN" max="NaN"/>
-            <dgm:rule type="primFontSz" val="24" fact="NaN" max="NaN"/>
-            <dgm:rule type="h" val="110" fact="NaN" max="NaN"/>
-            <dgm:rule type="primFontSz" val="18" fact="NaN" max="NaN"/>
-            <dgm:rule type="h" val="INF" fact="NaN" max="NaN"/>
-            <dgm:rule type="primFontSz" val="5" fact="NaN" max="NaN"/>
-          </dgm:ruleLst>
-        </dgm:layoutNode>
-        <dgm:layoutNode name="descendantText" styleLbl="alignAcc1">
-          <dgm:varLst>
-            <dgm:bulletEnabled val="1"/>
-          </dgm:varLst>
-          <dgm:choose name="Name4">
-            <dgm:if name="Name5" func="var" arg="dir" op="equ" val="norm">
-              <dgm:alg type="tx">
-                <dgm:param type="stBulletLvl" val="1"/>
-                <dgm:param type="txAnchorVertCh" val="mid"/>
-              </dgm:alg>
-              <dgm:shape xmlns:r="http://schemas.openxmlformats.org/officeDocument/2006/relationships" rot="90" type="round2SameRect" r:blip="">
-                <dgm:adjLst/>
-              </dgm:shape>
-            </dgm:if>
-            <dgm:else name="Name6">
-              <dgm:alg type="tx">
-                <dgm:param type="stBulletLvl" val="1"/>
-                <dgm:param type="txAnchorVertCh" val="mid"/>
-              </dgm:alg>
-              <dgm:shape xmlns:r="http://schemas.openxmlformats.org/officeDocument/2006/relationships" rot="-90" type="round2SameRect" r:blip="">
-                <dgm:adjLst/>
-              </dgm:shape>
-            </dgm:else>
-          </dgm:choose>
-          <dgm:presOf axis="des" ptType="node"/>
-          <dgm:choose name="Name7">
-            <dgm:if name="Name8" func="var" arg="dir" op="equ" val="norm">
-              <dgm:constrLst>
-                <dgm:constr type="secFontSz" refType="primFontSz"/>
-                <dgm:constr type="tMarg" refType="primFontSz" fact="0.05"/>
-                <dgm:constr type="bMarg" refType="primFontSz" fact="0.05"/>
-                <dgm:constr type="rMarg" refType="primFontSz" fact="0.05"/>
-              </dgm:constrLst>
-            </dgm:if>
-            <dgm:else name="Name9">
-              <dgm:constrLst>
-                <dgm:constr type="secFontSz" refType="primFontSz"/>
-                <dgm:constr type="tMarg" refType="primFontSz" fact="0.05"/>
-                <dgm:constr type="bMarg" refType="primFontSz" fact="0.05"/>
-                <dgm:constr type="lMarg" refType="primFontSz" fact="0.05"/>
-              </dgm:constrLst>
-            </dgm:else>
-          </dgm:choose>
-          <dgm:ruleLst>
-            <dgm:rule type="primFontSz" val="5" fact="NaN" max="NaN"/>
-          </dgm:ruleLst>
-        </dgm:layoutNode>
-      </dgm:layoutNode>
-      <dgm:forEach name="Name10" axis="followSib" ptType="sibTrans" cnt="1">
-        <dgm:layoutNode name="sp">
-          <dgm:alg type="sp"/>
-          <dgm:shape xmlns:r="http://schemas.openxmlformats.org/officeDocument/2006/relationships" r:blip="">
-            <dgm:adjLst/>
-          </dgm:shape>
-          <dgm:presOf axis="self"/>
-          <dgm:constrLst>
-            <dgm:constr type="w" val="1"/>
-            <dgm:constr type="h" val="37.5"/>
-          </dgm:constrLst>
-          <dgm:ruleLst/>
-        </dgm:layoutNode>
-      </dgm:forEach>
-    </dgm:forEach>
-  </dgm:layoutNode>
-</dgm:layoutDef>
-</file>
-
-<file path=ppt/diagrams/quickStyle1.xml><?xml version="1.0" encoding="utf-8"?>
-<dgm:styleDef xmlns:dgm="http://schemas.openxmlformats.org/drawingml/2006/diagram" xmlns:a="http://schemas.openxmlformats.org/drawingml/2006/main" uniqueId="urn:microsoft.com/office/officeart/2005/8/quickstyle/simple1">
-  <dgm:title val=""/>
-  <dgm:desc val=""/>
-  <dgm:catLst>
-    <dgm:cat type="simple" pri="10100"/>
-  </dgm:catLst>
-  <dgm:scene3d>
-    <a:camera prst="orthographicFront"/>
-    <a:lightRig rig="threePt" dir="t"/>
-  </dgm:scene3d>
-  <dgm:styleLbl name="node0">
-    <dgm:scene3d>
-      <a:camera prst="orthographicFront"/>
-      <a:lightRig rig="threePt" dir="t"/>
-    </dgm:scene3d>
-    <dgm:sp3d/>
-    <dgm:txPr/>
-    <dgm:style>
-      <a:lnRef idx="2">
-        <a:scrgbClr r="0" g="0" b="0"/>
-      </a:lnRef>
-      <a:fillRef idx="1">
-        <a:scrgbClr r="0" g="0" b="0"/>
-      </a:fillRef>
-      <a:effectRef idx="0">
-        <a:scrgbClr r="0" g="0" b="0"/>
-      </a:effectRef>
-      <a:fontRef idx="minor">
-        <a:schemeClr val="lt1"/>
-      </a:fontRef>
-    </dgm:style>
-  </dgm:styleLbl>
-  <dgm:styleLbl name="lnNode1">
-    <dgm:scene3d>
-      <a:camera prst="orthographicFront"/>
-      <a:lightRig rig="threePt" dir="t"/>
-    </dgm:scene3d>
-    <dgm:sp3d/>
-    <dgm:txPr/>
-    <dgm:style>
-      <a:lnRef idx="2">
-        <a:scrgbClr r="0" g="0" b="0"/>
-      </a:lnRef>
-      <a:fillRef idx="1">
-        <a:scrgbClr r="0" g="0" b="0"/>
-      </a:fillRef>
-      <a:effectRef idx="0">
-        <a:scrgbClr r="0" g="0" b="0"/>
-      </a:effectRef>
-      <a:fontRef idx="minor">
-        <a:schemeClr val="lt1"/>
-      </a:fontRef>
-    </dgm:style>
-  </dgm:styleLbl>
-  <dgm:styleLbl name="vennNode1">
-    <dgm:scene3d>
-      <a:camera prst="orthographicFront"/>
-      <a:lightRig rig="threePt" dir="t"/>
-    </dgm:scene3d>
-    <dgm:sp3d/>
-    <dgm:txPr/>
-    <dgm:style>
-      <a:lnRef idx="2">
-        <a:scrgbClr r="0" g="0" b="0"/>
-      </a:lnRef>
-      <a:fillRef idx="1">
-        <a:scrgbClr r="0" g="0" b="0"/>
-      </a:fillRef>
-      <a:effectRef idx="0">
-        <a:scrgbClr r="0" g="0" b="0"/>
-      </a:effectRef>
-      <a:fontRef idx="minor">
-        <a:schemeClr val="tx1"/>
-      </a:fontRef>
-    </dgm:style>
-  </dgm:styleLbl>
-  <dgm:styleLbl name="alignNode1">
-    <dgm:scene3d>
-      <a:camera prst="orthographicFront"/>
-      <a:lightRig rig="threePt" dir="t"/>
-    </dgm:scene3d>
-    <dgm:sp3d/>
-    <dgm:txPr/>
-    <dgm:style>
-      <a:lnRef idx="2">
-        <a:scrgbClr r="0" g="0" b="0"/>
-      </a:lnRef>
-      <a:fillRef idx="1">
-        <a:scrgbClr r="0" g="0" b="0"/>
-      </a:fillRef>
-      <a:effectRef idx="0">
-        <a:scrgbClr r="0" g="0" b="0"/>
-      </a:effectRef>
-      <a:fontRef idx="minor">
-        <a:schemeClr val="lt1"/>
-      </a:fontRef>
-    </dgm:style>
-  </dgm:styleLbl>
-  <dgm:styleLbl name="node1">
-    <dgm:scene3d>
-      <a:camera prst="orthographicFront"/>
-      <a:lightRig rig="threePt" dir="t"/>
-    </dgm:scene3d>
-    <dgm:sp3d/>
-    <dgm:txPr/>
-    <dgm:style>
-      <a:lnRef idx="2">
-        <a:scrgbClr r="0" g="0" b="0"/>
-      </a:lnRef>
-      <a:fillRef idx="1">
-        <a:scrgbClr r="0" g="0" b="0"/>
-      </a:fillRef>
-      <a:effectRef idx="0">
-        <a:scrgbClr r="0" g="0" b="0"/>
-      </a:effectRef>
-      <a:fontRef idx="minor">
-        <a:schemeClr val="lt1"/>
-      </a:fontRef>
-    </dgm:style>
-  </dgm:styleLbl>
-  <dgm:styleLbl name="node2">
-    <dgm:scene3d>
-      <a:camera prst="orthographicFront"/>
-      <a:lightRig rig="threePt" dir="t"/>
-    </dgm:scene3d>
-    <dgm:sp3d/>
-    <dgm:txPr/>
-    <dgm:style>
-      <a:lnRef idx="2">
-        <a:scrgbClr r="0" g="0" b="0"/>
-      </a:lnRef>
-      <a:fillRef idx="1">
-        <a:scrgbClr r="0" g="0" b="0"/>
-      </a:fillRef>
-      <a:effectRef idx="0">
-        <a:scrgbClr r="0" g="0" b="0"/>
-      </a:effectRef>
-      <a:fontRef idx="minor">
-        <a:schemeClr val="lt1"/>
-      </a:fontRef>
-    </dgm:style>
-  </dgm:styleLbl>
-  <dgm:styleLbl name="node3">
-    <dgm:scene3d>
-      <a:camera prst="orthographicFront"/>
-      <a:lightRig rig="threePt" dir="t"/>
-    </dgm:scene3d>
-    <dgm:sp3d/>
-    <dgm:txPr/>
-    <dgm:style>
-      <a:lnRef idx="2">
-        <a:scrgbClr r="0" g="0" b="0"/>
-      </a:lnRef>
-      <a:fillRef idx="1">
-        <a:scrgbClr r="0" g="0" b="0"/>
-      </a:fillRef>
-      <a:effectRef idx="0">
-        <a:scrgbClr r="0" g="0" b="0"/>
-      </a:effectRef>
-      <a:fontRef idx="minor">
-        <a:schemeClr val="lt1"/>
-      </a:fontRef>
-    </dgm:style>
-  </dgm:styleLbl>
-  <dgm:styleLbl name="node4">
-    <dgm:scene3d>
-      <a:camera prst="orthographicFront"/>
-      <a:lightRig rig="threePt" dir="t"/>
-    </dgm:scene3d>
-    <dgm:sp3d/>
-    <dgm:txPr/>
-    <dgm:style>
-      <a:lnRef idx="2">
-        <a:scrgbClr r="0" g="0" b="0"/>
-      </a:lnRef>
-      <a:fillRef idx="1">
-        <a:scrgbClr r="0" g="0" b="0"/>
-      </a:fillRef>
-      <a:effectRef idx="0">
-        <a:scrgbClr r="0" g="0" b="0"/>
-      </a:effectRef>
-      <a:fontRef idx="minor">
-        <a:schemeClr val="lt1"/>
-      </a:fontRef>
-    </dgm:style>
-  </dgm:styleLbl>
-  <dgm:styleLbl name="fgImgPlace1">
-    <dgm:scene3d>
-      <a:camera prst="orthographicFront"/>
-      <a:lightRig rig="threePt" dir="t"/>
-    </dgm:scene3d>
-    <dgm:sp3d/>
-    <dgm:txPr/>
-    <dgm:style>
-      <a:lnRef idx="2">
-        <a:scrgbClr r="0" g="0" b="0"/>
-      </a:lnRef>
-      <a:fillRef idx="1">
-        <a:scrgbClr r="0" g="0" b="0"/>
-      </a:fillRef>
-      <a:effectRef idx="0">
-        <a:scrgbClr r="0" g="0" b="0"/>
-      </a:effectRef>
-      <a:fontRef idx="minor"/>
-    </dgm:style>
-  </dgm:styleLbl>
-  <dgm:styleLbl name="alignImgPlace1">
-    <dgm:scene3d>
-      <a:camera prst="orthographicFront"/>
-      <a:lightRig rig="threePt" dir="t"/>
-    </dgm:scene3d>
-    <dgm:sp3d/>
-    <dgm:txPr/>
-    <dgm:style>
-      <a:lnRef idx="2">
-        <a:scrgbClr r="0" g="0" b="0"/>
-      </a:lnRef>
-      <a:fillRef idx="1">
-        <a:scrgbClr r="0" g="0" b="0"/>
-      </a:fillRef>
-      <a:effectRef idx="0">
-        <a:scrgbClr r="0" g="0" b="0"/>
-      </a:effectRef>
-      <a:fontRef idx="minor"/>
-    </dgm:style>
-  </dgm:styleLbl>
-  <dgm:styleLbl name="bgImgPlace1">
-    <dgm:scene3d>
-      <a:camera prst="orthographicFront"/>
-      <a:lightRig rig="threePt" dir="t"/>
-    </dgm:scene3d>
-    <dgm:sp3d/>
-    <dgm:txPr/>
-    <dgm:style>
-      <a:lnRef idx="2">
-        <a:scrgbClr r="0" g="0" b="0"/>
-      </a:lnRef>
-      <a:fillRef idx="1">
-        <a:scrgbClr r="0" g="0" b="0"/>
-      </a:fillRef>
-      <a:effectRef idx="0">
-        <a:scrgbClr r="0" g="0" b="0"/>
-      </a:effectRef>
-      <a:fontRef idx="minor"/>
-    </dgm:style>
-  </dgm:styleLbl>
-  <dgm:styleLbl name="sibTrans2D1">
-    <dgm:scene3d>
-      <a:camera prst="orthographicFront"/>
-      <a:lightRig rig="threePt" dir="t"/>
-    </dgm:scene3d>
-    <dgm:sp3d/>
-    <dgm:txPr/>
-    <dgm:style>
-      <a:lnRef idx="0">
-        <a:scrgbClr r="0" g="0" b="0"/>
-      </a:lnRef>
-      <a:fillRef idx="1">
-        <a:scrgbClr r="0" g="0" b="0"/>
-      </a:fillRef>
-      <a:effectRef idx="0">
-        <a:scrgbClr r="0" g="0" b="0"/>
-      </a:effectRef>
-      <a:fontRef idx="minor">
-        <a:schemeClr val="lt1"/>
-      </a:fontRef>
-    </dgm:style>
-  </dgm:styleLbl>
-  <dgm:styleLbl name="fgSibTrans2D1">
-    <dgm:scene3d>
-      <a:camera prst="orthographicFront"/>
-      <a:lightRig rig="threePt" dir="t"/>
-    </dgm:scene3d>
-    <dgm:sp3d/>
-    <dgm:txPr/>
-    <dgm:style>
-      <a:lnRef idx="0">
-        <a:scrgbClr r="0" g="0" b="0"/>
-      </a:lnRef>
-      <a:fillRef idx="1">
-        <a:scrgbClr r="0" g="0" b="0"/>
-      </a:fillRef>
-      <a:effectRef idx="0">
-        <a:scrgbClr r="0" g="0" b="0"/>
-      </a:effectRef>
-      <a:fontRef idx="minor">
-        <a:schemeClr val="lt1"/>
-      </a:fontRef>
-    </dgm:style>
-  </dgm:styleLbl>
-  <dgm:styleLbl name="bgSibTrans2D1">
-    <dgm:scene3d>
-      <a:camera prst="orthographicFront"/>
-      <a:lightRig rig="threePt" dir="t"/>
-    </dgm:scene3d>
-    <dgm:sp3d/>
-    <dgm:txPr/>
-    <dgm:style>
-      <a:lnRef idx="0">
-        <a:scrgbClr r="0" g="0" b="0"/>
-      </a:lnRef>
-      <a:fillRef idx="1">
-        <a:scrgbClr r="0" g="0" b="0"/>
-      </a:fillRef>
-      <a:effectRef idx="0">
-        <a:scrgbClr r="0" g="0" b="0"/>
-      </a:effectRef>
-      <a:fontRef idx="minor">
-        <a:schemeClr val="lt1"/>
-      </a:fontRef>
-    </dgm:style>
-  </dgm:styleLbl>
-  <dgm:styleLbl name="sibTrans1D1">
-    <dgm:scene3d>
-      <a:camera prst="orthographicFront"/>
-      <a:lightRig rig="threePt" dir="t"/>
-    </dgm:scene3d>
-    <dgm:sp3d/>
-    <dgm:txPr/>
-    <dgm:style>
-      <a:lnRef idx="1">
-        <a:scrgbClr r="0" g="0" b="0"/>
-      </a:lnRef>
-      <a:fillRef idx="0">
-        <a:scrgbClr r="0" g="0" b="0"/>
-      </a:fillRef>
-      <a:effectRef idx="0">
-        <a:scrgbClr r="0" g="0" b="0"/>
-      </a:effectRef>
-      <a:fontRef idx="minor"/>
-    </dgm:style>
-  </dgm:styleLbl>
-  <dgm:styleLbl name="callout">
-    <dgm:scene3d>
-      <a:camera prst="orthographicFront"/>
-      <a:lightRig rig="threePt" dir="t"/>
-    </dgm:scene3d>
-    <dgm:sp3d/>
-    <dgm:txPr/>
-    <dgm:style>
-      <a:lnRef idx="2">
-        <a:scrgbClr r="0" g="0" b="0"/>
-      </a:lnRef>
-      <a:fillRef idx="1">
-        <a:scrgbClr r="0" g="0" b="0"/>
-      </a:fillRef>
-      <a:effectRef idx="0">
-        <a:scrgbClr r="0" g="0" b="0"/>
-      </a:effectRef>
-      <a:fontRef idx="minor"/>
-    </dgm:style>
-  </dgm:styleLbl>
-  <dgm:styleLbl name="asst0">
-    <dgm:scene3d>
-      <a:camera prst="orthographicFront"/>
-      <a:lightRig rig="threePt" dir="t"/>
-    </dgm:scene3d>
-    <dgm:sp3d/>
-    <dgm:txPr/>
-    <dgm:style>
-      <a:lnRef idx="2">
-        <a:scrgbClr r="0" g="0" b="0"/>
-      </a:lnRef>
-      <a:fillRef idx="1">
-        <a:scrgbClr r="0" g="0" b="0"/>
-      </a:fillRef>
-      <a:effectRef idx="0">
-        <a:scrgbClr r="0" g="0" b="0"/>
-      </a:effectRef>
-      <a:fontRef idx="minor">
-        <a:schemeClr val="lt1"/>
-      </a:fontRef>
-    </dgm:style>
-  </dgm:styleLbl>
-  <dgm:styleLbl name="asst1">
-    <dgm:scene3d>
-      <a:camera prst="orthographicFront"/>
-      <a:lightRig rig="threePt" dir="t"/>
-    </dgm:scene3d>
-    <dgm:sp3d/>
-    <dgm:txPr/>
-    <dgm:style>
-      <a:lnRef idx="2">
-        <a:scrgbClr r="0" g="0" b="0"/>
-      </a:lnRef>
-      <a:fillRef idx="1">
-        <a:scrgbClr r="0" g="0" b="0"/>
-      </a:fillRef>
-      <a:effectRef idx="0">
-        <a:scrgbClr r="0" g="0" b="0"/>
-      </a:effectRef>
-      <a:fontRef idx="minor">
-        <a:schemeClr val="lt1"/>
-      </a:fontRef>
-    </dgm:style>
-  </dgm:styleLbl>
-  <dgm:styleLbl name="asst2">
-    <dgm:scene3d>
-      <a:camera prst="orthographicFront"/>
-      <a:lightRig rig="threePt" dir="t"/>
-    </dgm:scene3d>
-    <dgm:sp3d/>
-    <dgm:txPr/>
-    <dgm:style>
-      <a:lnRef idx="2">
-        <a:scrgbClr r="0" g="0" b="0"/>
-      </a:lnRef>
-      <a:fillRef idx="1">
-        <a:scrgbClr r="0" g="0" b="0"/>
-      </a:fillRef>
-      <a:effectRef idx="0">
-        <a:scrgbClr r="0" g="0" b="0"/>
-      </a:effectRef>
-      <a:fontRef idx="minor">
-        <a:schemeClr val="lt1"/>
-      </a:fontRef>
-    </dgm:style>
-  </dgm:styleLbl>
-  <dgm:styleLbl name="asst3">
-    <dgm:scene3d>
-      <a:camera prst="orthographicFront"/>
-      <a:lightRig rig="threePt" dir="t"/>
-    </dgm:scene3d>
-    <dgm:sp3d/>
-    <dgm:txPr/>
-    <dgm:style>
-      <a:lnRef idx="2">
-        <a:scrgbClr r="0" g="0" b="0"/>
-      </a:lnRef>
-      <a:fillRef idx="1">
-        <a:scrgbClr r="0" g="0" b="0"/>
-      </a:fillRef>
-      <a:effectRef idx="0">
-        <a:scrgbClr r="0" g="0" b="0"/>
-      </a:effectRef>
-      <a:fontRef idx="minor">
-        <a:schemeClr val="lt1"/>
-      </a:fontRef>
-    </dgm:style>
-  </dgm:styleLbl>
-  <dgm:styleLbl name="asst4">
-    <dgm:scene3d>
-      <a:camera prst="orthographicFront"/>
-      <a:lightRig rig="threePt" dir="t"/>
-    </dgm:scene3d>
-    <dgm:sp3d/>
-    <dgm:txPr/>
-    <dgm:style>
-      <a:lnRef idx="2">
-        <a:scrgbClr r="0" g="0" b="0"/>
-      </a:lnRef>
-      <a:fillRef idx="1">
-        <a:scrgbClr r="0" g="0" b="0"/>
-      </a:fillRef>
-      <a:effectRef idx="0">
-        <a:scrgbClr r="0" g="0" b="0"/>
-      </a:effectRef>
-      <a:fontRef idx="minor">
-        <a:schemeClr val="lt1"/>
-      </a:fontRef>
-    </dgm:style>
-  </dgm:styleLbl>
-  <dgm:styleLbl name="parChTrans2D1">
-    <dgm:scene3d>
-      <a:camera prst="orthographicFront"/>
-      <a:lightRig rig="threePt" dir="t"/>
-    </dgm:scene3d>
-    <dgm:sp3d/>
-    <dgm:txPr/>
-    <dgm:style>
-      <a:lnRef idx="2">
-        <a:scrgbClr r="0" g="0" b="0"/>
-      </a:lnRef>
-      <a:fillRef idx="1">
-        <a:scrgbClr r="0" g="0" b="0"/>
-      </a:fillRef>
-      <a:effectRef idx="0">
-        <a:scrgbClr r="0" g="0" b="0"/>
-      </a:effectRef>
-      <a:fontRef idx="minor">
-        <a:schemeClr val="lt1"/>
-      </a:fontRef>
-    </dgm:style>
-  </dgm:styleLbl>
-  <dgm:styleLbl name="parChTrans2D2">
-    <dgm:scene3d>
-      <a:camera prst="orthographicFront"/>
-      <a:lightRig rig="threePt" dir="t"/>
-    </dgm:scene3d>
-    <dgm:sp3d/>
-    <dgm:txPr/>
-    <dgm:style>
-      <a:lnRef idx="2">
-        <a:scrgbClr r="0" g="0" b="0"/>
-      </a:lnRef>
-      <a:fillRef idx="1">
-        <a:scrgbClr r="0" g="0" b="0"/>
-      </a:fillRef>
-      <a:effectRef idx="0">
-        <a:scrgbClr r="0" g="0" b="0"/>
-      </a:effectRef>
-      <a:fontRef idx="minor">
-        <a:schemeClr val="lt1"/>
-      </a:fontRef>
-    </dgm:style>
-  </dgm:styleLbl>
-  <dgm:styleLbl name="parChTrans2D3">
-    <dgm:scene3d>
-      <a:camera prst="orthographicFront"/>
-      <a:lightRig rig="threePt" dir="t"/>
-    </dgm:scene3d>
-    <dgm:sp3d/>
-    <dgm:txPr/>
-    <dgm:style>
-      <a:lnRef idx="2">
-        <a:scrgbClr r="0" g="0" b="0"/>
-      </a:lnRef>
-      <a:fillRef idx="1">
-        <a:scrgbClr r="0" g="0" b="0"/>
-      </a:fillRef>
-      <a:effectRef idx="0">
-        <a:scrgbClr r="0" g="0" b="0"/>
-      </a:effectRef>
-      <a:fontRef idx="minor">
-        <a:schemeClr val="lt1"/>
-      </a:fontRef>
-    </dgm:style>
-  </dgm:styleLbl>
-  <dgm:styleLbl name="parChTrans2D4">
-    <dgm:scene3d>
-      <a:camera prst="orthographicFront"/>
-      <a:lightRig rig="threePt" dir="t"/>
-    </dgm:scene3d>
-    <dgm:sp3d/>
-    <dgm:txPr/>
-    <dgm:style>
-      <a:lnRef idx="2">
-        <a:scrgbClr r="0" g="0" b="0"/>
-      </a:lnRef>
-      <a:fillRef idx="1">
-        <a:scrgbClr r="0" g="0" b="0"/>
-      </a:fillRef>
-      <a:effectRef idx="0">
-        <a:scrgbClr r="0" g="0" b="0"/>
-      </a:effectRef>
-      <a:fontRef idx="minor">
-        <a:schemeClr val="lt1"/>
-      </a:fontRef>
-    </dgm:style>
-  </dgm:styleLbl>
-  <dgm:styleLbl name="parChTrans1D1">
-    <dgm:scene3d>
-      <a:camera prst="orthographicFront"/>
-      <a:lightRig rig="threePt" dir="t"/>
-    </dgm:scene3d>
-    <dgm:sp3d/>
-    <dgm:txPr/>
-    <dgm:style>
-      <a:lnRef idx="2">
-        <a:scrgbClr r="0" g="0" b="0"/>
-      </a:lnRef>
-      <a:fillRef idx="0">
-        <a:scrgbClr r="0" g="0" b="0"/>
-      </a:fillRef>
-      <a:effectRef idx="0">
-        <a:scrgbClr r="0" g="0" b="0"/>
-      </a:effectRef>
-      <a:fontRef idx="minor"/>
-    </dgm:style>
-  </dgm:styleLbl>
-  <dgm:styleLbl name="parChTrans1D2">
-    <dgm:scene3d>
-      <a:camera prst="orthographicFront"/>
-      <a:lightRig rig="threePt" dir="t"/>
-    </dgm:scene3d>
-    <dgm:sp3d/>
-    <dgm:txPr/>
-    <dgm:style>
-      <a:lnRef idx="2">
-        <a:scrgbClr r="0" g="0" b="0"/>
-      </a:lnRef>
-      <a:fillRef idx="0">
-        <a:scrgbClr r="0" g="0" b="0"/>
-      </a:fillRef>
-      <a:effectRef idx="0">
-        <a:scrgbClr r="0" g="0" b="0"/>
-      </a:effectRef>
-      <a:fontRef idx="minor"/>
-    </dgm:style>
-  </dgm:styleLbl>
-  <dgm:styleLbl name="parChTrans1D3">
-    <dgm:scene3d>
-      <a:camera prst="orthographicFront"/>
-      <a:lightRig rig="threePt" dir="t"/>
-    </dgm:scene3d>
-    <dgm:sp3d/>
-    <dgm:txPr/>
-    <dgm:style>
-      <a:lnRef idx="2">
-        <a:scrgbClr r="0" g="0" b="0"/>
-      </a:lnRef>
-      <a:fillRef idx="0">
-        <a:scrgbClr r="0" g="0" b="0"/>
-      </a:fillRef>
-      <a:effectRef idx="0">
-        <a:scrgbClr r="0" g="0" b="0"/>
-      </a:effectRef>
-      <a:fontRef idx="minor"/>
-    </dgm:style>
-  </dgm:styleLbl>
-  <dgm:styleLbl name="parChTrans1D4">
-    <dgm:scene3d>
-      <a:camera prst="orthographicFront"/>
-      <a:lightRig rig="threePt" dir="t"/>
-    </dgm:scene3d>
-    <dgm:sp3d/>
-    <dgm:txPr/>
-    <dgm:style>
-      <a:lnRef idx="2">
-        <a:scrgbClr r="0" g="0" b="0"/>
-      </a:lnRef>
-      <a:fillRef idx="0">
-        <a:scrgbClr r="0" g="0" b="0"/>
-      </a:fillRef>
-      <a:effectRef idx="0">
-        <a:scrgbClr r="0" g="0" b="0"/>
-      </a:effectRef>
-      <a:fontRef idx="minor"/>
-    </dgm:style>
-  </dgm:styleLbl>
-  <dgm:styleLbl name="fgAcc1">
-    <dgm:scene3d>
-      <a:camera prst="orthographicFront"/>
-      <a:lightRig rig="threePt" dir="t"/>
-    </dgm:scene3d>
-    <dgm:sp3d/>
-    <dgm:txPr/>
-    <dgm:style>
-      <a:lnRef idx="2">
-        <a:scrgbClr r="0" g="0" b="0"/>
-      </a:lnRef>
-      <a:fillRef idx="1">
-        <a:scrgbClr r="0" g="0" b="0"/>
-      </a:fillRef>
-      <a:effectRef idx="0">
-        <a:scrgbClr r="0" g="0" b="0"/>
-      </a:effectRef>
-      <a:fontRef idx="minor"/>
-    </dgm:style>
-  </dgm:styleLbl>
-  <dgm:styleLbl name="conFgAcc1">
-    <dgm:scene3d>
-      <a:camera prst="orthographicFront"/>
-      <a:lightRig rig="threePt" dir="t"/>
-    </dgm:scene3d>
-    <dgm:sp3d/>
-    <dgm:txPr/>
-    <dgm:style>
-      <a:lnRef idx="2">
-        <a:scrgbClr r="0" g="0" b="0"/>
-      </a:lnRef>
-      <a:fillRef idx="1">
-        <a:scrgbClr r="0" g="0" b="0"/>
-      </a:fillRef>
-      <a:effectRef idx="0">
-        <a:scrgbClr r="0" g="0" b="0"/>
-      </a:effectRef>
-      <a:fontRef idx="minor"/>
-    </dgm:style>
-  </dgm:styleLbl>
-  <dgm:styleLbl name="alignAcc1">
-    <dgm:scene3d>
-      <a:camera prst="orthographicFront"/>
-      <a:lightRig rig="threePt" dir="t"/>
-    </dgm:scene3d>
-    <dgm:sp3d/>
-    <dgm:txPr/>
-    <dgm:style>
-      <a:lnRef idx="2">
-        <a:scrgbClr r="0" g="0" b="0"/>
-      </a:lnRef>
-      <a:fillRef idx="1">
-        <a:scrgbClr r="0" g="0" b="0"/>
-      </a:fillRef>
-      <a:effectRef idx="0">
-        <a:scrgbClr r="0" g="0" b="0"/>
-      </a:effectRef>
-      <a:fontRef idx="minor"/>
-    </dgm:style>
-  </dgm:styleLbl>
-  <dgm:styleLbl name="trAlignAcc1">
-    <dgm:scene3d>
-      <a:camera prst="orthographicFront"/>
-      <a:lightRig rig="threePt" dir="t"/>
-    </dgm:scene3d>
-    <dgm:sp3d/>
-    <dgm:txPr/>
-    <dgm:style>
-      <a:lnRef idx="1">
-        <a:scrgbClr r="0" g="0" b="0"/>
-      </a:lnRef>
-      <a:fillRef idx="1">
-        <a:scrgbClr r="0" g="0" b="0"/>
-      </a:fillRef>
-      <a:effectRef idx="0">
-        <a:scrgbClr r="0" g="0" b="0"/>
-      </a:effectRef>
-      <a:fontRef idx="minor"/>
-    </dgm:style>
-  </dgm:styleLbl>
-  <dgm:styleLbl name="bgAcc1">
-    <dgm:scene3d>
-      <a:camera prst="orthographicFront"/>
-      <a:lightRig rig="threePt" dir="t"/>
-    </dgm:scene3d>
-    <dgm:sp3d/>
-    <dgm:txPr/>
-    <dgm:style>
-      <a:lnRef idx="2">
-        <a:scrgbClr r="0" g="0" b="0"/>
-      </a:lnRef>
-      <a:fillRef idx="1">
-        <a:scrgbClr r="0" g="0" b="0"/>
-      </a:fillRef>
-      <a:effectRef idx="0">
-        <a:scrgbClr r="0" g="0" b="0"/>
-      </a:effectRef>
-      <a:fontRef idx="minor"/>
-    </dgm:style>
-  </dgm:styleLbl>
-  <dgm:styleLbl name="solidFgAcc1">
-    <dgm:scene3d>
-      <a:camera prst="orthographicFront"/>
-      <a:lightRig rig="threePt" dir="t"/>
-    </dgm:scene3d>
-    <dgm:sp3d/>
-    <dgm:txPr/>
-    <dgm:style>
-      <a:lnRef idx="2">
-        <a:scrgbClr r="0" g="0" b="0"/>
-      </a:lnRef>
-      <a:fillRef idx="1">
-        <a:scrgbClr r="0" g="0" b="0"/>
-      </a:fillRef>
-      <a:effectRef idx="0">
-        <a:scrgbClr r="0" g="0" b="0"/>
-      </a:effectRef>
-      <a:fontRef idx="minor"/>
-    </dgm:style>
-  </dgm:styleLbl>
-  <dgm:styleLbl name="solidAlignAcc1">
-    <dgm:scene3d>
-      <a:camera prst="orthographicFront"/>
-      <a:lightRig rig="threePt" dir="t"/>
-    </dgm:scene3d>
-    <dgm:sp3d/>
-    <dgm:txPr/>
-    <dgm:style>
-      <a:lnRef idx="2">
-        <a:scrgbClr r="0" g="0" b="0"/>
-      </a:lnRef>
-      <a:fillRef idx="1">
-        <a:scrgbClr r="0" g="0" b="0"/>
-      </a:fillRef>
-      <a:effectRef idx="0">
-        <a:scrgbClr r="0" g="0" b="0"/>
-      </a:effectRef>
-      <a:fontRef idx="minor"/>
-    </dgm:style>
-  </dgm:styleLbl>
-  <dgm:styleLbl name="solidBgAcc1">
-    <dgm:scene3d>
-      <a:camera prst="orthographicFront"/>
-      <a:lightRig rig="threePt" dir="t"/>
-    </dgm:scene3d>
-    <dgm:sp3d/>
-    <dgm:txPr/>
-    <dgm:style>
-      <a:lnRef idx="2">
-        <a:scrgbClr r="0" g="0" b="0"/>
-      </a:lnRef>
-      <a:fillRef idx="1">
-        <a:scrgbClr r="0" g="0" b="0"/>
-      </a:fillRef>
-      <a:effectRef idx="0">
-        <a:scrgbClr r="0" g="0" b="0"/>
-      </a:effectRef>
-      <a:fontRef idx="minor"/>
-    </dgm:style>
-  </dgm:styleLbl>
-  <dgm:styleLbl name="fgAccFollowNode1">
-    <dgm:scene3d>
-      <a:camera prst="orthographicFront"/>
-      <a:lightRig rig="threePt" dir="t"/>
-    </dgm:scene3d>
-    <dgm:sp3d/>
-    <dgm:txPr/>
-    <dgm:style>
-      <a:lnRef idx="2">
-        <a:scrgbClr r="0" g="0" b="0"/>
-      </a:lnRef>
-      <a:fillRef idx="1">
-        <a:scrgbClr r="0" g="0" b="0"/>
-      </a:fillRef>
-      <a:effectRef idx="0">
-        <a:scrgbClr r="0" g="0" b="0"/>
-      </a:effectRef>
-      <a:fontRef idx="minor"/>
-    </dgm:style>
-  </dgm:styleLbl>
-  <dgm:styleLbl name="alignAccFollowNode1">
-    <dgm:scene3d>
-      <a:camera prst="orthographicFront"/>
-      <a:lightRig rig="threePt" dir="t"/>
-    </dgm:scene3d>
-    <dgm:sp3d/>
-    <dgm:txPr/>
-    <dgm:style>
-      <a:lnRef idx="2">
-        <a:scrgbClr r="0" g="0" b="0"/>
-      </a:lnRef>
-      <a:fillRef idx="1">
-        <a:scrgbClr r="0" g="0" b="0"/>
-      </a:fillRef>
-      <a:effectRef idx="0">
-        <a:scrgbClr r="0" g="0" b="0"/>
-      </a:effectRef>
-      <a:fontRef idx="minor"/>
-    </dgm:style>
-  </dgm:styleLbl>
-  <dgm:styleLbl name="bgAccFollowNode1">
-    <dgm:scene3d>
-      <a:camera prst="orthographicFront"/>
-      <a:lightRig rig="threePt" dir="t"/>
-    </dgm:scene3d>
-    <dgm:sp3d/>
-    <dgm:txPr/>
-    <dgm:style>
-      <a:lnRef idx="2">
-        <a:scrgbClr r="0" g="0" b="0"/>
-      </a:lnRef>
-      <a:fillRef idx="1">
-        <a:scrgbClr r="0" g="0" b="0"/>
-      </a:fillRef>
-      <a:effectRef idx="0">
-        <a:scrgbClr r="0" g="0" b="0"/>
-      </a:effectRef>
-      <a:fontRef idx="minor"/>
-    </dgm:style>
-  </dgm:styleLbl>
-  <dgm:styleLbl name="fgAcc0">
-    <dgm:scene3d>
-      <a:camera prst="orthographicFront"/>
-      <a:lightRig rig="threePt" dir="t"/>
-    </dgm:scene3d>
-    <dgm:sp3d/>
-    <dgm:txPr/>
-    <dgm:style>
-      <a:lnRef idx="2">
-        <a:scrgbClr r="0" g="0" b="0"/>
-      </a:lnRef>
-      <a:fillRef idx="1">
-        <a:scrgbClr r="0" g="0" b="0"/>
-      </a:fillRef>
-      <a:effectRef idx="0">
-        <a:scrgbClr r="0" g="0" b="0"/>
-      </a:effectRef>
-      <a:fontRef idx="minor"/>
-    </dgm:style>
-  </dgm:styleLbl>
-  <dgm:styleLbl name="fgAcc2">
-    <dgm:scene3d>
-      <a:camera prst="orthographicFront"/>
-      <a:lightRig rig="threePt" dir="t"/>
-    </dgm:scene3d>
-    <dgm:sp3d/>
-    <dgm:txPr/>
-    <dgm:style>
-      <a:lnRef idx="2">
-        <a:scrgbClr r="0" g="0" b="0"/>
-      </a:lnRef>
-      <a:fillRef idx="1">
-        <a:scrgbClr r="0" g="0" b="0"/>
-      </a:fillRef>
-      <a:effectRef idx="0">
-        <a:scrgbClr r="0" g="0" b="0"/>
-      </a:effectRef>
-      <a:fontRef idx="minor"/>
-    </dgm:style>
-  </dgm:styleLbl>
-  <dgm:styleLbl name="fgAcc3">
-    <dgm:scene3d>
-      <a:camera prst="orthographicFront"/>
-      <a:lightRig rig="threePt" dir="t"/>
-    </dgm:scene3d>
-    <dgm:sp3d/>
-    <dgm:txPr/>
-    <dgm:style>
-      <a:lnRef idx="2">
-        <a:scrgbClr r="0" g="0" b="0"/>
-      </a:lnRef>
-      <a:fillRef idx="1">
-        <a:scrgbClr r="0" g="0" b="0"/>
-      </a:fillRef>
-      <a:effectRef idx="0">
-        <a:scrgbClr r="0" g="0" b="0"/>
-      </a:effectRef>
-      <a:fontRef idx="minor"/>
-    </dgm:style>
-  </dgm:styleLbl>
-  <dgm:styleLbl name="fgAcc4">
-    <dgm:scene3d>
-      <a:camera prst="orthographicFront"/>
-      <a:lightRig rig="threePt" dir="t"/>
-    </dgm:scene3d>
-    <dgm:sp3d/>
-    <dgm:txPr/>
-    <dgm:style>
-      <a:lnRef idx="2">
-        <a:scrgbClr r="0" g="0" b="0"/>
-      </a:lnRef>
-      <a:fillRef idx="1">
-        <a:scrgbClr r="0" g="0" b="0"/>
-      </a:fillRef>
-      <a:effectRef idx="0">
-        <a:scrgbClr r="0" g="0" b="0"/>
-      </a:effectRef>
-      <a:fontRef idx="minor"/>
-    </dgm:style>
-  </dgm:styleLbl>
-  <dgm:styleLbl name="bgShp">
-    <dgm:scene3d>
-      <a:camera prst="orthographicFront"/>
-      <a:lightRig rig="threePt" dir="t"/>
-    </dgm:scene3d>
-    <dgm:sp3d/>
-    <dgm:txPr/>
-    <dgm:style>
-      <a:lnRef idx="0">
-        <a:scrgbClr r="0" g="0" b="0"/>
-      </a:lnRef>
-      <a:fillRef idx="1">
-        <a:scrgbClr r="0" g="0" b="0"/>
-      </a:fillRef>
-      <a:effectRef idx="0">
-        <a:scrgbClr r="0" g="0" b="0"/>
-      </a:effectRef>
-      <a:fontRef idx="minor"/>
-    </dgm:style>
-  </dgm:styleLbl>
-  <dgm:styleLbl name="dkBgShp">
-    <dgm:scene3d>
-      <a:camera prst="orthographicFront"/>
-      <a:lightRig rig="threePt" dir="t"/>
-    </dgm:scene3d>
-    <dgm:sp3d/>
-    <dgm:txPr/>
-    <dgm:style>
-      <a:lnRef idx="0">
-        <a:scrgbClr r="0" g="0" b="0"/>
-      </a:lnRef>
-      <a:fillRef idx="1">
-        <a:scrgbClr r="0" g="0" b="0"/>
-      </a:fillRef>
-      <a:effectRef idx="0">
-        <a:scrgbClr r="0" g="0" b="0"/>
-      </a:effectRef>
-      <a:fontRef idx="minor"/>
-    </dgm:style>
-  </dgm:styleLbl>
-  <dgm:styleLbl name="trBgShp">
-    <dgm:scene3d>
-      <a:camera prst="orthographicFront"/>
-      <a:lightRig rig="threePt" dir="t"/>
-    </dgm:scene3d>
-    <dgm:sp3d/>
-    <dgm:txPr/>
-    <dgm:style>
-      <a:lnRef idx="0">
-        <a:scrgbClr r="0" g="0" b="0"/>
-      </a:lnRef>
-      <a:fillRef idx="1">
-        <a:scrgbClr r="0" g="0" b="0"/>
-      </a:fillRef>
-      <a:effectRef idx="0">
-        <a:scrgbClr r="0" g="0" b="0"/>
-      </a:effectRef>
-      <a:fontRef idx="minor"/>
-    </dgm:style>
-  </dgm:styleLbl>
-  <dgm:styleLbl name="fgShp">
-    <dgm:scene3d>
-      <a:camera prst="orthographicFront"/>
-      <a:lightRig rig="threePt" dir="t"/>
-    </dgm:scene3d>
-    <dgm:sp3d/>
-    <dgm:txPr/>
-    <dgm:style>
-      <a:lnRef idx="2">
-        <a:scrgbClr r="0" g="0" b="0"/>
-      </a:lnRef>
-      <a:fillRef idx="1">
-        <a:scrgbClr r="0" g="0" b="0"/>
-      </a:fillRef>
-      <a:effectRef idx="0">
-        <a:scrgbClr r="0" g="0" b="0"/>
-      </a:effectRef>
-      <a:fontRef idx="minor"/>
-    </dgm:style>
-  </dgm:styleLbl>
-  <dgm:styleLbl name="revTx">
-    <dgm:scene3d>
-      <a:camera prst="orthographicFront"/>
-      <a:lightRig rig="threePt" dir="t"/>
-    </dgm:scene3d>
-    <dgm:sp3d/>
-    <dgm:txPr/>
-    <dgm:style>
-      <a:lnRef idx="0">
-        <a:scrgbClr r="0" g="0" b="0"/>
-      </a:lnRef>
-      <a:fillRef idx="0">
-        <a:scrgbClr r="0" g="0" b="0"/>
-      </a:fillRef>
-      <a:effectRef idx="0">
-        <a:scrgbClr r="0" g="0" b="0"/>
-      </a:effectRef>
-      <a:fontRef idx="minor"/>
-    </dgm:style>
-  </dgm:styleLbl>
-</dgm:styleDef>
-</file>
-
 <file path=ppt/handoutMasters/handoutMaster1.xml><?xml version="1.0" encoding="utf-8"?>
 <p:handoutMaster xmlns:a="http://schemas.openxmlformats.org/drawingml/2006/main" xmlns:r="http://schemas.openxmlformats.org/officeDocument/2006/relationships" xmlns:p="http://schemas.openxmlformats.org/presentationml/2006/main">
   <p:cSld>
@@ -5219,643 +1993,6 @@
 </p:notes>
 </file>
 
-<file path=ppt/notesSlides/notesSlide13.xml><?xml version="1.0" encoding="utf-8"?>
-<p:notes xmlns:a="http://schemas.openxmlformats.org/drawingml/2006/main" xmlns:r="http://schemas.openxmlformats.org/officeDocument/2006/relationships" xmlns:p="http://schemas.openxmlformats.org/presentationml/2006/main">
-  <p:cSld>
-    <p:spTree>
-      <p:nvGrpSpPr>
-        <p:cNvPr id="1" name=""/>
-        <p:cNvGrpSpPr/>
-        <p:nvPr/>
-      </p:nvGrpSpPr>
-      <p:grpSpPr>
-        <a:xfrm>
-          <a:off x="0" y="0"/>
-          <a:ext cx="0" cy="0"/>
-          <a:chOff x="0" y="0"/>
-          <a:chExt cx="0" cy="0"/>
-        </a:xfrm>
-      </p:grpSpPr>
-      <p:sp>
-        <p:nvSpPr>
-          <p:cNvPr id="2" name="Espaço Reservado para Imagem de Slide 1"/>
-          <p:cNvSpPr>
-            <a:spLocks noGrp="1" noRot="1" noChangeAspect="1"/>
-          </p:cNvSpPr>
-          <p:nvPr>
-            <p:ph type="sldImg"/>
-          </p:nvPr>
-        </p:nvSpPr>
-        <p:spPr>
-          <a:xfrm>
-            <a:off x="1143000" y="685800"/>
-            <a:ext cx="4572000" cy="3429000"/>
-          </a:xfrm>
-        </p:spPr>
-      </p:sp>
-      <p:sp>
-        <p:nvSpPr>
-          <p:cNvPr id="3" name="Espaço Reservado para Anotações 2"/>
-          <p:cNvSpPr>
-            <a:spLocks noGrp="1"/>
-          </p:cNvSpPr>
-          <p:nvPr>
-            <p:ph type="body" idx="1"/>
-          </p:nvPr>
-        </p:nvSpPr>
-        <p:spPr/>
-        <p:txBody>
-          <a:bodyPr/>
-          <a:lstStyle/>
-          <a:p>
-            <a:endParaRPr lang="pt-BR" dirty="0"/>
-          </a:p>
-        </p:txBody>
-      </p:sp>
-      <p:sp>
-        <p:nvSpPr>
-          <p:cNvPr id="4" name="Espaço Reservado para Número de Slide 3"/>
-          <p:cNvSpPr>
-            <a:spLocks noGrp="1"/>
-          </p:cNvSpPr>
-          <p:nvPr>
-            <p:ph type="sldNum" sz="quarter" idx="10"/>
-          </p:nvPr>
-        </p:nvSpPr>
-        <p:spPr/>
-        <p:txBody>
-          <a:bodyPr/>
-          <a:lstStyle/>
-          <a:p>
-            <a:pPr rtl="0"/>
-            <a:fld id="{841221E5-7225-48EB-A4EE-420E7BFCF705}" type="slidenum">
-              <a:rPr lang="pt-BR" smtClean="0"/>
-              <a:pPr rtl="0"/>
-              <a:t>13</a:t>
-            </a:fld>
-            <a:endParaRPr lang="pt-BR" dirty="0"/>
-          </a:p>
-        </p:txBody>
-      </p:sp>
-    </p:spTree>
-    <p:extLst>
-      <p:ext uri="{BB962C8B-B14F-4D97-AF65-F5344CB8AC3E}">
-        <p14:creationId xmlns:p14="http://schemas.microsoft.com/office/powerpoint/2010/main" val="2813389961"/>
-      </p:ext>
-    </p:extLst>
-  </p:cSld>
-  <p:clrMapOvr>
-    <a:masterClrMapping/>
-  </p:clrMapOvr>
-</p:notes>
-</file>
-
-<file path=ppt/notesSlides/notesSlide14.xml><?xml version="1.0" encoding="utf-8"?>
-<p:notes xmlns:a="http://schemas.openxmlformats.org/drawingml/2006/main" xmlns:r="http://schemas.openxmlformats.org/officeDocument/2006/relationships" xmlns:p="http://schemas.openxmlformats.org/presentationml/2006/main">
-  <p:cSld>
-    <p:spTree>
-      <p:nvGrpSpPr>
-        <p:cNvPr id="1" name=""/>
-        <p:cNvGrpSpPr/>
-        <p:nvPr/>
-      </p:nvGrpSpPr>
-      <p:grpSpPr>
-        <a:xfrm>
-          <a:off x="0" y="0"/>
-          <a:ext cx="0" cy="0"/>
-          <a:chOff x="0" y="0"/>
-          <a:chExt cx="0" cy="0"/>
-        </a:xfrm>
-      </p:grpSpPr>
-      <p:sp>
-        <p:nvSpPr>
-          <p:cNvPr id="2" name="Espaço Reservado para Imagem de Slide 1"/>
-          <p:cNvSpPr>
-            <a:spLocks noGrp="1" noRot="1" noChangeAspect="1"/>
-          </p:cNvSpPr>
-          <p:nvPr>
-            <p:ph type="sldImg"/>
-          </p:nvPr>
-        </p:nvSpPr>
-        <p:spPr>
-          <a:xfrm>
-            <a:off x="1143000" y="685800"/>
-            <a:ext cx="4572000" cy="3429000"/>
-          </a:xfrm>
-        </p:spPr>
-      </p:sp>
-      <p:sp>
-        <p:nvSpPr>
-          <p:cNvPr id="3" name="Espaço Reservado para Anotações 2"/>
-          <p:cNvSpPr>
-            <a:spLocks noGrp="1"/>
-          </p:cNvSpPr>
-          <p:nvPr>
-            <p:ph type="body" idx="1"/>
-          </p:nvPr>
-        </p:nvSpPr>
-        <p:spPr/>
-        <p:txBody>
-          <a:bodyPr/>
-          <a:lstStyle/>
-          <a:p>
-            <a:endParaRPr lang="pt-BR" dirty="0"/>
-          </a:p>
-        </p:txBody>
-      </p:sp>
-      <p:sp>
-        <p:nvSpPr>
-          <p:cNvPr id="4" name="Espaço Reservado para Número de Slide 3"/>
-          <p:cNvSpPr>
-            <a:spLocks noGrp="1"/>
-          </p:cNvSpPr>
-          <p:nvPr>
-            <p:ph type="sldNum" sz="quarter" idx="10"/>
-          </p:nvPr>
-        </p:nvSpPr>
-        <p:spPr/>
-        <p:txBody>
-          <a:bodyPr/>
-          <a:lstStyle/>
-          <a:p>
-            <a:pPr rtl="0"/>
-            <a:fld id="{841221E5-7225-48EB-A4EE-420E7BFCF705}" type="slidenum">
-              <a:rPr lang="pt-BR" smtClean="0"/>
-              <a:pPr rtl="0"/>
-              <a:t>14</a:t>
-            </a:fld>
-            <a:endParaRPr lang="pt-BR" dirty="0"/>
-          </a:p>
-        </p:txBody>
-      </p:sp>
-    </p:spTree>
-    <p:extLst>
-      <p:ext uri="{BB962C8B-B14F-4D97-AF65-F5344CB8AC3E}">
-        <p14:creationId xmlns:p14="http://schemas.microsoft.com/office/powerpoint/2010/main" val="2800518512"/>
-      </p:ext>
-    </p:extLst>
-  </p:cSld>
-  <p:clrMapOvr>
-    <a:masterClrMapping/>
-  </p:clrMapOvr>
-</p:notes>
-</file>
-
-<file path=ppt/notesSlides/notesSlide15.xml><?xml version="1.0" encoding="utf-8"?>
-<p:notes xmlns:a="http://schemas.openxmlformats.org/drawingml/2006/main" xmlns:r="http://schemas.openxmlformats.org/officeDocument/2006/relationships" xmlns:p="http://schemas.openxmlformats.org/presentationml/2006/main">
-  <p:cSld>
-    <p:spTree>
-      <p:nvGrpSpPr>
-        <p:cNvPr id="1" name=""/>
-        <p:cNvGrpSpPr/>
-        <p:nvPr/>
-      </p:nvGrpSpPr>
-      <p:grpSpPr>
-        <a:xfrm>
-          <a:off x="0" y="0"/>
-          <a:ext cx="0" cy="0"/>
-          <a:chOff x="0" y="0"/>
-          <a:chExt cx="0" cy="0"/>
-        </a:xfrm>
-      </p:grpSpPr>
-      <p:sp>
-        <p:nvSpPr>
-          <p:cNvPr id="2" name="Espaço Reservado para Imagem de Slide 1"/>
-          <p:cNvSpPr>
-            <a:spLocks noGrp="1" noRot="1" noChangeAspect="1"/>
-          </p:cNvSpPr>
-          <p:nvPr>
-            <p:ph type="sldImg"/>
-          </p:nvPr>
-        </p:nvSpPr>
-        <p:spPr>
-          <a:xfrm>
-            <a:off x="1143000" y="685800"/>
-            <a:ext cx="4572000" cy="3429000"/>
-          </a:xfrm>
-        </p:spPr>
-      </p:sp>
-      <p:sp>
-        <p:nvSpPr>
-          <p:cNvPr id="3" name="Espaço Reservado para Anotações 2"/>
-          <p:cNvSpPr>
-            <a:spLocks noGrp="1"/>
-          </p:cNvSpPr>
-          <p:nvPr>
-            <p:ph type="body" idx="1"/>
-          </p:nvPr>
-        </p:nvSpPr>
-        <p:spPr/>
-        <p:txBody>
-          <a:bodyPr/>
-          <a:lstStyle/>
-          <a:p>
-            <a:endParaRPr lang="pt-BR" dirty="0"/>
-          </a:p>
-        </p:txBody>
-      </p:sp>
-      <p:sp>
-        <p:nvSpPr>
-          <p:cNvPr id="4" name="Espaço Reservado para Número de Slide 3"/>
-          <p:cNvSpPr>
-            <a:spLocks noGrp="1"/>
-          </p:cNvSpPr>
-          <p:nvPr>
-            <p:ph type="sldNum" sz="quarter" idx="10"/>
-          </p:nvPr>
-        </p:nvSpPr>
-        <p:spPr/>
-        <p:txBody>
-          <a:bodyPr/>
-          <a:lstStyle/>
-          <a:p>
-            <a:pPr rtl="0"/>
-            <a:fld id="{841221E5-7225-48EB-A4EE-420E7BFCF705}" type="slidenum">
-              <a:rPr lang="pt-BR" smtClean="0"/>
-              <a:pPr rtl="0"/>
-              <a:t>15</a:t>
-            </a:fld>
-            <a:endParaRPr lang="pt-BR" dirty="0"/>
-          </a:p>
-        </p:txBody>
-      </p:sp>
-    </p:spTree>
-    <p:extLst>
-      <p:ext uri="{BB962C8B-B14F-4D97-AF65-F5344CB8AC3E}">
-        <p14:creationId xmlns:p14="http://schemas.microsoft.com/office/powerpoint/2010/main" val="1161116551"/>
-      </p:ext>
-    </p:extLst>
-  </p:cSld>
-  <p:clrMapOvr>
-    <a:masterClrMapping/>
-  </p:clrMapOvr>
-</p:notes>
-</file>
-
-<file path=ppt/notesSlides/notesSlide16.xml><?xml version="1.0" encoding="utf-8"?>
-<p:notes xmlns:a="http://schemas.openxmlformats.org/drawingml/2006/main" xmlns:r="http://schemas.openxmlformats.org/officeDocument/2006/relationships" xmlns:p="http://schemas.openxmlformats.org/presentationml/2006/main">
-  <p:cSld>
-    <p:spTree>
-      <p:nvGrpSpPr>
-        <p:cNvPr id="1" name=""/>
-        <p:cNvGrpSpPr/>
-        <p:nvPr/>
-      </p:nvGrpSpPr>
-      <p:grpSpPr>
-        <a:xfrm>
-          <a:off x="0" y="0"/>
-          <a:ext cx="0" cy="0"/>
-          <a:chOff x="0" y="0"/>
-          <a:chExt cx="0" cy="0"/>
-        </a:xfrm>
-      </p:grpSpPr>
-      <p:sp>
-        <p:nvSpPr>
-          <p:cNvPr id="2" name="Espaço Reservado para Imagem de Slide 1"/>
-          <p:cNvSpPr>
-            <a:spLocks noGrp="1" noRot="1" noChangeAspect="1"/>
-          </p:cNvSpPr>
-          <p:nvPr>
-            <p:ph type="sldImg"/>
-          </p:nvPr>
-        </p:nvSpPr>
-        <p:spPr>
-          <a:xfrm>
-            <a:off x="1143000" y="685800"/>
-            <a:ext cx="4572000" cy="3429000"/>
-          </a:xfrm>
-        </p:spPr>
-      </p:sp>
-      <p:sp>
-        <p:nvSpPr>
-          <p:cNvPr id="3" name="Espaço Reservado para Anotações 2"/>
-          <p:cNvSpPr>
-            <a:spLocks noGrp="1"/>
-          </p:cNvSpPr>
-          <p:nvPr>
-            <p:ph type="body" idx="1"/>
-          </p:nvPr>
-        </p:nvSpPr>
-        <p:spPr/>
-        <p:txBody>
-          <a:bodyPr/>
-          <a:lstStyle/>
-          <a:p>
-            <a:endParaRPr lang="pt-BR" dirty="0"/>
-          </a:p>
-        </p:txBody>
-      </p:sp>
-      <p:sp>
-        <p:nvSpPr>
-          <p:cNvPr id="4" name="Espaço Reservado para Número de Slide 3"/>
-          <p:cNvSpPr>
-            <a:spLocks noGrp="1"/>
-          </p:cNvSpPr>
-          <p:nvPr>
-            <p:ph type="sldNum" sz="quarter" idx="10"/>
-          </p:nvPr>
-        </p:nvSpPr>
-        <p:spPr/>
-        <p:txBody>
-          <a:bodyPr/>
-          <a:lstStyle/>
-          <a:p>
-            <a:pPr rtl="0"/>
-            <a:fld id="{841221E5-7225-48EB-A4EE-420E7BFCF705}" type="slidenum">
-              <a:rPr lang="pt-BR" smtClean="0"/>
-              <a:pPr rtl="0"/>
-              <a:t>16</a:t>
-            </a:fld>
-            <a:endParaRPr lang="pt-BR" dirty="0"/>
-          </a:p>
-        </p:txBody>
-      </p:sp>
-    </p:spTree>
-    <p:extLst>
-      <p:ext uri="{BB962C8B-B14F-4D97-AF65-F5344CB8AC3E}">
-        <p14:creationId xmlns:p14="http://schemas.microsoft.com/office/powerpoint/2010/main" val="1678422111"/>
-      </p:ext>
-    </p:extLst>
-  </p:cSld>
-  <p:clrMapOvr>
-    <a:masterClrMapping/>
-  </p:clrMapOvr>
-</p:notes>
-</file>
-
-<file path=ppt/notesSlides/notesSlide17.xml><?xml version="1.0" encoding="utf-8"?>
-<p:notes xmlns:a="http://schemas.openxmlformats.org/drawingml/2006/main" xmlns:r="http://schemas.openxmlformats.org/officeDocument/2006/relationships" xmlns:p="http://schemas.openxmlformats.org/presentationml/2006/main">
-  <p:cSld>
-    <p:spTree>
-      <p:nvGrpSpPr>
-        <p:cNvPr id="1" name=""/>
-        <p:cNvGrpSpPr/>
-        <p:nvPr/>
-      </p:nvGrpSpPr>
-      <p:grpSpPr>
-        <a:xfrm>
-          <a:off x="0" y="0"/>
-          <a:ext cx="0" cy="0"/>
-          <a:chOff x="0" y="0"/>
-          <a:chExt cx="0" cy="0"/>
-        </a:xfrm>
-      </p:grpSpPr>
-      <p:sp>
-        <p:nvSpPr>
-          <p:cNvPr id="2" name="Espaço Reservado para Imagem de Slide 1"/>
-          <p:cNvSpPr>
-            <a:spLocks noGrp="1" noRot="1" noChangeAspect="1"/>
-          </p:cNvSpPr>
-          <p:nvPr>
-            <p:ph type="sldImg"/>
-          </p:nvPr>
-        </p:nvSpPr>
-        <p:spPr>
-          <a:xfrm>
-            <a:off x="1143000" y="685800"/>
-            <a:ext cx="4572000" cy="3429000"/>
-          </a:xfrm>
-        </p:spPr>
-      </p:sp>
-      <p:sp>
-        <p:nvSpPr>
-          <p:cNvPr id="3" name="Espaço Reservado para Anotações 2"/>
-          <p:cNvSpPr>
-            <a:spLocks noGrp="1"/>
-          </p:cNvSpPr>
-          <p:nvPr>
-            <p:ph type="body" idx="1"/>
-          </p:nvPr>
-        </p:nvSpPr>
-        <p:spPr/>
-        <p:txBody>
-          <a:bodyPr/>
-          <a:lstStyle/>
-          <a:p>
-            <a:endParaRPr lang="pt-BR" dirty="0"/>
-          </a:p>
-        </p:txBody>
-      </p:sp>
-      <p:sp>
-        <p:nvSpPr>
-          <p:cNvPr id="4" name="Espaço Reservado para Número de Slide 3"/>
-          <p:cNvSpPr>
-            <a:spLocks noGrp="1"/>
-          </p:cNvSpPr>
-          <p:nvPr>
-            <p:ph type="sldNum" sz="quarter" idx="10"/>
-          </p:nvPr>
-        </p:nvSpPr>
-        <p:spPr/>
-        <p:txBody>
-          <a:bodyPr/>
-          <a:lstStyle/>
-          <a:p>
-            <a:pPr rtl="0"/>
-            <a:fld id="{841221E5-7225-48EB-A4EE-420E7BFCF705}" type="slidenum">
-              <a:rPr lang="pt-BR" smtClean="0"/>
-              <a:pPr rtl="0"/>
-              <a:t>17</a:t>
-            </a:fld>
-            <a:endParaRPr lang="pt-BR" dirty="0"/>
-          </a:p>
-        </p:txBody>
-      </p:sp>
-    </p:spTree>
-    <p:extLst>
-      <p:ext uri="{BB962C8B-B14F-4D97-AF65-F5344CB8AC3E}">
-        <p14:creationId xmlns:p14="http://schemas.microsoft.com/office/powerpoint/2010/main" val="725409388"/>
-      </p:ext>
-    </p:extLst>
-  </p:cSld>
-  <p:clrMapOvr>
-    <a:masterClrMapping/>
-  </p:clrMapOvr>
-</p:notes>
-</file>
-
-<file path=ppt/notesSlides/notesSlide18.xml><?xml version="1.0" encoding="utf-8"?>
-<p:notes xmlns:a="http://schemas.openxmlformats.org/drawingml/2006/main" xmlns:r="http://schemas.openxmlformats.org/officeDocument/2006/relationships" xmlns:p="http://schemas.openxmlformats.org/presentationml/2006/main">
-  <p:cSld>
-    <p:spTree>
-      <p:nvGrpSpPr>
-        <p:cNvPr id="1" name=""/>
-        <p:cNvGrpSpPr/>
-        <p:nvPr/>
-      </p:nvGrpSpPr>
-      <p:grpSpPr>
-        <a:xfrm>
-          <a:off x="0" y="0"/>
-          <a:ext cx="0" cy="0"/>
-          <a:chOff x="0" y="0"/>
-          <a:chExt cx="0" cy="0"/>
-        </a:xfrm>
-      </p:grpSpPr>
-      <p:sp>
-        <p:nvSpPr>
-          <p:cNvPr id="2" name="Espaço Reservado para Imagem de Slide 1"/>
-          <p:cNvSpPr>
-            <a:spLocks noGrp="1" noRot="1" noChangeAspect="1"/>
-          </p:cNvSpPr>
-          <p:nvPr>
-            <p:ph type="sldImg"/>
-          </p:nvPr>
-        </p:nvSpPr>
-        <p:spPr>
-          <a:xfrm>
-            <a:off x="1143000" y="685800"/>
-            <a:ext cx="4572000" cy="3429000"/>
-          </a:xfrm>
-        </p:spPr>
-      </p:sp>
-      <p:sp>
-        <p:nvSpPr>
-          <p:cNvPr id="3" name="Espaço Reservado para Anotações 2"/>
-          <p:cNvSpPr>
-            <a:spLocks noGrp="1"/>
-          </p:cNvSpPr>
-          <p:nvPr>
-            <p:ph type="body" idx="1"/>
-          </p:nvPr>
-        </p:nvSpPr>
-        <p:spPr/>
-        <p:txBody>
-          <a:bodyPr/>
-          <a:lstStyle/>
-          <a:p>
-            <a:endParaRPr lang="pt-BR" dirty="0"/>
-          </a:p>
-        </p:txBody>
-      </p:sp>
-      <p:sp>
-        <p:nvSpPr>
-          <p:cNvPr id="4" name="Espaço Reservado para Número de Slide 3"/>
-          <p:cNvSpPr>
-            <a:spLocks noGrp="1"/>
-          </p:cNvSpPr>
-          <p:nvPr>
-            <p:ph type="sldNum" sz="quarter" idx="10"/>
-          </p:nvPr>
-        </p:nvSpPr>
-        <p:spPr/>
-        <p:txBody>
-          <a:bodyPr/>
-          <a:lstStyle/>
-          <a:p>
-            <a:pPr rtl="0"/>
-            <a:fld id="{841221E5-7225-48EB-A4EE-420E7BFCF705}" type="slidenum">
-              <a:rPr lang="pt-BR" smtClean="0"/>
-              <a:pPr rtl="0"/>
-              <a:t>18</a:t>
-            </a:fld>
-            <a:endParaRPr lang="pt-BR" dirty="0"/>
-          </a:p>
-        </p:txBody>
-      </p:sp>
-    </p:spTree>
-    <p:extLst>
-      <p:ext uri="{BB962C8B-B14F-4D97-AF65-F5344CB8AC3E}">
-        <p14:creationId xmlns:p14="http://schemas.microsoft.com/office/powerpoint/2010/main" val="3699687119"/>
-      </p:ext>
-    </p:extLst>
-  </p:cSld>
-  <p:clrMapOvr>
-    <a:masterClrMapping/>
-  </p:clrMapOvr>
-</p:notes>
-</file>
-
-<file path=ppt/notesSlides/notesSlide19.xml><?xml version="1.0" encoding="utf-8"?>
-<p:notes xmlns:a="http://schemas.openxmlformats.org/drawingml/2006/main" xmlns:r="http://schemas.openxmlformats.org/officeDocument/2006/relationships" xmlns:p="http://schemas.openxmlformats.org/presentationml/2006/main">
-  <p:cSld>
-    <p:spTree>
-      <p:nvGrpSpPr>
-        <p:cNvPr id="1" name=""/>
-        <p:cNvGrpSpPr/>
-        <p:nvPr/>
-      </p:nvGrpSpPr>
-      <p:grpSpPr>
-        <a:xfrm>
-          <a:off x="0" y="0"/>
-          <a:ext cx="0" cy="0"/>
-          <a:chOff x="0" y="0"/>
-          <a:chExt cx="0" cy="0"/>
-        </a:xfrm>
-      </p:grpSpPr>
-      <p:sp>
-        <p:nvSpPr>
-          <p:cNvPr id="2" name="Espaço Reservado para Imagem de Slide 1"/>
-          <p:cNvSpPr>
-            <a:spLocks noGrp="1" noRot="1" noChangeAspect="1"/>
-          </p:cNvSpPr>
-          <p:nvPr>
-            <p:ph type="sldImg"/>
-          </p:nvPr>
-        </p:nvSpPr>
-        <p:spPr>
-          <a:xfrm>
-            <a:off x="1143000" y="685800"/>
-            <a:ext cx="4572000" cy="3429000"/>
-          </a:xfrm>
-        </p:spPr>
-      </p:sp>
-      <p:sp>
-        <p:nvSpPr>
-          <p:cNvPr id="3" name="Espaço Reservado para Anotações 2"/>
-          <p:cNvSpPr>
-            <a:spLocks noGrp="1"/>
-          </p:cNvSpPr>
-          <p:nvPr>
-            <p:ph type="body" idx="1"/>
-          </p:nvPr>
-        </p:nvSpPr>
-        <p:spPr/>
-        <p:txBody>
-          <a:bodyPr/>
-          <a:lstStyle/>
-          <a:p>
-            <a:endParaRPr lang="pt-BR" dirty="0"/>
-          </a:p>
-        </p:txBody>
-      </p:sp>
-      <p:sp>
-        <p:nvSpPr>
-          <p:cNvPr id="4" name="Espaço Reservado para Número de Slide 3"/>
-          <p:cNvSpPr>
-            <a:spLocks noGrp="1"/>
-          </p:cNvSpPr>
-          <p:nvPr>
-            <p:ph type="sldNum" sz="quarter" idx="10"/>
-          </p:nvPr>
-        </p:nvSpPr>
-        <p:spPr/>
-        <p:txBody>
-          <a:bodyPr/>
-          <a:lstStyle/>
-          <a:p>
-            <a:pPr rtl="0"/>
-            <a:fld id="{841221E5-7225-48EB-A4EE-420E7BFCF705}" type="slidenum">
-              <a:rPr lang="pt-BR" smtClean="0"/>
-              <a:pPr rtl="0"/>
-              <a:t>19</a:t>
-            </a:fld>
-            <a:endParaRPr lang="pt-BR" dirty="0"/>
-          </a:p>
-        </p:txBody>
-      </p:sp>
-    </p:spTree>
-    <p:extLst>
-      <p:ext uri="{BB962C8B-B14F-4D97-AF65-F5344CB8AC3E}">
-        <p14:creationId xmlns:p14="http://schemas.microsoft.com/office/powerpoint/2010/main" val="1063644972"/>
-      </p:ext>
-    </p:extLst>
-  </p:cSld>
-  <p:clrMapOvr>
-    <a:masterClrMapping/>
-  </p:clrMapOvr>
-</p:notes>
-</file>
-
 <file path=ppt/notesSlides/notesSlide2.xml><?xml version="1.0" encoding="utf-8"?>
 <p:notes xmlns:a="http://schemas.openxmlformats.org/drawingml/2006/main" xmlns:r="http://schemas.openxmlformats.org/officeDocument/2006/relationships" xmlns:p="http://schemas.openxmlformats.org/presentationml/2006/main">
   <p:cSld>
@@ -5938,188 +2075,6 @@
     <p:extLst>
       <p:ext uri="{BB962C8B-B14F-4D97-AF65-F5344CB8AC3E}">
         <p14:creationId xmlns:p14="http://schemas.microsoft.com/office/powerpoint/2010/main" val="2813182459"/>
-      </p:ext>
-    </p:extLst>
-  </p:cSld>
-  <p:clrMapOvr>
-    <a:masterClrMapping/>
-  </p:clrMapOvr>
-</p:notes>
-</file>
-
-<file path=ppt/notesSlides/notesSlide20.xml><?xml version="1.0" encoding="utf-8"?>
-<p:notes xmlns:a="http://schemas.openxmlformats.org/drawingml/2006/main" xmlns:r="http://schemas.openxmlformats.org/officeDocument/2006/relationships" xmlns:p="http://schemas.openxmlformats.org/presentationml/2006/main">
-  <p:cSld>
-    <p:spTree>
-      <p:nvGrpSpPr>
-        <p:cNvPr id="1" name=""/>
-        <p:cNvGrpSpPr/>
-        <p:nvPr/>
-      </p:nvGrpSpPr>
-      <p:grpSpPr>
-        <a:xfrm>
-          <a:off x="0" y="0"/>
-          <a:ext cx="0" cy="0"/>
-          <a:chOff x="0" y="0"/>
-          <a:chExt cx="0" cy="0"/>
-        </a:xfrm>
-      </p:grpSpPr>
-      <p:sp>
-        <p:nvSpPr>
-          <p:cNvPr id="2" name="Espaço Reservado para Imagem de Slide 1"/>
-          <p:cNvSpPr>
-            <a:spLocks noGrp="1" noRot="1" noChangeAspect="1"/>
-          </p:cNvSpPr>
-          <p:nvPr>
-            <p:ph type="sldImg"/>
-          </p:nvPr>
-        </p:nvSpPr>
-        <p:spPr>
-          <a:xfrm>
-            <a:off x="1143000" y="685800"/>
-            <a:ext cx="4572000" cy="3429000"/>
-          </a:xfrm>
-        </p:spPr>
-      </p:sp>
-      <p:sp>
-        <p:nvSpPr>
-          <p:cNvPr id="3" name="Espaço Reservado para Anotações 2"/>
-          <p:cNvSpPr>
-            <a:spLocks noGrp="1"/>
-          </p:cNvSpPr>
-          <p:nvPr>
-            <p:ph type="body" idx="1"/>
-          </p:nvPr>
-        </p:nvSpPr>
-        <p:spPr/>
-        <p:txBody>
-          <a:bodyPr/>
-          <a:lstStyle/>
-          <a:p>
-            <a:endParaRPr lang="pt-BR" dirty="0"/>
-          </a:p>
-        </p:txBody>
-      </p:sp>
-      <p:sp>
-        <p:nvSpPr>
-          <p:cNvPr id="4" name="Espaço Reservado para Número de Slide 3"/>
-          <p:cNvSpPr>
-            <a:spLocks noGrp="1"/>
-          </p:cNvSpPr>
-          <p:nvPr>
-            <p:ph type="sldNum" sz="quarter" idx="10"/>
-          </p:nvPr>
-        </p:nvSpPr>
-        <p:spPr/>
-        <p:txBody>
-          <a:bodyPr/>
-          <a:lstStyle/>
-          <a:p>
-            <a:pPr rtl="0"/>
-            <a:fld id="{841221E5-7225-48EB-A4EE-420E7BFCF705}" type="slidenum">
-              <a:rPr lang="pt-BR" smtClean="0"/>
-              <a:pPr rtl="0"/>
-              <a:t>20</a:t>
-            </a:fld>
-            <a:endParaRPr lang="pt-BR" dirty="0"/>
-          </a:p>
-        </p:txBody>
-      </p:sp>
-    </p:spTree>
-    <p:extLst>
-      <p:ext uri="{BB962C8B-B14F-4D97-AF65-F5344CB8AC3E}">
-        <p14:creationId xmlns:p14="http://schemas.microsoft.com/office/powerpoint/2010/main" val="2456158382"/>
-      </p:ext>
-    </p:extLst>
-  </p:cSld>
-  <p:clrMapOvr>
-    <a:masterClrMapping/>
-  </p:clrMapOvr>
-</p:notes>
-</file>
-
-<file path=ppt/notesSlides/notesSlide21.xml><?xml version="1.0" encoding="utf-8"?>
-<p:notes xmlns:a="http://schemas.openxmlformats.org/drawingml/2006/main" xmlns:r="http://schemas.openxmlformats.org/officeDocument/2006/relationships" xmlns:p="http://schemas.openxmlformats.org/presentationml/2006/main">
-  <p:cSld>
-    <p:spTree>
-      <p:nvGrpSpPr>
-        <p:cNvPr id="1" name=""/>
-        <p:cNvGrpSpPr/>
-        <p:nvPr/>
-      </p:nvGrpSpPr>
-      <p:grpSpPr>
-        <a:xfrm>
-          <a:off x="0" y="0"/>
-          <a:ext cx="0" cy="0"/>
-          <a:chOff x="0" y="0"/>
-          <a:chExt cx="0" cy="0"/>
-        </a:xfrm>
-      </p:grpSpPr>
-      <p:sp>
-        <p:nvSpPr>
-          <p:cNvPr id="2" name="Espaço Reservado para Imagem de Slide 1"/>
-          <p:cNvSpPr>
-            <a:spLocks noGrp="1" noRot="1" noChangeAspect="1"/>
-          </p:cNvSpPr>
-          <p:nvPr>
-            <p:ph type="sldImg"/>
-          </p:nvPr>
-        </p:nvSpPr>
-        <p:spPr>
-          <a:xfrm>
-            <a:off x="1143000" y="685800"/>
-            <a:ext cx="4572000" cy="3429000"/>
-          </a:xfrm>
-        </p:spPr>
-      </p:sp>
-      <p:sp>
-        <p:nvSpPr>
-          <p:cNvPr id="3" name="Espaço Reservado para Anotações 2"/>
-          <p:cNvSpPr>
-            <a:spLocks noGrp="1"/>
-          </p:cNvSpPr>
-          <p:nvPr>
-            <p:ph type="body" idx="1"/>
-          </p:nvPr>
-        </p:nvSpPr>
-        <p:spPr/>
-        <p:txBody>
-          <a:bodyPr/>
-          <a:lstStyle/>
-          <a:p>
-            <a:endParaRPr lang="pt-BR" dirty="0"/>
-          </a:p>
-        </p:txBody>
-      </p:sp>
-      <p:sp>
-        <p:nvSpPr>
-          <p:cNvPr id="4" name="Espaço Reservado para Número de Slide 3"/>
-          <p:cNvSpPr>
-            <a:spLocks noGrp="1"/>
-          </p:cNvSpPr>
-          <p:nvPr>
-            <p:ph type="sldNum" sz="quarter" idx="10"/>
-          </p:nvPr>
-        </p:nvSpPr>
-        <p:spPr/>
-        <p:txBody>
-          <a:bodyPr/>
-          <a:lstStyle/>
-          <a:p>
-            <a:pPr rtl="0"/>
-            <a:fld id="{841221E5-7225-48EB-A4EE-420E7BFCF705}" type="slidenum">
-              <a:rPr lang="pt-BR" smtClean="0"/>
-              <a:pPr rtl="0"/>
-              <a:t>21</a:t>
-            </a:fld>
-            <a:endParaRPr lang="pt-BR" dirty="0"/>
-          </a:p>
-        </p:txBody>
-      </p:sp>
-    </p:spTree>
-    <p:extLst>
-      <p:ext uri="{BB962C8B-B14F-4D97-AF65-F5344CB8AC3E}">
-        <p14:creationId xmlns:p14="http://schemas.microsoft.com/office/powerpoint/2010/main" val="1880302988"/>
       </p:ext>
     </p:extLst>
   </p:cSld>
@@ -12674,7 +8629,7 @@
         <p:spPr>
           <a:xfrm>
             <a:off x="1187624" y="1600201"/>
-            <a:ext cx="7704856" cy="2680127"/>
+            <a:ext cx="7704856" cy="1900807"/>
           </a:xfrm>
         </p:spPr>
         <p:txBody>
@@ -12683,10 +8638,14 @@
           <a:p>
             <a:pPr rtl="0"/>
             <a:r>
-              <a:rPr lang="pt-BR" dirty="0" smtClean="0"/>
-              <a:t>Contagem de ocorrências de cada elemento em uma sequência</a:t>
-            </a:r>
-            <a:endParaRPr lang="pt-BR" dirty="0"/>
+              <a:rPr lang="pt-BR" sz="3600" b="1" dirty="0" smtClean="0"/>
+              <a:t>Contagem de </a:t>
+            </a:r>
+            <a:r>
+              <a:rPr lang="pt-BR" sz="3600" b="1" dirty="0" smtClean="0"/>
+              <a:t>ocorrências em uma sequência</a:t>
+            </a:r>
+            <a:endParaRPr lang="pt-BR" sz="3600" b="1" dirty="0"/>
           </a:p>
         </p:txBody>
       </p:sp>
@@ -12700,7 +8659,12 @@
             <p:ph type="subTitle" idx="1"/>
           </p:nvPr>
         </p:nvSpPr>
-        <p:spPr/>
+        <p:spPr>
+          <a:xfrm>
+            <a:off x="1821976" y="4077072"/>
+            <a:ext cx="5638800" cy="1116085"/>
+          </a:xfrm>
+        </p:spPr>
         <p:txBody>
           <a:bodyPr rtlCol="0"/>
           <a:lstStyle/>
@@ -13342,740 +9306,6 @@
 </p:sld>
 </file>
 
-<file path=ppt/slides/slide13.xml><?xml version="1.0" encoding="utf-8"?>
-<p:sld xmlns:a="http://schemas.openxmlformats.org/drawingml/2006/main" xmlns:r="http://schemas.openxmlformats.org/officeDocument/2006/relationships" xmlns:p="http://schemas.openxmlformats.org/presentationml/2006/main">
-  <p:cSld>
-    <p:spTree>
-      <p:nvGrpSpPr>
-        <p:cNvPr id="1" name=""/>
-        <p:cNvGrpSpPr/>
-        <p:nvPr/>
-      </p:nvGrpSpPr>
-      <p:grpSpPr>
-        <a:xfrm>
-          <a:off x="0" y="0"/>
-          <a:ext cx="0" cy="0"/>
-          <a:chOff x="0" y="0"/>
-          <a:chExt cx="0" cy="0"/>
-        </a:xfrm>
-      </p:grpSpPr>
-      <p:sp>
-        <p:nvSpPr>
-          <p:cNvPr id="2" name="Título 1"/>
-          <p:cNvSpPr>
-            <a:spLocks noGrp="1"/>
-          </p:cNvSpPr>
-          <p:nvPr>
-            <p:ph type="title"/>
-          </p:nvPr>
-        </p:nvSpPr>
-        <p:spPr/>
-        <p:txBody>
-          <a:bodyPr rtlCol="0"/>
-          <a:lstStyle/>
-          <a:p>
-            <a:pPr rtl="0"/>
-            <a:r>
-              <a:rPr lang="pt-BR" dirty="0" smtClean="0"/>
-              <a:t>Título e layout de conteúdo com gráfico</a:t>
-            </a:r>
-            <a:endParaRPr lang="pt-BR" dirty="0"/>
-          </a:p>
-        </p:txBody>
-      </p:sp>
-      <p:sp>
-        <p:nvSpPr>
-          <p:cNvPr id="3" name="Espaço Reservado para Conteúdo 2"/>
-          <p:cNvSpPr>
-            <a:spLocks noGrp="1"/>
-          </p:cNvSpPr>
-          <p:nvPr>
-            <p:ph idx="1"/>
-          </p:nvPr>
-        </p:nvSpPr>
-        <p:spPr/>
-        <p:txBody>
-          <a:bodyPr/>
-          <a:lstStyle/>
-          <a:p>
-            <a:endParaRPr lang="pt-BR"/>
-          </a:p>
-        </p:txBody>
-      </p:sp>
-    </p:spTree>
-    <p:extLst>
-      <p:ext uri="{BB962C8B-B14F-4D97-AF65-F5344CB8AC3E}">
-        <p14:creationId xmlns:p14="http://schemas.microsoft.com/office/powerpoint/2010/main" val="571916843"/>
-      </p:ext>
-    </p:extLst>
-  </p:cSld>
-  <p:clrMapOvr>
-    <a:masterClrMapping/>
-  </p:clrMapOvr>
-  <mc:AlternateContent xmlns:mc="http://schemas.openxmlformats.org/markup-compatibility/2006" xmlns:p14="http://schemas.microsoft.com/office/powerpoint/2010/main">
-    <mc:Choice Requires="p14">
-      <p:transition spd="med" p14:dur="700">
-        <p:fade/>
-      </p:transition>
-    </mc:Choice>
-    <mc:Fallback xmlns="">
-      <p:transition spd="med">
-        <p:fade/>
-      </p:transition>
-    </mc:Fallback>
-  </mc:AlternateContent>
-  <p:timing>
-    <p:tnLst>
-      <p:par>
-        <p:cTn id="1" dur="indefinite" restart="never" nodeType="tmRoot"/>
-      </p:par>
-    </p:tnLst>
-  </p:timing>
-</p:sld>
-</file>
-
-<file path=ppt/slides/slide14.xml><?xml version="1.0" encoding="utf-8"?>
-<p:sld xmlns:a="http://schemas.openxmlformats.org/drawingml/2006/main" xmlns:r="http://schemas.openxmlformats.org/officeDocument/2006/relationships" xmlns:p="http://schemas.openxmlformats.org/presentationml/2006/main">
-  <p:cSld>
-    <p:spTree>
-      <p:nvGrpSpPr>
-        <p:cNvPr id="1" name=""/>
-        <p:cNvGrpSpPr/>
-        <p:nvPr/>
-      </p:nvGrpSpPr>
-      <p:grpSpPr>
-        <a:xfrm>
-          <a:off x="0" y="0"/>
-          <a:ext cx="0" cy="0"/>
-          <a:chOff x="0" y="0"/>
-          <a:chExt cx="0" cy="0"/>
-        </a:xfrm>
-      </p:grpSpPr>
-      <p:sp>
-        <p:nvSpPr>
-          <p:cNvPr id="2" name="Título 1"/>
-          <p:cNvSpPr>
-            <a:spLocks noGrp="1"/>
-          </p:cNvSpPr>
-          <p:nvPr>
-            <p:ph type="title"/>
-          </p:nvPr>
-        </p:nvSpPr>
-        <p:spPr/>
-        <p:txBody>
-          <a:bodyPr rtlCol="0"/>
-          <a:lstStyle/>
-          <a:p>
-            <a:pPr rtl="0"/>
-            <a:r>
-              <a:rPr lang="pt-BR" dirty="0" smtClean="0"/>
-              <a:t>Layout de dois conteúdos com tabela</a:t>
-            </a:r>
-            <a:endParaRPr lang="pt-BR" dirty="0"/>
-          </a:p>
-        </p:txBody>
-      </p:sp>
-      <p:sp>
-        <p:nvSpPr>
-          <p:cNvPr id="7" name="Espaço reservado para conteúdo 6"/>
-          <p:cNvSpPr>
-            <a:spLocks noGrp="1"/>
-          </p:cNvSpPr>
-          <p:nvPr>
-            <p:ph sz="half" idx="2"/>
-          </p:nvPr>
-        </p:nvSpPr>
-        <p:spPr/>
-        <p:txBody>
-          <a:bodyPr rtlCol="0"/>
-          <a:lstStyle/>
-          <a:p>
-            <a:pPr rtl="0"/>
-            <a:r>
-              <a:rPr lang="pt-BR" dirty="0" smtClean="0"/>
-              <a:t>Primeiro marcador aqui</a:t>
-            </a:r>
-          </a:p>
-          <a:p>
-            <a:pPr rtl="0"/>
-            <a:r>
-              <a:rPr lang="pt-BR" dirty="0" smtClean="0"/>
-              <a:t>Segundo marcador aqui</a:t>
-            </a:r>
-          </a:p>
-          <a:p>
-            <a:pPr rtl="0"/>
-            <a:r>
-              <a:rPr lang="pt-BR" dirty="0" smtClean="0"/>
-              <a:t>Terceiro marcador aqui</a:t>
-            </a:r>
-            <a:endParaRPr lang="pt-BR" dirty="0"/>
-          </a:p>
-        </p:txBody>
-      </p:sp>
-      <p:sp>
-        <p:nvSpPr>
-          <p:cNvPr id="3" name="Espaço Reservado para Conteúdo 2"/>
-          <p:cNvSpPr>
-            <a:spLocks noGrp="1"/>
-          </p:cNvSpPr>
-          <p:nvPr>
-            <p:ph sz="half" idx="1"/>
-          </p:nvPr>
-        </p:nvSpPr>
-        <p:spPr/>
-        <p:txBody>
-          <a:bodyPr/>
-          <a:lstStyle/>
-          <a:p>
-            <a:endParaRPr lang="pt-BR"/>
-          </a:p>
-        </p:txBody>
-      </p:sp>
-    </p:spTree>
-    <p:extLst>
-      <p:ext uri="{BB962C8B-B14F-4D97-AF65-F5344CB8AC3E}">
-        <p14:creationId xmlns:p14="http://schemas.microsoft.com/office/powerpoint/2010/main" val="2593339164"/>
-      </p:ext>
-    </p:extLst>
-  </p:cSld>
-  <p:clrMapOvr>
-    <a:masterClrMapping/>
-  </p:clrMapOvr>
-  <mc:AlternateContent xmlns:mc="http://schemas.openxmlformats.org/markup-compatibility/2006" xmlns:p14="http://schemas.microsoft.com/office/powerpoint/2010/main">
-    <mc:Choice Requires="p14">
-      <p:transition spd="med" p14:dur="700">
-        <p:fade/>
-      </p:transition>
-    </mc:Choice>
-    <mc:Fallback xmlns="">
-      <p:transition spd="med">
-        <p:fade/>
-      </p:transition>
-    </mc:Fallback>
-  </mc:AlternateContent>
-  <p:timing>
-    <p:tnLst>
-      <p:par>
-        <p:cTn id="1" dur="indefinite" restart="never" nodeType="tmRoot"/>
-      </p:par>
-    </p:tnLst>
-  </p:timing>
-</p:sld>
-</file>
-
-<file path=ppt/slides/slide15.xml><?xml version="1.0" encoding="utf-8"?>
-<p:sld xmlns:a="http://schemas.openxmlformats.org/drawingml/2006/main" xmlns:r="http://schemas.openxmlformats.org/officeDocument/2006/relationships" xmlns:p="http://schemas.openxmlformats.org/presentationml/2006/main">
-  <p:cSld>
-    <p:spTree>
-      <p:nvGrpSpPr>
-        <p:cNvPr id="1" name=""/>
-        <p:cNvGrpSpPr/>
-        <p:nvPr/>
-      </p:nvGrpSpPr>
-      <p:grpSpPr>
-        <a:xfrm>
-          <a:off x="0" y="0"/>
-          <a:ext cx="0" cy="0"/>
-          <a:chOff x="0" y="0"/>
-          <a:chExt cx="0" cy="0"/>
-        </a:xfrm>
-      </p:grpSpPr>
-      <p:sp>
-        <p:nvSpPr>
-          <p:cNvPr id="2" name="Título 1"/>
-          <p:cNvSpPr>
-            <a:spLocks noGrp="1"/>
-          </p:cNvSpPr>
-          <p:nvPr>
-            <p:ph type="title"/>
-          </p:nvPr>
-        </p:nvSpPr>
-        <p:spPr/>
-        <p:txBody>
-          <a:bodyPr rtlCol="0"/>
-          <a:lstStyle/>
-          <a:p>
-            <a:pPr rtl="0"/>
-            <a:r>
-              <a:rPr lang="pt-BR" dirty="0" smtClean="0"/>
-              <a:t>Dois layouts de conteúdo com </a:t>
-            </a:r>
-            <a:r>
-              <a:rPr lang="pt-BR" dirty="0" err="1" smtClean="0"/>
-              <a:t>SmartArt</a:t>
-            </a:r>
-            <a:endParaRPr lang="pt-BR" dirty="0"/>
-          </a:p>
-        </p:txBody>
-      </p:sp>
-      <p:graphicFrame>
-        <p:nvGraphicFramePr>
-          <p:cNvPr id="6" name="Espaço reservado para conteúdo 5" descr="Diagrama de lista de divisas vertical mostrando 3 grupos organizados um abaixo do outro com tarefas em tópicos em cada grupo"/>
-          <p:cNvGraphicFramePr>
-            <a:graphicFrameLocks noGrp="1"/>
-          </p:cNvGraphicFramePr>
-          <p:nvPr>
-            <p:ph sz="half" idx="1"/>
-            <p:extLst>
-              <p:ext uri="{D42A27DB-BD31-4B8C-83A1-F6EECF244321}">
-                <p14:modId xmlns:p14="http://schemas.microsoft.com/office/powerpoint/2010/main" val="3104434283"/>
-              </p:ext>
-            </p:extLst>
-          </p:nvPr>
-        </p:nvGraphicFramePr>
-        <p:xfrm>
-          <a:off x="1195699" y="2057043"/>
-          <a:ext cx="3612107" cy="3429893"/>
-        </p:xfrm>
-        <a:graphic>
-          <a:graphicData uri="http://schemas.openxmlformats.org/drawingml/2006/diagram">
-            <dgm:relIds xmlns:dgm="http://schemas.openxmlformats.org/drawingml/2006/diagram" xmlns:r="http://schemas.openxmlformats.org/officeDocument/2006/relationships" r:dm="rId3" r:lo="rId4" r:qs="rId5" r:cs="rId6"/>
-          </a:graphicData>
-        </a:graphic>
-      </p:graphicFrame>
-      <p:sp>
-        <p:nvSpPr>
-          <p:cNvPr id="7" name="Espaço reservado para conteúdo 6"/>
-          <p:cNvSpPr>
-            <a:spLocks noGrp="1"/>
-          </p:cNvSpPr>
-          <p:nvPr>
-            <p:ph sz="half" idx="2"/>
-          </p:nvPr>
-        </p:nvSpPr>
-        <p:spPr/>
-        <p:txBody>
-          <a:bodyPr rtlCol="0"/>
-          <a:lstStyle/>
-          <a:p>
-            <a:pPr rtl="0"/>
-            <a:r>
-              <a:rPr lang="pt-BR" dirty="0" smtClean="0"/>
-              <a:t>Primeiro marcador aqui</a:t>
-            </a:r>
-          </a:p>
-          <a:p>
-            <a:pPr rtl="0"/>
-            <a:r>
-              <a:rPr lang="pt-BR" dirty="0" smtClean="0"/>
-              <a:t>Segundo marcador aqui</a:t>
-            </a:r>
-          </a:p>
-          <a:p>
-            <a:pPr rtl="0"/>
-            <a:r>
-              <a:rPr lang="pt-BR" dirty="0" smtClean="0"/>
-              <a:t>Terceiro marcador aqui</a:t>
-            </a:r>
-            <a:endParaRPr lang="pt-BR" dirty="0"/>
-          </a:p>
-        </p:txBody>
-      </p:sp>
-    </p:spTree>
-    <p:extLst>
-      <p:ext uri="{BB962C8B-B14F-4D97-AF65-F5344CB8AC3E}">
-        <p14:creationId xmlns:p14="http://schemas.microsoft.com/office/powerpoint/2010/main" val="513726968"/>
-      </p:ext>
-    </p:extLst>
-  </p:cSld>
-  <p:clrMapOvr>
-    <a:masterClrMapping/>
-  </p:clrMapOvr>
-  <mc:AlternateContent xmlns:mc="http://schemas.openxmlformats.org/markup-compatibility/2006" xmlns:p14="http://schemas.microsoft.com/office/powerpoint/2010/main">
-    <mc:Choice Requires="p14">
-      <p:transition spd="med" p14:dur="700">
-        <p:fade/>
-      </p:transition>
-    </mc:Choice>
-    <mc:Fallback xmlns="">
-      <p:transition spd="med">
-        <p:fade/>
-      </p:transition>
-    </mc:Fallback>
-  </mc:AlternateContent>
-  <p:timing>
-    <p:tnLst>
-      <p:par>
-        <p:cTn id="1" dur="indefinite" restart="never" nodeType="tmRoot"/>
-      </p:par>
-    </p:tnLst>
-  </p:timing>
-</p:sld>
-</file>
-
-<file path=ppt/slides/slide16.xml><?xml version="1.0" encoding="utf-8"?>
-<p:sld xmlns:a="http://schemas.openxmlformats.org/drawingml/2006/main" xmlns:r="http://schemas.openxmlformats.org/officeDocument/2006/relationships" xmlns:p="http://schemas.openxmlformats.org/presentationml/2006/main">
-  <p:cSld>
-    <p:spTree>
-      <p:nvGrpSpPr>
-        <p:cNvPr id="1" name=""/>
-        <p:cNvGrpSpPr/>
-        <p:nvPr/>
-      </p:nvGrpSpPr>
-      <p:grpSpPr>
-        <a:xfrm>
-          <a:off x="0" y="0"/>
-          <a:ext cx="0" cy="0"/>
-          <a:chOff x="0" y="0"/>
-          <a:chExt cx="0" cy="0"/>
-        </a:xfrm>
-      </p:grpSpPr>
-      <p:sp>
-        <p:nvSpPr>
-          <p:cNvPr id="2" name="Título 1"/>
-          <p:cNvSpPr>
-            <a:spLocks noGrp="1"/>
-          </p:cNvSpPr>
-          <p:nvPr>
-            <p:ph type="title"/>
-          </p:nvPr>
-        </p:nvSpPr>
-        <p:spPr>
-          <a:xfrm>
-            <a:off x="1199272" y="2057043"/>
-            <a:ext cx="6402467" cy="1991067"/>
-          </a:xfrm>
-        </p:spPr>
-        <p:txBody>
-          <a:bodyPr rtlCol="0"/>
-          <a:lstStyle/>
-          <a:p>
-            <a:pPr rtl="0"/>
-            <a:r>
-              <a:rPr lang="pt-BR" spc="-75" dirty="0"/>
-              <a:t>Adicionar título de slide – 1</a:t>
-            </a:r>
-          </a:p>
-        </p:txBody>
-      </p:sp>
-      <p:sp>
-        <p:nvSpPr>
-          <p:cNvPr id="5" name="Espaço reservado para texto 4"/>
-          <p:cNvSpPr>
-            <a:spLocks noGrp="1"/>
-          </p:cNvSpPr>
-          <p:nvPr>
-            <p:ph type="body" idx="1"/>
-          </p:nvPr>
-        </p:nvSpPr>
-        <p:spPr/>
-        <p:txBody>
-          <a:bodyPr rtlCol="0"/>
-          <a:lstStyle/>
-          <a:p>
-            <a:pPr rtl="0"/>
-            <a:endParaRPr lang="pt-BR" dirty="0"/>
-          </a:p>
-        </p:txBody>
-      </p:sp>
-    </p:spTree>
-    <p:extLst>
-      <p:ext uri="{BB962C8B-B14F-4D97-AF65-F5344CB8AC3E}">
-        <p14:creationId xmlns:p14="http://schemas.microsoft.com/office/powerpoint/2010/main" val="352090314"/>
-      </p:ext>
-    </p:extLst>
-  </p:cSld>
-  <p:clrMapOvr>
-    <a:masterClrMapping/>
-  </p:clrMapOvr>
-  <mc:AlternateContent xmlns:mc="http://schemas.openxmlformats.org/markup-compatibility/2006" xmlns:p14="http://schemas.microsoft.com/office/powerpoint/2010/main">
-    <mc:Choice Requires="p14">
-      <p:transition spd="med" p14:dur="700">
-        <p:fade/>
-      </p:transition>
-    </mc:Choice>
-    <mc:Fallback xmlns="">
-      <p:transition spd="med">
-        <p:fade/>
-      </p:transition>
-    </mc:Fallback>
-  </mc:AlternateContent>
-  <p:timing>
-    <p:tnLst>
-      <p:par>
-        <p:cTn id="1" dur="indefinite" restart="never" nodeType="tmRoot"/>
-      </p:par>
-    </p:tnLst>
-  </p:timing>
-</p:sld>
-</file>
-
-<file path=ppt/slides/slide17.xml><?xml version="1.0" encoding="utf-8"?>
-<p:sld xmlns:a="http://schemas.openxmlformats.org/drawingml/2006/main" xmlns:r="http://schemas.openxmlformats.org/officeDocument/2006/relationships" xmlns:p="http://schemas.openxmlformats.org/presentationml/2006/main">
-  <p:cSld>
-    <p:spTree>
-      <p:nvGrpSpPr>
-        <p:cNvPr id="1" name=""/>
-        <p:cNvGrpSpPr/>
-        <p:nvPr/>
-      </p:nvGrpSpPr>
-      <p:grpSpPr>
-        <a:xfrm>
-          <a:off x="0" y="0"/>
-          <a:ext cx="0" cy="0"/>
-          <a:chOff x="0" y="0"/>
-          <a:chExt cx="0" cy="0"/>
-        </a:xfrm>
-      </p:grpSpPr>
-      <p:sp>
-        <p:nvSpPr>
-          <p:cNvPr id="2" name="Título 1"/>
-          <p:cNvSpPr>
-            <a:spLocks noGrp="1"/>
-          </p:cNvSpPr>
-          <p:nvPr>
-            <p:ph type="title"/>
-          </p:nvPr>
-        </p:nvSpPr>
-        <p:spPr/>
-        <p:txBody>
-          <a:bodyPr rtlCol="0"/>
-          <a:lstStyle/>
-          <a:p>
-            <a:pPr rtl="0"/>
-            <a:r>
-              <a:rPr lang="pt-BR" dirty="0" smtClean="0"/>
-              <a:t>Adicionar título de slide – 2</a:t>
-            </a:r>
-            <a:endParaRPr lang="pt-BR" dirty="0"/>
-          </a:p>
-        </p:txBody>
-      </p:sp>
-      <p:sp>
-        <p:nvSpPr>
-          <p:cNvPr id="4" name="Espaço reservado para texto 3"/>
-          <p:cNvSpPr>
-            <a:spLocks noGrp="1"/>
-          </p:cNvSpPr>
-          <p:nvPr>
-            <p:ph type="body" idx="1"/>
-          </p:nvPr>
-        </p:nvSpPr>
-        <p:spPr/>
-        <p:txBody>
-          <a:bodyPr rtlCol="0"/>
-          <a:lstStyle/>
-          <a:p>
-            <a:pPr rtl="0"/>
-            <a:endParaRPr lang="pt-BR" dirty="0"/>
-          </a:p>
-        </p:txBody>
-      </p:sp>
-      <p:sp>
-        <p:nvSpPr>
-          <p:cNvPr id="5" name="Espaço reservado para conteúdo 4"/>
-          <p:cNvSpPr>
-            <a:spLocks noGrp="1"/>
-          </p:cNvSpPr>
-          <p:nvPr>
-            <p:ph sz="half" idx="2"/>
-          </p:nvPr>
-        </p:nvSpPr>
-        <p:spPr/>
-        <p:txBody>
-          <a:bodyPr rtlCol="0"/>
-          <a:lstStyle/>
-          <a:p>
-            <a:pPr rtl="0"/>
-            <a:endParaRPr lang="pt-BR" dirty="0"/>
-          </a:p>
-        </p:txBody>
-      </p:sp>
-      <p:sp>
-        <p:nvSpPr>
-          <p:cNvPr id="6" name="Espaço reservado para texto 5"/>
-          <p:cNvSpPr>
-            <a:spLocks noGrp="1"/>
-          </p:cNvSpPr>
-          <p:nvPr>
-            <p:ph type="body" sz="quarter" idx="3"/>
-          </p:nvPr>
-        </p:nvSpPr>
-        <p:spPr/>
-        <p:txBody>
-          <a:bodyPr rtlCol="0"/>
-          <a:lstStyle/>
-          <a:p>
-            <a:pPr rtl="0"/>
-            <a:endParaRPr lang="pt-BR" dirty="0"/>
-          </a:p>
-        </p:txBody>
-      </p:sp>
-      <p:sp>
-        <p:nvSpPr>
-          <p:cNvPr id="11" name="Espaço reservado para conteúdo 10"/>
-          <p:cNvSpPr>
-            <a:spLocks noGrp="1"/>
-          </p:cNvSpPr>
-          <p:nvPr>
-            <p:ph sz="quarter" idx="4"/>
-          </p:nvPr>
-        </p:nvSpPr>
-        <p:spPr/>
-        <p:txBody>
-          <a:bodyPr rtlCol="0"/>
-          <a:lstStyle/>
-          <a:p>
-            <a:pPr rtl="0"/>
-            <a:endParaRPr lang="pt-BR" dirty="0"/>
-          </a:p>
-        </p:txBody>
-      </p:sp>
-    </p:spTree>
-    <p:extLst>
-      <p:ext uri="{BB962C8B-B14F-4D97-AF65-F5344CB8AC3E}">
-        <p14:creationId xmlns:p14="http://schemas.microsoft.com/office/powerpoint/2010/main" val="1061194279"/>
-      </p:ext>
-    </p:extLst>
-  </p:cSld>
-  <p:clrMapOvr>
-    <a:masterClrMapping/>
-  </p:clrMapOvr>
-  <mc:AlternateContent xmlns:mc="http://schemas.openxmlformats.org/markup-compatibility/2006" xmlns:p14="http://schemas.microsoft.com/office/powerpoint/2010/main">
-    <mc:Choice Requires="p14">
-      <p:transition spd="med" p14:dur="700">
-        <p:fade/>
-      </p:transition>
-    </mc:Choice>
-    <mc:Fallback xmlns="">
-      <p:transition spd="med">
-        <p:fade/>
-      </p:transition>
-    </mc:Fallback>
-  </mc:AlternateContent>
-  <p:timing>
-    <p:tnLst>
-      <p:par>
-        <p:cTn id="1" dur="indefinite" restart="never" nodeType="tmRoot"/>
-      </p:par>
-    </p:tnLst>
-  </p:timing>
-</p:sld>
-</file>
-
-<file path=ppt/slides/slide18.xml><?xml version="1.0" encoding="utf-8"?>
-<p:sld xmlns:a="http://schemas.openxmlformats.org/drawingml/2006/main" xmlns:r="http://schemas.openxmlformats.org/officeDocument/2006/relationships" xmlns:p="http://schemas.openxmlformats.org/presentationml/2006/main">
-  <p:cSld>
-    <p:spTree>
-      <p:nvGrpSpPr>
-        <p:cNvPr id="1" name=""/>
-        <p:cNvGrpSpPr/>
-        <p:nvPr/>
-      </p:nvGrpSpPr>
-      <p:grpSpPr>
-        <a:xfrm>
-          <a:off x="0" y="0"/>
-          <a:ext cx="0" cy="0"/>
-          <a:chOff x="0" y="0"/>
-          <a:chExt cx="0" cy="0"/>
-        </a:xfrm>
-      </p:grpSpPr>
-      <p:sp>
-        <p:nvSpPr>
-          <p:cNvPr id="2" name="Título 1"/>
-          <p:cNvSpPr>
-            <a:spLocks noGrp="1"/>
-          </p:cNvSpPr>
-          <p:nvPr>
-            <p:ph type="title"/>
-          </p:nvPr>
-        </p:nvSpPr>
-        <p:spPr/>
-        <p:txBody>
-          <a:bodyPr rtlCol="0"/>
-          <a:lstStyle/>
-          <a:p>
-            <a:pPr rtl="0"/>
-            <a:r>
-              <a:rPr lang="pt-BR" dirty="0" smtClean="0"/>
-              <a:t>Adicionar título de slide – 3</a:t>
-            </a:r>
-            <a:endParaRPr lang="pt-BR" dirty="0"/>
-          </a:p>
-        </p:txBody>
-      </p:sp>
-    </p:spTree>
-    <p:extLst>
-      <p:ext uri="{BB962C8B-B14F-4D97-AF65-F5344CB8AC3E}">
-        <p14:creationId xmlns:p14="http://schemas.microsoft.com/office/powerpoint/2010/main" val="3401786857"/>
-      </p:ext>
-    </p:extLst>
-  </p:cSld>
-  <p:clrMapOvr>
-    <a:masterClrMapping/>
-  </p:clrMapOvr>
-  <mc:AlternateContent xmlns:mc="http://schemas.openxmlformats.org/markup-compatibility/2006" xmlns:p14="http://schemas.microsoft.com/office/powerpoint/2010/main">
-    <mc:Choice Requires="p14">
-      <p:transition spd="med" p14:dur="700">
-        <p:fade/>
-      </p:transition>
-    </mc:Choice>
-    <mc:Fallback xmlns="">
-      <p:transition spd="med">
-        <p:fade/>
-      </p:transition>
-    </mc:Fallback>
-  </mc:AlternateContent>
-  <p:timing>
-    <p:tnLst>
-      <p:par>
-        <p:cTn id="1" dur="indefinite" restart="never" nodeType="tmRoot"/>
-      </p:par>
-    </p:tnLst>
-  </p:timing>
-</p:sld>
-</file>
-
-<file path=ppt/slides/slide19.xml><?xml version="1.0" encoding="utf-8"?>
-<p:sld xmlns:a="http://schemas.openxmlformats.org/drawingml/2006/main" xmlns:r="http://schemas.openxmlformats.org/officeDocument/2006/relationships" xmlns:p="http://schemas.openxmlformats.org/presentationml/2006/main">
-  <p:cSld>
-    <p:spTree>
-      <p:nvGrpSpPr>
-        <p:cNvPr id="1" name=""/>
-        <p:cNvGrpSpPr/>
-        <p:nvPr/>
-      </p:nvGrpSpPr>
-      <p:grpSpPr>
-        <a:xfrm>
-          <a:off x="0" y="0"/>
-          <a:ext cx="0" cy="0"/>
-          <a:chOff x="0" y="0"/>
-          <a:chExt cx="0" cy="0"/>
-        </a:xfrm>
-      </p:grpSpPr>
-    </p:spTree>
-    <p:extLst>
-      <p:ext uri="{BB962C8B-B14F-4D97-AF65-F5344CB8AC3E}">
-        <p14:creationId xmlns:p14="http://schemas.microsoft.com/office/powerpoint/2010/main" val="4022862849"/>
-      </p:ext>
-    </p:extLst>
-  </p:cSld>
-  <p:clrMapOvr>
-    <a:masterClrMapping/>
-  </p:clrMapOvr>
-  <mc:AlternateContent xmlns:mc="http://schemas.openxmlformats.org/markup-compatibility/2006" xmlns:p14="http://schemas.microsoft.com/office/powerpoint/2010/main">
-    <mc:Choice Requires="p14">
-      <p:transition spd="med" p14:dur="700">
-        <p:fade/>
-      </p:transition>
-    </mc:Choice>
-    <mc:Fallback xmlns="">
-      <p:transition spd="med">
-        <p:fade/>
-      </p:transition>
-    </mc:Fallback>
-  </mc:AlternateContent>
-  <p:timing>
-    <p:tnLst>
-      <p:par>
-        <p:cTn id="1" dur="indefinite" restart="never" nodeType="tmRoot"/>
-      </p:par>
-    </p:tnLst>
-  </p:timing>
-</p:sld>
-</file>
-
 <file path=ppt/slides/slide2.xml><?xml version="1.0" encoding="utf-8"?>
 <p:sld xmlns:a="http://schemas.openxmlformats.org/drawingml/2006/main" xmlns:r="http://schemas.openxmlformats.org/officeDocument/2006/relationships" xmlns:p="http://schemas.openxmlformats.org/presentationml/2006/main">
   <p:cSld>
@@ -14135,7 +9365,7 @@
             <a:pPr rtl="0"/>
             <a:r>
               <a:rPr lang="pt-BR" dirty="0" smtClean="0"/>
-              <a:t>Incluir citações das referências encontradas</a:t>
+              <a:t>Determinar, para cada elemento, o número de ocorrências em uma sequência</a:t>
             </a:r>
             <a:endParaRPr lang="pt-BR" dirty="0"/>
           </a:p>
@@ -14145,224 +9375,6 @@
     <p:extLst>
       <p:ext uri="{BB962C8B-B14F-4D97-AF65-F5344CB8AC3E}">
         <p14:creationId xmlns:p14="http://schemas.microsoft.com/office/powerpoint/2010/main" val="1720426387"/>
-      </p:ext>
-    </p:extLst>
-  </p:cSld>
-  <p:clrMapOvr>
-    <a:masterClrMapping/>
-  </p:clrMapOvr>
-  <mc:AlternateContent xmlns:mc="http://schemas.openxmlformats.org/markup-compatibility/2006" xmlns:p14="http://schemas.microsoft.com/office/powerpoint/2010/main">
-    <mc:Choice Requires="p14">
-      <p:transition spd="med" p14:dur="700">
-        <p:fade/>
-      </p:transition>
-    </mc:Choice>
-    <mc:Fallback xmlns="">
-      <p:transition spd="med">
-        <p:fade/>
-      </p:transition>
-    </mc:Fallback>
-  </mc:AlternateContent>
-  <p:timing>
-    <p:tnLst>
-      <p:par>
-        <p:cTn id="1" dur="indefinite" restart="never" nodeType="tmRoot"/>
-      </p:par>
-    </p:tnLst>
-  </p:timing>
-</p:sld>
-</file>
-
-<file path=ppt/slides/slide20.xml><?xml version="1.0" encoding="utf-8"?>
-<p:sld xmlns:a="http://schemas.openxmlformats.org/drawingml/2006/main" xmlns:r="http://schemas.openxmlformats.org/officeDocument/2006/relationships" xmlns:p="http://schemas.openxmlformats.org/presentationml/2006/main">
-  <p:cSld>
-    <p:spTree>
-      <p:nvGrpSpPr>
-        <p:cNvPr id="1" name=""/>
-        <p:cNvGrpSpPr/>
-        <p:nvPr/>
-      </p:nvGrpSpPr>
-      <p:grpSpPr>
-        <a:xfrm>
-          <a:off x="0" y="0"/>
-          <a:ext cx="0" cy="0"/>
-          <a:chOff x="0" y="0"/>
-          <a:chExt cx="0" cy="0"/>
-        </a:xfrm>
-      </p:grpSpPr>
-      <p:sp>
-        <p:nvSpPr>
-          <p:cNvPr id="2" name="Título 1"/>
-          <p:cNvSpPr>
-            <a:spLocks noGrp="1"/>
-          </p:cNvSpPr>
-          <p:nvPr>
-            <p:ph type="title"/>
-          </p:nvPr>
-        </p:nvSpPr>
-        <p:spPr/>
-        <p:txBody>
-          <a:bodyPr rtlCol="0"/>
-          <a:lstStyle/>
-          <a:p>
-            <a:pPr rtl="0"/>
-            <a:r>
-              <a:rPr lang="pt-BR" dirty="0" smtClean="0"/>
-              <a:t>Adicionar título de slide – 4</a:t>
-            </a:r>
-            <a:endParaRPr lang="pt-BR" dirty="0"/>
-          </a:p>
-        </p:txBody>
-      </p:sp>
-      <p:sp>
-        <p:nvSpPr>
-          <p:cNvPr id="4" name="Espaço reservado para conteúdo 3"/>
-          <p:cNvSpPr>
-            <a:spLocks noGrp="1"/>
-          </p:cNvSpPr>
-          <p:nvPr>
-            <p:ph idx="1"/>
-          </p:nvPr>
-        </p:nvSpPr>
-        <p:spPr/>
-        <p:txBody>
-          <a:bodyPr rtlCol="0"/>
-          <a:lstStyle/>
-          <a:p>
-            <a:pPr rtl="0"/>
-            <a:endParaRPr lang="pt-BR" dirty="0"/>
-          </a:p>
-        </p:txBody>
-      </p:sp>
-      <p:sp>
-        <p:nvSpPr>
-          <p:cNvPr id="7" name="Espaço reservado para texto 6"/>
-          <p:cNvSpPr>
-            <a:spLocks noGrp="1"/>
-          </p:cNvSpPr>
-          <p:nvPr>
-            <p:ph type="body" sz="half" idx="2"/>
-          </p:nvPr>
-        </p:nvSpPr>
-        <p:spPr/>
-        <p:txBody>
-          <a:bodyPr rtlCol="0"/>
-          <a:lstStyle/>
-          <a:p>
-            <a:pPr rtl="0"/>
-            <a:endParaRPr lang="pt-BR" dirty="0"/>
-          </a:p>
-        </p:txBody>
-      </p:sp>
-    </p:spTree>
-    <p:extLst>
-      <p:ext uri="{BB962C8B-B14F-4D97-AF65-F5344CB8AC3E}">
-        <p14:creationId xmlns:p14="http://schemas.microsoft.com/office/powerpoint/2010/main" val="3614150638"/>
-      </p:ext>
-    </p:extLst>
-  </p:cSld>
-  <p:clrMapOvr>
-    <a:masterClrMapping/>
-  </p:clrMapOvr>
-  <mc:AlternateContent xmlns:mc="http://schemas.openxmlformats.org/markup-compatibility/2006" xmlns:p14="http://schemas.microsoft.com/office/powerpoint/2010/main">
-    <mc:Choice Requires="p14">
-      <p:transition spd="med" p14:dur="700">
-        <p:fade/>
-      </p:transition>
-    </mc:Choice>
-    <mc:Fallback xmlns="">
-      <p:transition spd="med">
-        <p:fade/>
-      </p:transition>
-    </mc:Fallback>
-  </mc:AlternateContent>
-  <p:timing>
-    <p:tnLst>
-      <p:par>
-        <p:cTn id="1" dur="indefinite" restart="never" nodeType="tmRoot"/>
-      </p:par>
-    </p:tnLst>
-  </p:timing>
-</p:sld>
-</file>
-
-<file path=ppt/slides/slide21.xml><?xml version="1.0" encoding="utf-8"?>
-<p:sld xmlns:a="http://schemas.openxmlformats.org/drawingml/2006/main" xmlns:r="http://schemas.openxmlformats.org/officeDocument/2006/relationships" xmlns:p="http://schemas.openxmlformats.org/presentationml/2006/main">
-  <p:cSld>
-    <p:spTree>
-      <p:nvGrpSpPr>
-        <p:cNvPr id="1" name=""/>
-        <p:cNvGrpSpPr/>
-        <p:nvPr/>
-      </p:nvGrpSpPr>
-      <p:grpSpPr>
-        <a:xfrm>
-          <a:off x="0" y="0"/>
-          <a:ext cx="0" cy="0"/>
-          <a:chOff x="0" y="0"/>
-          <a:chExt cx="0" cy="0"/>
-        </a:xfrm>
-      </p:grpSpPr>
-      <p:sp>
-        <p:nvSpPr>
-          <p:cNvPr id="2" name="Título 1"/>
-          <p:cNvSpPr>
-            <a:spLocks noGrp="1"/>
-          </p:cNvSpPr>
-          <p:nvPr>
-            <p:ph type="title"/>
-          </p:nvPr>
-        </p:nvSpPr>
-        <p:spPr/>
-        <p:txBody>
-          <a:bodyPr rtlCol="0"/>
-          <a:lstStyle/>
-          <a:p>
-            <a:pPr rtl="0"/>
-            <a:r>
-              <a:rPr lang="pt-BR" dirty="0" smtClean="0"/>
-              <a:t>Adicionar título de slide – 5</a:t>
-            </a:r>
-            <a:endParaRPr lang="pt-BR" dirty="0"/>
-          </a:p>
-        </p:txBody>
-      </p:sp>
-      <p:sp>
-        <p:nvSpPr>
-          <p:cNvPr id="9" name="Espaço reservado para imagem 8" descr="Um espaço reservado vazio para adicionar uma imagem. Clique no espaço reservado e selecione a imagem que você deseja adicionar"/>
-          <p:cNvSpPr>
-            <a:spLocks noGrp="1"/>
-          </p:cNvSpPr>
-          <p:nvPr>
-            <p:ph type="pic" idx="1"/>
-          </p:nvPr>
-        </p:nvSpPr>
-        <p:spPr/>
-      </p:sp>
-      <p:sp>
-        <p:nvSpPr>
-          <p:cNvPr id="10" name="Espaço reservado para texto 9"/>
-          <p:cNvSpPr>
-            <a:spLocks noGrp="1"/>
-          </p:cNvSpPr>
-          <p:nvPr>
-            <p:ph type="body" sz="half" idx="2"/>
-          </p:nvPr>
-        </p:nvSpPr>
-        <p:spPr/>
-        <p:txBody>
-          <a:bodyPr rtlCol="0"/>
-          <a:lstStyle/>
-          <a:p>
-            <a:pPr rtl="0"/>
-            <a:endParaRPr lang="pt-BR" dirty="0"/>
-          </a:p>
-        </p:txBody>
-      </p:sp>
-    </p:spTree>
-    <p:extLst>
-      <p:ext uri="{BB962C8B-B14F-4D97-AF65-F5344CB8AC3E}">
-        <p14:creationId xmlns:p14="http://schemas.microsoft.com/office/powerpoint/2010/main" val="3941285470"/>
       </p:ext>
     </p:extLst>
   </p:cSld>
@@ -14446,16 +9458,49 @@
             <p:ph idx="1"/>
           </p:nvPr>
         </p:nvSpPr>
-        <p:spPr/>
-        <p:txBody>
-          <a:bodyPr rtlCol="0"/>
-          <a:lstStyle/>
+        <p:spPr>
+          <a:xfrm>
+            <a:off x="1195389" y="1600200"/>
+            <a:ext cx="7339012" cy="1468760"/>
+          </a:xfrm>
+        </p:spPr>
+        <p:txBody>
+          <a:bodyPr rtlCol="0">
+            <a:normAutofit/>
+          </a:bodyPr>
+          <a:lstStyle/>
+          <a:p>
+            <a:pPr rtl="0">
+              <a:lnSpc>
+                <a:spcPct val="100000"/>
+              </a:lnSpc>
+            </a:pPr>
+            <a:r>
+              <a:rPr lang="pt-BR" dirty="0" smtClean="0"/>
+              <a:t>Uma solução de força-bruta é comparar cada elemento específico com todos os elementos da sequência.</a:t>
+            </a:r>
+          </a:p>
+          <a:p>
+            <a:pPr rtl="0">
+              <a:lnSpc>
+                <a:spcPct val="100000"/>
+              </a:lnSpc>
+            </a:pPr>
+            <a:r>
+              <a:rPr lang="pt-BR" dirty="0" smtClean="0"/>
+              <a:t>Existem n^2 pares de elementos para serem comparados</a:t>
+            </a:r>
+          </a:p>
           <a:p>
             <a:pPr rtl="0"/>
-            <a:r>
-              <a:rPr lang="pt-BR" dirty="0" smtClean="0"/>
-              <a:t>Pseudocódigo:</a:t>
-            </a:r>
+            <a:endParaRPr lang="pt-BR" dirty="0"/>
+          </a:p>
+          <a:p>
+            <a:pPr rtl="0"/>
+            <a:endParaRPr lang="pt-BR" dirty="0" smtClean="0"/>
+          </a:p>
+          <a:p>
+            <a:pPr rtl="0"/>
             <a:endParaRPr lang="pt-BR" dirty="0"/>
           </a:p>
         </p:txBody>
@@ -14468,7 +9513,7 @@
         </p:nvSpPr>
         <p:spPr>
           <a:xfrm>
-            <a:off x="1331640" y="2274838"/>
+            <a:off x="1331640" y="3284984"/>
             <a:ext cx="6912768" cy="1754326"/>
           </a:xfrm>
           <a:prstGeom prst="rect">
@@ -14953,14 +9998,34 @@
             <a:pPr rtl="0"/>
             <a:r>
               <a:rPr lang="pt-BR" dirty="0" smtClean="0"/>
-              <a:t>Mostrar que a intenção é ordenar a sequência previamente</a:t>
+              <a:t>Reduzir a um problema conhecido: ordenação</a:t>
             </a:r>
           </a:p>
           <a:p>
             <a:pPr rtl="0"/>
             <a:r>
               <a:rPr lang="pt-BR" dirty="0" smtClean="0"/>
-              <a:t>Listar as opções de algoritmos conhecidos e suas ordens de complexidade e exibir a escolha pelo </a:t>
+              <a:t>É possível ordenar em tempo O (n log n) utilizando a técnica de </a:t>
+            </a:r>
+            <a:r>
+              <a:rPr lang="pt-BR" b="1" dirty="0" smtClean="0"/>
+              <a:t>divisão e conquista</a:t>
+            </a:r>
+            <a:endParaRPr lang="pt-BR" b="1" dirty="0" smtClean="0"/>
+          </a:p>
+          <a:p>
+            <a:pPr rtl="0"/>
+            <a:endParaRPr lang="pt-BR" dirty="0" smtClean="0"/>
+          </a:p>
+          <a:p>
+            <a:pPr rtl="0"/>
+            <a:r>
+              <a:rPr lang="pt-BR" dirty="0" smtClean="0"/>
+              <a:t>Listar </a:t>
+            </a:r>
+            <a:r>
+              <a:rPr lang="pt-BR" dirty="0" smtClean="0"/>
+              <a:t>as opções de algoritmos conhecidos e suas ordens de complexidade e exibir a escolha pelo </a:t>
             </a:r>
             <a:r>
               <a:rPr lang="pt-BR" dirty="0" err="1" smtClean="0"/>
@@ -14972,7 +10037,33 @@
             <a:pPr rtl="0"/>
             <a:r>
               <a:rPr lang="pt-BR" dirty="0" smtClean="0"/>
-              <a:t>Falar sobre essa técnica</a:t>
+              <a:t>Falar sobre essa </a:t>
+            </a:r>
+            <a:r>
+              <a:rPr lang="pt-BR" dirty="0" smtClean="0"/>
+              <a:t>técnica</a:t>
+            </a:r>
+          </a:p>
+          <a:p>
+            <a:r>
+              <a:rPr lang="pt-BR" dirty="0"/>
+              <a:t>Como a ordenação requer tempo O (n </a:t>
+            </a:r>
+            <a:r>
+              <a:rPr lang="pt-BR" dirty="0" err="1"/>
+              <a:t>lg</a:t>
+            </a:r>
+            <a:r>
+              <a:rPr lang="pt-BR" dirty="0"/>
+              <a:t> n) e o cálculo após a ordenação requer tempo O (n), esta solução usa o tempo O (n </a:t>
+            </a:r>
+            <a:r>
+              <a:rPr lang="pt-BR" dirty="0" err="1"/>
+              <a:t>lg</a:t>
+            </a:r>
+            <a:r>
+              <a:rPr lang="pt-BR" dirty="0"/>
+              <a:t> n).</a:t>
             </a:r>
             <a:endParaRPr lang="pt-BR" dirty="0"/>
           </a:p>
@@ -15076,98 +10167,6 @@
               <a:t>Incluir pseudocódigo</a:t>
             </a:r>
             <a:endParaRPr lang="pt-BR" dirty="0"/>
-          </a:p>
-        </p:txBody>
-      </p:sp>
-      <p:sp>
-        <p:nvSpPr>
-          <p:cNvPr id="6" name="Retângulo 5"/>
-          <p:cNvSpPr/>
-          <p:nvPr/>
-        </p:nvSpPr>
-        <p:spPr>
-          <a:xfrm>
-            <a:off x="2286000" y="2274838"/>
-            <a:ext cx="4572000" cy="2862322"/>
-          </a:xfrm>
-          <a:prstGeom prst="rect">
-            <a:avLst/>
-          </a:prstGeom>
-        </p:spPr>
-        <p:txBody>
-          <a:bodyPr>
-            <a:spAutoFit/>
-          </a:bodyPr>
-          <a:lstStyle/>
-          <a:p>
-            <a:r>
-              <a:rPr lang="pt-BR" dirty="0" smtClean="0"/>
-              <a:t>COUNTING-SORT(</a:t>
-            </a:r>
-            <a:r>
-              <a:rPr lang="pt-BR" dirty="0" err="1" smtClean="0"/>
-              <a:t>A,B,n,k</a:t>
-            </a:r>
-            <a:r>
-              <a:rPr lang="pt-BR" dirty="0" smtClean="0"/>
-              <a:t>)</a:t>
-            </a:r>
-          </a:p>
-          <a:p>
-            <a:r>
-              <a:rPr lang="pt-BR" dirty="0" smtClean="0"/>
-              <a:t>para i ← 0 até k faça</a:t>
-            </a:r>
-          </a:p>
-          <a:p>
-            <a:r>
-              <a:rPr lang="pt-BR" dirty="0"/>
-              <a:t>	</a:t>
-            </a:r>
-            <a:r>
-              <a:rPr lang="pt-BR" dirty="0" smtClean="0"/>
-              <a:t>2C[i</a:t>
-            </a:r>
-            <a:r>
-              <a:rPr lang="pt-BR" dirty="0"/>
-              <a:t>]←0 </a:t>
-            </a:r>
-            <a:r>
-              <a:rPr lang="pt-BR" dirty="0" smtClean="0"/>
-              <a:t>3</a:t>
-            </a:r>
-          </a:p>
-          <a:p>
-            <a:r>
-              <a:rPr lang="pt-BR" dirty="0" smtClean="0"/>
-              <a:t>para j ← 1 até n faça</a:t>
-            </a:r>
-          </a:p>
-          <a:p>
-            <a:r>
-              <a:rPr lang="pt-BR" dirty="0" smtClean="0"/>
-              <a:t>	4C[A[j</a:t>
-            </a:r>
-            <a:r>
-              <a:rPr lang="pt-BR" dirty="0"/>
-              <a:t>]]←C[A[j]]+1 C[i]</a:t>
-            </a:r>
-            <a:r>
-              <a:rPr lang="pt-BR" dirty="0" err="1"/>
-              <a:t>éonúmerodejstaisqueA</a:t>
-            </a:r>
-            <a:r>
-              <a:rPr lang="pt-BR" dirty="0"/>
-              <a:t>[j]=i 5parai←1atékfaça 6C[i]←C[i]+C[i−1] C[i]</a:t>
-            </a:r>
-            <a:r>
-              <a:rPr lang="pt-BR" dirty="0" err="1"/>
-              <a:t>éonúmerodejstaisqueA</a:t>
-            </a:r>
-            <a:r>
-              <a:rPr lang="pt-BR" dirty="0"/>
-              <a:t>[j]≤i 7paraj←ndecrescendoaté1faça 8B[C[A[j]]]←A[j] 9C[A[j]]←C[A[j]]−1</a:t>
-            </a:r>
           </a:p>
         </p:txBody>
       </p:sp>

--- a/Apresentação.pptx
+++ b/Apresentação.pptx
@@ -159,6 +159,335 @@
 </p:presentation>
 </file>
 
+<file path=ppt/revisionInfo.xml><?xml version="1.0" encoding="utf-8"?>
+<p1510:revInfo xmlns:a="http://schemas.openxmlformats.org/drawingml/2006/main" xmlns:r="http://schemas.openxmlformats.org/officeDocument/2006/relationships" xmlns:p1510="http://schemas.microsoft.com/office/powerpoint/2015/10/main">
+  <p1510:revLst>
+    <p1510:client id="{AA6378EA-44E2-4665-842F-E009EF00A9D6}" v="174" dt="2019-04-18T01:31:15.564"/>
+  </p1510:revLst>
+</p1510:revInfo>
+</file>
+
+<file path=ppt/changesInfos/changesInfo1.xml><?xml version="1.0" encoding="utf-8"?>
+<pc:chgInfo xmlns:a="http://schemas.openxmlformats.org/drawingml/2006/main" xmlns:r="http://schemas.openxmlformats.org/officeDocument/2006/relationships" xmlns:ac="http://schemas.microsoft.com/office/drawing/2013/main/command" xmlns:pc="http://schemas.microsoft.com/office/powerpoint/2013/main/command">
+  <pc:docChgLst>
+    <pc:chgData name="Denis José" userId="a5f28e6e68565588" providerId="LiveId" clId="{AA6378EA-44E2-4665-842F-E009EF00A9D6}"/>
+    <pc:docChg chg="undo redo custSel modSld">
+      <pc:chgData name="Denis José" userId="a5f28e6e68565588" providerId="LiveId" clId="{AA6378EA-44E2-4665-842F-E009EF00A9D6}" dt="2019-04-18T01:32:13.491" v="1005" actId="20577"/>
+      <pc:docMkLst>
+        <pc:docMk/>
+      </pc:docMkLst>
+      <pc:sldChg chg="addSp modSp">
+        <pc:chgData name="Denis José" userId="a5f28e6e68565588" providerId="LiveId" clId="{AA6378EA-44E2-4665-842F-E009EF00A9D6}" dt="2019-04-17T22:31:25.182" v="253" actId="404"/>
+        <pc:sldMkLst>
+          <pc:docMk/>
+          <pc:sldMk cId="506761459" sldId="256"/>
+        </pc:sldMkLst>
+        <pc:spChg chg="mod">
+          <ac:chgData name="Denis José" userId="a5f28e6e68565588" providerId="LiveId" clId="{AA6378EA-44E2-4665-842F-E009EF00A9D6}" dt="2019-04-17T22:28:37.335" v="70" actId="20577"/>
+          <ac:spMkLst>
+            <pc:docMk/>
+            <pc:sldMk cId="506761459" sldId="256"/>
+            <ac:spMk id="2" creationId="{00000000-0000-0000-0000-000000000000}"/>
+          </ac:spMkLst>
+        </pc:spChg>
+        <pc:spChg chg="mod">
+          <ac:chgData name="Denis José" userId="a5f28e6e68565588" providerId="LiveId" clId="{AA6378EA-44E2-4665-842F-E009EF00A9D6}" dt="2019-04-17T22:31:25.182" v="253" actId="404"/>
+          <ac:spMkLst>
+            <pc:docMk/>
+            <pc:sldMk cId="506761459" sldId="256"/>
+            <ac:spMk id="3" creationId="{00000000-0000-0000-0000-000000000000}"/>
+          </ac:spMkLst>
+        </pc:spChg>
+        <pc:spChg chg="add mod">
+          <ac:chgData name="Denis José" userId="a5f28e6e68565588" providerId="LiveId" clId="{AA6378EA-44E2-4665-842F-E009EF00A9D6}" dt="2019-04-17T22:31:01.545" v="248" actId="1038"/>
+          <ac:spMkLst>
+            <pc:docMk/>
+            <pc:sldMk cId="506761459" sldId="256"/>
+            <ac:spMk id="4" creationId="{18D1072B-1DC8-4853-8A06-F5B7128CA8B3}"/>
+          </ac:spMkLst>
+        </pc:spChg>
+      </pc:sldChg>
+      <pc:sldChg chg="addSp delSp modSp">
+        <pc:chgData name="Denis José" userId="a5f28e6e68565588" providerId="LiveId" clId="{AA6378EA-44E2-4665-842F-E009EF00A9D6}" dt="2019-04-17T22:46:07.700" v="509" actId="114"/>
+        <pc:sldMkLst>
+          <pc:docMk/>
+          <pc:sldMk cId="1720426387" sldId="267"/>
+        </pc:sldMkLst>
+        <pc:spChg chg="add mod">
+          <ac:chgData name="Denis José" userId="a5f28e6e68565588" providerId="LiveId" clId="{AA6378EA-44E2-4665-842F-E009EF00A9D6}" dt="2019-04-17T22:41:14.185" v="432" actId="207"/>
+          <ac:spMkLst>
+            <pc:docMk/>
+            <pc:sldMk cId="1720426387" sldId="267"/>
+            <ac:spMk id="2" creationId="{7AF4F662-70B9-4A91-97D1-C53429CF3247}"/>
+          </ac:spMkLst>
+        </pc:spChg>
+        <pc:spChg chg="add mod">
+          <ac:chgData name="Denis José" userId="a5f28e6e68565588" providerId="LiveId" clId="{AA6378EA-44E2-4665-842F-E009EF00A9D6}" dt="2019-04-17T22:38:19.268" v="367" actId="164"/>
+          <ac:spMkLst>
+            <pc:docMk/>
+            <pc:sldMk cId="1720426387" sldId="267"/>
+            <ac:spMk id="5" creationId="{5EE915CD-3679-4F8F-BD72-C0862612D430}"/>
+          </ac:spMkLst>
+        </pc:spChg>
+        <pc:spChg chg="add mod">
+          <ac:chgData name="Denis José" userId="a5f28e6e68565588" providerId="LiveId" clId="{AA6378EA-44E2-4665-842F-E009EF00A9D6}" dt="2019-04-17T22:38:19.268" v="367" actId="164"/>
+          <ac:spMkLst>
+            <pc:docMk/>
+            <pc:sldMk cId="1720426387" sldId="267"/>
+            <ac:spMk id="6" creationId="{86BB63F9-ACF0-4647-BD0E-FA8AB58E56B9}"/>
+          </ac:spMkLst>
+        </pc:spChg>
+        <pc:spChg chg="add mod">
+          <ac:chgData name="Denis José" userId="a5f28e6e68565588" providerId="LiveId" clId="{AA6378EA-44E2-4665-842F-E009EF00A9D6}" dt="2019-04-17T22:38:19.268" v="367" actId="164"/>
+          <ac:spMkLst>
+            <pc:docMk/>
+            <pc:sldMk cId="1720426387" sldId="267"/>
+            <ac:spMk id="7" creationId="{64B886DF-5814-441F-8E5A-5F0A68EBC6B3}"/>
+          </ac:spMkLst>
+        </pc:spChg>
+        <pc:spChg chg="add mod">
+          <ac:chgData name="Denis José" userId="a5f28e6e68565588" providerId="LiveId" clId="{AA6378EA-44E2-4665-842F-E009EF00A9D6}" dt="2019-04-17T22:38:19.268" v="367" actId="164"/>
+          <ac:spMkLst>
+            <pc:docMk/>
+            <pc:sldMk cId="1720426387" sldId="267"/>
+            <ac:spMk id="8" creationId="{06520A91-FAFB-4270-A7E7-28BB4F3E1CEF}"/>
+          </ac:spMkLst>
+        </pc:spChg>
+        <pc:spChg chg="add mod">
+          <ac:chgData name="Denis José" userId="a5f28e6e68565588" providerId="LiveId" clId="{AA6378EA-44E2-4665-842F-E009EF00A9D6}" dt="2019-04-17T22:41:21.271" v="433" actId="207"/>
+          <ac:spMkLst>
+            <pc:docMk/>
+            <pc:sldMk cId="1720426387" sldId="267"/>
+            <ac:spMk id="9" creationId="{9B51F5CB-CE89-4950-BD12-130F95A5025E}"/>
+          </ac:spMkLst>
+        </pc:spChg>
+        <pc:spChg chg="add mod">
+          <ac:chgData name="Denis José" userId="a5f28e6e68565588" providerId="LiveId" clId="{AA6378EA-44E2-4665-842F-E009EF00A9D6}" dt="2019-04-17T22:38:19.268" v="367" actId="164"/>
+          <ac:spMkLst>
+            <pc:docMk/>
+            <pc:sldMk cId="1720426387" sldId="267"/>
+            <ac:spMk id="10" creationId="{85A2B6ED-9C15-42AD-86FE-87AA7BC41EBB}"/>
+          </ac:spMkLst>
+        </pc:spChg>
+        <pc:spChg chg="add mod">
+          <ac:chgData name="Denis José" userId="a5f28e6e68565588" providerId="LiveId" clId="{AA6378EA-44E2-4665-842F-E009EF00A9D6}" dt="2019-04-17T22:41:24.514" v="434" actId="207"/>
+          <ac:spMkLst>
+            <pc:docMk/>
+            <pc:sldMk cId="1720426387" sldId="267"/>
+            <ac:spMk id="11" creationId="{67ADFB12-C761-4CE7-BF2A-64FDA9365A46}"/>
+          </ac:spMkLst>
+        </pc:spChg>
+        <pc:spChg chg="add mod">
+          <ac:chgData name="Denis José" userId="a5f28e6e68565588" providerId="LiveId" clId="{AA6378EA-44E2-4665-842F-E009EF00A9D6}" dt="2019-04-17T22:46:05.405" v="507" actId="1037"/>
+          <ac:spMkLst>
+            <pc:docMk/>
+            <pc:sldMk cId="1720426387" sldId="267"/>
+            <ac:spMk id="12" creationId="{047A29C5-EBD2-4D45-968B-AD0C43F63B2D}"/>
+          </ac:spMkLst>
+        </pc:spChg>
+        <pc:spChg chg="mod">
+          <ac:chgData name="Denis José" userId="a5f28e6e68565588" providerId="LiveId" clId="{AA6378EA-44E2-4665-842F-E009EF00A9D6}" dt="2019-04-17T22:38:41.621" v="422" actId="14100"/>
+          <ac:spMkLst>
+            <pc:docMk/>
+            <pc:sldMk cId="1720426387" sldId="267"/>
+            <ac:spMk id="14" creationId="{00000000-0000-0000-0000-000000000000}"/>
+          </ac:spMkLst>
+        </pc:spChg>
+        <pc:spChg chg="add del mod">
+          <ac:chgData name="Denis José" userId="a5f28e6e68565588" providerId="LiveId" clId="{AA6378EA-44E2-4665-842F-E009EF00A9D6}" dt="2019-04-17T22:42:03.951" v="443"/>
+          <ac:spMkLst>
+            <pc:docMk/>
+            <pc:sldMk cId="1720426387" sldId="267"/>
+            <ac:spMk id="15" creationId="{14F4DCEA-CD78-4A9E-B63E-E16DFFBB917B}"/>
+          </ac:spMkLst>
+        </pc:spChg>
+        <pc:spChg chg="add mod">
+          <ac:chgData name="Denis José" userId="a5f28e6e68565588" providerId="LiveId" clId="{AA6378EA-44E2-4665-842F-E009EF00A9D6}" dt="2019-04-17T22:42:55.417" v="464" actId="1076"/>
+          <ac:spMkLst>
+            <pc:docMk/>
+            <pc:sldMk cId="1720426387" sldId="267"/>
+            <ac:spMk id="16" creationId="{487C9BAC-76A5-46B2-B052-22E1CE2C8296}"/>
+          </ac:spMkLst>
+        </pc:spChg>
+        <pc:spChg chg="add mod">
+          <ac:chgData name="Denis José" userId="a5f28e6e68565588" providerId="LiveId" clId="{AA6378EA-44E2-4665-842F-E009EF00A9D6}" dt="2019-04-17T22:46:07.700" v="509" actId="114"/>
+          <ac:spMkLst>
+            <pc:docMk/>
+            <pc:sldMk cId="1720426387" sldId="267"/>
+            <ac:spMk id="17" creationId="{C8190E02-86BE-44EE-BA7F-ECE2898D311F}"/>
+          </ac:spMkLst>
+        </pc:spChg>
+        <pc:grpChg chg="add mod">
+          <ac:chgData name="Denis José" userId="a5f28e6e68565588" providerId="LiveId" clId="{AA6378EA-44E2-4665-842F-E009EF00A9D6}" dt="2019-04-17T22:38:12.977" v="366" actId="164"/>
+          <ac:grpSpMkLst>
+            <pc:docMk/>
+            <pc:sldMk cId="1720426387" sldId="267"/>
+            <ac:grpSpMk id="3" creationId="{5ED78669-A769-4301-AE23-1BF9972A7CBD}"/>
+          </ac:grpSpMkLst>
+        </pc:grpChg>
+        <pc:grpChg chg="add mod">
+          <ac:chgData name="Denis José" userId="a5f28e6e68565588" providerId="LiveId" clId="{AA6378EA-44E2-4665-842F-E009EF00A9D6}" dt="2019-04-17T22:46:05.405" v="507" actId="1037"/>
+          <ac:grpSpMkLst>
+            <pc:docMk/>
+            <pc:sldMk cId="1720426387" sldId="267"/>
+            <ac:grpSpMk id="4" creationId="{01F5DD2E-4BB8-40CA-9B71-43C10DCC5F48}"/>
+          </ac:grpSpMkLst>
+        </pc:grpChg>
+      </pc:sldChg>
+      <pc:sldChg chg="addSp delSp modSp">
+        <pc:chgData name="Denis José" userId="a5f28e6e68565588" providerId="LiveId" clId="{AA6378EA-44E2-4665-842F-E009EF00A9D6}" dt="2019-04-17T22:50:51.699" v="513" actId="478"/>
+        <pc:sldMkLst>
+          <pc:docMk/>
+          <pc:sldMk cId="2006054977" sldId="273"/>
+        </pc:sldMkLst>
+        <pc:spChg chg="add del">
+          <ac:chgData name="Denis José" userId="a5f28e6e68565588" providerId="LiveId" clId="{AA6378EA-44E2-4665-842F-E009EF00A9D6}" dt="2019-04-17T22:50:51.699" v="513" actId="478"/>
+          <ac:spMkLst>
+            <pc:docMk/>
+            <pc:sldMk cId="2006054977" sldId="273"/>
+            <ac:spMk id="5" creationId="{5A8B8CE1-6CE5-4C2B-8643-2FC49183787C}"/>
+          </ac:spMkLst>
+        </pc:spChg>
+        <pc:spChg chg="mod">
+          <ac:chgData name="Denis José" userId="a5f28e6e68565588" providerId="LiveId" clId="{AA6378EA-44E2-4665-842F-E009EF00A9D6}" dt="2019-04-17T22:50:27.686" v="511" actId="20577"/>
+          <ac:spMkLst>
+            <pc:docMk/>
+            <pc:sldMk cId="2006054977" sldId="273"/>
+            <ac:spMk id="14" creationId="{00000000-0000-0000-0000-000000000000}"/>
+          </ac:spMkLst>
+        </pc:spChg>
+      </pc:sldChg>
+      <pc:sldChg chg="addSp delSp modSp">
+        <pc:chgData name="Denis José" userId="a5f28e6e68565588" providerId="LiveId" clId="{AA6378EA-44E2-4665-842F-E009EF00A9D6}" dt="2019-04-18T01:32:13.491" v="1005" actId="20577"/>
+        <pc:sldMkLst>
+          <pc:docMk/>
+          <pc:sldMk cId="2145834541" sldId="280"/>
+        </pc:sldMkLst>
+        <pc:spChg chg="add del mod">
+          <ac:chgData name="Denis José" userId="a5f28e6e68565588" providerId="LiveId" clId="{AA6378EA-44E2-4665-842F-E009EF00A9D6}" dt="2019-04-18T01:23:29.607" v="672" actId="478"/>
+          <ac:spMkLst>
+            <pc:docMk/>
+            <pc:sldMk cId="2145834541" sldId="280"/>
+            <ac:spMk id="6" creationId="{BE07EBE4-19EE-495F-9A85-960DB7755D50}"/>
+          </ac:spMkLst>
+        </pc:spChg>
+        <pc:spChg chg="add mod">
+          <ac:chgData name="Denis José" userId="a5f28e6e68565588" providerId="LiveId" clId="{AA6378EA-44E2-4665-842F-E009EF00A9D6}" dt="2019-04-18T01:31:26.950" v="992" actId="1076"/>
+          <ac:spMkLst>
+            <pc:docMk/>
+            <pc:sldMk cId="2145834541" sldId="280"/>
+            <ac:spMk id="10" creationId="{F4BEC61D-C6F1-455C-8DE7-28ECACA958C3}"/>
+          </ac:spMkLst>
+        </pc:spChg>
+        <pc:spChg chg="mod">
+          <ac:chgData name="Denis José" userId="a5f28e6e68565588" providerId="LiveId" clId="{AA6378EA-44E2-4665-842F-E009EF00A9D6}" dt="2019-04-18T01:29:59.917" v="937" actId="20577"/>
+          <ac:spMkLst>
+            <pc:docMk/>
+            <pc:sldMk cId="2145834541" sldId="280"/>
+            <ac:spMk id="13" creationId="{00000000-0000-0000-0000-000000000000}"/>
+          </ac:spMkLst>
+        </pc:spChg>
+        <pc:spChg chg="del">
+          <ac:chgData name="Denis José" userId="a5f28e6e68565588" providerId="LiveId" clId="{AA6378EA-44E2-4665-842F-E009EF00A9D6}" dt="2019-04-18T01:23:18.452" v="671" actId="478"/>
+          <ac:spMkLst>
+            <pc:docMk/>
+            <pc:sldMk cId="2145834541" sldId="280"/>
+            <ac:spMk id="14" creationId="{00000000-0000-0000-0000-000000000000}"/>
+          </ac:spMkLst>
+        </pc:spChg>
+        <pc:graphicFrameChg chg="add del mod">
+          <ac:chgData name="Denis José" userId="a5f28e6e68565588" providerId="LiveId" clId="{AA6378EA-44E2-4665-842F-E009EF00A9D6}" dt="2019-04-18T01:22:55.435" v="665" actId="478"/>
+          <ac:graphicFrameMkLst>
+            <pc:docMk/>
+            <pc:sldMk cId="2145834541" sldId="280"/>
+            <ac:graphicFrameMk id="2" creationId="{5792FF5B-94AD-4052-A3BB-4ACD575B7E73}"/>
+          </ac:graphicFrameMkLst>
+        </pc:graphicFrameChg>
+        <pc:graphicFrameChg chg="add del mod modGraphic">
+          <ac:chgData name="Denis José" userId="a5f28e6e68565588" providerId="LiveId" clId="{AA6378EA-44E2-4665-842F-E009EF00A9D6}" dt="2019-04-18T01:23:15.231" v="670" actId="3680"/>
+          <ac:graphicFrameMkLst>
+            <pc:docMk/>
+            <pc:sldMk cId="2145834541" sldId="280"/>
+            <ac:graphicFrameMk id="3" creationId="{E5CA9468-235E-45C8-A7D0-B3E25C846A88}"/>
+          </ac:graphicFrameMkLst>
+        </pc:graphicFrameChg>
+        <pc:graphicFrameChg chg="del mod">
+          <ac:chgData name="Denis José" userId="a5f28e6e68565588" providerId="LiveId" clId="{AA6378EA-44E2-4665-842F-E009EF00A9D6}" dt="2019-04-18T01:15:11.143" v="621" actId="478"/>
+          <ac:graphicFrameMkLst>
+            <pc:docMk/>
+            <pc:sldMk cId="2145834541" sldId="280"/>
+            <ac:graphicFrameMk id="4" creationId="{00000000-0000-0000-0000-000000000000}"/>
+          </ac:graphicFrameMkLst>
+        </pc:graphicFrameChg>
+        <pc:graphicFrameChg chg="add del mod">
+          <ac:chgData name="Denis José" userId="a5f28e6e68565588" providerId="LiveId" clId="{AA6378EA-44E2-4665-842F-E009EF00A9D6}" dt="2019-04-18T01:24:26.588" v="684"/>
+          <ac:graphicFrameMkLst>
+            <pc:docMk/>
+            <pc:sldMk cId="2145834541" sldId="280"/>
+            <ac:graphicFrameMk id="7" creationId="{3FF9BDB7-8A7C-4664-AE56-265CC100E7AE}"/>
+          </ac:graphicFrameMkLst>
+        </pc:graphicFrameChg>
+        <pc:graphicFrameChg chg="add del modGraphic">
+          <ac:chgData name="Denis José" userId="a5f28e6e68565588" providerId="LiveId" clId="{AA6378EA-44E2-4665-842F-E009EF00A9D6}" dt="2019-04-18T01:24:24.906" v="682"/>
+          <ac:graphicFrameMkLst>
+            <pc:docMk/>
+            <pc:sldMk cId="2145834541" sldId="280"/>
+            <ac:graphicFrameMk id="8" creationId="{B4DAA947-9957-4C29-BC29-37EF1266F081}"/>
+          </ac:graphicFrameMkLst>
+        </pc:graphicFrameChg>
+        <pc:graphicFrameChg chg="add mod modGraphic">
+          <ac:chgData name="Denis José" userId="a5f28e6e68565588" providerId="LiveId" clId="{AA6378EA-44E2-4665-842F-E009EF00A9D6}" dt="2019-04-18T01:32:13.491" v="1005" actId="20577"/>
+          <ac:graphicFrameMkLst>
+            <pc:docMk/>
+            <pc:sldMk cId="2145834541" sldId="280"/>
+            <ac:graphicFrameMk id="9" creationId="{72CE3AB8-C52F-4EA8-BBD2-364E65716825}"/>
+          </ac:graphicFrameMkLst>
+        </pc:graphicFrameChg>
+      </pc:sldChg>
+      <pc:sldChg chg="addSp delSp modSp mod">
+        <pc:chgData name="Denis José" userId="a5f28e6e68565588" providerId="LiveId" clId="{AA6378EA-44E2-4665-842F-E009EF00A9D6}" dt="2019-04-18T01:30:16.242" v="949" actId="20577"/>
+        <pc:sldMkLst>
+          <pc:docMk/>
+          <pc:sldMk cId="3382720457" sldId="281"/>
+        </pc:sldMkLst>
+        <pc:spChg chg="mod">
+          <ac:chgData name="Denis José" userId="a5f28e6e68565588" providerId="LiveId" clId="{AA6378EA-44E2-4665-842F-E009EF00A9D6}" dt="2019-04-18T01:30:16.242" v="949" actId="20577"/>
+          <ac:spMkLst>
+            <pc:docMk/>
+            <pc:sldMk cId="3382720457" sldId="281"/>
+            <ac:spMk id="13" creationId="{00000000-0000-0000-0000-000000000000}"/>
+          </ac:spMkLst>
+        </pc:spChg>
+        <pc:spChg chg="del mod">
+          <ac:chgData name="Denis José" userId="a5f28e6e68565588" providerId="LiveId" clId="{AA6378EA-44E2-4665-842F-E009EF00A9D6}" dt="2019-04-18T01:09:58.505" v="587" actId="478"/>
+          <ac:spMkLst>
+            <pc:docMk/>
+            <pc:sldMk cId="3382720457" sldId="281"/>
+            <ac:spMk id="14" creationId="{00000000-0000-0000-0000-000000000000}"/>
+          </ac:spMkLst>
+        </pc:spChg>
+        <pc:graphicFrameChg chg="add del mod">
+          <ac:chgData name="Denis José" userId="a5f28e6e68565588" providerId="LiveId" clId="{AA6378EA-44E2-4665-842F-E009EF00A9D6}" dt="2019-04-18T01:14:37.149" v="619" actId="692"/>
+          <ac:graphicFrameMkLst>
+            <pc:docMk/>
+            <pc:sldMk cId="3382720457" sldId="281"/>
+            <ac:graphicFrameMk id="4" creationId="{00000000-0000-0000-0000-000000000000}"/>
+          </ac:graphicFrameMkLst>
+        </pc:graphicFrameChg>
+        <pc:graphicFrameChg chg="add del mod">
+          <ac:chgData name="Denis José" userId="a5f28e6e68565588" providerId="LiveId" clId="{AA6378EA-44E2-4665-842F-E009EF00A9D6}" dt="2019-04-18T01:05:00.838" v="520" actId="478"/>
+          <ac:graphicFrameMkLst>
+            <pc:docMk/>
+            <pc:sldMk cId="3382720457" sldId="281"/>
+            <ac:graphicFrameMk id="5" creationId="{35EFF417-5D81-4DCF-9BAB-29910CCAF19B}"/>
+          </ac:graphicFrameMkLst>
+        </pc:graphicFrameChg>
+      </pc:sldChg>
+    </pc:docChg>
+  </pc:docChgLst>
+</pc:chgInfo>
+</file>
+
 <file path=ppt/charts/chart1.xml><?xml version="1.0" encoding="utf-8"?>
 <c:chartSpace xmlns:c="http://schemas.openxmlformats.org/drawingml/2006/chart" xmlns:a="http://schemas.openxmlformats.org/drawingml/2006/main" xmlns:r="http://schemas.openxmlformats.org/officeDocument/2006/relationships" xmlns:c16r2="http://schemas.microsoft.com/office/drawing/2015/06/chart">
   <c:date1904 val="0"/>
@@ -175,7 +504,17 @@
   <c:chart>
     <c:autoTitleDeleted val="1"/>
     <c:plotArea>
-      <c:layout/>
+      <c:layout>
+        <c:manualLayout>
+          <c:layoutTarget val="inner"/>
+          <c:xMode val="edge"/>
+          <c:yMode val="edge"/>
+          <c:x val="8.7996138930237083E-2"/>
+          <c:y val="0.20013380455404181"/>
+          <c:w val="0.88935612407291398"/>
+          <c:h val="0.72663545601956447"/>
+        </c:manualLayout>
+      </c:layout>
       <c:lineChart>
         <c:grouping val="standard"/>
         <c:varyColors val="0"/>
@@ -188,7 +527,7 @@
               <c:strCache>
                 <c:ptCount val="1"/>
                 <c:pt idx="0">
-                  <c:v>Série 1</c:v>
+                  <c:v>Trivial</c:v>
                 </c:pt>
               </c:strCache>
             </c:strRef>
@@ -203,45 +542,130 @@
             <a:effectLst/>
           </c:spPr>
           <c:marker>
-            <c:symbol val="none"/>
+            <c:symbol val="circle"/>
+            <c:size val="6"/>
+            <c:spPr>
+              <a:gradFill rotWithShape="1">
+                <a:gsLst>
+                  <a:gs pos="0">
+                    <a:schemeClr val="accent1">
+                      <a:satMod val="103000"/>
+                      <a:lumMod val="102000"/>
+                      <a:tint val="94000"/>
+                    </a:schemeClr>
+                  </a:gs>
+                  <a:gs pos="50000">
+                    <a:schemeClr val="accent1">
+                      <a:satMod val="110000"/>
+                      <a:lumMod val="100000"/>
+                      <a:shade val="100000"/>
+                    </a:schemeClr>
+                  </a:gs>
+                  <a:gs pos="100000">
+                    <a:schemeClr val="accent1">
+                      <a:lumMod val="99000"/>
+                      <a:satMod val="120000"/>
+                      <a:shade val="78000"/>
+                    </a:schemeClr>
+                  </a:gs>
+                </a:gsLst>
+                <a:lin ang="5400000" scaled="0"/>
+              </a:gradFill>
+              <a:ln w="12700">
+                <a:solidFill>
+                  <a:schemeClr val="lt2"/>
+                </a:solidFill>
+                <a:round/>
+              </a:ln>
+              <a:effectLst/>
+            </c:spPr>
           </c:marker>
           <c:cat>
-            <c:strRef>
-              <c:f>Sheet1!$A$2:$A$5</c:f>
-              <c:strCache>
-                <c:ptCount val="4"/>
+            <c:numRef>
+              <c:f>Sheet1!$A$2:$A$13</c:f>
+              <c:numCache>
+                <c:formatCode>General</c:formatCode>
+                <c:ptCount val="12"/>
                 <c:pt idx="0">
-                  <c:v>Categoria 1</c:v>
+                  <c:v>10000</c:v>
                 </c:pt>
                 <c:pt idx="1">
-                  <c:v>Categoria 2</c:v>
+                  <c:v>20000</c:v>
                 </c:pt>
                 <c:pt idx="2">
-                  <c:v>Categoria 3</c:v>
+                  <c:v>30000</c:v>
                 </c:pt>
                 <c:pt idx="3">
-                  <c:v>Categoria 4</c:v>
+                  <c:v>40000</c:v>
                 </c:pt>
-              </c:strCache>
-            </c:strRef>
+                <c:pt idx="4">
+                  <c:v>50000</c:v>
+                </c:pt>
+                <c:pt idx="5">
+                  <c:v>60000</c:v>
+                </c:pt>
+                <c:pt idx="6">
+                  <c:v>70000</c:v>
+                </c:pt>
+                <c:pt idx="7">
+                  <c:v>80000</c:v>
+                </c:pt>
+                <c:pt idx="8">
+                  <c:v>90000</c:v>
+                </c:pt>
+                <c:pt idx="9">
+                  <c:v>100000</c:v>
+                </c:pt>
+                <c:pt idx="10">
+                  <c:v>110000</c:v>
+                </c:pt>
+                <c:pt idx="11">
+                  <c:v>120000</c:v>
+                </c:pt>
+              </c:numCache>
+            </c:numRef>
           </c:cat>
           <c:val>
             <c:numRef>
-              <c:f>Sheet1!$B$2:$B$5</c:f>
+              <c:f>Sheet1!$B$2:$B$13</c:f>
               <c:numCache>
                 <c:formatCode>General</c:formatCode>
-                <c:ptCount val="4"/>
+                <c:ptCount val="12"/>
                 <c:pt idx="0">
-                  <c:v>4.3</c:v>
+                  <c:v>0.28299999999999997</c:v>
                 </c:pt>
                 <c:pt idx="1">
-                  <c:v>2.5</c:v>
+                  <c:v>1.1000000000000001</c:v>
                 </c:pt>
                 <c:pt idx="2">
-                  <c:v>3.5</c:v>
+                  <c:v>2.2629999999999999</c:v>
                 </c:pt>
                 <c:pt idx="3">
-                  <c:v>4.5</c:v>
+                  <c:v>4</c:v>
+                </c:pt>
+                <c:pt idx="4">
+                  <c:v>5.9720000000000004</c:v>
+                </c:pt>
+                <c:pt idx="5">
+                  <c:v>7.7720000000000002</c:v>
+                </c:pt>
+                <c:pt idx="6">
+                  <c:v>10.643000000000001</c:v>
+                </c:pt>
+                <c:pt idx="7">
+                  <c:v>13.948</c:v>
+                </c:pt>
+                <c:pt idx="8">
+                  <c:v>18.318000000000001</c:v>
+                </c:pt>
+                <c:pt idx="9">
+                  <c:v>25.498000000000001</c:v>
+                </c:pt>
+                <c:pt idx="10">
+                  <c:v>28.422999999999998</c:v>
+                </c:pt>
+                <c:pt idx="11">
+                  <c:v>34.71</c:v>
                 </c:pt>
               </c:numCache>
             </c:numRef>
@@ -262,7 +686,7 @@
               <c:strCache>
                 <c:ptCount val="1"/>
                 <c:pt idx="0">
-                  <c:v>Série 2</c:v>
+                  <c:v>MergeSort</c:v>
                 </c:pt>
               </c:strCache>
             </c:strRef>
@@ -277,45 +701,130 @@
             <a:effectLst/>
           </c:spPr>
           <c:marker>
-            <c:symbol val="none"/>
+            <c:symbol val="circle"/>
+            <c:size val="6"/>
+            <c:spPr>
+              <a:gradFill rotWithShape="1">
+                <a:gsLst>
+                  <a:gs pos="0">
+                    <a:schemeClr val="accent2">
+                      <a:satMod val="103000"/>
+                      <a:lumMod val="102000"/>
+                      <a:tint val="94000"/>
+                    </a:schemeClr>
+                  </a:gs>
+                  <a:gs pos="50000">
+                    <a:schemeClr val="accent2">
+                      <a:satMod val="110000"/>
+                      <a:lumMod val="100000"/>
+                      <a:shade val="100000"/>
+                    </a:schemeClr>
+                  </a:gs>
+                  <a:gs pos="100000">
+                    <a:schemeClr val="accent2">
+                      <a:lumMod val="99000"/>
+                      <a:satMod val="120000"/>
+                      <a:shade val="78000"/>
+                    </a:schemeClr>
+                  </a:gs>
+                </a:gsLst>
+                <a:lin ang="5400000" scaled="0"/>
+              </a:gradFill>
+              <a:ln w="12700">
+                <a:solidFill>
+                  <a:schemeClr val="lt2"/>
+                </a:solidFill>
+                <a:round/>
+              </a:ln>
+              <a:effectLst/>
+            </c:spPr>
           </c:marker>
           <c:cat>
-            <c:strRef>
-              <c:f>Sheet1!$A$2:$A$5</c:f>
-              <c:strCache>
-                <c:ptCount val="4"/>
+            <c:numRef>
+              <c:f>Sheet1!$A$2:$A$13</c:f>
+              <c:numCache>
+                <c:formatCode>General</c:formatCode>
+                <c:ptCount val="12"/>
                 <c:pt idx="0">
-                  <c:v>Categoria 1</c:v>
+                  <c:v>10000</c:v>
                 </c:pt>
                 <c:pt idx="1">
-                  <c:v>Categoria 2</c:v>
+                  <c:v>20000</c:v>
                 </c:pt>
                 <c:pt idx="2">
-                  <c:v>Categoria 3</c:v>
+                  <c:v>30000</c:v>
                 </c:pt>
                 <c:pt idx="3">
-                  <c:v>Categoria 4</c:v>
+                  <c:v>40000</c:v>
                 </c:pt>
-              </c:strCache>
-            </c:strRef>
+                <c:pt idx="4">
+                  <c:v>50000</c:v>
+                </c:pt>
+                <c:pt idx="5">
+                  <c:v>60000</c:v>
+                </c:pt>
+                <c:pt idx="6">
+                  <c:v>70000</c:v>
+                </c:pt>
+                <c:pt idx="7">
+                  <c:v>80000</c:v>
+                </c:pt>
+                <c:pt idx="8">
+                  <c:v>90000</c:v>
+                </c:pt>
+                <c:pt idx="9">
+                  <c:v>100000</c:v>
+                </c:pt>
+                <c:pt idx="10">
+                  <c:v>110000</c:v>
+                </c:pt>
+                <c:pt idx="11">
+                  <c:v>120000</c:v>
+                </c:pt>
+              </c:numCache>
+            </c:numRef>
           </c:cat>
           <c:val>
             <c:numRef>
-              <c:f>Sheet1!$C$2:$C$5</c:f>
+              <c:f>Sheet1!$C$2:$C$13</c:f>
               <c:numCache>
                 <c:formatCode>General</c:formatCode>
-                <c:ptCount val="4"/>
+                <c:ptCount val="12"/>
                 <c:pt idx="0">
-                  <c:v>2.4</c:v>
+                  <c:v>3.0000000000000001E-3</c:v>
                 </c:pt>
                 <c:pt idx="1">
-                  <c:v>4.4000000000000004</c:v>
+                  <c:v>7.0000000000000001E-3</c:v>
                 </c:pt>
                 <c:pt idx="2">
-                  <c:v>1.8</c:v>
+                  <c:v>0.01</c:v>
                 </c:pt>
                 <c:pt idx="3">
-                  <c:v>2.8</c:v>
+                  <c:v>1.4999999999999999E-2</c:v>
+                </c:pt>
+                <c:pt idx="4">
+                  <c:v>1.7999999999999999E-2</c:v>
+                </c:pt>
+                <c:pt idx="5">
+                  <c:v>1.6E-2</c:v>
+                </c:pt>
+                <c:pt idx="6">
+                  <c:v>3.2000000000000001E-2</c:v>
+                </c:pt>
+                <c:pt idx="7">
+                  <c:v>3.2000000000000001E-2</c:v>
+                </c:pt>
+                <c:pt idx="8">
+                  <c:v>3.1E-2</c:v>
+                </c:pt>
+                <c:pt idx="9">
+                  <c:v>4.3999999999999997E-2</c:v>
+                </c:pt>
+                <c:pt idx="10">
+                  <c:v>3.6999999999999998E-2</c:v>
+                </c:pt>
+                <c:pt idx="11">
+                  <c:v>0.08</c:v>
                 </c:pt>
               </c:numCache>
             </c:numRef>
@@ -327,80 +836,6 @@
             </c:ext>
           </c:extLst>
         </c:ser>
-        <c:ser>
-          <c:idx val="2"/>
-          <c:order val="2"/>
-          <c:tx>
-            <c:strRef>
-              <c:f>Sheet1!$D$1</c:f>
-              <c:strCache>
-                <c:ptCount val="1"/>
-                <c:pt idx="0">
-                  <c:v>Série 3</c:v>
-                </c:pt>
-              </c:strCache>
-            </c:strRef>
-          </c:tx>
-          <c:spPr>
-            <a:ln w="31750" cap="rnd">
-              <a:solidFill>
-                <a:schemeClr val="accent3"/>
-              </a:solidFill>
-              <a:round/>
-            </a:ln>
-            <a:effectLst/>
-          </c:spPr>
-          <c:marker>
-            <c:symbol val="none"/>
-          </c:marker>
-          <c:cat>
-            <c:strRef>
-              <c:f>Sheet1!$A$2:$A$5</c:f>
-              <c:strCache>
-                <c:ptCount val="4"/>
-                <c:pt idx="0">
-                  <c:v>Categoria 1</c:v>
-                </c:pt>
-                <c:pt idx="1">
-                  <c:v>Categoria 2</c:v>
-                </c:pt>
-                <c:pt idx="2">
-                  <c:v>Categoria 3</c:v>
-                </c:pt>
-                <c:pt idx="3">
-                  <c:v>Categoria 4</c:v>
-                </c:pt>
-              </c:strCache>
-            </c:strRef>
-          </c:cat>
-          <c:val>
-            <c:numRef>
-              <c:f>Sheet1!$D$2:$D$5</c:f>
-              <c:numCache>
-                <c:formatCode>General</c:formatCode>
-                <c:ptCount val="4"/>
-                <c:pt idx="0">
-                  <c:v>2</c:v>
-                </c:pt>
-                <c:pt idx="1">
-                  <c:v>2</c:v>
-                </c:pt>
-                <c:pt idx="2">
-                  <c:v>3</c:v>
-                </c:pt>
-                <c:pt idx="3">
-                  <c:v>5</c:v>
-                </c:pt>
-              </c:numCache>
-            </c:numRef>
-          </c:val>
-          <c:smooth val="0"/>
-          <c:extLst>
-            <c:ext xmlns:c16="http://schemas.microsoft.com/office/drawing/2014/chart" uri="{C3380CC4-5D6E-409C-BE32-E72D297353CC}">
-              <c16:uniqueId val="{00000002-8E00-48F6-93D6-29F7B11F9760}"/>
-            </c:ext>
-          </c:extLst>
-        </c:ser>
         <c:dLbls>
           <c:showLegendKey val="0"/>
           <c:showVal val="0"/>
@@ -409,6 +844,7 @@
           <c:showPercent val="0"/>
           <c:showBubbleSize val="0"/>
         </c:dLbls>
+        <c:marker val="1"/>
         <c:smooth val="0"/>
         <c:axId val="611351296"/>
         <c:axId val="601055720"/>
@@ -420,6 +856,55 @@
         </c:scaling>
         <c:delete val="0"/>
         <c:axPos val="b"/>
+        <c:title>
+          <c:tx>
+            <c:rich>
+              <a:bodyPr rot="0" spcFirstLastPara="1" vertOverflow="ellipsis" vert="horz" wrap="square" anchor="ctr" anchorCtr="1"/>
+              <a:lstStyle/>
+              <a:p>
+                <a:pPr>
+                  <a:defRPr sz="1197" b="1" i="0" u="none" strike="noStrike" kern="1200" baseline="0">
+                    <a:solidFill>
+                      <a:schemeClr val="tx2"/>
+                    </a:solidFill>
+                    <a:latin typeface="+mn-lt"/>
+                    <a:ea typeface="+mn-ea"/>
+                    <a:cs typeface="+mn-cs"/>
+                  </a:defRPr>
+                </a:pPr>
+                <a:r>
+                  <a:rPr lang="pt-BR" dirty="0"/>
+                  <a:t>Tamanho da entrada</a:t>
+                </a:r>
+              </a:p>
+            </c:rich>
+          </c:tx>
+          <c:overlay val="0"/>
+          <c:spPr>
+            <a:noFill/>
+            <a:ln>
+              <a:noFill/>
+            </a:ln>
+            <a:effectLst/>
+          </c:spPr>
+          <c:txPr>
+            <a:bodyPr rot="0" spcFirstLastPara="1" vertOverflow="ellipsis" vert="horz" wrap="square" anchor="ctr" anchorCtr="1"/>
+            <a:lstStyle/>
+            <a:p>
+              <a:pPr>
+                <a:defRPr sz="1197" b="1" i="0" u="none" strike="noStrike" kern="1200" baseline="0">
+                  <a:solidFill>
+                    <a:schemeClr val="tx2"/>
+                  </a:solidFill>
+                  <a:latin typeface="+mn-lt"/>
+                  <a:ea typeface="+mn-ea"/>
+                  <a:cs typeface="+mn-cs"/>
+                </a:defRPr>
+              </a:pPr>
+              <a:endParaRPr lang="pt-BR"/>
+            </a:p>
+          </c:txPr>
+        </c:title>
         <c:numFmt formatCode="General" sourceLinked="1"/>
         <c:majorTickMark val="none"/>
         <c:minorTickMark val="none"/>
@@ -482,6 +967,63 @@
             <a:effectLst/>
           </c:spPr>
         </c:majorGridlines>
+        <c:title>
+          <c:tx>
+            <c:rich>
+              <a:bodyPr rot="-5400000" spcFirstLastPara="1" vertOverflow="ellipsis" vert="horz" wrap="square" anchor="ctr" anchorCtr="1"/>
+              <a:lstStyle/>
+              <a:p>
+                <a:pPr>
+                  <a:defRPr sz="1197" b="1" i="0" u="none" strike="noStrike" kern="1200" baseline="0">
+                    <a:solidFill>
+                      <a:schemeClr val="tx2"/>
+                    </a:solidFill>
+                    <a:latin typeface="+mn-lt"/>
+                    <a:ea typeface="+mn-ea"/>
+                    <a:cs typeface="+mn-cs"/>
+                  </a:defRPr>
+                </a:pPr>
+                <a:r>
+                  <a:rPr lang="pt-BR" dirty="0"/>
+                  <a:t>Tempo</a:t>
+                </a:r>
+              </a:p>
+            </c:rich>
+          </c:tx>
+          <c:layout>
+            <c:manualLayout>
+              <c:xMode val="edge"/>
+              <c:yMode val="edge"/>
+              <c:x val="3.2353909995498477E-3"/>
+              <c:y val="0.3518926818588784"/>
+            </c:manualLayout>
+          </c:layout>
+          <c:overlay val="0"/>
+          <c:spPr>
+            <a:noFill/>
+            <a:ln>
+              <a:noFill/>
+            </a:ln>
+            <a:effectLst/>
+          </c:spPr>
+          <c:txPr>
+            <a:bodyPr rot="-5400000" spcFirstLastPara="1" vertOverflow="ellipsis" vert="horz" wrap="square" anchor="ctr" anchorCtr="1"/>
+            <a:lstStyle/>
+            <a:p>
+              <a:pPr>
+                <a:defRPr sz="1197" b="1" i="0" u="none" strike="noStrike" kern="1200" baseline="0">
+                  <a:solidFill>
+                    <a:schemeClr val="tx2"/>
+                  </a:solidFill>
+                  <a:latin typeface="+mn-lt"/>
+                  <a:ea typeface="+mn-ea"/>
+                  <a:cs typeface="+mn-cs"/>
+                </a:defRPr>
+              </a:pPr>
+              <a:endParaRPr lang="pt-BR"/>
+            </a:p>
+          </c:txPr>
+        </c:title>
         <c:numFmt formatCode="General" sourceLinked="1"/>
         <c:majorTickMark val="none"/>
         <c:minorTickMark val="none"/>
@@ -524,7 +1066,16 @@
     </c:plotArea>
     <c:legend>
       <c:legendPos val="b"/>
-      <c:layout/>
+      <c:layout>
+        <c:manualLayout>
+          <c:xMode val="edge"/>
+          <c:yMode val="edge"/>
+          <c:x val="0.65997365321754542"/>
+          <c:y val="8.6205510810342126E-2"/>
+          <c:w val="0.3287485889746537"/>
+          <c:h val="0.1155937738944039"/>
+        </c:manualLayout>
+      </c:layout>
       <c:overlay val="0"/>
       <c:spPr>
         <a:noFill/>
@@ -1413,38 +1964,37 @@
           <a:p>
             <a:pPr lvl="0" rtl="0"/>
             <a:r>
-              <a:rPr lang="pt-BR" noProof="0" dirty="0" smtClean="0"/>
+              <a:rPr lang="pt-BR" noProof="0" dirty="0"/>
               <a:t>Clique para editar o texto Mestre</a:t>
             </a:r>
           </a:p>
           <a:p>
             <a:pPr lvl="1" rtl="0"/>
             <a:r>
-              <a:rPr lang="pt-BR" noProof="0" dirty="0" smtClean="0"/>
+              <a:rPr lang="pt-BR" noProof="0" dirty="0"/>
               <a:t>Segundo nível</a:t>
             </a:r>
           </a:p>
           <a:p>
             <a:pPr lvl="2" rtl="0"/>
             <a:r>
-              <a:rPr lang="pt-BR" noProof="0" dirty="0" smtClean="0"/>
+              <a:rPr lang="pt-BR" noProof="0" dirty="0"/>
               <a:t>Terceiro nível</a:t>
             </a:r>
           </a:p>
           <a:p>
             <a:pPr lvl="3" rtl="0"/>
             <a:r>
-              <a:rPr lang="pt-BR" noProof="0" dirty="0" smtClean="0"/>
+              <a:rPr lang="pt-BR" noProof="0" dirty="0"/>
               <a:t>Quarto nível</a:t>
             </a:r>
           </a:p>
           <a:p>
             <a:pPr lvl="4" rtl="0"/>
             <a:r>
-              <a:rPr lang="pt-BR" noProof="0" dirty="0" smtClean="0"/>
+              <a:rPr lang="pt-BR" noProof="0" dirty="0"/>
               <a:t>Quinto nível</a:t>
             </a:r>
-            <a:endParaRPr lang="pt-BR" noProof="0" dirty="0"/>
           </a:p>
         </p:txBody>
       </p:sp>
@@ -3111,7 +3661,7 @@
           <a:p>
             <a:pPr rtl="0"/>
             <a:r>
-              <a:rPr lang="pt-BR" noProof="0" smtClean="0"/>
+              <a:rPr lang="pt-BR" noProof="0"/>
               <a:t>Clique para editar o título mestre</a:t>
             </a:r>
             <a:endParaRPr lang="pt-BR" noProof="0" dirty="0"/>
@@ -3234,7 +3784,7 @@
           <a:p>
             <a:pPr rtl="0"/>
             <a:r>
-              <a:rPr lang="pt-BR" noProof="0" smtClean="0"/>
+              <a:rPr lang="pt-BR" noProof="0"/>
               <a:t>Clique para editar o estilo do subtítulo Mestre</a:t>
             </a:r>
             <a:endParaRPr lang="pt-BR" noProof="0" dirty="0"/>
@@ -3298,10 +3848,9 @@
           <a:p>
             <a:pPr rtl="0"/>
             <a:r>
-              <a:rPr lang="pt-BR" noProof="0" dirty="0" smtClean="0"/>
+              <a:rPr lang="pt-BR" noProof="0" dirty="0"/>
               <a:t>Adicionar um rodapé</a:t>
             </a:r>
-            <a:endParaRPr lang="pt-BR" noProof="0" dirty="0"/>
           </a:p>
         </p:txBody>
       </p:sp>
@@ -3402,7 +3951,7 @@
           <a:p>
             <a:pPr rtl="0"/>
             <a:r>
-              <a:rPr lang="pt-BR" noProof="0" smtClean="0"/>
+              <a:rPr lang="pt-BR" noProof="0"/>
               <a:t>Clique para editar o título mestre</a:t>
             </a:r>
             <a:endParaRPr lang="pt-BR" noProof="0" dirty="0"/>
@@ -3442,35 +3991,35 @@
           <a:p>
             <a:pPr lvl="0" rtl="0"/>
             <a:r>
-              <a:rPr lang="pt-BR" noProof="0" smtClean="0"/>
+              <a:rPr lang="pt-BR" noProof="0"/>
               <a:t>Editar estilos de texto Mestre</a:t>
             </a:r>
           </a:p>
           <a:p>
             <a:pPr lvl="1" rtl="0"/>
             <a:r>
-              <a:rPr lang="pt-BR" noProof="0" smtClean="0"/>
+              <a:rPr lang="pt-BR" noProof="0"/>
               <a:t>Segundo nível</a:t>
             </a:r>
           </a:p>
           <a:p>
             <a:pPr lvl="2" rtl="0"/>
             <a:r>
-              <a:rPr lang="pt-BR" noProof="0" smtClean="0"/>
+              <a:rPr lang="pt-BR" noProof="0"/>
               <a:t>Terceiro nível</a:t>
             </a:r>
           </a:p>
           <a:p>
             <a:pPr lvl="3" rtl="0"/>
             <a:r>
-              <a:rPr lang="pt-BR" noProof="0" smtClean="0"/>
+              <a:rPr lang="pt-BR" noProof="0"/>
               <a:t>Quarto nível</a:t>
             </a:r>
           </a:p>
           <a:p>
             <a:pPr lvl="4" rtl="0"/>
             <a:r>
-              <a:rPr lang="pt-BR" noProof="0" smtClean="0"/>
+              <a:rPr lang="pt-BR" noProof="0"/>
               <a:t>Quinto nível</a:t>
             </a:r>
             <a:endParaRPr lang="pt-BR" noProof="0" dirty="0"/>
@@ -3518,10 +4067,9 @@
           <a:p>
             <a:pPr rtl="0"/>
             <a:r>
-              <a:rPr lang="pt-BR" noProof="0" dirty="0" smtClean="0"/>
+              <a:rPr lang="pt-BR" noProof="0" dirty="0"/>
               <a:t>Adicionar um rodapé</a:t>
             </a:r>
-            <a:endParaRPr lang="pt-BR" noProof="0" dirty="0"/>
           </a:p>
         </p:txBody>
       </p:sp>
@@ -4237,7 +4785,7 @@
           <a:p>
             <a:pPr rtl="0"/>
             <a:r>
-              <a:rPr lang="pt-BR" noProof="0" smtClean="0"/>
+              <a:rPr lang="pt-BR" noProof="0"/>
               <a:t>Clique para editar o título mestre</a:t>
             </a:r>
             <a:endParaRPr lang="pt-BR" noProof="0" dirty="0"/>
@@ -4266,35 +4814,35 @@
           <a:p>
             <a:pPr lvl="0" rtl="0"/>
             <a:r>
-              <a:rPr lang="pt-BR" noProof="0" smtClean="0"/>
+              <a:rPr lang="pt-BR" noProof="0"/>
               <a:t>Editar estilos de texto Mestre</a:t>
             </a:r>
           </a:p>
           <a:p>
             <a:pPr lvl="1" rtl="0"/>
             <a:r>
-              <a:rPr lang="pt-BR" noProof="0" smtClean="0"/>
+              <a:rPr lang="pt-BR" noProof="0"/>
               <a:t>Segundo nível</a:t>
             </a:r>
           </a:p>
           <a:p>
             <a:pPr lvl="2" rtl="0"/>
             <a:r>
-              <a:rPr lang="pt-BR" noProof="0" smtClean="0"/>
+              <a:rPr lang="pt-BR" noProof="0"/>
               <a:t>Terceiro nível</a:t>
             </a:r>
           </a:p>
           <a:p>
             <a:pPr lvl="3" rtl="0"/>
             <a:r>
-              <a:rPr lang="pt-BR" noProof="0" smtClean="0"/>
+              <a:rPr lang="pt-BR" noProof="0"/>
               <a:t>Quarto nível</a:t>
             </a:r>
           </a:p>
           <a:p>
             <a:pPr lvl="4" rtl="0"/>
             <a:r>
-              <a:rPr lang="pt-BR" noProof="0" smtClean="0"/>
+              <a:rPr lang="pt-BR" noProof="0"/>
               <a:t>Quinto nível</a:t>
             </a:r>
             <a:endParaRPr lang="pt-BR" noProof="0" dirty="0"/>
@@ -4342,10 +4890,9 @@
           <a:p>
             <a:pPr rtl="0"/>
             <a:r>
-              <a:rPr lang="pt-BR" noProof="0" dirty="0" smtClean="0"/>
+              <a:rPr lang="pt-BR" noProof="0" dirty="0"/>
               <a:t>Adicionar um rodapé</a:t>
             </a:r>
-            <a:endParaRPr lang="pt-BR" noProof="0" dirty="0"/>
           </a:p>
         </p:txBody>
       </p:sp>
@@ -4432,7 +4979,7 @@
           <a:p>
             <a:pPr rtl="0"/>
             <a:r>
-              <a:rPr lang="pt-BR" noProof="0" smtClean="0"/>
+              <a:rPr lang="pt-BR" noProof="0"/>
               <a:t>Clique para editar o título mestre</a:t>
             </a:r>
             <a:endParaRPr lang="pt-BR" noProof="0" dirty="0"/>
@@ -4472,35 +5019,35 @@
           <a:p>
             <a:pPr lvl="0" rtl="0"/>
             <a:r>
-              <a:rPr lang="pt-BR" noProof="0" smtClean="0"/>
+              <a:rPr lang="pt-BR" noProof="0"/>
               <a:t>Editar estilos de texto Mestre</a:t>
             </a:r>
           </a:p>
           <a:p>
             <a:pPr lvl="1" rtl="0"/>
             <a:r>
-              <a:rPr lang="pt-BR" noProof="0" smtClean="0"/>
+              <a:rPr lang="pt-BR" noProof="0"/>
               <a:t>Segundo nível</a:t>
             </a:r>
           </a:p>
           <a:p>
             <a:pPr lvl="2" rtl="0"/>
             <a:r>
-              <a:rPr lang="pt-BR" noProof="0" smtClean="0"/>
+              <a:rPr lang="pt-BR" noProof="0"/>
               <a:t>Terceiro nível</a:t>
             </a:r>
           </a:p>
           <a:p>
             <a:pPr lvl="3" rtl="0"/>
             <a:r>
-              <a:rPr lang="pt-BR" noProof="0" smtClean="0"/>
+              <a:rPr lang="pt-BR" noProof="0"/>
               <a:t>Quarto nível</a:t>
             </a:r>
           </a:p>
           <a:p>
             <a:pPr lvl="4" rtl="0"/>
             <a:r>
-              <a:rPr lang="pt-BR" noProof="0" smtClean="0"/>
+              <a:rPr lang="pt-BR" noProof="0"/>
               <a:t>Quinto nível</a:t>
             </a:r>
             <a:endParaRPr lang="pt-BR" noProof="0" dirty="0"/>
@@ -4548,10 +5095,9 @@
           <a:p>
             <a:pPr rtl="0"/>
             <a:r>
-              <a:rPr lang="pt-BR" noProof="0" dirty="0" smtClean="0"/>
+              <a:rPr lang="pt-BR" noProof="0" dirty="0"/>
               <a:t>Adicionar um rodapé</a:t>
             </a:r>
-            <a:endParaRPr lang="pt-BR" noProof="0" dirty="0"/>
           </a:p>
         </p:txBody>
       </p:sp>
@@ -5313,7 +5859,7 @@
           <a:p>
             <a:pPr rtl="0"/>
             <a:r>
-              <a:rPr lang="pt-BR" noProof="0" smtClean="0"/>
+              <a:rPr lang="pt-BR" noProof="0"/>
               <a:t>Clique para editar o título mestre</a:t>
             </a:r>
             <a:endParaRPr lang="pt-BR" noProof="0" dirty="0"/>
@@ -5436,7 +5982,7 @@
           <a:p>
             <a:pPr lvl="0" rtl="0"/>
             <a:r>
-              <a:rPr lang="pt-BR" noProof="0" smtClean="0"/>
+              <a:rPr lang="pt-BR" noProof="0"/>
               <a:t>Editar estilos de texto Mestre</a:t>
             </a:r>
           </a:p>
@@ -5499,10 +6045,9 @@
           <a:p>
             <a:pPr rtl="0"/>
             <a:r>
-              <a:rPr lang="pt-BR" noProof="0" dirty="0" smtClean="0"/>
+              <a:rPr lang="pt-BR" noProof="0" dirty="0"/>
               <a:t>Adicionar um rodapé</a:t>
             </a:r>
-            <a:endParaRPr lang="pt-BR" noProof="0" dirty="0"/>
           </a:p>
         </p:txBody>
       </p:sp>
@@ -5603,7 +6148,7 @@
           <a:p>
             <a:pPr rtl="0"/>
             <a:r>
-              <a:rPr lang="pt-BR" noProof="0" smtClean="0"/>
+              <a:rPr lang="pt-BR" noProof="0"/>
               <a:t>Clique para editar o título mestre</a:t>
             </a:r>
             <a:endParaRPr lang="pt-BR" noProof="0" dirty="0"/>
@@ -5660,35 +6205,35 @@
           <a:p>
             <a:pPr lvl="0" rtl="0"/>
             <a:r>
-              <a:rPr lang="pt-BR" noProof="0" smtClean="0"/>
+              <a:rPr lang="pt-BR" noProof="0"/>
               <a:t>Editar estilos de texto Mestre</a:t>
             </a:r>
           </a:p>
           <a:p>
             <a:pPr lvl="1" rtl="0"/>
             <a:r>
-              <a:rPr lang="pt-BR" noProof="0" smtClean="0"/>
+              <a:rPr lang="pt-BR" noProof="0"/>
               <a:t>Segundo nível</a:t>
             </a:r>
           </a:p>
           <a:p>
             <a:pPr lvl="2" rtl="0"/>
             <a:r>
-              <a:rPr lang="pt-BR" noProof="0" smtClean="0"/>
+              <a:rPr lang="pt-BR" noProof="0"/>
               <a:t>Terceiro nível</a:t>
             </a:r>
           </a:p>
           <a:p>
             <a:pPr lvl="3" rtl="0"/>
             <a:r>
-              <a:rPr lang="pt-BR" noProof="0" smtClean="0"/>
+              <a:rPr lang="pt-BR" noProof="0"/>
               <a:t>Quarto nível</a:t>
             </a:r>
           </a:p>
           <a:p>
             <a:pPr lvl="4" rtl="0"/>
             <a:r>
-              <a:rPr lang="pt-BR" noProof="0" smtClean="0"/>
+              <a:rPr lang="pt-BR" noProof="0"/>
               <a:t>Quinto nível</a:t>
             </a:r>
             <a:endParaRPr lang="pt-BR" noProof="0" dirty="0"/>
@@ -5745,35 +6290,35 @@
           <a:p>
             <a:pPr lvl="0" rtl="0"/>
             <a:r>
-              <a:rPr lang="pt-BR" noProof="0" smtClean="0"/>
+              <a:rPr lang="pt-BR" noProof="0"/>
               <a:t>Editar estilos de texto Mestre</a:t>
             </a:r>
           </a:p>
           <a:p>
             <a:pPr lvl="1" rtl="0"/>
             <a:r>
-              <a:rPr lang="pt-BR" noProof="0" smtClean="0"/>
+              <a:rPr lang="pt-BR" noProof="0"/>
               <a:t>Segundo nível</a:t>
             </a:r>
           </a:p>
           <a:p>
             <a:pPr lvl="2" rtl="0"/>
             <a:r>
-              <a:rPr lang="pt-BR" noProof="0" smtClean="0"/>
+              <a:rPr lang="pt-BR" noProof="0"/>
               <a:t>Terceiro nível</a:t>
             </a:r>
           </a:p>
           <a:p>
             <a:pPr lvl="3" rtl="0"/>
             <a:r>
-              <a:rPr lang="pt-BR" noProof="0" smtClean="0"/>
+              <a:rPr lang="pt-BR" noProof="0"/>
               <a:t>Quarto nível</a:t>
             </a:r>
           </a:p>
           <a:p>
             <a:pPr lvl="4" rtl="0"/>
             <a:r>
-              <a:rPr lang="pt-BR" noProof="0" smtClean="0"/>
+              <a:rPr lang="pt-BR" noProof="0"/>
               <a:t>Quinto nível</a:t>
             </a:r>
             <a:endParaRPr lang="pt-BR" noProof="0" dirty="0"/>
@@ -5821,10 +6366,9 @@
           <a:p>
             <a:pPr rtl="0"/>
             <a:r>
-              <a:rPr lang="pt-BR" noProof="0" dirty="0" smtClean="0"/>
+              <a:rPr lang="pt-BR" noProof="0" dirty="0"/>
               <a:t>Adicionar um rodapé</a:t>
             </a:r>
-            <a:endParaRPr lang="pt-BR" noProof="0" dirty="0"/>
           </a:p>
         </p:txBody>
       </p:sp>
@@ -5915,7 +6459,7 @@
           <a:p>
             <a:pPr rtl="0"/>
             <a:r>
-              <a:rPr lang="pt-BR" noProof="0" smtClean="0"/>
+              <a:rPr lang="pt-BR" noProof="0"/>
               <a:t>Clique para editar o título mestre</a:t>
             </a:r>
             <a:endParaRPr lang="pt-BR" noProof="0" dirty="0"/>
@@ -5986,7 +6530,7 @@
           <a:p>
             <a:pPr lvl="0" rtl="0"/>
             <a:r>
-              <a:rPr lang="pt-BR" noProof="0" smtClean="0"/>
+              <a:rPr lang="pt-BR" noProof="0"/>
               <a:t>Editar estilos de texto Mestre</a:t>
             </a:r>
           </a:p>
@@ -6044,35 +6588,35 @@
           <a:p>
             <a:pPr lvl="0" rtl="0"/>
             <a:r>
-              <a:rPr lang="pt-BR" noProof="0" smtClean="0"/>
+              <a:rPr lang="pt-BR" noProof="0"/>
               <a:t>Editar estilos de texto Mestre</a:t>
             </a:r>
           </a:p>
           <a:p>
             <a:pPr lvl="1" rtl="0"/>
             <a:r>
-              <a:rPr lang="pt-BR" noProof="0" smtClean="0"/>
+              <a:rPr lang="pt-BR" noProof="0"/>
               <a:t>Segundo nível</a:t>
             </a:r>
           </a:p>
           <a:p>
             <a:pPr lvl="2" rtl="0"/>
             <a:r>
-              <a:rPr lang="pt-BR" noProof="0" smtClean="0"/>
+              <a:rPr lang="pt-BR" noProof="0"/>
               <a:t>Terceiro nível</a:t>
             </a:r>
           </a:p>
           <a:p>
             <a:pPr lvl="3" rtl="0"/>
             <a:r>
-              <a:rPr lang="pt-BR" noProof="0" smtClean="0"/>
+              <a:rPr lang="pt-BR" noProof="0"/>
               <a:t>Quarto nível</a:t>
             </a:r>
           </a:p>
           <a:p>
             <a:pPr lvl="4" rtl="0"/>
             <a:r>
-              <a:rPr lang="pt-BR" noProof="0" smtClean="0"/>
+              <a:rPr lang="pt-BR" noProof="0"/>
               <a:t>Quinto nível</a:t>
             </a:r>
             <a:endParaRPr lang="pt-BR" noProof="0" dirty="0"/>
@@ -6143,7 +6687,7 @@
           <a:p>
             <a:pPr lvl="0" rtl="0"/>
             <a:r>
-              <a:rPr lang="pt-BR" noProof="0" smtClean="0"/>
+              <a:rPr lang="pt-BR" noProof="0"/>
               <a:t>Editar estilos de texto Mestre</a:t>
             </a:r>
           </a:p>
@@ -6201,35 +6745,35 @@
           <a:p>
             <a:pPr lvl="0" rtl="0"/>
             <a:r>
-              <a:rPr lang="pt-BR" noProof="0" smtClean="0"/>
+              <a:rPr lang="pt-BR" noProof="0"/>
               <a:t>Editar estilos de texto Mestre</a:t>
             </a:r>
           </a:p>
           <a:p>
             <a:pPr lvl="1" rtl="0"/>
             <a:r>
-              <a:rPr lang="pt-BR" noProof="0" smtClean="0"/>
+              <a:rPr lang="pt-BR" noProof="0"/>
               <a:t>Segundo nível</a:t>
             </a:r>
           </a:p>
           <a:p>
             <a:pPr lvl="2" rtl="0"/>
             <a:r>
-              <a:rPr lang="pt-BR" noProof="0" smtClean="0"/>
+              <a:rPr lang="pt-BR" noProof="0"/>
               <a:t>Terceiro nível</a:t>
             </a:r>
           </a:p>
           <a:p>
             <a:pPr lvl="3" rtl="0"/>
             <a:r>
-              <a:rPr lang="pt-BR" noProof="0" smtClean="0"/>
+              <a:rPr lang="pt-BR" noProof="0"/>
               <a:t>Quarto nível</a:t>
             </a:r>
           </a:p>
           <a:p>
             <a:pPr lvl="4" rtl="0"/>
             <a:r>
-              <a:rPr lang="pt-BR" noProof="0" smtClean="0"/>
+              <a:rPr lang="pt-BR" noProof="0"/>
               <a:t>Quinto nível</a:t>
             </a:r>
             <a:endParaRPr lang="pt-BR" noProof="0" dirty="0"/>
@@ -6277,10 +6821,9 @@
           <a:p>
             <a:pPr rtl="0"/>
             <a:r>
-              <a:rPr lang="pt-BR" noProof="0" dirty="0" smtClean="0"/>
+              <a:rPr lang="pt-BR" noProof="0" dirty="0"/>
               <a:t>Adicionar um rodapé</a:t>
             </a:r>
-            <a:endParaRPr lang="pt-BR" noProof="0" dirty="0"/>
           </a:p>
         </p:txBody>
       </p:sp>
@@ -6367,7 +6910,7 @@
           <a:p>
             <a:pPr rtl="0"/>
             <a:r>
-              <a:rPr lang="pt-BR" noProof="0" smtClean="0"/>
+              <a:rPr lang="pt-BR" noProof="0"/>
               <a:t>Clique para editar o título mestre</a:t>
             </a:r>
             <a:endParaRPr lang="pt-BR" noProof="0" dirty="0"/>
@@ -6415,10 +6958,9 @@
           <a:p>
             <a:pPr rtl="0"/>
             <a:r>
-              <a:rPr lang="pt-BR" noProof="0" dirty="0" smtClean="0"/>
+              <a:rPr lang="pt-BR" noProof="0" dirty="0"/>
               <a:t>Adicionar um rodapé</a:t>
             </a:r>
-            <a:endParaRPr lang="pt-BR" noProof="0" dirty="0"/>
           </a:p>
         </p:txBody>
       </p:sp>
@@ -6757,10 +7299,9 @@
           <a:p>
             <a:pPr rtl="0"/>
             <a:r>
-              <a:rPr lang="pt-BR" noProof="0" dirty="0" smtClean="0"/>
+              <a:rPr lang="pt-BR" noProof="0" dirty="0"/>
               <a:t>Adicionar um rodapé</a:t>
             </a:r>
-            <a:endParaRPr lang="pt-BR" noProof="0" dirty="0"/>
           </a:p>
         </p:txBody>
       </p:sp>
@@ -7051,7 +7592,7 @@
           <a:p>
             <a:pPr rtl="0"/>
             <a:r>
-              <a:rPr lang="pt-BR" noProof="0" smtClean="0"/>
+              <a:rPr lang="pt-BR" noProof="0"/>
               <a:t>Clique para editar o título mestre</a:t>
             </a:r>
             <a:endParaRPr lang="pt-BR" noProof="0" dirty="0"/>
@@ -7110,35 +7651,35 @@
           <a:p>
             <a:pPr lvl="0" rtl="0"/>
             <a:r>
-              <a:rPr lang="pt-BR" noProof="0" smtClean="0"/>
+              <a:rPr lang="pt-BR" noProof="0"/>
               <a:t>Editar estilos de texto Mestre</a:t>
             </a:r>
           </a:p>
           <a:p>
             <a:pPr lvl="1" rtl="0"/>
             <a:r>
-              <a:rPr lang="pt-BR" noProof="0" smtClean="0"/>
+              <a:rPr lang="pt-BR" noProof="0"/>
               <a:t>Segundo nível</a:t>
             </a:r>
           </a:p>
           <a:p>
             <a:pPr lvl="2" rtl="0"/>
             <a:r>
-              <a:rPr lang="pt-BR" noProof="0" smtClean="0"/>
+              <a:rPr lang="pt-BR" noProof="0"/>
               <a:t>Terceiro nível</a:t>
             </a:r>
           </a:p>
           <a:p>
             <a:pPr lvl="3" rtl="0"/>
             <a:r>
-              <a:rPr lang="pt-BR" noProof="0" smtClean="0"/>
+              <a:rPr lang="pt-BR" noProof="0"/>
               <a:t>Quarto nível</a:t>
             </a:r>
           </a:p>
           <a:p>
             <a:pPr lvl="4" rtl="0"/>
             <a:r>
-              <a:rPr lang="pt-BR" noProof="0" smtClean="0"/>
+              <a:rPr lang="pt-BR" noProof="0"/>
               <a:t>Quinto nível</a:t>
             </a:r>
             <a:endParaRPr lang="pt-BR" noProof="0" dirty="0"/>
@@ -7210,7 +7751,7 @@
           <a:p>
             <a:pPr lvl="0" rtl="0"/>
             <a:r>
-              <a:rPr lang="pt-BR" noProof="0" smtClean="0"/>
+              <a:rPr lang="pt-BR" noProof="0"/>
               <a:t>Editar estilos de texto Mestre</a:t>
             </a:r>
           </a:p>
@@ -7257,10 +7798,9 @@
           <a:p>
             <a:pPr rtl="0"/>
             <a:r>
-              <a:rPr lang="pt-BR" noProof="0" dirty="0" smtClean="0"/>
+              <a:rPr lang="pt-BR" noProof="0" dirty="0"/>
               <a:t>Adicionar um rodapé</a:t>
             </a:r>
-            <a:endParaRPr lang="pt-BR" noProof="0" dirty="0"/>
           </a:p>
         </p:txBody>
       </p:sp>
@@ -7510,7 +8050,7 @@
           <a:p>
             <a:pPr rtl="0"/>
             <a:r>
-              <a:rPr lang="pt-BR" noProof="0" smtClean="0"/>
+              <a:rPr lang="pt-BR" noProof="0"/>
               <a:t>Clique para editar o título mestre</a:t>
             </a:r>
             <a:endParaRPr lang="pt-BR" noProof="0" dirty="0"/>
@@ -7587,7 +8127,7 @@
           <a:p>
             <a:pPr rtl="0"/>
             <a:r>
-              <a:rPr lang="pt-BR" noProof="0" smtClean="0"/>
+              <a:rPr lang="pt-BR" noProof="0"/>
               <a:t>Clique no ícone para adicionar uma imagem</a:t>
             </a:r>
             <a:endParaRPr lang="pt-BR" noProof="0" dirty="0"/>
@@ -7659,7 +8199,7 @@
           <a:p>
             <a:pPr lvl="0" rtl="0"/>
             <a:r>
-              <a:rPr lang="pt-BR" noProof="0" smtClean="0"/>
+              <a:rPr lang="pt-BR" noProof="0"/>
               <a:t>Editar estilos de texto Mestre</a:t>
             </a:r>
           </a:p>
@@ -7722,10 +8262,9 @@
           <a:p>
             <a:pPr rtl="0"/>
             <a:r>
-              <a:rPr lang="pt-BR" noProof="0" dirty="0" smtClean="0"/>
+              <a:rPr lang="pt-BR" noProof="0" dirty="0"/>
               <a:t>Adicionar um rodapé</a:t>
             </a:r>
-            <a:endParaRPr lang="pt-BR" noProof="0" dirty="0"/>
           </a:p>
         </p:txBody>
       </p:sp>
@@ -8074,10 +8613,9 @@
           <a:p>
             <a:pPr rtl="0"/>
             <a:r>
-              <a:rPr lang="pt-BR" noProof="0" dirty="0" smtClean="0"/>
+              <a:rPr lang="pt-BR" noProof="0" dirty="0"/>
               <a:t>Clique para editar o estilo de título Mestre</a:t>
             </a:r>
-            <a:endParaRPr lang="pt-BR" noProof="0" dirty="0"/>
           </a:p>
         </p:txBody>
       </p:sp>
@@ -8108,38 +8646,37 @@
           <a:p>
             <a:pPr lvl="0" rtl="0"/>
             <a:r>
-              <a:rPr lang="pt-BR" noProof="0" dirty="0" smtClean="0"/>
+              <a:rPr lang="pt-BR" noProof="0" dirty="0"/>
               <a:t>Clique para editar o texto Mestre</a:t>
             </a:r>
           </a:p>
           <a:p>
             <a:pPr lvl="1" rtl="0"/>
             <a:r>
-              <a:rPr lang="pt-BR" noProof="0" dirty="0" smtClean="0"/>
+              <a:rPr lang="pt-BR" noProof="0" dirty="0"/>
               <a:t>Segundo nível</a:t>
             </a:r>
           </a:p>
           <a:p>
             <a:pPr lvl="2" rtl="0"/>
             <a:r>
-              <a:rPr lang="pt-BR" noProof="0" dirty="0" smtClean="0"/>
+              <a:rPr lang="pt-BR" noProof="0" dirty="0"/>
               <a:t>Terceiro nível</a:t>
             </a:r>
           </a:p>
           <a:p>
             <a:pPr lvl="3" rtl="0"/>
             <a:r>
-              <a:rPr lang="pt-BR" noProof="0" dirty="0" smtClean="0"/>
+              <a:rPr lang="pt-BR" noProof="0" dirty="0"/>
               <a:t>Quarto nível</a:t>
             </a:r>
           </a:p>
           <a:p>
             <a:pPr lvl="4" rtl="0"/>
             <a:r>
-              <a:rPr lang="pt-BR" noProof="0" dirty="0" smtClean="0"/>
+              <a:rPr lang="pt-BR" noProof="0" dirty="0"/>
               <a:t>Quinto nível</a:t>
             </a:r>
-            <a:endParaRPr lang="pt-BR" noProof="0" dirty="0"/>
           </a:p>
         </p:txBody>
       </p:sp>
@@ -8216,10 +8753,9 @@
           <a:p>
             <a:pPr rtl="0"/>
             <a:r>
-              <a:rPr lang="pt-BR" noProof="0" dirty="0" smtClean="0"/>
+              <a:rPr lang="pt-BR" noProof="0" dirty="0"/>
               <a:t>Adicionar um rodapé</a:t>
             </a:r>
-            <a:endParaRPr lang="pt-BR" noProof="0" dirty="0"/>
           </a:p>
         </p:txBody>
       </p:sp>
@@ -8638,14 +9174,9 @@
           <a:p>
             <a:pPr rtl="0"/>
             <a:r>
-              <a:rPr lang="pt-BR" sz="3600" b="1" dirty="0" smtClean="0"/>
-              <a:t>Contagem de </a:t>
-            </a:r>
-            <a:r>
-              <a:rPr lang="pt-BR" sz="3600" b="1" dirty="0" smtClean="0"/>
-              <a:t>ocorrências em uma sequência</a:t>
-            </a:r>
-            <a:endParaRPr lang="pt-BR" sz="3600" b="1" dirty="0"/>
+              <a:rPr lang="pt-BR" sz="3600" b="1" dirty="0"/>
+              <a:t>Contagem de ocorrências em uma sequência</a:t>
+            </a:r>
           </a:p>
         </p:txBody>
       </p:sp>
@@ -8661,34 +9192,290 @@
         </p:nvSpPr>
         <p:spPr>
           <a:xfrm>
-            <a:off x="1821976" y="4077072"/>
-            <a:ext cx="5638800" cy="1116085"/>
+            <a:off x="1821976" y="3861048"/>
+            <a:ext cx="6278416" cy="1332109"/>
           </a:xfrm>
         </p:spPr>
         <p:txBody>
-          <a:bodyPr rtlCol="0"/>
+          <a:bodyPr rtlCol="0">
+            <a:normAutofit/>
+          </a:bodyPr>
           <a:lstStyle/>
           <a:p>
-            <a:pPr rtl="0"/>
-            <a:r>
-              <a:rPr lang="pt-BR" dirty="0" smtClean="0"/>
-              <a:t>Alisson</a:t>
-            </a:r>
-          </a:p>
-          <a:p>
-            <a:pPr rtl="0"/>
-            <a:r>
-              <a:rPr lang="pt-BR" dirty="0" smtClean="0"/>
-              <a:t>Denis</a:t>
-            </a:r>
-          </a:p>
-          <a:p>
-            <a:pPr rtl="0"/>
-            <a:r>
-              <a:rPr lang="pt-BR" dirty="0" smtClean="0"/>
-              <a:t>Fernanda</a:t>
+            <a:pPr rtl="0">
+              <a:lnSpc>
+                <a:spcPct val="130000"/>
+              </a:lnSpc>
+            </a:pPr>
+            <a:r>
+              <a:rPr lang="pt-BR" sz="1800" dirty="0"/>
+              <a:t>Alisson William da Silva</a:t>
+            </a:r>
+          </a:p>
+          <a:p>
+            <a:pPr rtl="0">
+              <a:lnSpc>
+                <a:spcPct val="130000"/>
+              </a:lnSpc>
+            </a:pPr>
+            <a:r>
+              <a:rPr lang="pt-BR" sz="1800" dirty="0"/>
+              <a:t>Denis José Almeida</a:t>
+            </a:r>
+          </a:p>
+          <a:p>
+            <a:pPr rtl="0">
+              <a:lnSpc>
+                <a:spcPct val="130000"/>
+              </a:lnSpc>
+            </a:pPr>
+            <a:r>
+              <a:rPr lang="pt-BR" sz="1800" dirty="0"/>
+              <a:t>Fernanda Rodrigues de Oliveira</a:t>
             </a:r>
             <a:endParaRPr lang="pt-BR" dirty="0"/>
+          </a:p>
+        </p:txBody>
+      </p:sp>
+      <p:sp>
+        <p:nvSpPr>
+          <p:cNvPr id="4" name="Subtítulo 2">
+            <a:extLst>
+              <a:ext uri="{FF2B5EF4-FFF2-40B4-BE49-F238E27FC236}">
+                <a16:creationId xmlns:a16="http://schemas.microsoft.com/office/drawing/2014/main" id="{18D1072B-1DC8-4853-8A06-F5B7128CA8B3}"/>
+              </a:ext>
+            </a:extLst>
+          </p:cNvPr>
+          <p:cNvSpPr txBox="1">
+            <a:spLocks/>
+          </p:cNvSpPr>
+          <p:nvPr/>
+        </p:nvSpPr>
+        <p:spPr>
+          <a:xfrm>
+            <a:off x="1443106" y="5805264"/>
+            <a:ext cx="6552728" cy="936104"/>
+          </a:xfrm>
+          <a:prstGeom prst="rect">
+            <a:avLst/>
+          </a:prstGeom>
+        </p:spPr>
+        <p:txBody>
+          <a:bodyPr vert="horz" lIns="91440" tIns="45720" rIns="91440" bIns="45720" rtlCol="0">
+            <a:normAutofit fontScale="92500" lnSpcReduction="10000"/>
+          </a:bodyPr>
+          <a:lstStyle>
+            <a:lvl1pPr marL="0" indent="0" algn="l" defTabSz="685983" rtl="0" eaLnBrk="1" latinLnBrk="0" hangingPunct="1">
+              <a:lnSpc>
+                <a:spcPct val="90000"/>
+              </a:lnSpc>
+              <a:spcBef>
+                <a:spcPts val="0"/>
+              </a:spcBef>
+              <a:buFont typeface="Euphemia" pitchFamily="34" charset="0"/>
+              <a:buNone/>
+              <a:defRPr sz="2401" kern="1200">
+                <a:solidFill>
+                  <a:schemeClr val="tx1"/>
+                </a:solidFill>
+                <a:latin typeface="+mn-lt"/>
+                <a:ea typeface="+mn-ea"/>
+                <a:cs typeface="+mn-cs"/>
+              </a:defRPr>
+            </a:lvl1pPr>
+            <a:lvl2pPr marL="342991" indent="0" algn="ctr" defTabSz="685983" rtl="0" eaLnBrk="1" latinLnBrk="0" hangingPunct="1">
+              <a:lnSpc>
+                <a:spcPct val="90000"/>
+              </a:lnSpc>
+              <a:spcBef>
+                <a:spcPts val="450"/>
+              </a:spcBef>
+              <a:buFont typeface="Euphemia" pitchFamily="34" charset="0"/>
+              <a:buNone/>
+              <a:defRPr sz="1800" kern="1200">
+                <a:solidFill>
+                  <a:schemeClr val="tx1">
+                    <a:tint val="75000"/>
+                  </a:schemeClr>
+                </a:solidFill>
+                <a:latin typeface="+mn-lt"/>
+                <a:ea typeface="+mn-ea"/>
+                <a:cs typeface="+mn-cs"/>
+              </a:defRPr>
+            </a:lvl2pPr>
+            <a:lvl3pPr marL="685983" indent="0" algn="ctr" defTabSz="685983" rtl="0" eaLnBrk="1" latinLnBrk="0" hangingPunct="1">
+              <a:lnSpc>
+                <a:spcPct val="90000"/>
+              </a:lnSpc>
+              <a:spcBef>
+                <a:spcPts val="450"/>
+              </a:spcBef>
+              <a:buFont typeface="Euphemia" pitchFamily="34" charset="0"/>
+              <a:buNone/>
+              <a:defRPr sz="1500" kern="1200">
+                <a:solidFill>
+                  <a:schemeClr val="tx1">
+                    <a:tint val="75000"/>
+                  </a:schemeClr>
+                </a:solidFill>
+                <a:latin typeface="+mn-lt"/>
+                <a:ea typeface="+mn-ea"/>
+                <a:cs typeface="+mn-cs"/>
+              </a:defRPr>
+            </a:lvl3pPr>
+            <a:lvl4pPr marL="1028974" indent="0" algn="ctr" defTabSz="685983" rtl="0" eaLnBrk="1" latinLnBrk="0" hangingPunct="1">
+              <a:lnSpc>
+                <a:spcPct val="90000"/>
+              </a:lnSpc>
+              <a:spcBef>
+                <a:spcPts val="450"/>
+              </a:spcBef>
+              <a:buFont typeface="Arial" pitchFamily="34" charset="0"/>
+              <a:buNone/>
+              <a:defRPr sz="1350" kern="1200">
+                <a:solidFill>
+                  <a:schemeClr val="tx1">
+                    <a:tint val="75000"/>
+                  </a:schemeClr>
+                </a:solidFill>
+                <a:latin typeface="+mn-lt"/>
+                <a:ea typeface="+mn-ea"/>
+                <a:cs typeface="+mn-cs"/>
+              </a:defRPr>
+            </a:lvl4pPr>
+            <a:lvl5pPr marL="1371966" indent="0" algn="ctr" defTabSz="685983" rtl="0" eaLnBrk="1" latinLnBrk="0" hangingPunct="1">
+              <a:lnSpc>
+                <a:spcPct val="90000"/>
+              </a:lnSpc>
+              <a:spcBef>
+                <a:spcPts val="450"/>
+              </a:spcBef>
+              <a:buFont typeface="Euphemia" pitchFamily="34" charset="0"/>
+              <a:buNone/>
+              <a:defRPr sz="1350" kern="1200">
+                <a:solidFill>
+                  <a:schemeClr val="tx1">
+                    <a:tint val="75000"/>
+                  </a:schemeClr>
+                </a:solidFill>
+                <a:latin typeface="+mn-lt"/>
+                <a:ea typeface="+mn-ea"/>
+                <a:cs typeface="+mn-cs"/>
+              </a:defRPr>
+            </a:lvl5pPr>
+            <a:lvl6pPr marL="1714957" indent="0" algn="ctr" defTabSz="685983" rtl="0" eaLnBrk="1" latinLnBrk="0" hangingPunct="1">
+              <a:lnSpc>
+                <a:spcPct val="90000"/>
+              </a:lnSpc>
+              <a:spcBef>
+                <a:spcPts val="450"/>
+              </a:spcBef>
+              <a:buFont typeface="Euphemia" pitchFamily="34" charset="0"/>
+              <a:buNone/>
+              <a:defRPr sz="1350" kern="1200">
+                <a:solidFill>
+                  <a:schemeClr val="tx1">
+                    <a:tint val="75000"/>
+                  </a:schemeClr>
+                </a:solidFill>
+                <a:latin typeface="+mn-lt"/>
+                <a:ea typeface="+mn-ea"/>
+                <a:cs typeface="+mn-cs"/>
+              </a:defRPr>
+            </a:lvl6pPr>
+            <a:lvl7pPr marL="2057949" indent="0" algn="ctr" defTabSz="685983" rtl="0" eaLnBrk="1" latinLnBrk="0" hangingPunct="1">
+              <a:lnSpc>
+                <a:spcPct val="90000"/>
+              </a:lnSpc>
+              <a:spcBef>
+                <a:spcPts val="450"/>
+              </a:spcBef>
+              <a:buFont typeface="Euphemia" pitchFamily="34" charset="0"/>
+              <a:buNone/>
+              <a:defRPr sz="1350" kern="1200">
+                <a:solidFill>
+                  <a:schemeClr val="tx1">
+                    <a:tint val="75000"/>
+                  </a:schemeClr>
+                </a:solidFill>
+                <a:latin typeface="+mn-lt"/>
+                <a:ea typeface="+mn-ea"/>
+                <a:cs typeface="+mn-cs"/>
+              </a:defRPr>
+            </a:lvl7pPr>
+            <a:lvl8pPr marL="2400940" indent="0" algn="ctr" defTabSz="685983" rtl="0" eaLnBrk="1" latinLnBrk="0" hangingPunct="1">
+              <a:lnSpc>
+                <a:spcPct val="90000"/>
+              </a:lnSpc>
+              <a:spcBef>
+                <a:spcPts val="450"/>
+              </a:spcBef>
+              <a:buFont typeface="Euphemia" pitchFamily="34" charset="0"/>
+              <a:buNone/>
+              <a:defRPr sz="1350" kern="1200" baseline="0">
+                <a:solidFill>
+                  <a:schemeClr val="tx1">
+                    <a:tint val="75000"/>
+                  </a:schemeClr>
+                </a:solidFill>
+                <a:latin typeface="+mn-lt"/>
+                <a:ea typeface="+mn-ea"/>
+                <a:cs typeface="+mn-cs"/>
+              </a:defRPr>
+            </a:lvl8pPr>
+            <a:lvl9pPr marL="2743932" indent="0" algn="ctr" defTabSz="685983" rtl="0" eaLnBrk="1" latinLnBrk="0" hangingPunct="1">
+              <a:lnSpc>
+                <a:spcPct val="90000"/>
+              </a:lnSpc>
+              <a:spcBef>
+                <a:spcPts val="450"/>
+              </a:spcBef>
+              <a:buFont typeface="Euphemia" pitchFamily="34" charset="0"/>
+              <a:buNone/>
+              <a:defRPr sz="1350" kern="1200" baseline="0">
+                <a:solidFill>
+                  <a:schemeClr val="tx1">
+                    <a:tint val="75000"/>
+                  </a:schemeClr>
+                </a:solidFill>
+                <a:latin typeface="+mn-lt"/>
+                <a:ea typeface="+mn-ea"/>
+                <a:cs typeface="+mn-cs"/>
+              </a:defRPr>
+            </a:lvl9pPr>
+          </a:lstStyle>
+          <a:p>
+            <a:pPr algn="ctr">
+              <a:lnSpc>
+                <a:spcPct val="130000"/>
+              </a:lnSpc>
+            </a:pPr>
+            <a:r>
+              <a:rPr lang="pt-BR" sz="1600" b="1" dirty="0"/>
+              <a:t>UNIVERSIDADE FEDERAL DE UBERLÂNDIA</a:t>
+            </a:r>
+          </a:p>
+          <a:p>
+            <a:pPr algn="ctr">
+              <a:lnSpc>
+                <a:spcPct val="130000"/>
+              </a:lnSpc>
+            </a:pPr>
+            <a:r>
+              <a:rPr lang="pt-BR" sz="1600" b="1" dirty="0"/>
+              <a:t>FACULDADE DE COMPUTAÇÃO</a:t>
+            </a:r>
+          </a:p>
+          <a:p>
+            <a:pPr algn="ctr">
+              <a:lnSpc>
+                <a:spcPct val="130000"/>
+              </a:lnSpc>
+            </a:pPr>
+            <a:r>
+              <a:rPr lang="pt-BR" sz="1600" b="1" dirty="0"/>
+              <a:t>PROGRAMA DE PÓS-GRADUAÇÃO EM CIÊNCIA DA COMPUTAÇÃO</a:t>
+            </a:r>
           </a:p>
         </p:txBody>
       </p:sp>
@@ -8714,13 +9501,6 @@
       </p:transition>
     </mc:Fallback>
   </mc:AlternateContent>
-  <p:timing>
-    <p:tnLst>
-      <p:par>
-        <p:cTn id="1" dur="indefinite" restart="never" nodeType="tmRoot"/>
-      </p:par>
-    </p:tnLst>
-  </p:timing>
 </p:sld>
 </file>
 
@@ -8758,54 +9538,35 @@
           <a:p>
             <a:pPr rtl="0"/>
             <a:r>
-              <a:rPr lang="pt-BR" b="1" dirty="0" smtClean="0"/>
-              <a:t>COMPARAÇÃO DAS ABORDAGENS</a:t>
-            </a:r>
-            <a:endParaRPr lang="pt-BR" b="1" i="1" dirty="0"/>
-          </a:p>
-        </p:txBody>
-      </p:sp>
-      <p:sp>
-        <p:nvSpPr>
-          <p:cNvPr id="14" name="Espaço reservado para conteúdo 13"/>
-          <p:cNvSpPr>
-            <a:spLocks noGrp="1"/>
-          </p:cNvSpPr>
-          <p:nvPr>
-            <p:ph idx="1"/>
-          </p:nvPr>
-        </p:nvSpPr>
-        <p:spPr/>
-        <p:txBody>
-          <a:bodyPr rtlCol="0"/>
-          <a:lstStyle/>
-          <a:p>
-            <a:pPr rtl="0"/>
-            <a:r>
-              <a:rPr lang="pt-BR" dirty="0" smtClean="0"/>
-              <a:t>Tabelas com destaques de tempo</a:t>
-            </a:r>
-            <a:endParaRPr lang="pt-BR" dirty="0"/>
+              <a:rPr lang="pt-BR" b="1" dirty="0"/>
+              <a:t>COMPARAÇÃO</a:t>
+            </a:r>
           </a:p>
         </p:txBody>
       </p:sp>
       <p:graphicFrame>
         <p:nvGraphicFramePr>
-          <p:cNvPr id="4" name="Espaço reservado para conteúdo 10"/>
+          <p:cNvPr id="9" name="Tabela 8">
+            <a:extLst>
+              <a:ext uri="{FF2B5EF4-FFF2-40B4-BE49-F238E27FC236}">
+                <a16:creationId xmlns:a16="http://schemas.microsoft.com/office/drawing/2014/main" id="{72CE3AB8-C52F-4EA8-BBD2-364E65716825}"/>
+              </a:ext>
+            </a:extLst>
+          </p:cNvPr>
           <p:cNvGraphicFramePr>
-            <a:graphicFrameLocks/>
+            <a:graphicFrameLocks noGrp="1"/>
           </p:cNvGraphicFramePr>
           <p:nvPr>
             <p:extLst>
               <p:ext uri="{D42A27DB-BD31-4B8C-83A1-F6EECF244321}">
-                <p14:modId xmlns:p14="http://schemas.microsoft.com/office/powerpoint/2010/main" val="2690268967"/>
+                <p14:modId xmlns:p14="http://schemas.microsoft.com/office/powerpoint/2010/main" val="3386347667"/>
               </p:ext>
             </p:extLst>
           </p:nvPr>
         </p:nvGraphicFramePr>
         <p:xfrm>
-          <a:off x="2987824" y="2636912"/>
-          <a:ext cx="3612108" cy="1657780"/>
+          <a:off x="1524000" y="1830432"/>
+          <a:ext cx="6096000" cy="4046840"/>
         </p:xfrm>
         <a:graphic>
           <a:graphicData uri="http://schemas.openxmlformats.org/drawingml/2006/table">
@@ -8814,241 +9575,365 @@
                 <a:tableStyleId>{073A0DAA-6AF3-43AB-8588-CEC1D06C72B9}</a:tableStyleId>
               </a:tblPr>
               <a:tblGrid>
-                <a:gridCol w="1204036">
+                <a:gridCol w="2032000">
                   <a:extLst>
                     <a:ext uri="{9D8B030D-6E8A-4147-A177-3AD203B41FA5}">
-                      <a16:colId xmlns:a16="http://schemas.microsoft.com/office/drawing/2014/main" val="20000"/>
+                      <a16:colId xmlns:a16="http://schemas.microsoft.com/office/drawing/2014/main" val="701116430"/>
                     </a:ext>
                   </a:extLst>
                 </a:gridCol>
-                <a:gridCol w="1204036">
+                <a:gridCol w="2032000">
                   <a:extLst>
                     <a:ext uri="{9D8B030D-6E8A-4147-A177-3AD203B41FA5}">
-                      <a16:colId xmlns:a16="http://schemas.microsoft.com/office/drawing/2014/main" val="20001"/>
+                      <a16:colId xmlns:a16="http://schemas.microsoft.com/office/drawing/2014/main" val="3183311733"/>
                     </a:ext>
                   </a:extLst>
                 </a:gridCol>
-                <a:gridCol w="1204036">
+                <a:gridCol w="2032000">
                   <a:extLst>
                     <a:ext uri="{9D8B030D-6E8A-4147-A177-3AD203B41FA5}">
-                      <a16:colId xmlns:a16="http://schemas.microsoft.com/office/drawing/2014/main" val="20002"/>
+                      <a16:colId xmlns:a16="http://schemas.microsoft.com/office/drawing/2014/main" val="3602995047"/>
                     </a:ext>
                   </a:extLst>
                 </a:gridCol>
               </a:tblGrid>
-              <a:tr h="414445">
+              <a:tr h="578120">
                 <a:tc>
                   <a:txBody>
                     <a:bodyPr/>
                     <a:lstStyle/>
                     <a:p>
-                      <a:pPr algn="ctr" rtl="0"/>
+                      <a:pPr algn="ctr"/>
                       <a:r>
-                        <a:rPr lang="pt-BR" sz="1400" noProof="0" dirty="0" smtClean="0"/>
-                        <a:t>N</a:t>
+                        <a:rPr lang="pt-BR" sz="1800" dirty="0"/>
+                        <a:t>TAMANHO</a:t>
                       </a:r>
-                      <a:endParaRPr lang="pt-BR" sz="1400" noProof="0" dirty="0"/>
                     </a:p>
                   </a:txBody>
-                  <a:tcPr marL="68598" marR="68598" marT="34299" marB="34299" anchor="ctr"/>
+                  <a:tcPr anchor="ctr"/>
                 </a:tc>
                 <a:tc>
                   <a:txBody>
                     <a:bodyPr/>
                     <a:lstStyle/>
                     <a:p>
-                      <a:pPr algn="ctr" rtl="0"/>
+                      <a:pPr algn="ctr"/>
                       <a:r>
-                        <a:rPr lang="pt-BR" sz="1400" noProof="0" dirty="0" err="1" smtClean="0"/>
-                        <a:t>Alg</a:t>
+                        <a:rPr lang="pt-BR" sz="1800" dirty="0"/>
+                        <a:t>TRIVIAL</a:t>
                       </a:r>
-                      <a:r>
-                        <a:rPr lang="pt-BR" sz="1400" noProof="0" dirty="0" smtClean="0"/>
-                        <a:t> A</a:t>
-                      </a:r>
-                      <a:endParaRPr lang="pt-BR" sz="1400" noProof="0" dirty="0"/>
                     </a:p>
                   </a:txBody>
-                  <a:tcPr marL="68598" marR="68598" marT="34299" marB="34299" anchor="ctr"/>
+                  <a:tcPr anchor="ctr"/>
                 </a:tc>
                 <a:tc>
                   <a:txBody>
                     <a:bodyPr/>
                     <a:lstStyle/>
                     <a:p>
-                      <a:pPr algn="ctr" rtl="0"/>
+                      <a:pPr algn="ctr"/>
                       <a:r>
-                        <a:rPr lang="pt-BR" sz="1400" noProof="0" dirty="0" err="1" smtClean="0"/>
-                        <a:t>Alg</a:t>
+                        <a:rPr lang="pt-BR" sz="1800" dirty="0"/>
+                        <a:t>MERGE-SORT</a:t>
                       </a:r>
-                      <a:r>
-                        <a:rPr lang="pt-BR" sz="1400" noProof="0" dirty="0" smtClean="0"/>
-                        <a:t> B</a:t>
-                      </a:r>
-                      <a:endParaRPr lang="pt-BR" sz="1400" noProof="0" dirty="0"/>
                     </a:p>
                   </a:txBody>
-                  <a:tcPr marL="68598" marR="68598" marT="34299" marB="34299" anchor="ctr"/>
+                  <a:tcPr anchor="ctr"/>
                 </a:tc>
                 <a:extLst>
                   <a:ext uri="{0D108BD9-81ED-4DB2-BD59-A6C34878D82A}">
-                    <a16:rowId xmlns:a16="http://schemas.microsoft.com/office/drawing/2014/main" val="10000"/>
+                    <a16:rowId xmlns:a16="http://schemas.microsoft.com/office/drawing/2014/main" val="3298045006"/>
                   </a:ext>
                 </a:extLst>
               </a:tr>
-              <a:tr h="414445">
+              <a:tr h="578120">
                 <a:tc>
                   <a:txBody>
                     <a:bodyPr/>
                     <a:lstStyle/>
                     <a:p>
-                      <a:pPr rtl="0"/>
+                      <a:pPr algn="r"/>
                       <a:r>
-                        <a:rPr lang="pt-BR" sz="1400" noProof="0" dirty="0" smtClean="0"/>
-                        <a:t>1000</a:t>
+                        <a:rPr lang="pt-BR" sz="1800" dirty="0"/>
+                        <a:t>10.000</a:t>
                       </a:r>
-                      <a:endParaRPr lang="pt-BR" sz="1400" noProof="0" dirty="0"/>
                     </a:p>
                   </a:txBody>
-                  <a:tcPr marL="68598" marR="68598" marT="34299" marB="34299" anchor="ctr"/>
+                  <a:tcPr anchor="ctr"/>
                 </a:tc>
                 <a:tc>
                   <a:txBody>
                     <a:bodyPr/>
                     <a:lstStyle/>
                     <a:p>
-                      <a:pPr algn="ctr" rtl="0"/>
+                      <a:pPr algn="r"/>
                       <a:r>
-                        <a:rPr lang="pt-BR" sz="1400" noProof="0" dirty="0" smtClean="0"/>
-                        <a:t>82</a:t>
+                        <a:rPr lang="pt-BR" sz="1800" dirty="0"/>
+                        <a:t>0,230</a:t>
                       </a:r>
-                      <a:endParaRPr lang="pt-BR" sz="1400" noProof="0" dirty="0"/>
                     </a:p>
                   </a:txBody>
-                  <a:tcPr marL="68598" marR="68598" marT="34299" marB="34299" anchor="ctr"/>
+                  <a:tcPr anchor="ctr"/>
                 </a:tc>
                 <a:tc>
                   <a:txBody>
                     <a:bodyPr/>
                     <a:lstStyle/>
                     <a:p>
-                      <a:pPr algn="ctr" rtl="0"/>
+                      <a:pPr algn="r"/>
                       <a:r>
-                        <a:rPr lang="pt-BR" sz="1400" noProof="0" dirty="0" smtClean="0"/>
-                        <a:t>95</a:t>
+                        <a:rPr lang="pt-BR" sz="1800" dirty="0"/>
+                        <a:t>0,002</a:t>
                       </a:r>
-                      <a:endParaRPr lang="pt-BR" sz="1400" noProof="0" dirty="0"/>
                     </a:p>
                   </a:txBody>
-                  <a:tcPr marL="68598" marR="68598" marT="34299" marB="34299" anchor="ctr"/>
+                  <a:tcPr anchor="ctr"/>
                 </a:tc>
                 <a:extLst>
                   <a:ext uri="{0D108BD9-81ED-4DB2-BD59-A6C34878D82A}">
-                    <a16:rowId xmlns:a16="http://schemas.microsoft.com/office/drawing/2014/main" val="10001"/>
+                    <a16:rowId xmlns:a16="http://schemas.microsoft.com/office/drawing/2014/main" val="3554967233"/>
                   </a:ext>
                 </a:extLst>
               </a:tr>
-              <a:tr h="414445">
+              <a:tr h="578120">
                 <a:tc>
                   <a:txBody>
                     <a:bodyPr/>
                     <a:lstStyle/>
                     <a:p>
-                      <a:pPr rtl="0"/>
+                      <a:pPr algn="r"/>
                       <a:r>
-                        <a:rPr lang="pt-BR" sz="1400" noProof="0" dirty="0" smtClean="0"/>
-                        <a:t>10000</a:t>
+                        <a:rPr lang="pt-BR" sz="1800" dirty="0"/>
+                        <a:t>100.000</a:t>
                       </a:r>
-                      <a:endParaRPr lang="pt-BR" sz="1400" noProof="0" dirty="0"/>
                     </a:p>
                   </a:txBody>
-                  <a:tcPr marL="68598" marR="68598" marT="34299" marB="34299" anchor="ctr"/>
+                  <a:tcPr anchor="ctr"/>
                 </a:tc>
                 <a:tc>
                   <a:txBody>
                     <a:bodyPr/>
                     <a:lstStyle/>
                     <a:p>
-                      <a:pPr algn="ctr" rtl="0"/>
+                      <a:pPr algn="r"/>
                       <a:r>
-                        <a:rPr lang="pt-BR" sz="1400" noProof="0" dirty="0" smtClean="0"/>
-                        <a:t>76</a:t>
+                        <a:rPr lang="pt-BR" sz="1800" dirty="0"/>
+                        <a:t>21,393</a:t>
                       </a:r>
-                      <a:endParaRPr lang="pt-BR" sz="1400" noProof="0" dirty="0"/>
                     </a:p>
                   </a:txBody>
-                  <a:tcPr marL="68598" marR="68598" marT="34299" marB="34299" anchor="ctr"/>
+                  <a:tcPr anchor="ctr"/>
                 </a:tc>
                 <a:tc>
                   <a:txBody>
                     <a:bodyPr/>
                     <a:lstStyle/>
                     <a:p>
-                      <a:pPr algn="ctr" rtl="0"/>
+                      <a:pPr algn="r"/>
                       <a:r>
-                        <a:rPr lang="pt-BR" sz="1400" noProof="0" dirty="0" smtClean="0"/>
-                        <a:t>88</a:t>
+                        <a:rPr lang="pt-BR" sz="1800" dirty="0"/>
+                        <a:t>0,024</a:t>
                       </a:r>
-                      <a:endParaRPr lang="pt-BR" sz="1400" noProof="0" dirty="0"/>
                     </a:p>
                   </a:txBody>
-                  <a:tcPr marL="68598" marR="68598" marT="34299" marB="34299" anchor="ctr"/>
+                  <a:tcPr anchor="ctr"/>
                 </a:tc>
                 <a:extLst>
                   <a:ext uri="{0D108BD9-81ED-4DB2-BD59-A6C34878D82A}">
-                    <a16:rowId xmlns:a16="http://schemas.microsoft.com/office/drawing/2014/main" val="10002"/>
+                    <a16:rowId xmlns:a16="http://schemas.microsoft.com/office/drawing/2014/main" val="2599079990"/>
                   </a:ext>
                 </a:extLst>
               </a:tr>
-              <a:tr h="414445">
+              <a:tr h="578120">
                 <a:tc>
                   <a:txBody>
                     <a:bodyPr/>
                     <a:lstStyle/>
                     <a:p>
-                      <a:pPr rtl="0"/>
+                      <a:pPr algn="r"/>
                       <a:r>
-                        <a:rPr lang="pt-BR" sz="1400" noProof="0" dirty="0" smtClean="0"/>
-                        <a:t>100000</a:t>
+                        <a:rPr lang="pt-BR" sz="1800" dirty="0"/>
+                        <a:t>500.000</a:t>
                       </a:r>
-                      <a:endParaRPr lang="pt-BR" sz="1400" noProof="0" dirty="0"/>
                     </a:p>
                   </a:txBody>
-                  <a:tcPr marL="68598" marR="68598" marT="34299" marB="34299" anchor="ctr"/>
+                  <a:tcPr anchor="ctr"/>
                 </a:tc>
                 <a:tc>
                   <a:txBody>
                     <a:bodyPr/>
                     <a:lstStyle/>
                     <a:p>
-                      <a:pPr algn="ctr" rtl="0"/>
+                      <a:pPr algn="r"/>
                       <a:r>
-                        <a:rPr lang="pt-BR" sz="1400" noProof="0" dirty="0" smtClean="0"/>
-                        <a:t>84</a:t>
+                        <a:rPr lang="pt-BR" sz="1800" dirty="0"/>
+                        <a:t>533,033</a:t>
                       </a:r>
-                      <a:endParaRPr lang="pt-BR" sz="1400" noProof="0" dirty="0"/>
                     </a:p>
                   </a:txBody>
-                  <a:tcPr marL="68598" marR="68598" marT="34299" marB="34299" anchor="ctr"/>
+                  <a:tcPr anchor="ctr"/>
                 </a:tc>
                 <a:tc>
                   <a:txBody>
                     <a:bodyPr/>
                     <a:lstStyle/>
                     <a:p>
-                      <a:pPr algn="ctr" rtl="0"/>
+                      <a:pPr algn="r"/>
                       <a:r>
-                        <a:rPr lang="pt-BR" sz="1400" noProof="0" dirty="0" smtClean="0"/>
-                        <a:t>90</a:t>
+                        <a:rPr lang="pt-BR" sz="1800" dirty="0"/>
+                        <a:t>0,134</a:t>
                       </a:r>
-                      <a:endParaRPr lang="pt-BR" sz="1400" noProof="0" dirty="0"/>
                     </a:p>
                   </a:txBody>
-                  <a:tcPr marL="68598" marR="68598" marT="34299" marB="34299" anchor="ctr"/>
+                  <a:tcPr anchor="ctr"/>
                 </a:tc>
                 <a:extLst>
                   <a:ext uri="{0D108BD9-81ED-4DB2-BD59-A6C34878D82A}">
-                    <a16:rowId xmlns:a16="http://schemas.microsoft.com/office/drawing/2014/main" val="10003"/>
+                    <a16:rowId xmlns:a16="http://schemas.microsoft.com/office/drawing/2014/main" val="1619677728"/>
+                  </a:ext>
+                </a:extLst>
+              </a:tr>
+              <a:tr h="578120">
+                <a:tc>
+                  <a:txBody>
+                    <a:bodyPr/>
+                    <a:lstStyle/>
+                    <a:p>
+                      <a:pPr algn="r"/>
+                      <a:r>
+                        <a:rPr lang="pt-BR" sz="1800" dirty="0"/>
+                        <a:t>1.000.000</a:t>
+                      </a:r>
+                    </a:p>
+                  </a:txBody>
+                  <a:tcPr anchor="ctr"/>
+                </a:tc>
+                <a:tc>
+                  <a:txBody>
+                    <a:bodyPr/>
+                    <a:lstStyle/>
+                    <a:p>
+                      <a:pPr algn="r"/>
+                      <a:r>
+                        <a:rPr lang="pt-BR" sz="1800" dirty="0"/>
+                        <a:t>2.124,178</a:t>
+                      </a:r>
+                    </a:p>
+                  </a:txBody>
+                  <a:tcPr anchor="ctr"/>
+                </a:tc>
+                <a:tc>
+                  <a:txBody>
+                    <a:bodyPr/>
+                    <a:lstStyle/>
+                    <a:p>
+                      <a:pPr algn="r"/>
+                      <a:r>
+                        <a:rPr lang="pt-BR" sz="1800" dirty="0"/>
+                        <a:t>0,274</a:t>
+                      </a:r>
+                    </a:p>
+                  </a:txBody>
+                  <a:tcPr anchor="ctr"/>
+                </a:tc>
+                <a:extLst>
+                  <a:ext uri="{0D108BD9-81ED-4DB2-BD59-A6C34878D82A}">
+                    <a16:rowId xmlns:a16="http://schemas.microsoft.com/office/drawing/2014/main" val="3571592279"/>
+                  </a:ext>
+                </a:extLst>
+              </a:tr>
+              <a:tr h="578120">
+                <a:tc>
+                  <a:txBody>
+                    <a:bodyPr/>
+                    <a:lstStyle/>
+                    <a:p>
+                      <a:pPr algn="r"/>
+                      <a:r>
+                        <a:rPr lang="pt-BR" sz="1800" dirty="0"/>
+                        <a:t>2.000.000</a:t>
+                      </a:r>
+                    </a:p>
+                  </a:txBody>
+                  <a:tcPr anchor="ctr"/>
+                </a:tc>
+                <a:tc>
+                  <a:txBody>
+                    <a:bodyPr/>
+                    <a:lstStyle/>
+                    <a:p>
+                      <a:pPr algn="r"/>
+                      <a:r>
+                        <a:rPr lang="pt-BR" sz="1800" dirty="0"/>
+                        <a:t>8.550,610</a:t>
+                      </a:r>
+                    </a:p>
+                  </a:txBody>
+                  <a:tcPr anchor="ctr"/>
+                </a:tc>
+                <a:tc>
+                  <a:txBody>
+                    <a:bodyPr/>
+                    <a:lstStyle/>
+                    <a:p>
+                      <a:pPr algn="r"/>
+                      <a:r>
+                        <a:rPr lang="pt-BR" sz="1800" dirty="0"/>
+                        <a:t>0,580</a:t>
+                      </a:r>
+                    </a:p>
+                  </a:txBody>
+                  <a:tcPr anchor="ctr"/>
+                </a:tc>
+                <a:extLst>
+                  <a:ext uri="{0D108BD9-81ED-4DB2-BD59-A6C34878D82A}">
+                    <a16:rowId xmlns:a16="http://schemas.microsoft.com/office/drawing/2014/main" val="238451376"/>
+                  </a:ext>
+                </a:extLst>
+              </a:tr>
+              <a:tr h="578120">
+                <a:tc>
+                  <a:txBody>
+                    <a:bodyPr/>
+                    <a:lstStyle/>
+                    <a:p>
+                      <a:pPr algn="r"/>
+                      <a:r>
+                        <a:rPr lang="pt-BR" sz="1800" dirty="0"/>
+                        <a:t>480.000.000</a:t>
+                      </a:r>
+                    </a:p>
+                  </a:txBody>
+                  <a:tcPr anchor="ctr"/>
+                </a:tc>
+                <a:tc>
+                  <a:txBody>
+                    <a:bodyPr/>
+                    <a:lstStyle/>
+                    <a:p>
+                      <a:pPr algn="r"/>
+                      <a:endParaRPr lang="pt-BR" sz="1800" dirty="0"/>
+                    </a:p>
+                  </a:txBody>
+                  <a:tcPr anchor="ctr"/>
+                </a:tc>
+                <a:tc>
+                  <a:txBody>
+                    <a:bodyPr/>
+                    <a:lstStyle/>
+                    <a:p>
+                      <a:pPr algn="r"/>
+                      <a:r>
+                        <a:rPr lang="pt-BR" sz="1800" dirty="0"/>
+                        <a:t>209,823</a:t>
+                      </a:r>
+                    </a:p>
+                  </a:txBody>
+                  <a:tcPr anchor="ctr"/>
+                </a:tc>
+                <a:extLst>
+                  <a:ext uri="{0D108BD9-81ED-4DB2-BD59-A6C34878D82A}">
+                    <a16:rowId xmlns:a16="http://schemas.microsoft.com/office/drawing/2014/main" val="3940010343"/>
                   </a:ext>
                 </a:extLst>
               </a:tr>
@@ -9056,6 +9941,41 @@
           </a:graphicData>
         </a:graphic>
       </p:graphicFrame>
+      <p:sp>
+        <p:nvSpPr>
+          <p:cNvPr id="10" name="CaixaDeTexto 9">
+            <a:extLst>
+              <a:ext uri="{FF2B5EF4-FFF2-40B4-BE49-F238E27FC236}">
+                <a16:creationId xmlns:a16="http://schemas.microsoft.com/office/drawing/2014/main" id="{F4BEC61D-C6F1-455C-8DE7-28ECACA958C3}"/>
+              </a:ext>
+            </a:extLst>
+          </p:cNvPr>
+          <p:cNvSpPr txBox="1"/>
+          <p:nvPr/>
+        </p:nvSpPr>
+        <p:spPr>
+          <a:xfrm>
+            <a:off x="3563888" y="6105400"/>
+            <a:ext cx="2370392" cy="369332"/>
+          </a:xfrm>
+          <a:prstGeom prst="rect">
+            <a:avLst/>
+          </a:prstGeom>
+          <a:noFill/>
+        </p:spPr>
+        <p:txBody>
+          <a:bodyPr wrap="none" rtlCol="0">
+            <a:spAutoFit/>
+          </a:bodyPr>
+          <a:lstStyle/>
+          <a:p>
+            <a:r>
+              <a:rPr lang="pt-BR" dirty="0"/>
+              <a:t>Tempo em segundos</a:t>
+            </a:r>
+          </a:p>
+        </p:txBody>
+      </p:sp>
     </p:spTree>
     <p:extLst>
       <p:ext uri="{BB962C8B-B14F-4D97-AF65-F5344CB8AC3E}">
@@ -9078,13 +9998,6 @@
       </p:transition>
     </mc:Fallback>
   </mc:AlternateContent>
-  <p:timing>
-    <p:tnLst>
-      <p:par>
-        <p:cTn id="1" dur="indefinite" restart="never" nodeType="tmRoot"/>
-      </p:par>
-    </p:tnLst>
-  </p:timing>
 </p:sld>
 </file>
 
@@ -9122,34 +10035,9 @@
           <a:p>
             <a:pPr rtl="0"/>
             <a:r>
-              <a:rPr lang="pt-BR" b="1" dirty="0" smtClean="0"/>
-              <a:t>COMPARAÇÃO DAS ABORDAGENS</a:t>
-            </a:r>
-            <a:endParaRPr lang="pt-BR" b="1" i="1" dirty="0"/>
-          </a:p>
-        </p:txBody>
-      </p:sp>
-      <p:sp>
-        <p:nvSpPr>
-          <p:cNvPr id="14" name="Espaço reservado para conteúdo 13"/>
-          <p:cNvSpPr>
-            <a:spLocks noGrp="1"/>
-          </p:cNvSpPr>
-          <p:nvPr>
-            <p:ph idx="1"/>
-          </p:nvPr>
-        </p:nvSpPr>
-        <p:spPr/>
-        <p:txBody>
-          <a:bodyPr rtlCol="0"/>
-          <a:lstStyle/>
-          <a:p>
-            <a:pPr rtl="0"/>
-            <a:r>
-              <a:rPr lang="pt-BR" dirty="0" smtClean="0"/>
-              <a:t>Gráfico de curvas</a:t>
-            </a:r>
-            <a:endParaRPr lang="pt-BR" dirty="0"/>
+              <a:rPr lang="pt-BR" b="1" dirty="0"/>
+              <a:t>COMPARAÇÃO</a:t>
+            </a:r>
           </a:p>
         </p:txBody>
       </p:sp>
@@ -9162,14 +10050,14 @@
           <p:nvPr>
             <p:extLst>
               <p:ext uri="{D42A27DB-BD31-4B8C-83A1-F6EECF244321}">
-                <p14:modId xmlns:p14="http://schemas.microsoft.com/office/powerpoint/2010/main" val="2854999688"/>
+                <p14:modId xmlns:p14="http://schemas.microsoft.com/office/powerpoint/2010/main" val="666269372"/>
               </p:ext>
             </p:extLst>
           </p:nvPr>
         </p:nvGraphicFramePr>
         <p:xfrm>
-          <a:off x="1195700" y="2057043"/>
-          <a:ext cx="7338542" cy="3429893"/>
+          <a:off x="683568" y="764704"/>
+          <a:ext cx="7850674" cy="5760641"/>
         </p:xfrm>
         <a:graphic>
           <a:graphicData uri="http://schemas.openxmlformats.org/drawingml/2006/chart">
@@ -9199,13 +10087,6 @@
       </p:transition>
     </mc:Fallback>
   </mc:AlternateContent>
-  <p:timing>
-    <p:tnLst>
-      <p:par>
-        <p:cTn id="1" dur="indefinite" restart="never" nodeType="tmRoot"/>
-      </p:par>
-    </p:tnLst>
-  </p:timing>
 </p:sld>
 </file>
 
@@ -9243,7 +10124,7 @@
           <a:p>
             <a:pPr rtl="0"/>
             <a:r>
-              <a:rPr lang="pt-BR" b="1" dirty="0" smtClean="0"/>
+              <a:rPr lang="pt-BR" b="1" dirty="0"/>
               <a:t>ALGORTIMO O(n)</a:t>
             </a:r>
             <a:endParaRPr lang="pt-BR" b="1" i="1" dirty="0"/>
@@ -9267,10 +10148,9 @@
           <a:p>
             <a:pPr rtl="0"/>
             <a:r>
-              <a:rPr lang="pt-BR" dirty="0" smtClean="0"/>
+              <a:rPr lang="pt-BR" dirty="0"/>
               <a:t>Verificar se tem essa solução</a:t>
             </a:r>
-            <a:endParaRPr lang="pt-BR" dirty="0"/>
           </a:p>
         </p:txBody>
       </p:sp>
@@ -9296,13 +10176,6 @@
       </p:transition>
     </mc:Fallback>
   </mc:AlternateContent>
-  <p:timing>
-    <p:tnLst>
-      <p:par>
-        <p:cTn id="1" dur="indefinite" restart="never" nodeType="tmRoot"/>
-      </p:par>
-    </p:tnLst>
-  </p:timing>
 </p:sld>
 </file>
 
@@ -9340,10 +10213,9 @@
           <a:p>
             <a:pPr rtl="0"/>
             <a:r>
-              <a:rPr lang="pt-BR" b="1" dirty="0" smtClean="0"/>
+              <a:rPr lang="pt-BR" b="1" dirty="0"/>
               <a:t>O PROBLEMA</a:t>
             </a:r>
-            <a:endParaRPr lang="pt-BR" b="1" dirty="0"/>
           </a:p>
         </p:txBody>
       </p:sp>
@@ -9357,17 +10229,668 @@
             <p:ph idx="1"/>
           </p:nvPr>
         </p:nvSpPr>
-        <p:spPr/>
+        <p:spPr>
+          <a:xfrm>
+            <a:off x="1195389" y="1600200"/>
+            <a:ext cx="7339012" cy="1036712"/>
+          </a:xfrm>
+        </p:spPr>
         <p:txBody>
           <a:bodyPr rtlCol="0"/>
           <a:lstStyle/>
           <a:p>
             <a:pPr rtl="0"/>
             <a:r>
-              <a:rPr lang="pt-BR" dirty="0" smtClean="0"/>
-              <a:t>Determinar, para cada elemento, o número de ocorrências em uma sequência</a:t>
-            </a:r>
+              <a:rPr lang="pt-BR" dirty="0"/>
+              <a:t>Contar, para cada elemento, o número de ocorrências em uma sequência</a:t>
+            </a:r>
+          </a:p>
+          <a:p>
+            <a:pPr marL="0" indent="0" rtl="0">
+              <a:buNone/>
+            </a:pPr>
             <a:endParaRPr lang="pt-BR" dirty="0"/>
+          </a:p>
+        </p:txBody>
+      </p:sp>
+      <p:grpSp>
+        <p:nvGrpSpPr>
+          <p:cNvPr id="4" name="Agrupar 3">
+            <a:extLst>
+              <a:ext uri="{FF2B5EF4-FFF2-40B4-BE49-F238E27FC236}">
+                <a16:creationId xmlns:a16="http://schemas.microsoft.com/office/drawing/2014/main" id="{01F5DD2E-4BB8-40CA-9B71-43C10DCC5F48}"/>
+              </a:ext>
+            </a:extLst>
+          </p:cNvPr>
+          <p:cNvGrpSpPr/>
+          <p:nvPr/>
+        </p:nvGrpSpPr>
+        <p:grpSpPr>
+          <a:xfrm>
+            <a:off x="2222354" y="3429000"/>
+            <a:ext cx="6293303" cy="576064"/>
+            <a:chOff x="1231025" y="2924944"/>
+            <a:chExt cx="6910789" cy="792088"/>
+          </a:xfrm>
+        </p:grpSpPr>
+        <p:sp>
+          <p:nvSpPr>
+            <p:cNvPr id="2" name="Retângulo 1">
+              <a:extLst>
+                <a:ext uri="{FF2B5EF4-FFF2-40B4-BE49-F238E27FC236}">
+                  <a16:creationId xmlns:a16="http://schemas.microsoft.com/office/drawing/2014/main" id="{7AF4F662-70B9-4A91-97D1-C53429CF3247}"/>
+                </a:ext>
+              </a:extLst>
+            </p:cNvPr>
+            <p:cNvSpPr/>
+            <p:nvPr/>
+          </p:nvSpPr>
+          <p:spPr>
+            <a:xfrm>
+              <a:off x="1231025" y="2924944"/>
+              <a:ext cx="864096" cy="792088"/>
+            </a:xfrm>
+            <a:prstGeom prst="rect">
+              <a:avLst/>
+            </a:prstGeom>
+            <a:solidFill>
+              <a:schemeClr val="accent1">
+                <a:lumMod val="40000"/>
+                <a:lumOff val="60000"/>
+              </a:schemeClr>
+            </a:solidFill>
+            <a:ln w="28575">
+              <a:solidFill>
+                <a:schemeClr val="tx2"/>
+              </a:solidFill>
+            </a:ln>
+          </p:spPr>
+          <p:style>
+            <a:lnRef idx="2">
+              <a:schemeClr val="accent1">
+                <a:shade val="50000"/>
+              </a:schemeClr>
+            </a:lnRef>
+            <a:fillRef idx="1">
+              <a:schemeClr val="accent1"/>
+            </a:fillRef>
+            <a:effectRef idx="0">
+              <a:schemeClr val="accent1"/>
+            </a:effectRef>
+            <a:fontRef idx="minor">
+              <a:schemeClr val="lt1"/>
+            </a:fontRef>
+          </p:style>
+          <p:txBody>
+            <a:bodyPr rtlCol="0" anchor="ctr"/>
+            <a:lstStyle/>
+            <a:p>
+              <a:pPr algn="ctr"/>
+              <a:r>
+                <a:rPr lang="pt-BR" dirty="0">
+                  <a:solidFill>
+                    <a:srgbClr val="0000FF"/>
+                  </a:solidFill>
+                </a:rPr>
+                <a:t>2</a:t>
+              </a:r>
+            </a:p>
+          </p:txBody>
+        </p:sp>
+        <p:sp>
+          <p:nvSpPr>
+            <p:cNvPr id="5" name="Retângulo 4">
+              <a:extLst>
+                <a:ext uri="{FF2B5EF4-FFF2-40B4-BE49-F238E27FC236}">
+                  <a16:creationId xmlns:a16="http://schemas.microsoft.com/office/drawing/2014/main" id="{5EE915CD-3679-4F8F-BD72-C0862612D430}"/>
+                </a:ext>
+              </a:extLst>
+            </p:cNvPr>
+            <p:cNvSpPr/>
+            <p:nvPr/>
+          </p:nvSpPr>
+          <p:spPr>
+            <a:xfrm>
+              <a:off x="2095121" y="2924944"/>
+              <a:ext cx="864096" cy="792088"/>
+            </a:xfrm>
+            <a:prstGeom prst="rect">
+              <a:avLst/>
+            </a:prstGeom>
+            <a:noFill/>
+            <a:ln w="28575">
+              <a:solidFill>
+                <a:schemeClr val="tx2"/>
+              </a:solidFill>
+            </a:ln>
+          </p:spPr>
+          <p:style>
+            <a:lnRef idx="2">
+              <a:schemeClr val="accent1">
+                <a:shade val="50000"/>
+              </a:schemeClr>
+            </a:lnRef>
+            <a:fillRef idx="1">
+              <a:schemeClr val="accent1"/>
+            </a:fillRef>
+            <a:effectRef idx="0">
+              <a:schemeClr val="accent1"/>
+            </a:effectRef>
+            <a:fontRef idx="minor">
+              <a:schemeClr val="lt1"/>
+            </a:fontRef>
+          </p:style>
+          <p:txBody>
+            <a:bodyPr rtlCol="0" anchor="ctr"/>
+            <a:lstStyle/>
+            <a:p>
+              <a:pPr algn="ctr"/>
+              <a:r>
+                <a:rPr lang="pt-BR" dirty="0">
+                  <a:solidFill>
+                    <a:srgbClr val="0000FF"/>
+                  </a:solidFill>
+                </a:rPr>
+                <a:t>4</a:t>
+              </a:r>
+            </a:p>
+          </p:txBody>
+        </p:sp>
+        <p:sp>
+          <p:nvSpPr>
+            <p:cNvPr id="6" name="Retângulo 5">
+              <a:extLst>
+                <a:ext uri="{FF2B5EF4-FFF2-40B4-BE49-F238E27FC236}">
+                  <a16:creationId xmlns:a16="http://schemas.microsoft.com/office/drawing/2014/main" id="{86BB63F9-ACF0-4647-BD0E-FA8AB58E56B9}"/>
+                </a:ext>
+              </a:extLst>
+            </p:cNvPr>
+            <p:cNvSpPr/>
+            <p:nvPr/>
+          </p:nvSpPr>
+          <p:spPr>
+            <a:xfrm>
+              <a:off x="2957238" y="2924944"/>
+              <a:ext cx="864096" cy="792088"/>
+            </a:xfrm>
+            <a:prstGeom prst="rect">
+              <a:avLst/>
+            </a:prstGeom>
+            <a:noFill/>
+            <a:ln w="28575">
+              <a:solidFill>
+                <a:schemeClr val="tx2"/>
+              </a:solidFill>
+            </a:ln>
+          </p:spPr>
+          <p:style>
+            <a:lnRef idx="2">
+              <a:schemeClr val="accent1">
+                <a:shade val="50000"/>
+              </a:schemeClr>
+            </a:lnRef>
+            <a:fillRef idx="1">
+              <a:schemeClr val="accent1"/>
+            </a:fillRef>
+            <a:effectRef idx="0">
+              <a:schemeClr val="accent1"/>
+            </a:effectRef>
+            <a:fontRef idx="minor">
+              <a:schemeClr val="lt1"/>
+            </a:fontRef>
+          </p:style>
+          <p:txBody>
+            <a:bodyPr rtlCol="0" anchor="ctr"/>
+            <a:lstStyle/>
+            <a:p>
+              <a:pPr algn="ctr"/>
+              <a:r>
+                <a:rPr lang="pt-BR" dirty="0">
+                  <a:solidFill>
+                    <a:srgbClr val="0000FF"/>
+                  </a:solidFill>
+                </a:rPr>
+                <a:t>1</a:t>
+              </a:r>
+            </a:p>
+          </p:txBody>
+        </p:sp>
+        <p:sp>
+          <p:nvSpPr>
+            <p:cNvPr id="7" name="Retângulo 6">
+              <a:extLst>
+                <a:ext uri="{FF2B5EF4-FFF2-40B4-BE49-F238E27FC236}">
+                  <a16:creationId xmlns:a16="http://schemas.microsoft.com/office/drawing/2014/main" id="{64B886DF-5814-441F-8E5A-5F0A68EBC6B3}"/>
+                </a:ext>
+              </a:extLst>
+            </p:cNvPr>
+            <p:cNvSpPr/>
+            <p:nvPr/>
+          </p:nvSpPr>
+          <p:spPr>
+            <a:xfrm>
+              <a:off x="3821334" y="2924944"/>
+              <a:ext cx="864096" cy="792088"/>
+            </a:xfrm>
+            <a:prstGeom prst="rect">
+              <a:avLst/>
+            </a:prstGeom>
+            <a:noFill/>
+            <a:ln w="28575">
+              <a:solidFill>
+                <a:schemeClr val="tx2"/>
+              </a:solidFill>
+            </a:ln>
+          </p:spPr>
+          <p:style>
+            <a:lnRef idx="2">
+              <a:schemeClr val="accent1">
+                <a:shade val="50000"/>
+              </a:schemeClr>
+            </a:lnRef>
+            <a:fillRef idx="1">
+              <a:schemeClr val="accent1"/>
+            </a:fillRef>
+            <a:effectRef idx="0">
+              <a:schemeClr val="accent1"/>
+            </a:effectRef>
+            <a:fontRef idx="minor">
+              <a:schemeClr val="lt1"/>
+            </a:fontRef>
+          </p:style>
+          <p:txBody>
+            <a:bodyPr rtlCol="0" anchor="ctr"/>
+            <a:lstStyle/>
+            <a:p>
+              <a:pPr algn="ctr"/>
+              <a:r>
+                <a:rPr lang="pt-BR" dirty="0">
+                  <a:solidFill>
+                    <a:srgbClr val="0000FF"/>
+                  </a:solidFill>
+                </a:rPr>
+                <a:t>4</a:t>
+              </a:r>
+            </a:p>
+          </p:txBody>
+        </p:sp>
+        <p:sp>
+          <p:nvSpPr>
+            <p:cNvPr id="8" name="Retângulo 7">
+              <a:extLst>
+                <a:ext uri="{FF2B5EF4-FFF2-40B4-BE49-F238E27FC236}">
+                  <a16:creationId xmlns:a16="http://schemas.microsoft.com/office/drawing/2014/main" id="{06520A91-FAFB-4270-A7E7-28BB4F3E1CEF}"/>
+                </a:ext>
+              </a:extLst>
+            </p:cNvPr>
+            <p:cNvSpPr/>
+            <p:nvPr/>
+          </p:nvSpPr>
+          <p:spPr>
+            <a:xfrm>
+              <a:off x="4685430" y="2924944"/>
+              <a:ext cx="864096" cy="792088"/>
+            </a:xfrm>
+            <a:prstGeom prst="rect">
+              <a:avLst/>
+            </a:prstGeom>
+            <a:noFill/>
+            <a:ln w="28575">
+              <a:solidFill>
+                <a:schemeClr val="tx2"/>
+              </a:solidFill>
+            </a:ln>
+          </p:spPr>
+          <p:style>
+            <a:lnRef idx="2">
+              <a:schemeClr val="accent1">
+                <a:shade val="50000"/>
+              </a:schemeClr>
+            </a:lnRef>
+            <a:fillRef idx="1">
+              <a:schemeClr val="accent1"/>
+            </a:fillRef>
+            <a:effectRef idx="0">
+              <a:schemeClr val="accent1"/>
+            </a:effectRef>
+            <a:fontRef idx="minor">
+              <a:schemeClr val="lt1"/>
+            </a:fontRef>
+          </p:style>
+          <p:txBody>
+            <a:bodyPr rtlCol="0" anchor="ctr"/>
+            <a:lstStyle/>
+            <a:p>
+              <a:pPr algn="ctr"/>
+              <a:r>
+                <a:rPr lang="pt-BR" dirty="0">
+                  <a:solidFill>
+                    <a:srgbClr val="0000FF"/>
+                  </a:solidFill>
+                </a:rPr>
+                <a:t>7</a:t>
+              </a:r>
+            </a:p>
+          </p:txBody>
+        </p:sp>
+        <p:sp>
+          <p:nvSpPr>
+            <p:cNvPr id="9" name="Retângulo 8">
+              <a:extLst>
+                <a:ext uri="{FF2B5EF4-FFF2-40B4-BE49-F238E27FC236}">
+                  <a16:creationId xmlns:a16="http://schemas.microsoft.com/office/drawing/2014/main" id="{9B51F5CB-CE89-4950-BD12-130F95A5025E}"/>
+                </a:ext>
+              </a:extLst>
+            </p:cNvPr>
+            <p:cNvSpPr/>
+            <p:nvPr/>
+          </p:nvSpPr>
+          <p:spPr>
+            <a:xfrm>
+              <a:off x="5549526" y="2924944"/>
+              <a:ext cx="864096" cy="792088"/>
+            </a:xfrm>
+            <a:prstGeom prst="rect">
+              <a:avLst/>
+            </a:prstGeom>
+            <a:solidFill>
+              <a:schemeClr val="accent1">
+                <a:lumMod val="40000"/>
+                <a:lumOff val="60000"/>
+              </a:schemeClr>
+            </a:solidFill>
+            <a:ln w="28575">
+              <a:solidFill>
+                <a:schemeClr val="tx2"/>
+              </a:solidFill>
+            </a:ln>
+          </p:spPr>
+          <p:style>
+            <a:lnRef idx="2">
+              <a:schemeClr val="accent1">
+                <a:shade val="50000"/>
+              </a:schemeClr>
+            </a:lnRef>
+            <a:fillRef idx="1">
+              <a:schemeClr val="accent1"/>
+            </a:fillRef>
+            <a:effectRef idx="0">
+              <a:schemeClr val="accent1"/>
+            </a:effectRef>
+            <a:fontRef idx="minor">
+              <a:schemeClr val="lt1"/>
+            </a:fontRef>
+          </p:style>
+          <p:txBody>
+            <a:bodyPr rtlCol="0" anchor="ctr"/>
+            <a:lstStyle/>
+            <a:p>
+              <a:pPr algn="ctr"/>
+              <a:r>
+                <a:rPr lang="pt-BR" dirty="0">
+                  <a:solidFill>
+                    <a:srgbClr val="0000FF"/>
+                  </a:solidFill>
+                </a:rPr>
+                <a:t>2</a:t>
+              </a:r>
+            </a:p>
+          </p:txBody>
+        </p:sp>
+        <p:sp>
+          <p:nvSpPr>
+            <p:cNvPr id="10" name="Retângulo 9">
+              <a:extLst>
+                <a:ext uri="{FF2B5EF4-FFF2-40B4-BE49-F238E27FC236}">
+                  <a16:creationId xmlns:a16="http://schemas.microsoft.com/office/drawing/2014/main" id="{85A2B6ED-9C15-42AD-86FE-87AA7BC41EBB}"/>
+                </a:ext>
+              </a:extLst>
+            </p:cNvPr>
+            <p:cNvSpPr/>
+            <p:nvPr/>
+          </p:nvSpPr>
+          <p:spPr>
+            <a:xfrm>
+              <a:off x="6413622" y="2924944"/>
+              <a:ext cx="864096" cy="792088"/>
+            </a:xfrm>
+            <a:prstGeom prst="rect">
+              <a:avLst/>
+            </a:prstGeom>
+            <a:noFill/>
+            <a:ln w="28575">
+              <a:solidFill>
+                <a:schemeClr val="tx2"/>
+              </a:solidFill>
+            </a:ln>
+          </p:spPr>
+          <p:style>
+            <a:lnRef idx="2">
+              <a:schemeClr val="accent1">
+                <a:shade val="50000"/>
+              </a:schemeClr>
+            </a:lnRef>
+            <a:fillRef idx="1">
+              <a:schemeClr val="accent1"/>
+            </a:fillRef>
+            <a:effectRef idx="0">
+              <a:schemeClr val="accent1"/>
+            </a:effectRef>
+            <a:fontRef idx="minor">
+              <a:schemeClr val="lt1"/>
+            </a:fontRef>
+          </p:style>
+          <p:txBody>
+            <a:bodyPr rtlCol="0" anchor="ctr"/>
+            <a:lstStyle/>
+            <a:p>
+              <a:pPr algn="ctr"/>
+              <a:r>
+                <a:rPr lang="pt-BR" dirty="0">
+                  <a:solidFill>
+                    <a:srgbClr val="0000FF"/>
+                  </a:solidFill>
+                </a:rPr>
+                <a:t>8</a:t>
+              </a:r>
+            </a:p>
+          </p:txBody>
+        </p:sp>
+        <p:sp>
+          <p:nvSpPr>
+            <p:cNvPr id="11" name="Retângulo 10">
+              <a:extLst>
+                <a:ext uri="{FF2B5EF4-FFF2-40B4-BE49-F238E27FC236}">
+                  <a16:creationId xmlns:a16="http://schemas.microsoft.com/office/drawing/2014/main" id="{67ADFB12-C761-4CE7-BF2A-64FDA9365A46}"/>
+                </a:ext>
+              </a:extLst>
+            </p:cNvPr>
+            <p:cNvSpPr/>
+            <p:nvPr/>
+          </p:nvSpPr>
+          <p:spPr>
+            <a:xfrm>
+              <a:off x="7277718" y="2924944"/>
+              <a:ext cx="864096" cy="792088"/>
+            </a:xfrm>
+            <a:prstGeom prst="rect">
+              <a:avLst/>
+            </a:prstGeom>
+            <a:solidFill>
+              <a:schemeClr val="accent1">
+                <a:lumMod val="40000"/>
+                <a:lumOff val="60000"/>
+              </a:schemeClr>
+            </a:solidFill>
+            <a:ln w="28575">
+              <a:solidFill>
+                <a:schemeClr val="tx2"/>
+              </a:solidFill>
+            </a:ln>
+          </p:spPr>
+          <p:style>
+            <a:lnRef idx="2">
+              <a:schemeClr val="accent1">
+                <a:shade val="50000"/>
+              </a:schemeClr>
+            </a:lnRef>
+            <a:fillRef idx="1">
+              <a:schemeClr val="accent1"/>
+            </a:fillRef>
+            <a:effectRef idx="0">
+              <a:schemeClr val="accent1"/>
+            </a:effectRef>
+            <a:fontRef idx="minor">
+              <a:schemeClr val="lt1"/>
+            </a:fontRef>
+          </p:style>
+          <p:txBody>
+            <a:bodyPr rtlCol="0" anchor="ctr"/>
+            <a:lstStyle/>
+            <a:p>
+              <a:pPr algn="ctr"/>
+              <a:r>
+                <a:rPr lang="pt-BR" dirty="0">
+                  <a:solidFill>
+                    <a:srgbClr val="0000FF"/>
+                  </a:solidFill>
+                </a:rPr>
+                <a:t>2</a:t>
+              </a:r>
+            </a:p>
+          </p:txBody>
+        </p:sp>
+      </p:grpSp>
+      <p:sp>
+        <p:nvSpPr>
+          <p:cNvPr id="12" name="CaixaDeTexto 11">
+            <a:extLst>
+              <a:ext uri="{FF2B5EF4-FFF2-40B4-BE49-F238E27FC236}">
+                <a16:creationId xmlns:a16="http://schemas.microsoft.com/office/drawing/2014/main" id="{047A29C5-EBD2-4D45-968B-AD0C43F63B2D}"/>
+              </a:ext>
+            </a:extLst>
+          </p:cNvPr>
+          <p:cNvSpPr txBox="1"/>
+          <p:nvPr/>
+        </p:nvSpPr>
+        <p:spPr>
+          <a:xfrm>
+            <a:off x="1533250" y="3393866"/>
+            <a:ext cx="473206" cy="646331"/>
+          </a:xfrm>
+          <a:prstGeom prst="rect">
+            <a:avLst/>
+          </a:prstGeom>
+          <a:noFill/>
+        </p:spPr>
+        <p:txBody>
+          <a:bodyPr wrap="none" rtlCol="0">
+            <a:spAutoFit/>
+          </a:bodyPr>
+          <a:lstStyle/>
+          <a:p>
+            <a:r>
+              <a:rPr lang="pt-BR" sz="3600" i="1" dirty="0"/>
+              <a:t>A</a:t>
+            </a:r>
+          </a:p>
+        </p:txBody>
+      </p:sp>
+      <p:sp>
+        <p:nvSpPr>
+          <p:cNvPr id="16" name="CaixaDeTexto 15">
+            <a:extLst>
+              <a:ext uri="{FF2B5EF4-FFF2-40B4-BE49-F238E27FC236}">
+                <a16:creationId xmlns:a16="http://schemas.microsoft.com/office/drawing/2014/main" id="{487C9BAC-76A5-46B2-B052-22E1CE2C8296}"/>
+              </a:ext>
+            </a:extLst>
+          </p:cNvPr>
+          <p:cNvSpPr txBox="1"/>
+          <p:nvPr/>
+        </p:nvSpPr>
+        <p:spPr>
+          <a:xfrm>
+            <a:off x="2466558" y="2827070"/>
+            <a:ext cx="298480" cy="483285"/>
+          </a:xfrm>
+          <a:prstGeom prst="rect">
+            <a:avLst/>
+          </a:prstGeom>
+          <a:noFill/>
+        </p:spPr>
+        <p:txBody>
+          <a:bodyPr wrap="none" rtlCol="0">
+            <a:spAutoFit/>
+          </a:bodyPr>
+          <a:lstStyle/>
+          <a:p>
+            <a:r>
+              <a:rPr lang="pt-BR" sz="3200" i="1" dirty="0">
+                <a:latin typeface="Times New Roman" panose="02020603050405020304" pitchFamily="18" charset="0"/>
+                <a:cs typeface="Times New Roman" panose="02020603050405020304" pitchFamily="18" charset="0"/>
+              </a:rPr>
+              <a:t>i</a:t>
+            </a:r>
+            <a:endParaRPr lang="pt-BR" sz="2000" i="1" dirty="0">
+              <a:latin typeface="Times New Roman" panose="02020603050405020304" pitchFamily="18" charset="0"/>
+              <a:cs typeface="Times New Roman" panose="02020603050405020304" pitchFamily="18" charset="0"/>
+            </a:endParaRPr>
+          </a:p>
+        </p:txBody>
+      </p:sp>
+      <p:sp>
+        <p:nvSpPr>
+          <p:cNvPr id="17" name="CaixaDeTexto 16">
+            <a:extLst>
+              <a:ext uri="{FF2B5EF4-FFF2-40B4-BE49-F238E27FC236}">
+                <a16:creationId xmlns:a16="http://schemas.microsoft.com/office/drawing/2014/main" id="{C8190E02-86BE-44EE-BA7F-ECE2898D311F}"/>
+              </a:ext>
+            </a:extLst>
+          </p:cNvPr>
+          <p:cNvSpPr txBox="1"/>
+          <p:nvPr/>
+        </p:nvSpPr>
+        <p:spPr>
+          <a:xfrm>
+            <a:off x="2527261" y="4773725"/>
+            <a:ext cx="3298724" cy="1200329"/>
+          </a:xfrm>
+          <a:prstGeom prst="rect">
+            <a:avLst/>
+          </a:prstGeom>
+          <a:noFill/>
+        </p:spPr>
+        <p:txBody>
+          <a:bodyPr wrap="none" rtlCol="0">
+            <a:spAutoFit/>
+          </a:bodyPr>
+          <a:lstStyle/>
+          <a:p>
+            <a:r>
+              <a:rPr lang="pt-BR" sz="3600" i="1" dirty="0"/>
+              <a:t>A</a:t>
+            </a:r>
+            <a:r>
+              <a:rPr lang="pt-BR" sz="3600" dirty="0"/>
+              <a:t>[</a:t>
+            </a:r>
+            <a:r>
+              <a:rPr lang="pt-BR" sz="3600" i="1" dirty="0">
+                <a:latin typeface="Times New Roman" panose="02020603050405020304" pitchFamily="18" charset="0"/>
+                <a:cs typeface="Times New Roman" panose="02020603050405020304" pitchFamily="18" charset="0"/>
+              </a:rPr>
+              <a:t>i</a:t>
+            </a:r>
+            <a:r>
+              <a:rPr lang="pt-BR" sz="3600" dirty="0"/>
+              <a:t>] = 2</a:t>
+            </a:r>
+          </a:p>
+          <a:p>
+            <a:r>
+              <a:rPr lang="pt-BR" sz="3600" dirty="0"/>
+              <a:t>Ocorrências: 3</a:t>
+            </a:r>
           </a:p>
         </p:txBody>
       </p:sp>
@@ -9393,13 +10916,6 @@
       </p:transition>
     </mc:Fallback>
   </mc:AlternateContent>
-  <p:timing>
-    <p:tnLst>
-      <p:par>
-        <p:cTn id="1" dur="indefinite" restart="never" nodeType="tmRoot"/>
-      </p:par>
-    </p:tnLst>
-  </p:timing>
 </p:sld>
 </file>
 
@@ -9437,14 +10953,9 @@
           <a:p>
             <a:pPr rtl="0"/>
             <a:r>
-              <a:rPr lang="pt-BR" b="1" dirty="0" smtClean="0"/>
-              <a:t>SOLUÇÃO </a:t>
-            </a:r>
-            <a:r>
-              <a:rPr lang="pt-BR" b="1" dirty="0" smtClean="0"/>
-              <a:t>TRIVIAL</a:t>
-            </a:r>
-            <a:endParaRPr lang="pt-BR" b="1" dirty="0"/>
+              <a:rPr lang="pt-BR" b="1" dirty="0"/>
+              <a:t>SOLUÇÃO TRIVIAL</a:t>
+            </a:r>
           </a:p>
         </p:txBody>
       </p:sp>
@@ -9466,7 +10977,7 @@
         </p:spPr>
         <p:txBody>
           <a:bodyPr rtlCol="0">
-            <a:normAutofit/>
+            <a:normAutofit lnSpcReduction="10000"/>
           </a:bodyPr>
           <a:lstStyle/>
           <a:p>
@@ -9476,7 +10987,7 @@
               </a:lnSpc>
             </a:pPr>
             <a:r>
-              <a:rPr lang="pt-BR" dirty="0" smtClean="0"/>
+              <a:rPr lang="pt-BR" dirty="0"/>
               <a:t>Uma solução de força-bruta é comparar cada elemento específico com todos os elementos da sequência.</a:t>
             </a:r>
           </a:p>
@@ -9487,7 +10998,7 @@
               </a:lnSpc>
             </a:pPr>
             <a:r>
-              <a:rPr lang="pt-BR" dirty="0" smtClean="0"/>
+              <a:rPr lang="pt-BR" dirty="0"/>
               <a:t>Existem n^2 pares de elementos para serem comparados</a:t>
             </a:r>
           </a:p>
@@ -9497,7 +11008,7 @@
           </a:p>
           <a:p>
             <a:pPr rtl="0"/>
-            <a:endParaRPr lang="pt-BR" dirty="0" smtClean="0"/>
+            <a:endParaRPr lang="pt-BR" dirty="0"/>
           </a:p>
           <a:p>
             <a:pPr rtl="0"/>
@@ -9532,7 +11043,7 @@
               </a:lnSpc>
             </a:pPr>
             <a:r>
-              <a:rPr lang="pt-BR" dirty="0" smtClean="0">
+              <a:rPr lang="pt-BR" dirty="0">
                 <a:solidFill>
                   <a:srgbClr val="0070C0"/>
                 </a:solidFill>
@@ -9540,7 +11051,7 @@
               <a:t>CONTAGEM-OCORRÊNCIAS</a:t>
             </a:r>
             <a:r>
-              <a:rPr lang="pt-BR" dirty="0" smtClean="0"/>
+              <a:rPr lang="pt-BR" dirty="0"/>
               <a:t>(A, n)</a:t>
             </a:r>
           </a:p>
@@ -9551,23 +11062,23 @@
               </a:lnSpc>
             </a:pPr>
             <a:r>
-              <a:rPr lang="pt-BR" b="1" dirty="0" smtClean="0"/>
+              <a:rPr lang="pt-BR" b="1" dirty="0"/>
               <a:t>para</a:t>
             </a:r>
             <a:r>
-              <a:rPr lang="pt-BR" dirty="0" smtClean="0"/>
+              <a:rPr lang="pt-BR" dirty="0"/>
               <a:t> i ← 1 </a:t>
             </a:r>
             <a:r>
-              <a:rPr lang="pt-BR" b="1" dirty="0" smtClean="0"/>
+              <a:rPr lang="pt-BR" b="1" dirty="0"/>
               <a:t>até</a:t>
             </a:r>
             <a:r>
-              <a:rPr lang="pt-BR" dirty="0" smtClean="0"/>
+              <a:rPr lang="pt-BR" dirty="0"/>
               <a:t> n </a:t>
             </a:r>
             <a:r>
-              <a:rPr lang="pt-BR" b="1" dirty="0" smtClean="0"/>
+              <a:rPr lang="pt-BR" b="1" dirty="0"/>
               <a:t>faça</a:t>
             </a:r>
           </a:p>
@@ -9587,19 +11098,7 @@
             </a:r>
             <a:r>
               <a:rPr lang="pt-BR" dirty="0"/>
-              <a:t> j</a:t>
-            </a:r>
-            <a:r>
-              <a:rPr lang="pt-BR" dirty="0" smtClean="0"/>
-              <a:t> </a:t>
-            </a:r>
-            <a:r>
-              <a:rPr lang="pt-BR" dirty="0"/>
-              <a:t>← </a:t>
-            </a:r>
-            <a:r>
-              <a:rPr lang="pt-BR" dirty="0" smtClean="0"/>
-              <a:t>1 </a:t>
+              <a:t> j ← 1 </a:t>
             </a:r>
             <a:r>
               <a:rPr lang="pt-BR" b="1" dirty="0"/>
@@ -9610,7 +11109,7 @@
               <a:t> n </a:t>
             </a:r>
             <a:r>
-              <a:rPr lang="pt-BR" b="1" dirty="0" smtClean="0"/>
+              <a:rPr lang="pt-BR" b="1" dirty="0"/>
               <a:t>faça</a:t>
             </a:r>
           </a:p>
@@ -9621,15 +11120,15 @@
               </a:lnSpc>
             </a:pPr>
             <a:r>
-              <a:rPr lang="pt-BR" dirty="0" smtClean="0"/>
+              <a:rPr lang="pt-BR" dirty="0"/>
               <a:t>		</a:t>
             </a:r>
             <a:r>
-              <a:rPr lang="pt-BR" b="1" dirty="0" smtClean="0"/>
+              <a:rPr lang="pt-BR" b="1" dirty="0"/>
               <a:t>se</a:t>
             </a:r>
             <a:r>
-              <a:rPr lang="pt-BR" dirty="0" smtClean="0"/>
+              <a:rPr lang="pt-BR" dirty="0"/>
               <a:t> A[i] = A[j]</a:t>
             </a:r>
           </a:p>
@@ -9641,29 +11140,16 @@
             </a:pPr>
             <a:r>
               <a:rPr lang="pt-BR" dirty="0"/>
-              <a:t>	</a:t>
-            </a:r>
-            <a:r>
-              <a:rPr lang="pt-BR" dirty="0" smtClean="0"/>
-              <a:t>		</a:t>
-            </a:r>
-            <a:r>
-              <a:rPr lang="pt-BR" b="1" dirty="0" smtClean="0"/>
+              <a:t>			</a:t>
+            </a:r>
+            <a:r>
+              <a:rPr lang="pt-BR" b="1" dirty="0"/>
               <a:t>então</a:t>
             </a:r>
             <a:r>
-              <a:rPr lang="pt-BR" dirty="0" smtClean="0"/>
-              <a:t> contar </a:t>
-            </a:r>
-            <a:r>
               <a:rPr lang="pt-BR" dirty="0"/>
-              <a:t>←</a:t>
-            </a:r>
-            <a:r>
-              <a:rPr lang="pt-BR" dirty="0" smtClean="0"/>
-              <a:t> contar +1</a:t>
-            </a:r>
-            <a:endParaRPr lang="pt-BR" dirty="0"/>
+              <a:t> contar ← contar +1</a:t>
+            </a:r>
           </a:p>
         </p:txBody>
       </p:sp>
@@ -9689,13 +11175,6 @@
       </p:transition>
     </mc:Fallback>
   </mc:AlternateContent>
-  <p:timing>
-    <p:tnLst>
-      <p:par>
-        <p:cTn id="1" dur="indefinite" restart="never" nodeType="tmRoot"/>
-      </p:par>
-    </p:tnLst>
-  </p:timing>
 </p:sld>
 </file>
 
@@ -9733,14 +11212,9 @@
           <a:p>
             <a:pPr rtl="0"/>
             <a:r>
-              <a:rPr lang="pt-BR" b="1" dirty="0" smtClean="0"/>
-              <a:t>SOLUÇÃO </a:t>
-            </a:r>
-            <a:r>
-              <a:rPr lang="pt-BR" b="1" dirty="0" smtClean="0"/>
-              <a:t>TRIVIAL</a:t>
-            </a:r>
-            <a:endParaRPr lang="pt-BR" b="1" dirty="0"/>
+              <a:rPr lang="pt-BR" b="1" dirty="0"/>
+              <a:t>SOLUÇÃO TRIVIAL</a:t>
+            </a:r>
           </a:p>
         </p:txBody>
       </p:sp>
@@ -9761,10 +11235,9 @@
           <a:p>
             <a:pPr rtl="0"/>
             <a:r>
-              <a:rPr lang="pt-BR" dirty="0" smtClean="0"/>
+              <a:rPr lang="pt-BR" dirty="0"/>
               <a:t>Demonstrar a ordem de complexidade</a:t>
             </a:r>
-            <a:endParaRPr lang="pt-BR" dirty="0"/>
           </a:p>
         </p:txBody>
       </p:sp>
@@ -9790,13 +11263,6 @@
       </p:transition>
     </mc:Fallback>
   </mc:AlternateContent>
-  <p:timing>
-    <p:tnLst>
-      <p:par>
-        <p:cTn id="1" dur="indefinite" restart="never" nodeType="tmRoot"/>
-      </p:par>
-    </p:tnLst>
-  </p:timing>
 </p:sld>
 </file>
 
@@ -9834,14 +11300,9 @@
           <a:p>
             <a:pPr rtl="0"/>
             <a:r>
-              <a:rPr lang="pt-BR" b="1" dirty="0" smtClean="0"/>
-              <a:t>SOLUÇÃO </a:t>
-            </a:r>
-            <a:r>
-              <a:rPr lang="pt-BR" b="1" dirty="0" smtClean="0"/>
-              <a:t>TRIVIAL</a:t>
-            </a:r>
-            <a:endParaRPr lang="pt-BR" b="1" dirty="0"/>
+              <a:rPr lang="pt-BR" b="1" dirty="0"/>
+              <a:t>SOLUÇÃO TRIVIAL</a:t>
+            </a:r>
           </a:p>
         </p:txBody>
       </p:sp>
@@ -9862,14 +11323,9 @@
           <a:p>
             <a:pPr rtl="0"/>
             <a:r>
-              <a:rPr lang="pt-BR" dirty="0" smtClean="0"/>
-              <a:t>Trecho do código responsável pelo tempo </a:t>
-            </a:r>
-            <a:r>
               <a:rPr lang="pt-BR" dirty="0"/>
-              <a:t>exponencial</a:t>
-            </a:r>
-            <a:endParaRPr lang="pt-BR" dirty="0"/>
+              <a:t>Trecho do código responsável pelo tempo exponencial</a:t>
+            </a:r>
           </a:p>
         </p:txBody>
       </p:sp>
@@ -9925,13 +11381,6 @@
       </p:transition>
     </mc:Fallback>
   </mc:AlternateContent>
-  <p:timing>
-    <p:tnLst>
-      <p:par>
-        <p:cTn id="1" dur="indefinite" restart="never" nodeType="tmRoot"/>
-      </p:par>
-    </p:tnLst>
-  </p:timing>
 </p:sld>
 </file>
 
@@ -9969,14 +11418,13 @@
           <a:p>
             <a:pPr rtl="0"/>
             <a:r>
-              <a:rPr lang="pt-BR" b="1" dirty="0" smtClean="0"/>
+              <a:rPr lang="pt-BR" b="1" dirty="0"/>
               <a:t>SOLUÇÃO </a:t>
             </a:r>
             <a:r>
-              <a:rPr lang="pt-BR" b="1" i="1" dirty="0" smtClean="0"/>
+              <a:rPr lang="pt-BR" b="1" i="1" dirty="0"/>
               <a:t>DIVIDE AND CONQUER</a:t>
             </a:r>
-            <a:endParaRPr lang="pt-BR" b="1" i="1" dirty="0"/>
           </a:p>
         </p:txBody>
       </p:sp>
@@ -9997,51 +11445,42 @@
           <a:p>
             <a:pPr rtl="0"/>
             <a:r>
-              <a:rPr lang="pt-BR" dirty="0" smtClean="0"/>
+              <a:rPr lang="pt-BR" dirty="0"/>
               <a:t>Reduzir a um problema conhecido: ordenação</a:t>
             </a:r>
           </a:p>
           <a:p>
             <a:pPr rtl="0"/>
             <a:r>
-              <a:rPr lang="pt-BR" dirty="0" smtClean="0"/>
+              <a:rPr lang="pt-BR" dirty="0"/>
               <a:t>É possível ordenar em tempo O (n log n) utilizando a técnica de </a:t>
             </a:r>
             <a:r>
-              <a:rPr lang="pt-BR" b="1" dirty="0" smtClean="0"/>
+              <a:rPr lang="pt-BR" b="1" dirty="0"/>
               <a:t>divisão e conquista</a:t>
             </a:r>
-            <a:endParaRPr lang="pt-BR" b="1" dirty="0" smtClean="0"/>
           </a:p>
           <a:p>
             <a:pPr rtl="0"/>
-            <a:endParaRPr lang="pt-BR" dirty="0" smtClean="0"/>
+            <a:endParaRPr lang="pt-BR" dirty="0"/>
           </a:p>
           <a:p>
             <a:pPr rtl="0"/>
             <a:r>
-              <a:rPr lang="pt-BR" dirty="0" smtClean="0"/>
-              <a:t>Listar </a:t>
-            </a:r>
-            <a:r>
-              <a:rPr lang="pt-BR" dirty="0" smtClean="0"/>
-              <a:t>as opções de algoritmos conhecidos e suas ordens de complexidade e exibir a escolha pelo </a:t>
-            </a:r>
-            <a:r>
-              <a:rPr lang="pt-BR" dirty="0" err="1" smtClean="0"/>
+              <a:rPr lang="pt-BR" dirty="0"/>
+              <a:t>Listar as opções de algoritmos conhecidos e suas ordens de complexidade e exibir a escolha pelo </a:t>
+            </a:r>
+            <a:r>
+              <a:rPr lang="pt-BR" dirty="0" err="1"/>
               <a:t>mergesort</a:t>
             </a:r>
-            <a:endParaRPr lang="pt-BR" dirty="0" smtClean="0"/>
+            <a:endParaRPr lang="pt-BR" dirty="0"/>
           </a:p>
           <a:p>
             <a:pPr rtl="0"/>
             <a:r>
-              <a:rPr lang="pt-BR" dirty="0" smtClean="0"/>
-              <a:t>Falar sobre essa </a:t>
-            </a:r>
-            <a:r>
-              <a:rPr lang="pt-BR" dirty="0" smtClean="0"/>
-              <a:t>técnica</a:t>
+              <a:rPr lang="pt-BR" dirty="0"/>
+              <a:t>Falar sobre essa técnica</a:t>
             </a:r>
           </a:p>
           <a:p>
@@ -10065,7 +11504,6 @@
               <a:rPr lang="pt-BR" dirty="0"/>
               <a:t> n).</a:t>
             </a:r>
-            <a:endParaRPr lang="pt-BR" dirty="0"/>
           </a:p>
         </p:txBody>
       </p:sp>
@@ -10091,13 +11529,6 @@
       </p:transition>
     </mc:Fallback>
   </mc:AlternateContent>
-  <p:timing>
-    <p:tnLst>
-      <p:par>
-        <p:cTn id="1" dur="indefinite" restart="never" nodeType="tmRoot"/>
-      </p:par>
-    </p:tnLst>
-  </p:timing>
 </p:sld>
 </file>
 
@@ -10135,14 +11566,13 @@
           <a:p>
             <a:pPr rtl="0"/>
             <a:r>
-              <a:rPr lang="pt-BR" b="1" dirty="0" smtClean="0"/>
+              <a:rPr lang="pt-BR" b="1" dirty="0"/>
               <a:t>SOLUÇÃO </a:t>
             </a:r>
             <a:r>
-              <a:rPr lang="pt-BR" b="1" i="1" dirty="0" smtClean="0"/>
+              <a:rPr lang="pt-BR" b="1" i="1" dirty="0"/>
               <a:t>DIVIDE AND CONQUER</a:t>
             </a:r>
-            <a:endParaRPr lang="pt-BR" b="1" i="1" dirty="0"/>
           </a:p>
         </p:txBody>
       </p:sp>
@@ -10163,10 +11593,9 @@
           <a:p>
             <a:pPr rtl="0"/>
             <a:r>
-              <a:rPr lang="pt-BR" dirty="0" smtClean="0"/>
+              <a:rPr lang="pt-BR" dirty="0"/>
               <a:t>Incluir pseudocódigo</a:t>
             </a:r>
-            <a:endParaRPr lang="pt-BR" dirty="0"/>
           </a:p>
         </p:txBody>
       </p:sp>
@@ -10192,13 +11621,6 @@
       </p:transition>
     </mc:Fallback>
   </mc:AlternateContent>
-  <p:timing>
-    <p:tnLst>
-      <p:par>
-        <p:cTn id="1" dur="indefinite" restart="never" nodeType="tmRoot"/>
-      </p:par>
-    </p:tnLst>
-  </p:timing>
 </p:sld>
 </file>
 
@@ -10236,14 +11658,13 @@
           <a:p>
             <a:pPr rtl="0"/>
             <a:r>
-              <a:rPr lang="pt-BR" b="1" dirty="0" smtClean="0"/>
+              <a:rPr lang="pt-BR" b="1" dirty="0"/>
               <a:t>SOLUÇÃO </a:t>
             </a:r>
             <a:r>
-              <a:rPr lang="pt-BR" b="1" i="1" dirty="0" smtClean="0"/>
+              <a:rPr lang="pt-BR" b="1" i="1" dirty="0"/>
               <a:t>DIVIDE AND CONQUER</a:t>
             </a:r>
-            <a:endParaRPr lang="pt-BR" b="1" i="1" dirty="0"/>
           </a:p>
         </p:txBody>
       </p:sp>
@@ -10264,24 +11685,23 @@
           <a:p>
             <a:pPr rtl="0"/>
             <a:r>
-              <a:rPr lang="pt-BR" dirty="0" smtClean="0"/>
+              <a:rPr lang="pt-BR" dirty="0"/>
               <a:t>Demonstrar a ordem de complexidade:</a:t>
             </a:r>
           </a:p>
           <a:p>
             <a:pPr lvl="1"/>
             <a:r>
-              <a:rPr lang="pt-BR" dirty="0" smtClean="0"/>
+              <a:rPr lang="pt-BR" dirty="0"/>
               <a:t>Demonstrar a árvore de recursão (incluir imagem)</a:t>
             </a:r>
           </a:p>
           <a:p>
             <a:pPr lvl="1"/>
             <a:r>
-              <a:rPr lang="pt-BR" dirty="0" smtClean="0"/>
+              <a:rPr lang="pt-BR" dirty="0"/>
               <a:t>Demonstrar pelo método da substituição</a:t>
             </a:r>
-            <a:endParaRPr lang="pt-BR" dirty="0"/>
           </a:p>
         </p:txBody>
       </p:sp>
@@ -10307,13 +11727,6 @@
       </p:transition>
     </mc:Fallback>
   </mc:AlternateContent>
-  <p:timing>
-    <p:tnLst>
-      <p:par>
-        <p:cTn id="1" dur="indefinite" restart="never" nodeType="tmRoot"/>
-      </p:par>
-    </p:tnLst>
-  </p:timing>
 </p:sld>
 </file>
 
@@ -10351,14 +11764,13 @@
           <a:p>
             <a:pPr rtl="0"/>
             <a:r>
-              <a:rPr lang="pt-BR" b="1" dirty="0" smtClean="0"/>
+              <a:rPr lang="pt-BR" b="1" dirty="0"/>
               <a:t>SOLUÇÃO </a:t>
             </a:r>
             <a:r>
-              <a:rPr lang="pt-BR" b="1" i="1" dirty="0" smtClean="0"/>
+              <a:rPr lang="pt-BR" b="1" i="1" dirty="0"/>
               <a:t>DIVIDE AND CONQUER</a:t>
             </a:r>
-            <a:endParaRPr lang="pt-BR" b="1" i="1" dirty="0"/>
           </a:p>
         </p:txBody>
       </p:sp>
@@ -10379,10 +11791,9 @@
           <a:p>
             <a:pPr rtl="0"/>
             <a:r>
-              <a:rPr lang="pt-BR" dirty="0" smtClean="0"/>
+              <a:rPr lang="pt-BR" dirty="0"/>
               <a:t>Exibir trecho do código</a:t>
             </a:r>
-            <a:endParaRPr lang="pt-BR" dirty="0"/>
           </a:p>
         </p:txBody>
       </p:sp>
@@ -10408,13 +11819,6 @@
       </p:transition>
     </mc:Fallback>
   </mc:AlternateContent>
-  <p:timing>
-    <p:tnLst>
-      <p:par>
-        <p:cTn id="1" dur="indefinite" restart="never" nodeType="tmRoot"/>
-      </p:par>
-    </p:tnLst>
-  </p:timing>
 </p:sld>
 </file>
 

--- a/Apresentação.pptx
+++ b/Apresentação.pptx
@@ -5,10 +5,10 @@
     <p:sldMasterId id="2147483648" r:id="rId1"/>
   </p:sldMasterIdLst>
   <p:notesMasterIdLst>
-    <p:notesMasterId r:id="rId14"/>
+    <p:notesMasterId r:id="rId15"/>
   </p:notesMasterIdLst>
   <p:handoutMasterIdLst>
-    <p:handoutMasterId r:id="rId15"/>
+    <p:handoutMasterId r:id="rId16"/>
   </p:handoutMasterIdLst>
   <p:sldIdLst>
     <p:sldId id="256" r:id="rId2"/>
@@ -17,12 +17,13 @@
     <p:sldId id="274" r:id="rId5"/>
     <p:sldId id="275" r:id="rId6"/>
     <p:sldId id="276" r:id="rId7"/>
-    <p:sldId id="277" r:id="rId8"/>
-    <p:sldId id="278" r:id="rId9"/>
-    <p:sldId id="279" r:id="rId10"/>
-    <p:sldId id="280" r:id="rId11"/>
-    <p:sldId id="281" r:id="rId12"/>
-    <p:sldId id="282" r:id="rId13"/>
+    <p:sldId id="278" r:id="rId8"/>
+    <p:sldId id="279" r:id="rId9"/>
+    <p:sldId id="284" r:id="rId10"/>
+    <p:sldId id="283" r:id="rId11"/>
+    <p:sldId id="280" r:id="rId12"/>
+    <p:sldId id="281" r:id="rId13"/>
+    <p:sldId id="285" r:id="rId14"/>
   </p:sldIdLst>
   <p:sldSz cx="9144000" cy="6858000" type="screen4x3"/>
   <p:notesSz cx="6858000" cy="9144000"/>
@@ -162,7 +163,7 @@
 <file path=ppt/revisionInfo.xml><?xml version="1.0" encoding="utf-8"?>
 <p1510:revInfo xmlns:a="http://schemas.openxmlformats.org/drawingml/2006/main" xmlns:r="http://schemas.openxmlformats.org/officeDocument/2006/relationships" xmlns:p1510="http://schemas.microsoft.com/office/powerpoint/2015/10/main">
   <p1510:revLst>
-    <p1510:client id="{AA6378EA-44E2-4665-842F-E009EF00A9D6}" v="174" dt="2019-04-18T01:31:15.564"/>
+    <p1510:client id="{AA6378EA-44E2-4665-842F-E009EF00A9D6}" v="276" dt="2019-04-18T03:00:55.759"/>
   </p1510:revLst>
 </p1510:revInfo>
 </file>
@@ -171,8 +172,8 @@
 <pc:chgInfo xmlns:a="http://schemas.openxmlformats.org/drawingml/2006/main" xmlns:r="http://schemas.openxmlformats.org/officeDocument/2006/relationships" xmlns:ac="http://schemas.microsoft.com/office/drawing/2013/main/command" xmlns:pc="http://schemas.microsoft.com/office/powerpoint/2013/main/command">
   <pc:docChgLst>
     <pc:chgData name="Denis José" userId="a5f28e6e68565588" providerId="LiveId" clId="{AA6378EA-44E2-4665-842F-E009EF00A9D6}"/>
-    <pc:docChg chg="undo redo custSel modSld">
-      <pc:chgData name="Denis José" userId="a5f28e6e68565588" providerId="LiveId" clId="{AA6378EA-44E2-4665-842F-E009EF00A9D6}" dt="2019-04-18T01:32:13.491" v="1005" actId="20577"/>
+    <pc:docChg chg="undo redo custSel addSld delSld modSld sldOrd">
+      <pc:chgData name="Denis José" userId="a5f28e6e68565588" providerId="LiveId" clId="{AA6378EA-44E2-4665-842F-E009EF00A9D6}" dt="2019-04-18T03:02:17.604" v="1571" actId="948"/>
       <pc:docMkLst>
         <pc:docMk/>
       </pc:docMkLst>
@@ -335,11 +336,19 @@
         </pc:grpChg>
       </pc:sldChg>
       <pc:sldChg chg="addSp delSp modSp">
-        <pc:chgData name="Denis José" userId="a5f28e6e68565588" providerId="LiveId" clId="{AA6378EA-44E2-4665-842F-E009EF00A9D6}" dt="2019-04-17T22:50:51.699" v="513" actId="478"/>
+        <pc:chgData name="Denis José" userId="a5f28e6e68565588" providerId="LiveId" clId="{AA6378EA-44E2-4665-842F-E009EF00A9D6}" dt="2019-04-18T02:22:53.444" v="1059" actId="27636"/>
         <pc:sldMkLst>
           <pc:docMk/>
           <pc:sldMk cId="2006054977" sldId="273"/>
         </pc:sldMkLst>
+        <pc:spChg chg="mod">
+          <ac:chgData name="Denis José" userId="a5f28e6e68565588" providerId="LiveId" clId="{AA6378EA-44E2-4665-842F-E009EF00A9D6}" dt="2019-04-18T01:49:09.551" v="1028" actId="20577"/>
+          <ac:spMkLst>
+            <pc:docMk/>
+            <pc:sldMk cId="2006054977" sldId="273"/>
+            <ac:spMk id="4" creationId="{00000000-0000-0000-0000-000000000000}"/>
+          </ac:spMkLst>
+        </pc:spChg>
         <pc:spChg chg="add del">
           <ac:chgData name="Denis José" userId="a5f28e6e68565588" providerId="LiveId" clId="{AA6378EA-44E2-4665-842F-E009EF00A9D6}" dt="2019-04-17T22:50:51.699" v="513" actId="478"/>
           <ac:spMkLst>
@@ -349,13 +358,199 @@
           </ac:spMkLst>
         </pc:spChg>
         <pc:spChg chg="mod">
-          <ac:chgData name="Denis José" userId="a5f28e6e68565588" providerId="LiveId" clId="{AA6378EA-44E2-4665-842F-E009EF00A9D6}" dt="2019-04-17T22:50:27.686" v="511" actId="20577"/>
+          <ac:chgData name="Denis José" userId="a5f28e6e68565588" providerId="LiveId" clId="{AA6378EA-44E2-4665-842F-E009EF00A9D6}" dt="2019-04-18T02:22:53.444" v="1059" actId="27636"/>
           <ac:spMkLst>
             <pc:docMk/>
             <pc:sldMk cId="2006054977" sldId="273"/>
             <ac:spMk id="14" creationId="{00000000-0000-0000-0000-000000000000}"/>
           </ac:spMkLst>
         </pc:spChg>
+      </pc:sldChg>
+      <pc:sldChg chg="addSp delSp modSp">
+        <pc:chgData name="Denis José" userId="a5f28e6e68565588" providerId="LiveId" clId="{AA6378EA-44E2-4665-842F-E009EF00A9D6}" dt="2019-04-18T02:56:42.908" v="1498" actId="1037"/>
+        <pc:sldMkLst>
+          <pc:docMk/>
+          <pc:sldMk cId="3149512328" sldId="274"/>
+        </pc:sldMkLst>
+        <pc:spChg chg="add del mod">
+          <ac:chgData name="Denis José" userId="a5f28e6e68565588" providerId="LiveId" clId="{AA6378EA-44E2-4665-842F-E009EF00A9D6}" dt="2019-04-18T02:55:23.982" v="1452" actId="478"/>
+          <ac:spMkLst>
+            <pc:docMk/>
+            <pc:sldMk cId="3149512328" sldId="274"/>
+            <ac:spMk id="3" creationId="{4CF832B7-733C-4009-B81E-992D4797E84C}"/>
+          </ac:spMkLst>
+        </pc:spChg>
+        <pc:spChg chg="add mod">
+          <ac:chgData name="Denis José" userId="a5f28e6e68565588" providerId="LiveId" clId="{AA6378EA-44E2-4665-842F-E009EF00A9D6}" dt="2019-04-18T02:56:42.908" v="1498" actId="1037"/>
+          <ac:spMkLst>
+            <pc:docMk/>
+            <pc:sldMk cId="3149512328" sldId="274"/>
+            <ac:spMk id="4" creationId="{62F925E2-C744-4294-9C24-024994BBC2F0}"/>
+          </ac:spMkLst>
+        </pc:spChg>
+        <pc:spChg chg="del">
+          <ac:chgData name="Denis José" userId="a5f28e6e68565588" providerId="LiveId" clId="{AA6378EA-44E2-4665-842F-E009EF00A9D6}" dt="2019-04-18T02:55:21.246" v="1450" actId="478"/>
+          <ac:spMkLst>
+            <pc:docMk/>
+            <pc:sldMk cId="3149512328" sldId="274"/>
+            <ac:spMk id="14" creationId="{00000000-0000-0000-0000-000000000000}"/>
+          </ac:spMkLst>
+        </pc:spChg>
+      </pc:sldChg>
+      <pc:sldChg chg="addSp delSp modSp">
+        <pc:chgData name="Denis José" userId="a5f28e6e68565588" providerId="LiveId" clId="{AA6378EA-44E2-4665-842F-E009EF00A9D6}" dt="2019-04-18T01:46:57.359" v="1027" actId="20577"/>
+        <pc:sldMkLst>
+          <pc:docMk/>
+          <pc:sldMk cId="2207660276" sldId="275"/>
+        </pc:sldMkLst>
+        <pc:spChg chg="mod">
+          <ac:chgData name="Denis José" userId="a5f28e6e68565588" providerId="LiveId" clId="{AA6378EA-44E2-4665-842F-E009EF00A9D6}" dt="2019-04-18T01:46:57.359" v="1027" actId="20577"/>
+          <ac:spMkLst>
+            <pc:docMk/>
+            <pc:sldMk cId="2207660276" sldId="275"/>
+            <ac:spMk id="14" creationId="{00000000-0000-0000-0000-000000000000}"/>
+          </ac:spMkLst>
+        </pc:spChg>
+        <pc:picChg chg="add mod">
+          <ac:chgData name="Denis José" userId="a5f28e6e68565588" providerId="LiveId" clId="{AA6378EA-44E2-4665-842F-E009EF00A9D6}" dt="2019-04-18T01:45:15.703" v="1015" actId="1076"/>
+          <ac:picMkLst>
+            <pc:docMk/>
+            <pc:sldMk cId="2207660276" sldId="275"/>
+            <ac:picMk id="3" creationId="{4239BA0E-DAAA-4237-A758-5788ED74F88F}"/>
+          </ac:picMkLst>
+        </pc:picChg>
+        <pc:picChg chg="del">
+          <ac:chgData name="Denis José" userId="a5f28e6e68565588" providerId="LiveId" clId="{AA6378EA-44E2-4665-842F-E009EF00A9D6}" dt="2019-04-18T01:45:02.511" v="1010" actId="478"/>
+          <ac:picMkLst>
+            <pc:docMk/>
+            <pc:sldMk cId="2207660276" sldId="275"/>
+            <ac:picMk id="16" creationId="{00000000-0000-0000-0000-000000000000}"/>
+          </ac:picMkLst>
+        </pc:picChg>
+      </pc:sldChg>
+      <pc:sldChg chg="addSp modSp">
+        <pc:chgData name="Denis José" userId="a5f28e6e68565588" providerId="LiveId" clId="{AA6378EA-44E2-4665-842F-E009EF00A9D6}" dt="2019-04-18T02:25:34.174" v="1070" actId="1582"/>
+        <pc:sldMkLst>
+          <pc:docMk/>
+          <pc:sldMk cId="10990481" sldId="276"/>
+        </pc:sldMkLst>
+        <pc:spChg chg="add mod">
+          <ac:chgData name="Denis José" userId="a5f28e6e68565588" providerId="LiveId" clId="{AA6378EA-44E2-4665-842F-E009EF00A9D6}" dt="2019-04-18T02:25:34.174" v="1070" actId="1582"/>
+          <ac:spMkLst>
+            <pc:docMk/>
+            <pc:sldMk cId="10990481" sldId="276"/>
+            <ac:spMk id="3" creationId="{3B53DE88-B149-4D66-A63C-DBB8A3883B93}"/>
+          </ac:spMkLst>
+        </pc:spChg>
+        <pc:spChg chg="mod">
+          <ac:chgData name="Denis José" userId="a5f28e6e68565588" providerId="LiveId" clId="{AA6378EA-44E2-4665-842F-E009EF00A9D6}" dt="2019-04-18T02:09:34.086" v="1044" actId="20577"/>
+          <ac:spMkLst>
+            <pc:docMk/>
+            <pc:sldMk cId="10990481" sldId="276"/>
+            <ac:spMk id="14" creationId="{00000000-0000-0000-0000-000000000000}"/>
+          </ac:spMkLst>
+        </pc:spChg>
+        <pc:graphicFrameChg chg="add mod modGraphic">
+          <ac:chgData name="Denis José" userId="a5f28e6e68565588" providerId="LiveId" clId="{AA6378EA-44E2-4665-842F-E009EF00A9D6}" dt="2019-04-18T02:24:45.772" v="1063" actId="122"/>
+          <ac:graphicFrameMkLst>
+            <pc:docMk/>
+            <pc:sldMk cId="10990481" sldId="276"/>
+            <ac:graphicFrameMk id="2" creationId="{D34CA26B-AE52-4110-8962-8EA7B7830A2F}"/>
+          </ac:graphicFrameMkLst>
+        </pc:graphicFrameChg>
+      </pc:sldChg>
+      <pc:sldChg chg="del">
+        <pc:chgData name="Denis José" userId="a5f28e6e68565588" providerId="LiveId" clId="{AA6378EA-44E2-4665-842F-E009EF00A9D6}" dt="2019-04-18T02:35:48.618" v="1082" actId="2696"/>
+        <pc:sldMkLst>
+          <pc:docMk/>
+          <pc:sldMk cId="3860936187" sldId="277"/>
+        </pc:sldMkLst>
+      </pc:sldChg>
+      <pc:sldChg chg="addSp delSp modSp">
+        <pc:chgData name="Denis José" userId="a5f28e6e68565588" providerId="LiveId" clId="{AA6378EA-44E2-4665-842F-E009EF00A9D6}" dt="2019-04-18T02:39:53.880" v="1166" actId="1035"/>
+        <pc:sldMkLst>
+          <pc:docMk/>
+          <pc:sldMk cId="319124117" sldId="278"/>
+        </pc:sldMkLst>
+        <pc:spChg chg="add del mod">
+          <ac:chgData name="Denis José" userId="a5f28e6e68565588" providerId="LiveId" clId="{AA6378EA-44E2-4665-842F-E009EF00A9D6}" dt="2019-04-18T02:36:05.436" v="1084" actId="478"/>
+          <ac:spMkLst>
+            <pc:docMk/>
+            <pc:sldMk cId="319124117" sldId="278"/>
+            <ac:spMk id="3" creationId="{90CE9735-C990-479C-91A7-2FAC174321CC}"/>
+          </ac:spMkLst>
+        </pc:spChg>
+        <pc:spChg chg="add mod">
+          <ac:chgData name="Denis José" userId="a5f28e6e68565588" providerId="LiveId" clId="{AA6378EA-44E2-4665-842F-E009EF00A9D6}" dt="2019-04-18T02:39:45.986" v="1157" actId="14100"/>
+          <ac:spMkLst>
+            <pc:docMk/>
+            <pc:sldMk cId="319124117" sldId="278"/>
+            <ac:spMk id="6" creationId="{5D30DBDC-17E3-493F-83BD-EAD770B5E77E}"/>
+          </ac:spMkLst>
+        </pc:spChg>
+        <pc:spChg chg="mod">
+          <ac:chgData name="Denis José" userId="a5f28e6e68565588" providerId="LiveId" clId="{AA6378EA-44E2-4665-842F-E009EF00A9D6}" dt="2019-04-18T02:39:53.880" v="1166" actId="1035"/>
+          <ac:spMkLst>
+            <pc:docMk/>
+            <pc:sldMk cId="319124117" sldId="278"/>
+            <ac:spMk id="13" creationId="{00000000-0000-0000-0000-000000000000}"/>
+          </ac:spMkLst>
+        </pc:spChg>
+        <pc:spChg chg="del">
+          <ac:chgData name="Denis José" userId="a5f28e6e68565588" providerId="LiveId" clId="{AA6378EA-44E2-4665-842F-E009EF00A9D6}" dt="2019-04-18T02:35:56.198" v="1083" actId="478"/>
+          <ac:spMkLst>
+            <pc:docMk/>
+            <pc:sldMk cId="319124117" sldId="278"/>
+            <ac:spMk id="14" creationId="{00000000-0000-0000-0000-000000000000}"/>
+          </ac:spMkLst>
+        </pc:spChg>
+      </pc:sldChg>
+      <pc:sldChg chg="addSp delSp modSp ord">
+        <pc:chgData name="Denis José" userId="a5f28e6e68565588" providerId="LiveId" clId="{AA6378EA-44E2-4665-842F-E009EF00A9D6}" dt="2019-04-18T02:51:31.314" v="1300"/>
+        <pc:sldMkLst>
+          <pc:docMk/>
+          <pc:sldMk cId="2552093789" sldId="279"/>
+        </pc:sldMkLst>
+        <pc:spChg chg="add del mod">
+          <ac:chgData name="Denis José" userId="a5f28e6e68565588" providerId="LiveId" clId="{AA6378EA-44E2-4665-842F-E009EF00A9D6}" dt="2019-04-18T02:43:19.826" v="1191" actId="478"/>
+          <ac:spMkLst>
+            <pc:docMk/>
+            <pc:sldMk cId="2552093789" sldId="279"/>
+            <ac:spMk id="5" creationId="{3BCB48D1-7330-4BBB-9238-4BD660FC7B8D}"/>
+          </ac:spMkLst>
+        </pc:spChg>
+        <pc:spChg chg="add del">
+          <ac:chgData name="Denis José" userId="a5f28e6e68565588" providerId="LiveId" clId="{AA6378EA-44E2-4665-842F-E009EF00A9D6}" dt="2019-04-18T02:51:31.314" v="1300"/>
+          <ac:spMkLst>
+            <pc:docMk/>
+            <pc:sldMk cId="2552093789" sldId="279"/>
+            <ac:spMk id="8" creationId="{66A919E9-6737-4C6E-8636-052FC9AC35CD}"/>
+          </ac:spMkLst>
+        </pc:spChg>
+        <pc:spChg chg="add del mod">
+          <ac:chgData name="Denis José" userId="a5f28e6e68565588" providerId="LiveId" clId="{AA6378EA-44E2-4665-842F-E009EF00A9D6}" dt="2019-04-18T02:43:34.151" v="1230" actId="20577"/>
+          <ac:spMkLst>
+            <pc:docMk/>
+            <pc:sldMk cId="2552093789" sldId="279"/>
+            <ac:spMk id="13" creationId="{00000000-0000-0000-0000-000000000000}"/>
+          </ac:spMkLst>
+        </pc:spChg>
+        <pc:spChg chg="del mod">
+          <ac:chgData name="Denis José" userId="a5f28e6e68565588" providerId="LiveId" clId="{AA6378EA-44E2-4665-842F-E009EF00A9D6}" dt="2019-04-18T02:43:01.436" v="1187" actId="478"/>
+          <ac:spMkLst>
+            <pc:docMk/>
+            <pc:sldMk cId="2552093789" sldId="279"/>
+            <ac:spMk id="14" creationId="{00000000-0000-0000-0000-000000000000}"/>
+          </ac:spMkLst>
+        </pc:spChg>
+        <pc:picChg chg="add mod">
+          <ac:chgData name="Denis José" userId="a5f28e6e68565588" providerId="LiveId" clId="{AA6378EA-44E2-4665-842F-E009EF00A9D6}" dt="2019-04-18T02:51:31.110" v="1299" actId="1036"/>
+          <ac:picMkLst>
+            <pc:docMk/>
+            <pc:sldMk cId="2552093789" sldId="279"/>
+            <ac:picMk id="3" creationId="{6F8BAFAA-4B85-47BD-B2CF-52845286A213}"/>
+          </ac:picMkLst>
+        </pc:picChg>
       </pc:sldChg>
       <pc:sldChg chg="addSp delSp modSp">
         <pc:chgData name="Denis José" userId="a5f28e6e68565588" providerId="LiveId" clId="{AA6378EA-44E2-4665-842F-E009EF00A9D6}" dt="2019-04-18T01:32:13.491" v="1005" actId="20577"/>
@@ -445,7 +640,7 @@
         </pc:graphicFrameChg>
       </pc:sldChg>
       <pc:sldChg chg="addSp delSp modSp mod">
-        <pc:chgData name="Denis José" userId="a5f28e6e68565588" providerId="LiveId" clId="{AA6378EA-44E2-4665-842F-E009EF00A9D6}" dt="2019-04-18T01:30:16.242" v="949" actId="20577"/>
+        <pc:chgData name="Denis José" userId="a5f28e6e68565588" providerId="LiveId" clId="{AA6378EA-44E2-4665-842F-E009EF00A9D6}" dt="2019-04-18T01:40:07.375" v="1009"/>
         <pc:sldMkLst>
           <pc:docMk/>
           <pc:sldMk cId="3382720457" sldId="281"/>
@@ -467,7 +662,7 @@
           </ac:spMkLst>
         </pc:spChg>
         <pc:graphicFrameChg chg="add del mod">
-          <ac:chgData name="Denis José" userId="a5f28e6e68565588" providerId="LiveId" clId="{AA6378EA-44E2-4665-842F-E009EF00A9D6}" dt="2019-04-18T01:14:37.149" v="619" actId="692"/>
+          <ac:chgData name="Denis José" userId="a5f28e6e68565588" providerId="LiveId" clId="{AA6378EA-44E2-4665-842F-E009EF00A9D6}" dt="2019-04-18T01:40:07.375" v="1009"/>
           <ac:graphicFrameMkLst>
             <pc:docMk/>
             <pc:sldMk cId="3382720457" sldId="281"/>
@@ -482,6 +677,130 @@
             <ac:graphicFrameMk id="5" creationId="{35EFF417-5D81-4DCF-9BAB-29910CCAF19B}"/>
           </ac:graphicFrameMkLst>
         </pc:graphicFrameChg>
+      </pc:sldChg>
+      <pc:sldChg chg="del">
+        <pc:chgData name="Denis José" userId="a5f28e6e68565588" providerId="LiveId" clId="{AA6378EA-44E2-4665-842F-E009EF00A9D6}" dt="2019-04-18T02:58:27.053" v="1518" actId="2696"/>
+        <pc:sldMkLst>
+          <pc:docMk/>
+          <pc:sldMk cId="2829128906" sldId="282"/>
+        </pc:sldMkLst>
+      </pc:sldChg>
+      <pc:sldChg chg="addSp delSp modSp add ord">
+        <pc:chgData name="Denis José" userId="a5f28e6e68565588" providerId="LiveId" clId="{AA6378EA-44E2-4665-842F-E009EF00A9D6}" dt="2019-04-18T02:58:10.458" v="1517" actId="6549"/>
+        <pc:sldMkLst>
+          <pc:docMk/>
+          <pc:sldMk cId="3343108491" sldId="283"/>
+        </pc:sldMkLst>
+        <pc:spChg chg="add del mod">
+          <ac:chgData name="Denis José" userId="a5f28e6e68565588" providerId="LiveId" clId="{AA6378EA-44E2-4665-842F-E009EF00A9D6}" dt="2019-04-18T02:42:25.807" v="1185" actId="478"/>
+          <ac:spMkLst>
+            <pc:docMk/>
+            <pc:sldMk cId="3343108491" sldId="283"/>
+            <ac:spMk id="3" creationId="{D28B3925-8287-417F-9167-B6206903DEBE}"/>
+          </ac:spMkLst>
+        </pc:spChg>
+        <pc:spChg chg="add mod">
+          <ac:chgData name="Denis José" userId="a5f28e6e68565588" providerId="LiveId" clId="{AA6378EA-44E2-4665-842F-E009EF00A9D6}" dt="2019-04-18T02:42:14.728" v="1183" actId="571"/>
+          <ac:spMkLst>
+            <pc:docMk/>
+            <pc:sldMk cId="3343108491" sldId="283"/>
+            <ac:spMk id="6" creationId="{9D3FC3FB-5764-4260-8570-0A0BB03299C7}"/>
+          </ac:spMkLst>
+        </pc:spChg>
+        <pc:spChg chg="add mod">
+          <ac:chgData name="Denis José" userId="a5f28e6e68565588" providerId="LiveId" clId="{AA6378EA-44E2-4665-842F-E009EF00A9D6}" dt="2019-04-18T02:42:22.515" v="1184" actId="571"/>
+          <ac:spMkLst>
+            <pc:docMk/>
+            <pc:sldMk cId="3343108491" sldId="283"/>
+            <ac:spMk id="7" creationId="{A56F1C9C-4C8C-4C4D-B015-FA1FC62FA69D}"/>
+          </ac:spMkLst>
+        </pc:spChg>
+        <pc:spChg chg="mod">
+          <ac:chgData name="Denis José" userId="a5f28e6e68565588" providerId="LiveId" clId="{AA6378EA-44E2-4665-842F-E009EF00A9D6}" dt="2019-04-18T02:58:10.458" v="1517" actId="6549"/>
+          <ac:spMkLst>
+            <pc:docMk/>
+            <pc:sldMk cId="3343108491" sldId="283"/>
+            <ac:spMk id="14" creationId="{00000000-0000-0000-0000-000000000000}"/>
+          </ac:spMkLst>
+        </pc:spChg>
+        <pc:graphicFrameChg chg="del">
+          <ac:chgData name="Denis José" userId="a5f28e6e68565588" providerId="LiveId" clId="{AA6378EA-44E2-4665-842F-E009EF00A9D6}" dt="2019-04-18T02:21:14.822" v="1055" actId="478"/>
+          <ac:graphicFrameMkLst>
+            <pc:docMk/>
+            <pc:sldMk cId="3343108491" sldId="283"/>
+            <ac:graphicFrameMk id="2" creationId="{D34CA26B-AE52-4110-8962-8EA7B7830A2F}"/>
+          </ac:graphicFrameMkLst>
+        </pc:graphicFrameChg>
+      </pc:sldChg>
+      <pc:sldChg chg="addSp delSp modSp add">
+        <pc:chgData name="Denis José" userId="a5f28e6e68565588" providerId="LiveId" clId="{AA6378EA-44E2-4665-842F-E009EF00A9D6}" dt="2019-04-18T02:54:43.547" v="1449" actId="20577"/>
+        <pc:sldMkLst>
+          <pc:docMk/>
+          <pc:sldMk cId="2534396603" sldId="284"/>
+        </pc:sldMkLst>
+        <pc:spChg chg="add mod">
+          <ac:chgData name="Denis José" userId="a5f28e6e68565588" providerId="LiveId" clId="{AA6378EA-44E2-4665-842F-E009EF00A9D6}" dt="2019-04-18T02:54:43.547" v="1449" actId="20577"/>
+          <ac:spMkLst>
+            <pc:docMk/>
+            <pc:sldMk cId="2534396603" sldId="284"/>
+            <ac:spMk id="6" creationId="{B7C9972F-9182-441D-9056-951F6DF8AEB4}"/>
+          </ac:spMkLst>
+        </pc:spChg>
+        <pc:picChg chg="del">
+          <ac:chgData name="Denis José" userId="a5f28e6e68565588" providerId="LiveId" clId="{AA6378EA-44E2-4665-842F-E009EF00A9D6}" dt="2019-04-18T02:49:47.704" v="1236" actId="478"/>
+          <ac:picMkLst>
+            <pc:docMk/>
+            <pc:sldMk cId="2534396603" sldId="284"/>
+            <ac:picMk id="3" creationId="{6F8BAFAA-4B85-47BD-B2CF-52845286A213}"/>
+          </ac:picMkLst>
+        </pc:picChg>
+        <pc:picChg chg="add mod">
+          <ac:chgData name="Denis José" userId="a5f28e6e68565588" providerId="LiveId" clId="{AA6378EA-44E2-4665-842F-E009EF00A9D6}" dt="2019-04-18T02:51:38.312" v="1308" actId="1036"/>
+          <ac:picMkLst>
+            <pc:docMk/>
+            <pc:sldMk cId="2534396603" sldId="284"/>
+            <ac:picMk id="4" creationId="{BC7EDB1F-5498-40B7-9E90-8E7C3E6359DA}"/>
+          </ac:picMkLst>
+        </pc:picChg>
+      </pc:sldChg>
+      <pc:sldChg chg="addSp delSp modSp add ord">
+        <pc:chgData name="Denis José" userId="a5f28e6e68565588" providerId="LiveId" clId="{AA6378EA-44E2-4665-842F-E009EF00A9D6}" dt="2019-04-18T03:02:17.604" v="1571" actId="948"/>
+        <pc:sldMkLst>
+          <pc:docMk/>
+          <pc:sldMk cId="387277345" sldId="285"/>
+        </pc:sldMkLst>
+        <pc:spChg chg="add del">
+          <ac:chgData name="Denis José" userId="a5f28e6e68565588" providerId="LiveId" clId="{AA6378EA-44E2-4665-842F-E009EF00A9D6}" dt="2019-04-18T02:59:09.587" v="1534"/>
+          <ac:spMkLst>
+            <pc:docMk/>
+            <pc:sldMk cId="387277345" sldId="285"/>
+            <ac:spMk id="2" creationId="{0344CF3A-E529-4092-89FD-309B7F769CD6}"/>
+          </ac:spMkLst>
+        </pc:spChg>
+        <pc:spChg chg="add mod">
+          <ac:chgData name="Denis José" userId="a5f28e6e68565588" providerId="LiveId" clId="{AA6378EA-44E2-4665-842F-E009EF00A9D6}" dt="2019-04-18T03:02:17.604" v="1571" actId="948"/>
+          <ac:spMkLst>
+            <pc:docMk/>
+            <pc:sldMk cId="387277345" sldId="285"/>
+            <ac:spMk id="3" creationId="{CAE67E95-B42D-400F-85D7-6A0B78DF90A4}"/>
+          </ac:spMkLst>
+        </pc:spChg>
+        <pc:spChg chg="del">
+          <ac:chgData name="Denis José" userId="a5f28e6e68565588" providerId="LiveId" clId="{AA6378EA-44E2-4665-842F-E009EF00A9D6}" dt="2019-04-18T02:58:50.323" v="1532" actId="478"/>
+          <ac:spMkLst>
+            <pc:docMk/>
+            <pc:sldMk cId="387277345" sldId="285"/>
+            <ac:spMk id="4" creationId="{62F925E2-C744-4294-9C24-024994BBC2F0}"/>
+          </ac:spMkLst>
+        </pc:spChg>
+        <pc:spChg chg="mod">
+          <ac:chgData name="Denis José" userId="a5f28e6e68565588" providerId="LiveId" clId="{AA6378EA-44E2-4665-842F-E009EF00A9D6}" dt="2019-04-18T02:58:46.672" v="1531" actId="20577"/>
+          <ac:spMkLst>
+            <pc:docMk/>
+            <pc:sldMk cId="387277345" sldId="285"/>
+            <ac:spMk id="13" creationId="{00000000-0000-0000-0000-000000000000}"/>
+          </ac:spMkLst>
+        </pc:spChg>
       </pc:sldChg>
     </pc:docChg>
   </pc:docChgLst>
@@ -512,7 +831,7 @@
           <c:x val="8.7996138930237083E-2"/>
           <c:y val="0.20013380455404181"/>
           <c:w val="0.88935612407291398"/>
-          <c:h val="0.72663545601956447"/>
+          <c:h val="0.67656417594808216"/>
         </c:manualLayout>
       </c:layout>
       <c:lineChart>
@@ -879,6 +1198,14 @@
               </a:p>
             </c:rich>
           </c:tx>
+          <c:layout>
+            <c:manualLayout>
+              <c:xMode val="edge"/>
+              <c:yMode val="edge"/>
+              <c:x val="0.43033464387898424"/>
+              <c:y val="0.9474207991047241"/>
+            </c:manualLayout>
+          </c:layout>
           <c:overlay val="0"/>
           <c:spPr>
             <a:noFill/>
@@ -2351,7 +2678,7 @@
     </p:spTree>
     <p:extLst>
       <p:ext uri="{BB962C8B-B14F-4D97-AF65-F5344CB8AC3E}">
-        <p14:creationId xmlns:p14="http://schemas.microsoft.com/office/powerpoint/2010/main" val="652534148"/>
+        <p14:creationId xmlns:p14="http://schemas.microsoft.com/office/powerpoint/2010/main" val="4103779949"/>
       </p:ext>
     </p:extLst>
   </p:cSld>
@@ -2442,7 +2769,7 @@
     </p:spTree>
     <p:extLst>
       <p:ext uri="{BB962C8B-B14F-4D97-AF65-F5344CB8AC3E}">
-        <p14:creationId xmlns:p14="http://schemas.microsoft.com/office/powerpoint/2010/main" val="2478541478"/>
+        <p14:creationId xmlns:p14="http://schemas.microsoft.com/office/powerpoint/2010/main" val="652534148"/>
       </p:ext>
     </p:extLst>
   </p:cSld>
@@ -2533,7 +2860,98 @@
     </p:spTree>
     <p:extLst>
       <p:ext uri="{BB962C8B-B14F-4D97-AF65-F5344CB8AC3E}">
-        <p14:creationId xmlns:p14="http://schemas.microsoft.com/office/powerpoint/2010/main" val="2085653764"/>
+        <p14:creationId xmlns:p14="http://schemas.microsoft.com/office/powerpoint/2010/main" val="2478541478"/>
+      </p:ext>
+    </p:extLst>
+  </p:cSld>
+  <p:clrMapOvr>
+    <a:masterClrMapping/>
+  </p:clrMapOvr>
+</p:notes>
+</file>
+
+<file path=ppt/notesSlides/notesSlide13.xml><?xml version="1.0" encoding="utf-8"?>
+<p:notes xmlns:a="http://schemas.openxmlformats.org/drawingml/2006/main" xmlns:r="http://schemas.openxmlformats.org/officeDocument/2006/relationships" xmlns:p="http://schemas.openxmlformats.org/presentationml/2006/main">
+  <p:cSld>
+    <p:spTree>
+      <p:nvGrpSpPr>
+        <p:cNvPr id="1" name=""/>
+        <p:cNvGrpSpPr/>
+        <p:nvPr/>
+      </p:nvGrpSpPr>
+      <p:grpSpPr>
+        <a:xfrm>
+          <a:off x="0" y="0"/>
+          <a:ext cx="0" cy="0"/>
+          <a:chOff x="0" y="0"/>
+          <a:chExt cx="0" cy="0"/>
+        </a:xfrm>
+      </p:grpSpPr>
+      <p:sp>
+        <p:nvSpPr>
+          <p:cNvPr id="2" name="Espaço Reservado para Imagem de Slide 1"/>
+          <p:cNvSpPr>
+            <a:spLocks noGrp="1" noRot="1" noChangeAspect="1"/>
+          </p:cNvSpPr>
+          <p:nvPr>
+            <p:ph type="sldImg"/>
+          </p:nvPr>
+        </p:nvSpPr>
+        <p:spPr>
+          <a:xfrm>
+            <a:off x="1143000" y="685800"/>
+            <a:ext cx="4572000" cy="3429000"/>
+          </a:xfrm>
+        </p:spPr>
+      </p:sp>
+      <p:sp>
+        <p:nvSpPr>
+          <p:cNvPr id="3" name="Espaço Reservado para Anotações 2"/>
+          <p:cNvSpPr>
+            <a:spLocks noGrp="1"/>
+          </p:cNvSpPr>
+          <p:nvPr>
+            <p:ph type="body" idx="1"/>
+          </p:nvPr>
+        </p:nvSpPr>
+        <p:spPr/>
+        <p:txBody>
+          <a:bodyPr/>
+          <a:lstStyle/>
+          <a:p>
+            <a:endParaRPr lang="pt-BR" dirty="0"/>
+          </a:p>
+        </p:txBody>
+      </p:sp>
+      <p:sp>
+        <p:nvSpPr>
+          <p:cNvPr id="4" name="Espaço Reservado para Número de Slide 3"/>
+          <p:cNvSpPr>
+            <a:spLocks noGrp="1"/>
+          </p:cNvSpPr>
+          <p:nvPr>
+            <p:ph type="sldNum" sz="quarter" idx="10"/>
+          </p:nvPr>
+        </p:nvSpPr>
+        <p:spPr/>
+        <p:txBody>
+          <a:bodyPr/>
+          <a:lstStyle/>
+          <a:p>
+            <a:pPr rtl="0"/>
+            <a:fld id="{841221E5-7225-48EB-A4EE-420E7BFCF705}" type="slidenum">
+              <a:rPr lang="pt-BR" smtClean="0"/>
+              <a:pPr rtl="0"/>
+              <a:t>13</a:t>
+            </a:fld>
+            <a:endParaRPr lang="pt-BR" dirty="0"/>
+          </a:p>
+        </p:txBody>
+      </p:sp>
+    </p:spTree>
+    <p:extLst>
+      <p:ext uri="{BB962C8B-B14F-4D97-AF65-F5344CB8AC3E}">
+        <p14:creationId xmlns:p14="http://schemas.microsoft.com/office/powerpoint/2010/main" val="3673912176"/>
       </p:ext>
     </p:extLst>
   </p:cSld>
@@ -3079,7 +3497,7 @@
     </p:spTree>
     <p:extLst>
       <p:ext uri="{BB962C8B-B14F-4D97-AF65-F5344CB8AC3E}">
-        <p14:creationId xmlns:p14="http://schemas.microsoft.com/office/powerpoint/2010/main" val="1812846786"/>
+        <p14:creationId xmlns:p14="http://schemas.microsoft.com/office/powerpoint/2010/main" val="1762612590"/>
       </p:ext>
     </p:extLst>
   </p:cSld>
@@ -3170,7 +3588,7 @@
     </p:spTree>
     <p:extLst>
       <p:ext uri="{BB962C8B-B14F-4D97-AF65-F5344CB8AC3E}">
-        <p14:creationId xmlns:p14="http://schemas.microsoft.com/office/powerpoint/2010/main" val="1762612590"/>
+        <p14:creationId xmlns:p14="http://schemas.microsoft.com/office/powerpoint/2010/main" val="1248796510"/>
       </p:ext>
     </p:extLst>
   </p:cSld>
@@ -3261,7 +3679,7 @@
     </p:spTree>
     <p:extLst>
       <p:ext uri="{BB962C8B-B14F-4D97-AF65-F5344CB8AC3E}">
-        <p14:creationId xmlns:p14="http://schemas.microsoft.com/office/powerpoint/2010/main" val="1248796510"/>
+        <p14:creationId xmlns:p14="http://schemas.microsoft.com/office/powerpoint/2010/main" val="3980857637"/>
       </p:ext>
     </p:extLst>
   </p:cSld>
@@ -9505,6 +9923,273 @@
 </file>
 
 <file path=ppt/slides/slide10.xml><?xml version="1.0" encoding="utf-8"?>
+<p:sld xmlns:a="http://schemas.openxmlformats.org/drawingml/2006/main" xmlns:r="http://schemas.openxmlformats.org/officeDocument/2006/relationships" xmlns:p="http://schemas.openxmlformats.org/presentationml/2006/main">
+  <p:cSld>
+    <p:spTree>
+      <p:nvGrpSpPr>
+        <p:cNvPr id="1" name=""/>
+        <p:cNvGrpSpPr/>
+        <p:nvPr/>
+      </p:nvGrpSpPr>
+      <p:grpSpPr>
+        <a:xfrm>
+          <a:off x="0" y="0"/>
+          <a:ext cx="0" cy="0"/>
+          <a:chOff x="0" y="0"/>
+          <a:chExt cx="0" cy="0"/>
+        </a:xfrm>
+      </p:grpSpPr>
+      <p:sp>
+        <p:nvSpPr>
+          <p:cNvPr id="13" name="Título 12"/>
+          <p:cNvSpPr>
+            <a:spLocks noGrp="1"/>
+          </p:cNvSpPr>
+          <p:nvPr>
+            <p:ph type="title"/>
+          </p:nvPr>
+        </p:nvSpPr>
+        <p:spPr/>
+        <p:txBody>
+          <a:bodyPr rtlCol="0"/>
+          <a:lstStyle/>
+          <a:p>
+            <a:pPr rtl="0"/>
+            <a:r>
+              <a:rPr lang="pt-BR" b="1" dirty="0"/>
+              <a:t>SOLUÇÃO </a:t>
+            </a:r>
+            <a:r>
+              <a:rPr lang="pt-BR" b="1" i="1" dirty="0"/>
+              <a:t>DIVIDE AND CONQUER</a:t>
+            </a:r>
+          </a:p>
+        </p:txBody>
+      </p:sp>
+      <p:sp>
+        <p:nvSpPr>
+          <p:cNvPr id="14" name="Espaço reservado para conteúdo 13"/>
+          <p:cNvSpPr>
+            <a:spLocks noGrp="1"/>
+          </p:cNvSpPr>
+          <p:nvPr>
+            <p:ph idx="1"/>
+          </p:nvPr>
+        </p:nvSpPr>
+        <p:spPr>
+          <a:xfrm>
+            <a:off x="1195389" y="1600200"/>
+            <a:ext cx="7339012" cy="1036712"/>
+          </a:xfrm>
+        </p:spPr>
+        <p:txBody>
+          <a:bodyPr rtlCol="0">
+            <a:normAutofit/>
+          </a:bodyPr>
+          <a:lstStyle/>
+          <a:p>
+            <a:r>
+              <a:rPr lang="pt-BR" dirty="0"/>
+              <a:t>Como a ordenação requer tempo O (n </a:t>
+            </a:r>
+            <a:r>
+              <a:rPr lang="pt-BR" dirty="0" err="1"/>
+              <a:t>lg</a:t>
+            </a:r>
+            <a:r>
+              <a:rPr lang="pt-BR" dirty="0"/>
+              <a:t> n) e a contagem na intercalação requer tempo constante, esta solução usa o tempo O (n </a:t>
+            </a:r>
+            <a:r>
+              <a:rPr lang="pt-BR" dirty="0" err="1"/>
+              <a:t>lg</a:t>
+            </a:r>
+            <a:r>
+              <a:rPr lang="pt-BR" dirty="0"/>
+              <a:t> n).</a:t>
+            </a:r>
+          </a:p>
+          <a:p>
+            <a:endParaRPr lang="pt-BR" dirty="0"/>
+          </a:p>
+        </p:txBody>
+      </p:sp>
+      <mc:AlternateContent xmlns:mc="http://schemas.openxmlformats.org/markup-compatibility/2006">
+        <mc:Choice xmlns:a14="http://schemas.microsoft.com/office/drawing/2010/main" Requires="a14">
+          <p:sp>
+            <p:nvSpPr>
+              <p:cNvPr id="7" name="Retângulo 6">
+                <a:extLst>
+                  <a:ext uri="{FF2B5EF4-FFF2-40B4-BE49-F238E27FC236}">
+                    <a16:creationId xmlns:a16="http://schemas.microsoft.com/office/drawing/2014/main" id="{A56F1C9C-4C8C-4C4D-B015-FA1FC62FA69D}"/>
+                  </a:ext>
+                </a:extLst>
+              </p:cNvPr>
+              <p:cNvSpPr/>
+              <p:nvPr/>
+            </p:nvSpPr>
+            <p:spPr>
+              <a:xfrm>
+                <a:off x="2339752" y="2833604"/>
+                <a:ext cx="4464496" cy="923330"/>
+              </a:xfrm>
+              <a:prstGeom prst="rect">
+                <a:avLst/>
+              </a:prstGeom>
+            </p:spPr>
+            <p:txBody>
+              <a:bodyPr wrap="square">
+                <a:spAutoFit/>
+              </a:bodyPr>
+              <a:lstStyle/>
+              <a:p>
+                <a:pPr>
+                  <a:lnSpc>
+                    <a:spcPct val="150000"/>
+                  </a:lnSpc>
+                </a:pPr>
+                <a14:m>
+                  <m:oMathPara xmlns:m="http://schemas.openxmlformats.org/officeDocument/2006/math">
+                    <m:oMathParaPr>
+                      <m:jc m:val="centerGroup"/>
+                    </m:oMathParaPr>
+                    <m:oMath xmlns:m="http://schemas.openxmlformats.org/officeDocument/2006/math">
+                      <m:r>
+                        <a:rPr lang="pt-BR" sz="3600" b="1" i="1">
+                          <a:latin typeface="Cambria Math" panose="02040503050406030204" pitchFamily="18" charset="0"/>
+                        </a:rPr>
+                        <m:t>𝑻</m:t>
+                      </m:r>
+                      <m:d>
+                        <m:dPr>
+                          <m:ctrlPr>
+                            <a:rPr lang="pt-BR" sz="3600" b="1" i="1">
+                              <a:latin typeface="Cambria Math" panose="02040503050406030204" pitchFamily="18" charset="0"/>
+                            </a:rPr>
+                          </m:ctrlPr>
+                        </m:dPr>
+                        <m:e>
+                          <m:r>
+                            <a:rPr lang="pt-BR" sz="3600" b="1" i="1">
+                              <a:latin typeface="Cambria Math" panose="02040503050406030204" pitchFamily="18" charset="0"/>
+                            </a:rPr>
+                            <m:t>𝒏</m:t>
+                          </m:r>
+                        </m:e>
+                      </m:d>
+                      <m:r>
+                        <a:rPr lang="pt-BR" sz="3600" b="1" i="1">
+                          <a:latin typeface="Cambria Math" panose="02040503050406030204" pitchFamily="18" charset="0"/>
+                        </a:rPr>
+                        <m:t>= </m:t>
+                      </m:r>
+                      <m:r>
+                        <a:rPr lang="pt-BR" sz="3600" b="1" i="1">
+                          <a:latin typeface="Cambria Math" panose="02040503050406030204" pitchFamily="18" charset="0"/>
+                          <a:ea typeface="Cambria Math" panose="02040503050406030204" pitchFamily="18" charset="0"/>
+                        </a:rPr>
+                        <m:t>𝜽</m:t>
+                      </m:r>
+                      <m:r>
+                        <a:rPr lang="pt-BR" sz="3600" b="1" i="1">
+                          <a:latin typeface="Cambria Math" panose="02040503050406030204" pitchFamily="18" charset="0"/>
+                          <a:ea typeface="Cambria Math" panose="02040503050406030204" pitchFamily="18" charset="0"/>
+                        </a:rPr>
+                        <m:t>(</m:t>
+                      </m:r>
+                      <m:r>
+                        <a:rPr lang="pt-BR" sz="3600" b="1" i="1">
+                          <a:latin typeface="Cambria Math" panose="02040503050406030204" pitchFamily="18" charset="0"/>
+                          <a:ea typeface="Cambria Math" panose="02040503050406030204" pitchFamily="18" charset="0"/>
+                        </a:rPr>
+                        <m:t>𝒏𝒍𝒐𝒈𝒏</m:t>
+                      </m:r>
+                      <m:r>
+                        <a:rPr lang="pt-BR" sz="3600" b="1" i="1">
+                          <a:latin typeface="Cambria Math" panose="02040503050406030204" pitchFamily="18" charset="0"/>
+                          <a:ea typeface="Cambria Math" panose="02040503050406030204" pitchFamily="18" charset="0"/>
+                        </a:rPr>
+                        <m:t>)</m:t>
+                      </m:r>
+                    </m:oMath>
+                  </m:oMathPara>
+                </a14:m>
+                <a:endParaRPr lang="pt-BR" sz="3600" b="1" dirty="0"/>
+              </a:p>
+            </p:txBody>
+          </p:sp>
+        </mc:Choice>
+        <mc:Fallback>
+          <p:sp>
+            <p:nvSpPr>
+              <p:cNvPr id="7" name="Retângulo 6">
+                <a:extLst>
+                  <a:ext uri="{FF2B5EF4-FFF2-40B4-BE49-F238E27FC236}">
+                    <a16:creationId xmlns:a16="http://schemas.microsoft.com/office/drawing/2014/main" id="{A56F1C9C-4C8C-4C4D-B015-FA1FC62FA69D}"/>
+                  </a:ext>
+                </a:extLst>
+              </p:cNvPr>
+              <p:cNvSpPr>
+                <a:spLocks noRot="1" noChangeAspect="1" noMove="1" noResize="1" noEditPoints="1" noAdjustHandles="1" noChangeArrowheads="1" noChangeShapeType="1" noTextEdit="1"/>
+              </p:cNvSpPr>
+              <p:nvPr/>
+            </p:nvSpPr>
+            <p:spPr>
+              <a:xfrm>
+                <a:off x="2339752" y="2833604"/>
+                <a:ext cx="4464496" cy="923330"/>
+              </a:xfrm>
+              <a:prstGeom prst="rect">
+                <a:avLst/>
+              </a:prstGeom>
+              <a:blipFill>
+                <a:blip r:embed="rId3"/>
+                <a:stretch>
+                  <a:fillRect/>
+                </a:stretch>
+              </a:blipFill>
+            </p:spPr>
+            <p:txBody>
+              <a:bodyPr/>
+              <a:lstStyle/>
+              <a:p>
+                <a:r>
+                  <a:rPr lang="pt-BR">
+                    <a:noFill/>
+                  </a:rPr>
+                  <a:t> </a:t>
+                </a:r>
+              </a:p>
+            </p:txBody>
+          </p:sp>
+        </mc:Fallback>
+      </mc:AlternateContent>
+    </p:spTree>
+    <p:extLst>
+      <p:ext uri="{BB962C8B-B14F-4D97-AF65-F5344CB8AC3E}">
+        <p14:creationId xmlns:p14="http://schemas.microsoft.com/office/powerpoint/2010/main" val="3343108491"/>
+      </p:ext>
+    </p:extLst>
+  </p:cSld>
+  <p:clrMapOvr>
+    <a:masterClrMapping/>
+  </p:clrMapOvr>
+  <mc:AlternateContent xmlns:mc="http://schemas.openxmlformats.org/markup-compatibility/2006" xmlns:p14="http://schemas.microsoft.com/office/powerpoint/2010/main">
+    <mc:Choice Requires="p14">
+      <p:transition spd="med" p14:dur="700">
+        <p:fade/>
+      </p:transition>
+    </mc:Choice>
+    <mc:Fallback xmlns="">
+      <p:transition spd="med">
+        <p:fade/>
+      </p:transition>
+    </mc:Fallback>
+  </mc:AlternateContent>
+</p:sld>
+</file>
+
+<file path=ppt/slides/slide11.xml><?xml version="1.0" encoding="utf-8"?>
 <p:sld xmlns:a="http://schemas.openxmlformats.org/drawingml/2006/main" xmlns:r="http://schemas.openxmlformats.org/officeDocument/2006/relationships" xmlns:p="http://schemas.openxmlformats.org/presentationml/2006/main">
   <p:cSld>
     <p:spTree>
@@ -10001,7 +10686,7 @@
 </p:sld>
 </file>
 
-<file path=ppt/slides/slide11.xml><?xml version="1.0" encoding="utf-8"?>
+<file path=ppt/slides/slide12.xml><?xml version="1.0" encoding="utf-8"?>
 <p:sld xmlns:a="http://schemas.openxmlformats.org/drawingml/2006/main" xmlns:r="http://schemas.openxmlformats.org/officeDocument/2006/relationships" xmlns:p="http://schemas.openxmlformats.org/presentationml/2006/main">
   <p:cSld>
     <p:spTree>
@@ -10050,14 +10735,14 @@
           <p:nvPr>
             <p:extLst>
               <p:ext uri="{D42A27DB-BD31-4B8C-83A1-F6EECF244321}">
-                <p14:modId xmlns:p14="http://schemas.microsoft.com/office/powerpoint/2010/main" val="666269372"/>
+                <p14:modId xmlns:p14="http://schemas.microsoft.com/office/powerpoint/2010/main" val="1668882564"/>
               </p:ext>
             </p:extLst>
           </p:nvPr>
         </p:nvGraphicFramePr>
         <p:xfrm>
           <a:off x="683568" y="764704"/>
-          <a:ext cx="7850674" cy="5760641"/>
+          <a:ext cx="7850674" cy="5915495"/>
         </p:xfrm>
         <a:graphic>
           <a:graphicData uri="http://schemas.openxmlformats.org/drawingml/2006/chart">
@@ -10090,7 +10775,7 @@
 </p:sld>
 </file>
 
-<file path=ppt/slides/slide12.xml><?xml version="1.0" encoding="utf-8"?>
+<file path=ppt/slides/slide13.xml><?xml version="1.0" encoding="utf-8"?>
 <p:sld xmlns:a="http://schemas.openxmlformats.org/drawingml/2006/main" xmlns:r="http://schemas.openxmlformats.org/officeDocument/2006/relationships" xmlns:p="http://schemas.openxmlformats.org/presentationml/2006/main">
   <p:cSld>
     <p:spTree>
@@ -10125,39 +10810,120 @@
             <a:pPr rtl="0"/>
             <a:r>
               <a:rPr lang="pt-BR" b="1" dirty="0"/>
-              <a:t>ALGORTIMO O(n)</a:t>
+              <a:t>REFERÊNCIAS</a:t>
             </a:r>
-            <a:endParaRPr lang="pt-BR" b="1" i="1" dirty="0"/>
           </a:p>
         </p:txBody>
       </p:sp>
       <p:sp>
         <p:nvSpPr>
-          <p:cNvPr id="14" name="Espaço reservado para conteúdo 13"/>
-          <p:cNvSpPr>
-            <a:spLocks noGrp="1"/>
-          </p:cNvSpPr>
-          <p:nvPr>
-            <p:ph idx="1"/>
-          </p:nvPr>
+          <p:cNvPr id="3" name="Retângulo 2">
+            <a:extLst>
+              <a:ext uri="{FF2B5EF4-FFF2-40B4-BE49-F238E27FC236}">
+                <a16:creationId xmlns:a16="http://schemas.microsoft.com/office/drawing/2014/main" id="{CAE67E95-B42D-400F-85D7-6A0B78DF90A4}"/>
+              </a:ext>
+            </a:extLst>
+          </p:cNvPr>
+          <p:cNvSpPr/>
+          <p:nvPr/>
         </p:nvSpPr>
-        <p:spPr/>
+        <p:spPr>
+          <a:xfrm>
+            <a:off x="611561" y="1700808"/>
+            <a:ext cx="7914934" cy="4912114"/>
+          </a:xfrm>
+          <a:prstGeom prst="rect">
+            <a:avLst/>
+          </a:prstGeom>
+        </p:spPr>
         <p:txBody>
-          <a:bodyPr rtlCol="0"/>
+          <a:bodyPr wrap="square">
+            <a:spAutoFit/>
+          </a:bodyPr>
           <a:lstStyle/>
           <a:p>
-            <a:pPr rtl="0"/>
+            <a:r>
+              <a:rPr lang="pt-BR" dirty="0">
+                <a:hlinkClick r:id="rId3"/>
+              </a:rPr>
+              <a:t>https://en.wikipedia.org/wiki/Element_distinctness_problem</a:t>
+            </a:r>
+            <a:endParaRPr lang="pt-BR" dirty="0"/>
+          </a:p>
+          <a:p>
+            <a:pPr>
+              <a:lnSpc>
+                <a:spcPct val="120000"/>
+              </a:lnSpc>
+            </a:pPr>
+            <a:r>
+              <a:rPr lang="pt-BR" dirty="0">
+                <a:hlinkClick r:id="rId4"/>
+              </a:rPr>
+              <a:t>https://www.cs.princeton.edu/~wayne/kleinberg-tardos/pdf/05DivideAndConquerI.pdf</a:t>
+            </a:r>
+            <a:endParaRPr lang="pt-BR" dirty="0"/>
+          </a:p>
+          <a:p>
+            <a:r>
+              <a:rPr lang="pt-BR" dirty="0">
+                <a:hlinkClick r:id="rId5"/>
+              </a:rPr>
+              <a:t>https://www.hackerearth.com/pt-br/practice/algorithms/sorting/merge-sort/visualize/</a:t>
+            </a:r>
+            <a:endParaRPr lang="pt-BR" dirty="0"/>
+          </a:p>
+          <a:p>
+            <a:r>
+              <a:rPr lang="pt-BR" dirty="0">
+                <a:hlinkClick r:id="rId6"/>
+              </a:rPr>
+              <a:t>http://www.cse.iitd.ac.in/~mohanty/col106/Resources/mergesort.pdf</a:t>
+            </a:r>
+            <a:endParaRPr lang="pt-BR" dirty="0"/>
+          </a:p>
+          <a:p>
+            <a:r>
+              <a:rPr lang="pt-BR" dirty="0">
+                <a:hlinkClick r:id="rId7"/>
+              </a:rPr>
+              <a:t>https://introcs.cs.princeton.edu/java/42sort/</a:t>
+            </a:r>
+            <a:endParaRPr lang="pt-BR" dirty="0"/>
+          </a:p>
+          <a:p>
             <a:r>
               <a:rPr lang="pt-BR" dirty="0"/>
-              <a:t>Verificar se tem essa solução</a:t>
+              <a:t>https://books.google.com.br/books?id=x3MzDwAAQBAJ&amp;pg=PT733&amp;lpg=PT733&amp;dq=Element+distinctness+problem+mergesort&amp;source=bl&amp;ots=q-aJVTU1sU&amp;sig=ACfU3U0GsWFkzXI97rV6eMRoaw20CRoJSA&amp;hl=pt-BR&amp;sa=X&amp;ved=2ahUKEwjr6pasgtPhAhWkHbkGHTNIAxAQ6AEwCHoECAkQAQ#v=onepage&amp;q=Element%20distinctness%20problem%20mergesort&amp;f=false</a:t>
             </a:r>
+          </a:p>
+          <a:p>
+            <a:r>
+              <a:rPr lang="pt-BR" dirty="0">
+                <a:hlinkClick r:id="rId8"/>
+              </a:rPr>
+              <a:t>https://web.cs.dal.ca/~mhe/csci3110/handouts/lecture5.htm</a:t>
+            </a:r>
+            <a:endParaRPr lang="pt-BR" dirty="0"/>
+          </a:p>
+          <a:p>
+            <a:r>
+              <a:rPr lang="pt-BR" dirty="0">
+                <a:hlinkClick r:id="rId9"/>
+              </a:rPr>
+              <a:t>https://pt.khanacademy.org/computing/computer-science/algorithms/merge-sort/a/divide-and-conquer-algorithms</a:t>
+            </a:r>
+            <a:endParaRPr lang="pt-BR" dirty="0"/>
+          </a:p>
+          <a:p>
+            <a:endParaRPr lang="pt-BR" dirty="0"/>
           </a:p>
         </p:txBody>
       </p:sp>
     </p:spTree>
     <p:extLst>
       <p:ext uri="{BB962C8B-B14F-4D97-AF65-F5344CB8AC3E}">
-        <p14:creationId xmlns:p14="http://schemas.microsoft.com/office/powerpoint/2010/main" val="2829128906"/>
+        <p14:creationId xmlns:p14="http://schemas.microsoft.com/office/powerpoint/2010/main" val="387277345"/>
       </p:ext>
     </p:extLst>
   </p:cSld>
@@ -10977,7 +11743,7 @@
         </p:spPr>
         <p:txBody>
           <a:bodyPr rtlCol="0">
-            <a:normAutofit lnSpcReduction="10000"/>
+            <a:normAutofit/>
           </a:bodyPr>
           <a:lstStyle/>
           <a:p>
@@ -10999,7 +11765,7 @@
             </a:pPr>
             <a:r>
               <a:rPr lang="pt-BR" dirty="0"/>
-              <a:t>Existem n^2 pares de elementos para serem comparados</a:t>
+              <a:t>Existem n2 pares de elementos para serem comparados</a:t>
             </a:r>
           </a:p>
           <a:p>
@@ -11048,7 +11814,7 @@
                   <a:srgbClr val="0070C0"/>
                 </a:solidFill>
               </a:rPr>
-              <a:t>CONTAGEM-OCORRÊNCIAS</a:t>
+              <a:t>CONTAGEM-OCORRÊNCIAS </a:t>
             </a:r>
             <a:r>
               <a:rPr lang="pt-BR" dirty="0"/>
@@ -11218,29 +11984,134 @@
           </a:p>
         </p:txBody>
       </p:sp>
-      <p:sp>
-        <p:nvSpPr>
-          <p:cNvPr id="14" name="Espaço reservado para conteúdo 13"/>
-          <p:cNvSpPr>
-            <a:spLocks noGrp="1"/>
-          </p:cNvSpPr>
-          <p:nvPr>
-            <p:ph idx="1"/>
-          </p:nvPr>
-        </p:nvSpPr>
-        <p:spPr/>
-        <p:txBody>
-          <a:bodyPr rtlCol="0"/>
-          <a:lstStyle/>
-          <a:p>
-            <a:pPr rtl="0"/>
-            <a:r>
-              <a:rPr lang="pt-BR" dirty="0"/>
-              <a:t>Demonstrar a ordem de complexidade</a:t>
-            </a:r>
-          </a:p>
-        </p:txBody>
-      </p:sp>
+      <mc:AlternateContent xmlns:mc="http://schemas.openxmlformats.org/markup-compatibility/2006">
+        <mc:Choice xmlns:a14="http://schemas.microsoft.com/office/drawing/2010/main" Requires="a14">
+          <p:sp>
+            <p:nvSpPr>
+              <p:cNvPr id="4" name="Retângulo 3">
+                <a:extLst>
+                  <a:ext uri="{FF2B5EF4-FFF2-40B4-BE49-F238E27FC236}">
+                    <a16:creationId xmlns:a16="http://schemas.microsoft.com/office/drawing/2014/main" id="{62F925E2-C744-4294-9C24-024994BBC2F0}"/>
+                  </a:ext>
+                </a:extLst>
+              </p:cNvPr>
+              <p:cNvSpPr/>
+              <p:nvPr/>
+            </p:nvSpPr>
+            <p:spPr>
+              <a:xfrm>
+                <a:off x="2915816" y="3175085"/>
+                <a:ext cx="3161218" cy="1154162"/>
+              </a:xfrm>
+              <a:prstGeom prst="rect">
+                <a:avLst/>
+              </a:prstGeom>
+            </p:spPr>
+            <p:txBody>
+              <a:bodyPr wrap="square">
+                <a:spAutoFit/>
+              </a:bodyPr>
+              <a:lstStyle/>
+              <a:p>
+                <a:pPr>
+                  <a:lnSpc>
+                    <a:spcPct val="150000"/>
+                  </a:lnSpc>
+                </a:pPr>
+                <a14:m>
+                  <m:oMathPara xmlns:m="http://schemas.openxmlformats.org/officeDocument/2006/math">
+                    <m:oMathParaPr>
+                      <m:jc m:val="centerGroup"/>
+                    </m:oMathParaPr>
+                    <m:oMath xmlns:m="http://schemas.openxmlformats.org/officeDocument/2006/math">
+                      <m:r>
+                        <a:rPr lang="pt-BR" sz="4600" b="1" i="1" smtClean="0">
+                          <a:latin typeface="Cambria Math" panose="02040503050406030204" pitchFamily="18" charset="0"/>
+                          <a:ea typeface="Cambria Math" panose="02040503050406030204" pitchFamily="18" charset="0"/>
+                        </a:rPr>
+                        <m:t>𝜽</m:t>
+                      </m:r>
+                      <m:r>
+                        <a:rPr lang="pt-BR" sz="4600" b="1" i="1" smtClean="0">
+                          <a:latin typeface="Cambria Math" panose="02040503050406030204" pitchFamily="18" charset="0"/>
+                          <a:ea typeface="Cambria Math" panose="02040503050406030204" pitchFamily="18" charset="0"/>
+                        </a:rPr>
+                        <m:t>(</m:t>
+                      </m:r>
+                      <m:r>
+                        <a:rPr lang="pt-BR" sz="4600" b="1" i="1" smtClean="0">
+                          <a:latin typeface="Cambria Math" panose="02040503050406030204" pitchFamily="18" charset="0"/>
+                          <a:ea typeface="Cambria Math" panose="02040503050406030204" pitchFamily="18" charset="0"/>
+                        </a:rPr>
+                        <m:t>𝒏</m:t>
+                      </m:r>
+                      <m:r>
+                        <a:rPr lang="pt-BR" sz="4600" b="1" i="1" baseline="30000" smtClean="0">
+                          <a:latin typeface="Cambria Math" panose="02040503050406030204" pitchFamily="18" charset="0"/>
+                          <a:ea typeface="Cambria Math" panose="02040503050406030204" pitchFamily="18" charset="0"/>
+                        </a:rPr>
+                        <m:t>𝟐</m:t>
+                      </m:r>
+                      <m:r>
+                        <a:rPr lang="pt-BR" sz="4600" b="1" i="1">
+                          <a:latin typeface="Cambria Math" panose="02040503050406030204" pitchFamily="18" charset="0"/>
+                          <a:ea typeface="Cambria Math" panose="02040503050406030204" pitchFamily="18" charset="0"/>
+                        </a:rPr>
+                        <m:t>)</m:t>
+                      </m:r>
+                    </m:oMath>
+                  </m:oMathPara>
+                </a14:m>
+                <a:endParaRPr lang="pt-BR" sz="4600" b="1" dirty="0"/>
+              </a:p>
+            </p:txBody>
+          </p:sp>
+        </mc:Choice>
+        <mc:Fallback>
+          <p:sp>
+            <p:nvSpPr>
+              <p:cNvPr id="4" name="Retângulo 3">
+                <a:extLst>
+                  <a:ext uri="{FF2B5EF4-FFF2-40B4-BE49-F238E27FC236}">
+                    <a16:creationId xmlns:a16="http://schemas.microsoft.com/office/drawing/2014/main" id="{62F925E2-C744-4294-9C24-024994BBC2F0}"/>
+                  </a:ext>
+                </a:extLst>
+              </p:cNvPr>
+              <p:cNvSpPr>
+                <a:spLocks noRot="1" noChangeAspect="1" noMove="1" noResize="1" noEditPoints="1" noAdjustHandles="1" noChangeArrowheads="1" noChangeShapeType="1" noTextEdit="1"/>
+              </p:cNvSpPr>
+              <p:nvPr/>
+            </p:nvSpPr>
+            <p:spPr>
+              <a:xfrm>
+                <a:off x="2915816" y="3175085"/>
+                <a:ext cx="3161218" cy="1154162"/>
+              </a:xfrm>
+              <a:prstGeom prst="rect">
+                <a:avLst/>
+              </a:prstGeom>
+              <a:blipFill>
+                <a:blip r:embed="rId3"/>
+                <a:stretch>
+                  <a:fillRect/>
+                </a:stretch>
+              </a:blipFill>
+            </p:spPr>
+            <p:txBody>
+              <a:bodyPr/>
+              <a:lstStyle/>
+              <a:p>
+                <a:r>
+                  <a:rPr lang="pt-BR">
+                    <a:noFill/>
+                  </a:rPr>
+                  <a:t> </a:t>
+                </a:r>
+              </a:p>
+            </p:txBody>
+          </p:sp>
+        </mc:Fallback>
+      </mc:AlternateContent>
     </p:spTree>
     <p:extLst>
       <p:ext uri="{BB962C8B-B14F-4D97-AF65-F5344CB8AC3E}">
@@ -11316,7 +12187,12 @@
             <p:ph idx="1"/>
           </p:nvPr>
         </p:nvSpPr>
-        <p:spPr/>
+        <p:spPr>
+          <a:xfrm>
+            <a:off x="1195389" y="1600200"/>
+            <a:ext cx="7339012" cy="388640"/>
+          </a:xfrm>
+        </p:spPr>
         <p:txBody>
           <a:bodyPr rtlCol="0"/>
           <a:lstStyle/>
@@ -11324,35 +12200,35 @@
             <a:pPr rtl="0"/>
             <a:r>
               <a:rPr lang="pt-BR" dirty="0"/>
-              <a:t>Trecho do código responsável pelo tempo exponencial</a:t>
+              <a:t>Código responsável pelo tempo quadrático</a:t>
             </a:r>
           </a:p>
         </p:txBody>
       </p:sp>
       <p:pic>
         <p:nvPicPr>
-          <p:cNvPr id="16" name="Imagem 15"/>
+          <p:cNvPr id="3" name="Imagem 2">
+            <a:extLst>
+              <a:ext uri="{FF2B5EF4-FFF2-40B4-BE49-F238E27FC236}">
+                <a16:creationId xmlns:a16="http://schemas.microsoft.com/office/drawing/2014/main" id="{4239BA0E-DAAA-4237-A758-5788ED74F88F}"/>
+              </a:ext>
+            </a:extLst>
+          </p:cNvPr>
           <p:cNvPicPr>
             <a:picLocks noChangeAspect="1"/>
           </p:cNvPicPr>
           <p:nvPr/>
         </p:nvPicPr>
         <p:blipFill>
-          <a:blip r:embed="rId3">
-            <a:extLst>
-              <a:ext uri="{28A0092B-C50C-407E-A947-70E740481C1C}">
-                <a14:useLocalDpi xmlns:a14="http://schemas.microsoft.com/office/drawing/2010/main" val="0"/>
-              </a:ext>
-            </a:extLst>
-          </a:blip>
+          <a:blip r:embed="rId3"/>
           <a:stretch>
             <a:fillRect/>
           </a:stretch>
         </p:blipFill>
         <p:spPr>
           <a:xfrm>
-            <a:off x="1534779" y="2276872"/>
-            <a:ext cx="6421597" cy="3949047"/>
+            <a:off x="1619672" y="2204864"/>
+            <a:ext cx="6211911" cy="4364208"/>
           </a:xfrm>
           <a:prstGeom prst="rect">
             <a:avLst/>
@@ -11464,46 +12340,1266 @@
             <a:pPr rtl="0"/>
             <a:endParaRPr lang="pt-BR" dirty="0"/>
           </a:p>
-          <a:p>
-            <a:pPr rtl="0"/>
-            <a:r>
-              <a:rPr lang="pt-BR" dirty="0"/>
-              <a:t>Listar as opções de algoritmos conhecidos e suas ordens de complexidade e exibir a escolha pelo </a:t>
-            </a:r>
-            <a:r>
-              <a:rPr lang="pt-BR" dirty="0" err="1"/>
-              <a:t>mergesort</a:t>
-            </a:r>
-            <a:endParaRPr lang="pt-BR" dirty="0"/>
-          </a:p>
-          <a:p>
-            <a:pPr rtl="0"/>
-            <a:r>
-              <a:rPr lang="pt-BR" dirty="0"/>
-              <a:t>Falar sobre essa técnica</a:t>
-            </a:r>
-          </a:p>
-          <a:p>
-            <a:r>
-              <a:rPr lang="pt-BR" dirty="0"/>
-              <a:t>Como a ordenação requer tempo O (n </a:t>
-            </a:r>
-            <a:r>
-              <a:rPr lang="pt-BR" dirty="0" err="1"/>
-              <a:t>lg</a:t>
-            </a:r>
-            <a:r>
-              <a:rPr lang="pt-BR" dirty="0"/>
-              <a:t> n) e o cálculo após a ordenação requer tempo O (n), esta solução usa o tempo O (n </a:t>
-            </a:r>
-            <a:r>
-              <a:rPr lang="pt-BR" dirty="0" err="1"/>
-              <a:t>lg</a:t>
-            </a:r>
-            <a:r>
-              <a:rPr lang="pt-BR" dirty="0"/>
-              <a:t> n).</a:t>
-            </a:r>
+        </p:txBody>
+      </p:sp>
+      <p:graphicFrame>
+        <p:nvGraphicFramePr>
+          <p:cNvPr id="2" name="Tabela 1">
+            <a:extLst>
+              <a:ext uri="{FF2B5EF4-FFF2-40B4-BE49-F238E27FC236}">
+                <a16:creationId xmlns:a16="http://schemas.microsoft.com/office/drawing/2014/main" id="{D34CA26B-AE52-4110-8962-8EA7B7830A2F}"/>
+              </a:ext>
+            </a:extLst>
+          </p:cNvPr>
+          <p:cNvGraphicFramePr>
+            <a:graphicFrameLocks noGrp="1"/>
+          </p:cNvGraphicFramePr>
+          <p:nvPr>
+            <p:extLst>
+              <p:ext uri="{D42A27DB-BD31-4B8C-83A1-F6EECF244321}">
+                <p14:modId xmlns:p14="http://schemas.microsoft.com/office/powerpoint/2010/main" val="3902515617"/>
+              </p:ext>
+            </p:extLst>
+          </p:nvPr>
+        </p:nvGraphicFramePr>
+        <p:xfrm>
+          <a:off x="1479539" y="2852936"/>
+          <a:ext cx="6770712" cy="3600401"/>
+        </p:xfrm>
+        <a:graphic>
+          <a:graphicData uri="http://schemas.openxmlformats.org/drawingml/2006/table">
+            <a:tbl>
+              <a:tblPr/>
+              <a:tblGrid>
+                <a:gridCol w="1692678">
+                  <a:extLst>
+                    <a:ext uri="{9D8B030D-6E8A-4147-A177-3AD203B41FA5}">
+                      <a16:colId xmlns:a16="http://schemas.microsoft.com/office/drawing/2014/main" val="3108865484"/>
+                    </a:ext>
+                  </a:extLst>
+                </a:gridCol>
+                <a:gridCol w="1692678">
+                  <a:extLst>
+                    <a:ext uri="{9D8B030D-6E8A-4147-A177-3AD203B41FA5}">
+                      <a16:colId xmlns:a16="http://schemas.microsoft.com/office/drawing/2014/main" val="1447478300"/>
+                    </a:ext>
+                  </a:extLst>
+                </a:gridCol>
+                <a:gridCol w="1692678">
+                  <a:extLst>
+                    <a:ext uri="{9D8B030D-6E8A-4147-A177-3AD203B41FA5}">
+                      <a16:colId xmlns:a16="http://schemas.microsoft.com/office/drawing/2014/main" val="2386158857"/>
+                    </a:ext>
+                  </a:extLst>
+                </a:gridCol>
+                <a:gridCol w="1692678">
+                  <a:extLst>
+                    <a:ext uri="{9D8B030D-6E8A-4147-A177-3AD203B41FA5}">
+                      <a16:colId xmlns:a16="http://schemas.microsoft.com/office/drawing/2014/main" val="3000743118"/>
+                    </a:ext>
+                  </a:extLst>
+                </a:gridCol>
+              </a:tblGrid>
+              <a:tr h="692821">
+                <a:tc>
+                  <a:txBody>
+                    <a:bodyPr/>
+                    <a:lstStyle/>
+                    <a:p>
+                      <a:pPr algn="ctr" fontAlgn="base"/>
+                      <a:r>
+                        <a:rPr lang="pt-BR" b="1" dirty="0">
+                          <a:effectLst/>
+                          <a:latin typeface="inherit"/>
+                        </a:rPr>
+                        <a:t>Algoritmo</a:t>
+                      </a:r>
+                    </a:p>
+                  </a:txBody>
+                  <a:tcPr marL="76200" marR="76200" marT="38100" marB="15240" anchor="ctr">
+                    <a:lnL>
+                      <a:noFill/>
+                    </a:lnL>
+                    <a:lnR>
+                      <a:noFill/>
+                    </a:lnR>
+                    <a:lnT>
+                      <a:noFill/>
+                    </a:lnT>
+                    <a:lnB w="15240" cap="flat" cmpd="sng" algn="ctr">
+                      <a:solidFill>
+                        <a:srgbClr val="CCCCCC"/>
+                      </a:solidFill>
+                      <a:prstDash val="solid"/>
+                      <a:round/>
+                      <a:headEnd type="none" w="med" len="med"/>
+                      <a:tailEnd type="none" w="med" len="med"/>
+                    </a:lnB>
+                    <a:solidFill>
+                      <a:srgbClr val="FFFFFF"/>
+                    </a:solidFill>
+                  </a:tcPr>
+                </a:tc>
+                <a:tc>
+                  <a:txBody>
+                    <a:bodyPr/>
+                    <a:lstStyle/>
+                    <a:p>
+                      <a:pPr algn="ctr" fontAlgn="base"/>
+                      <a:r>
+                        <a:rPr lang="pt-BR" b="1" dirty="0">
+                          <a:effectLst/>
+                          <a:latin typeface="inherit"/>
+                        </a:rPr>
+                        <a:t>Tempo de execução no pior caso</a:t>
+                      </a:r>
+                    </a:p>
+                  </a:txBody>
+                  <a:tcPr marL="76200" marR="76200" marT="38100" marB="15240" anchor="ctr">
+                    <a:lnL>
+                      <a:noFill/>
+                    </a:lnL>
+                    <a:lnR>
+                      <a:noFill/>
+                    </a:lnR>
+                    <a:lnT>
+                      <a:noFill/>
+                    </a:lnT>
+                    <a:lnB w="15240" cap="flat" cmpd="sng" algn="ctr">
+                      <a:solidFill>
+                        <a:srgbClr val="CCCCCC"/>
+                      </a:solidFill>
+                      <a:prstDash val="solid"/>
+                      <a:round/>
+                      <a:headEnd type="none" w="med" len="med"/>
+                      <a:tailEnd type="none" w="med" len="med"/>
+                    </a:lnB>
+                    <a:solidFill>
+                      <a:srgbClr val="FFFFFF"/>
+                    </a:solidFill>
+                  </a:tcPr>
+                </a:tc>
+                <a:tc>
+                  <a:txBody>
+                    <a:bodyPr/>
+                    <a:lstStyle/>
+                    <a:p>
+                      <a:pPr algn="ctr" fontAlgn="base"/>
+                      <a:r>
+                        <a:rPr lang="pt-BR" b="1" dirty="0">
+                          <a:effectLst/>
+                          <a:latin typeface="inherit"/>
+                        </a:rPr>
+                        <a:t>Tempo de execução no melhor caso</a:t>
+                      </a:r>
+                    </a:p>
+                  </a:txBody>
+                  <a:tcPr marL="76200" marR="76200" marT="38100" marB="15240" anchor="ctr">
+                    <a:lnL>
+                      <a:noFill/>
+                    </a:lnL>
+                    <a:lnR>
+                      <a:noFill/>
+                    </a:lnR>
+                    <a:lnT>
+                      <a:noFill/>
+                    </a:lnT>
+                    <a:lnB w="15240" cap="flat" cmpd="sng" algn="ctr">
+                      <a:solidFill>
+                        <a:srgbClr val="CCCCCC"/>
+                      </a:solidFill>
+                      <a:prstDash val="solid"/>
+                      <a:round/>
+                      <a:headEnd type="none" w="med" len="med"/>
+                      <a:tailEnd type="none" w="med" len="med"/>
+                    </a:lnB>
+                    <a:solidFill>
+                      <a:srgbClr val="FFFFFF"/>
+                    </a:solidFill>
+                  </a:tcPr>
+                </a:tc>
+                <a:tc>
+                  <a:txBody>
+                    <a:bodyPr/>
+                    <a:lstStyle/>
+                    <a:p>
+                      <a:pPr algn="ctr" fontAlgn="base"/>
+                      <a:r>
+                        <a:rPr lang="pt-BR" b="1">
+                          <a:effectLst/>
+                          <a:latin typeface="inherit"/>
+                        </a:rPr>
+                        <a:t>Tempo de execução médio</a:t>
+                      </a:r>
+                    </a:p>
+                  </a:txBody>
+                  <a:tcPr marL="76200" marR="76200" marT="38100" marB="15240" anchor="ctr">
+                    <a:lnL>
+                      <a:noFill/>
+                    </a:lnL>
+                    <a:lnR>
+                      <a:noFill/>
+                    </a:lnR>
+                    <a:lnT>
+                      <a:noFill/>
+                    </a:lnT>
+                    <a:lnB w="15240" cap="flat" cmpd="sng" algn="ctr">
+                      <a:solidFill>
+                        <a:srgbClr val="CCCCCC"/>
+                      </a:solidFill>
+                      <a:prstDash val="solid"/>
+                      <a:round/>
+                      <a:headEnd type="none" w="med" len="med"/>
+                      <a:tailEnd type="none" w="med" len="med"/>
+                    </a:lnB>
+                    <a:solidFill>
+                      <a:srgbClr val="FFFFFF"/>
+                    </a:solidFill>
+                  </a:tcPr>
+                </a:tc>
+                <a:extLst>
+                  <a:ext uri="{0D108BD9-81ED-4DB2-BD59-A6C34878D82A}">
+                    <a16:rowId xmlns:a16="http://schemas.microsoft.com/office/drawing/2014/main" val="560531361"/>
+                  </a:ext>
+                </a:extLst>
+              </a:tr>
+              <a:tr h="1033553">
+                <a:tc>
+                  <a:txBody>
+                    <a:bodyPr/>
+                    <a:lstStyle/>
+                    <a:p>
+                      <a:pPr algn="l" fontAlgn="base"/>
+                      <a:r>
+                        <a:rPr lang="pt-BR" dirty="0">
+                          <a:effectLst/>
+                        </a:rPr>
+                        <a:t>Ordenação por seleção (</a:t>
+                      </a:r>
+                      <a:r>
+                        <a:rPr lang="pt-BR" dirty="0" err="1">
+                          <a:effectLst/>
+                        </a:rPr>
+                        <a:t>selection</a:t>
+                      </a:r>
+                      <a:r>
+                        <a:rPr lang="pt-BR" dirty="0">
+                          <a:effectLst/>
+                        </a:rPr>
+                        <a:t> </a:t>
+                      </a:r>
+                      <a:r>
+                        <a:rPr lang="pt-BR" dirty="0" err="1">
+                          <a:effectLst/>
+                        </a:rPr>
+                        <a:t>sort</a:t>
+                      </a:r>
+                      <a:r>
+                        <a:rPr lang="pt-BR" dirty="0">
+                          <a:effectLst/>
+                        </a:rPr>
+                        <a:t>)</a:t>
+                      </a:r>
+                    </a:p>
+                  </a:txBody>
+                  <a:tcPr marL="76200" marR="76200" marT="38100" marB="38100" anchor="ctr">
+                    <a:lnL>
+                      <a:noFill/>
+                    </a:lnL>
+                    <a:lnR>
+                      <a:noFill/>
+                    </a:lnR>
+                    <a:lnT w="15240" cap="flat" cmpd="sng" algn="ctr">
+                      <a:solidFill>
+                        <a:srgbClr val="CCCCCC"/>
+                      </a:solidFill>
+                      <a:prstDash val="solid"/>
+                      <a:round/>
+                      <a:headEnd type="none" w="med" len="med"/>
+                      <a:tailEnd type="none" w="med" len="med"/>
+                    </a:lnT>
+                    <a:lnB>
+                      <a:noFill/>
+                    </a:lnB>
+                    <a:solidFill>
+                      <a:srgbClr val="EDEDED"/>
+                    </a:solidFill>
+                  </a:tcPr>
+                </a:tc>
+                <a:tc>
+                  <a:txBody>
+                    <a:bodyPr/>
+                    <a:lstStyle/>
+                    <a:p>
+                      <a:pPr algn="ctr" fontAlgn="base"/>
+                      <a:r>
+                        <a:rPr lang="pt-BR" dirty="0">
+                          <a:effectLst/>
+                          <a:latin typeface="KaTeX_Main"/>
+                        </a:rPr>
+                        <a:t>Θ(</a:t>
+                      </a:r>
+                      <a:r>
+                        <a:rPr lang="pt-BR" i="1" dirty="0">
+                          <a:effectLst/>
+                          <a:latin typeface="KaTeX_Math"/>
+                        </a:rPr>
+                        <a:t>n</a:t>
+                      </a:r>
+                      <a:r>
+                        <a:rPr lang="pt-BR" dirty="0">
+                          <a:effectLst/>
+                          <a:latin typeface="inherit"/>
+                        </a:rPr>
+                        <a:t>2</a:t>
+                      </a:r>
+                      <a:r>
+                        <a:rPr lang="pt-BR" dirty="0">
+                          <a:effectLst/>
+                          <a:latin typeface="KaTeX_Main"/>
+                        </a:rPr>
+                        <a:t>)</a:t>
+                      </a:r>
+                      <a:endParaRPr lang="pt-BR" dirty="0">
+                        <a:effectLst/>
+                      </a:endParaRPr>
+                    </a:p>
+                  </a:txBody>
+                  <a:tcPr marL="76200" marR="76200" marT="38100" marB="38100" anchor="ctr">
+                    <a:lnL>
+                      <a:noFill/>
+                    </a:lnL>
+                    <a:lnR>
+                      <a:noFill/>
+                    </a:lnR>
+                    <a:lnT w="15240" cap="flat" cmpd="sng" algn="ctr">
+                      <a:solidFill>
+                        <a:srgbClr val="CCCCCC"/>
+                      </a:solidFill>
+                      <a:prstDash val="solid"/>
+                      <a:round/>
+                      <a:headEnd type="none" w="med" len="med"/>
+                      <a:tailEnd type="none" w="med" len="med"/>
+                    </a:lnT>
+                    <a:lnB>
+                      <a:noFill/>
+                    </a:lnB>
+                    <a:solidFill>
+                      <a:srgbClr val="EDEDED"/>
+                    </a:solidFill>
+                  </a:tcPr>
+                </a:tc>
+                <a:tc>
+                  <a:txBody>
+                    <a:bodyPr/>
+                    <a:lstStyle/>
+                    <a:p>
+                      <a:pPr algn="ctr" fontAlgn="base"/>
+                      <a:r>
+                        <a:rPr lang="pt-BR" dirty="0">
+                          <a:effectLst/>
+                          <a:latin typeface="KaTeX_Main"/>
+                        </a:rPr>
+                        <a:t>Θ(</a:t>
+                      </a:r>
+                      <a:r>
+                        <a:rPr lang="pt-BR" i="1" dirty="0">
+                          <a:effectLst/>
+                          <a:latin typeface="KaTeX_Math"/>
+                        </a:rPr>
+                        <a:t>n</a:t>
+                      </a:r>
+                      <a:r>
+                        <a:rPr lang="pt-BR" dirty="0">
+                          <a:effectLst/>
+                          <a:latin typeface="inherit"/>
+                        </a:rPr>
+                        <a:t>2</a:t>
+                      </a:r>
+                      <a:r>
+                        <a:rPr lang="pt-BR" dirty="0">
+                          <a:effectLst/>
+                          <a:latin typeface="KaTeX_Main"/>
+                        </a:rPr>
+                        <a:t>)</a:t>
+                      </a:r>
+                      <a:endParaRPr lang="pt-BR" dirty="0">
+                        <a:effectLst/>
+                      </a:endParaRPr>
+                    </a:p>
+                  </a:txBody>
+                  <a:tcPr marL="76200" marR="76200" marT="38100" marB="38100" anchor="ctr">
+                    <a:lnL>
+                      <a:noFill/>
+                    </a:lnL>
+                    <a:lnR>
+                      <a:noFill/>
+                    </a:lnR>
+                    <a:lnT w="15240" cap="flat" cmpd="sng" algn="ctr">
+                      <a:solidFill>
+                        <a:srgbClr val="CCCCCC"/>
+                      </a:solidFill>
+                      <a:prstDash val="solid"/>
+                      <a:round/>
+                      <a:headEnd type="none" w="med" len="med"/>
+                      <a:tailEnd type="none" w="med" len="med"/>
+                    </a:lnT>
+                    <a:lnB>
+                      <a:noFill/>
+                    </a:lnB>
+                    <a:solidFill>
+                      <a:srgbClr val="EDEDED"/>
+                    </a:solidFill>
+                  </a:tcPr>
+                </a:tc>
+                <a:tc>
+                  <a:txBody>
+                    <a:bodyPr/>
+                    <a:lstStyle/>
+                    <a:p>
+                      <a:pPr algn="ctr" fontAlgn="base"/>
+                      <a:r>
+                        <a:rPr lang="pt-BR" dirty="0">
+                          <a:effectLst/>
+                          <a:latin typeface="KaTeX_Main"/>
+                        </a:rPr>
+                        <a:t>Θ(</a:t>
+                      </a:r>
+                      <a:r>
+                        <a:rPr lang="pt-BR" i="1" dirty="0">
+                          <a:effectLst/>
+                          <a:latin typeface="KaTeX_Math"/>
+                        </a:rPr>
+                        <a:t>n</a:t>
+                      </a:r>
+                      <a:r>
+                        <a:rPr lang="pt-BR" dirty="0">
+                          <a:effectLst/>
+                          <a:latin typeface="inherit"/>
+                        </a:rPr>
+                        <a:t>2</a:t>
+                      </a:r>
+                      <a:r>
+                        <a:rPr lang="pt-BR" dirty="0">
+                          <a:effectLst/>
+                          <a:latin typeface="KaTeX_Main"/>
+                        </a:rPr>
+                        <a:t>)</a:t>
+                      </a:r>
+                      <a:endParaRPr lang="pt-BR" dirty="0">
+                        <a:effectLst/>
+                      </a:endParaRPr>
+                    </a:p>
+                  </a:txBody>
+                  <a:tcPr marL="76200" marR="76200" marT="38100" marB="38100" anchor="ctr">
+                    <a:lnL>
+                      <a:noFill/>
+                    </a:lnL>
+                    <a:lnR>
+                      <a:noFill/>
+                    </a:lnR>
+                    <a:lnT w="15240" cap="flat" cmpd="sng" algn="ctr">
+                      <a:solidFill>
+                        <a:srgbClr val="CCCCCC"/>
+                      </a:solidFill>
+                      <a:prstDash val="solid"/>
+                      <a:round/>
+                      <a:headEnd type="none" w="med" len="med"/>
+                      <a:tailEnd type="none" w="med" len="med"/>
+                    </a:lnT>
+                    <a:lnB>
+                      <a:noFill/>
+                    </a:lnB>
+                    <a:solidFill>
+                      <a:srgbClr val="EDEDED"/>
+                    </a:solidFill>
+                  </a:tcPr>
+                </a:tc>
+                <a:extLst>
+                  <a:ext uri="{0D108BD9-81ED-4DB2-BD59-A6C34878D82A}">
+                    <a16:rowId xmlns:a16="http://schemas.microsoft.com/office/drawing/2014/main" val="2209132482"/>
+                  </a:ext>
+                </a:extLst>
+              </a:tr>
+              <a:tr h="420237">
+                <a:tc>
+                  <a:txBody>
+                    <a:bodyPr/>
+                    <a:lstStyle/>
+                    <a:p>
+                      <a:pPr algn="l" fontAlgn="base"/>
+                      <a:r>
+                        <a:rPr lang="pt-BR">
+                          <a:effectLst/>
+                        </a:rPr>
+                        <a:t>Insertion sort</a:t>
+                      </a:r>
+                    </a:p>
+                  </a:txBody>
+                  <a:tcPr marL="76200" marR="76200" marT="38100" marB="38100" anchor="ctr">
+                    <a:lnL>
+                      <a:noFill/>
+                    </a:lnL>
+                    <a:lnR>
+                      <a:noFill/>
+                    </a:lnR>
+                    <a:lnT>
+                      <a:noFill/>
+                    </a:lnT>
+                    <a:lnB>
+                      <a:noFill/>
+                    </a:lnB>
+                    <a:solidFill>
+                      <a:srgbClr val="FFFFFF"/>
+                    </a:solidFill>
+                  </a:tcPr>
+                </a:tc>
+                <a:tc>
+                  <a:txBody>
+                    <a:bodyPr/>
+                    <a:lstStyle/>
+                    <a:p>
+                      <a:pPr algn="ctr" fontAlgn="base"/>
+                      <a:r>
+                        <a:rPr lang="pt-BR" dirty="0">
+                          <a:effectLst/>
+                          <a:latin typeface="KaTeX_Main"/>
+                        </a:rPr>
+                        <a:t>Θ(</a:t>
+                      </a:r>
+                      <a:r>
+                        <a:rPr lang="pt-BR" i="1" dirty="0">
+                          <a:effectLst/>
+                          <a:latin typeface="KaTeX_Math"/>
+                        </a:rPr>
+                        <a:t>n</a:t>
+                      </a:r>
+                      <a:r>
+                        <a:rPr lang="pt-BR" dirty="0">
+                          <a:effectLst/>
+                          <a:latin typeface="inherit"/>
+                        </a:rPr>
+                        <a:t>2</a:t>
+                      </a:r>
+                      <a:r>
+                        <a:rPr lang="pt-BR" dirty="0">
+                          <a:effectLst/>
+                          <a:latin typeface="KaTeX_Main"/>
+                        </a:rPr>
+                        <a:t>)</a:t>
+                      </a:r>
+                      <a:endParaRPr lang="pt-BR" dirty="0">
+                        <a:effectLst/>
+                      </a:endParaRPr>
+                    </a:p>
+                  </a:txBody>
+                  <a:tcPr marL="76200" marR="76200" marT="38100" marB="38100" anchor="ctr">
+                    <a:lnL>
+                      <a:noFill/>
+                    </a:lnL>
+                    <a:lnR>
+                      <a:noFill/>
+                    </a:lnR>
+                    <a:lnT>
+                      <a:noFill/>
+                    </a:lnT>
+                    <a:lnB>
+                      <a:noFill/>
+                    </a:lnB>
+                    <a:solidFill>
+                      <a:srgbClr val="FFFFFF"/>
+                    </a:solidFill>
+                  </a:tcPr>
+                </a:tc>
+                <a:tc>
+                  <a:txBody>
+                    <a:bodyPr/>
+                    <a:lstStyle/>
+                    <a:p>
+                      <a:pPr algn="ctr" fontAlgn="base"/>
+                      <a:r>
+                        <a:rPr lang="el-GR" dirty="0">
+                          <a:effectLst/>
+                          <a:latin typeface="KaTeX_Main"/>
+                        </a:rPr>
+                        <a:t>Θ(</a:t>
+                      </a:r>
+                      <a:r>
+                        <a:rPr lang="pt-BR" i="1" dirty="0">
+                          <a:effectLst/>
+                          <a:latin typeface="KaTeX_Math"/>
+                        </a:rPr>
+                        <a:t>n</a:t>
+                      </a:r>
+                      <a:r>
+                        <a:rPr lang="pt-BR" dirty="0">
+                          <a:effectLst/>
+                          <a:latin typeface="KaTeX_Main"/>
+                        </a:rPr>
+                        <a:t>)</a:t>
+                      </a:r>
+                      <a:endParaRPr lang="pt-BR" dirty="0">
+                        <a:effectLst/>
+                      </a:endParaRPr>
+                    </a:p>
+                  </a:txBody>
+                  <a:tcPr marL="76200" marR="76200" marT="38100" marB="38100" anchor="ctr">
+                    <a:lnL>
+                      <a:noFill/>
+                    </a:lnL>
+                    <a:lnR>
+                      <a:noFill/>
+                    </a:lnR>
+                    <a:lnT>
+                      <a:noFill/>
+                    </a:lnT>
+                    <a:lnB>
+                      <a:noFill/>
+                    </a:lnB>
+                    <a:solidFill>
+                      <a:srgbClr val="FFFFFF"/>
+                    </a:solidFill>
+                  </a:tcPr>
+                </a:tc>
+                <a:tc>
+                  <a:txBody>
+                    <a:bodyPr/>
+                    <a:lstStyle/>
+                    <a:p>
+                      <a:pPr algn="ctr" fontAlgn="base"/>
+                      <a:r>
+                        <a:rPr lang="pt-BR" dirty="0">
+                          <a:effectLst/>
+                          <a:latin typeface="KaTeX_Main"/>
+                        </a:rPr>
+                        <a:t>Θ(</a:t>
+                      </a:r>
+                      <a:r>
+                        <a:rPr lang="pt-BR" i="1" dirty="0">
+                          <a:effectLst/>
+                          <a:latin typeface="KaTeX_Math"/>
+                        </a:rPr>
+                        <a:t>n</a:t>
+                      </a:r>
+                      <a:r>
+                        <a:rPr lang="pt-BR" dirty="0">
+                          <a:effectLst/>
+                          <a:latin typeface="inherit"/>
+                        </a:rPr>
+                        <a:t>2</a:t>
+                      </a:r>
+                      <a:r>
+                        <a:rPr lang="pt-BR" dirty="0">
+                          <a:effectLst/>
+                          <a:latin typeface="KaTeX_Main"/>
+                        </a:rPr>
+                        <a:t>)</a:t>
+                      </a:r>
+                      <a:endParaRPr lang="pt-BR" dirty="0">
+                        <a:effectLst/>
+                      </a:endParaRPr>
+                    </a:p>
+                  </a:txBody>
+                  <a:tcPr marL="76200" marR="76200" marT="38100" marB="38100" anchor="ctr">
+                    <a:lnL>
+                      <a:noFill/>
+                    </a:lnL>
+                    <a:lnR>
+                      <a:noFill/>
+                    </a:lnR>
+                    <a:lnT>
+                      <a:noFill/>
+                    </a:lnT>
+                    <a:lnB>
+                      <a:noFill/>
+                    </a:lnB>
+                    <a:solidFill>
+                      <a:srgbClr val="FFFFFF"/>
+                    </a:solidFill>
+                  </a:tcPr>
+                </a:tc>
+                <a:extLst>
+                  <a:ext uri="{0D108BD9-81ED-4DB2-BD59-A6C34878D82A}">
+                    <a16:rowId xmlns:a16="http://schemas.microsoft.com/office/drawing/2014/main" val="25333326"/>
+                  </a:ext>
+                </a:extLst>
+              </a:tr>
+              <a:tr h="1033553">
+                <a:tc>
+                  <a:txBody>
+                    <a:bodyPr/>
+                    <a:lstStyle/>
+                    <a:p>
+                      <a:pPr algn="l" fontAlgn="base"/>
+                      <a:r>
+                        <a:rPr lang="pt-BR" b="1" dirty="0">
+                          <a:solidFill>
+                            <a:srgbClr val="002060"/>
+                          </a:solidFill>
+                          <a:effectLst/>
+                        </a:rPr>
+                        <a:t>Ordenação por combinação (merge </a:t>
+                      </a:r>
+                      <a:r>
+                        <a:rPr lang="pt-BR" b="1" dirty="0" err="1">
+                          <a:solidFill>
+                            <a:srgbClr val="002060"/>
+                          </a:solidFill>
+                          <a:effectLst/>
+                        </a:rPr>
+                        <a:t>sort</a:t>
+                      </a:r>
+                      <a:r>
+                        <a:rPr lang="pt-BR" b="1" dirty="0">
+                          <a:solidFill>
+                            <a:srgbClr val="002060"/>
+                          </a:solidFill>
+                          <a:effectLst/>
+                        </a:rPr>
+                        <a:t>)</a:t>
+                      </a:r>
+                    </a:p>
+                  </a:txBody>
+                  <a:tcPr marL="76200" marR="76200" marT="38100" marB="38100" anchor="ctr">
+                    <a:lnL>
+                      <a:noFill/>
+                    </a:lnL>
+                    <a:lnR>
+                      <a:noFill/>
+                    </a:lnR>
+                    <a:lnT>
+                      <a:noFill/>
+                    </a:lnT>
+                    <a:lnB>
+                      <a:noFill/>
+                    </a:lnB>
+                    <a:solidFill>
+                      <a:srgbClr val="EDEDED"/>
+                    </a:solidFill>
+                  </a:tcPr>
+                </a:tc>
+                <a:tc>
+                  <a:txBody>
+                    <a:bodyPr/>
+                    <a:lstStyle/>
+                    <a:p>
+                      <a:pPr algn="ctr" fontAlgn="base"/>
+                      <a:r>
+                        <a:rPr lang="pt-BR" b="1" dirty="0">
+                          <a:solidFill>
+                            <a:srgbClr val="002060"/>
+                          </a:solidFill>
+                          <a:effectLst/>
+                          <a:latin typeface="KaTeX_Main"/>
+                        </a:rPr>
+                        <a:t>Θ(</a:t>
+                      </a:r>
+                      <a:r>
+                        <a:rPr lang="pt-BR" b="1" i="1" dirty="0" err="1">
+                          <a:solidFill>
+                            <a:srgbClr val="002060"/>
+                          </a:solidFill>
+                          <a:effectLst/>
+                          <a:latin typeface="KaTeX_Math"/>
+                        </a:rPr>
+                        <a:t>n</a:t>
+                      </a:r>
+                      <a:r>
+                        <a:rPr lang="pt-BR" b="1" dirty="0" err="1">
+                          <a:solidFill>
+                            <a:srgbClr val="002060"/>
+                          </a:solidFill>
+                          <a:effectLst/>
+                          <a:latin typeface="KaTeX_Main"/>
+                        </a:rPr>
+                        <a:t>lg</a:t>
+                      </a:r>
+                      <a:r>
+                        <a:rPr lang="pt-BR" b="1" i="1" dirty="0" err="1">
+                          <a:solidFill>
+                            <a:srgbClr val="002060"/>
+                          </a:solidFill>
+                          <a:effectLst/>
+                          <a:latin typeface="KaTeX_Math"/>
+                        </a:rPr>
+                        <a:t>n</a:t>
+                      </a:r>
+                      <a:r>
+                        <a:rPr lang="pt-BR" b="1" dirty="0">
+                          <a:solidFill>
+                            <a:srgbClr val="002060"/>
+                          </a:solidFill>
+                          <a:effectLst/>
+                          <a:latin typeface="KaTeX_Main"/>
+                        </a:rPr>
+                        <a:t>)</a:t>
+                      </a:r>
+                      <a:endParaRPr lang="pt-BR" b="1" dirty="0">
+                        <a:solidFill>
+                          <a:srgbClr val="002060"/>
+                        </a:solidFill>
+                        <a:effectLst/>
+                      </a:endParaRPr>
+                    </a:p>
+                  </a:txBody>
+                  <a:tcPr marL="76200" marR="76200" marT="38100" marB="38100" anchor="ctr">
+                    <a:lnL>
+                      <a:noFill/>
+                    </a:lnL>
+                    <a:lnR>
+                      <a:noFill/>
+                    </a:lnR>
+                    <a:lnT>
+                      <a:noFill/>
+                    </a:lnT>
+                    <a:lnB>
+                      <a:noFill/>
+                    </a:lnB>
+                    <a:solidFill>
+                      <a:srgbClr val="EDEDED"/>
+                    </a:solidFill>
+                  </a:tcPr>
+                </a:tc>
+                <a:tc>
+                  <a:txBody>
+                    <a:bodyPr/>
+                    <a:lstStyle/>
+                    <a:p>
+                      <a:pPr algn="ctr" fontAlgn="base"/>
+                      <a:r>
+                        <a:rPr lang="pt-BR" b="1" dirty="0">
+                          <a:solidFill>
+                            <a:srgbClr val="002060"/>
+                          </a:solidFill>
+                          <a:effectLst/>
+                          <a:latin typeface="KaTeX_Main"/>
+                        </a:rPr>
+                        <a:t>Θ(</a:t>
+                      </a:r>
+                      <a:r>
+                        <a:rPr lang="pt-BR" b="1" i="1" dirty="0" err="1">
+                          <a:solidFill>
+                            <a:srgbClr val="002060"/>
+                          </a:solidFill>
+                          <a:effectLst/>
+                          <a:latin typeface="KaTeX_Math"/>
+                        </a:rPr>
+                        <a:t>n</a:t>
+                      </a:r>
+                      <a:r>
+                        <a:rPr lang="pt-BR" b="1" dirty="0" err="1">
+                          <a:solidFill>
+                            <a:srgbClr val="002060"/>
+                          </a:solidFill>
+                          <a:effectLst/>
+                          <a:latin typeface="KaTeX_Main"/>
+                        </a:rPr>
+                        <a:t>lg</a:t>
+                      </a:r>
+                      <a:r>
+                        <a:rPr lang="pt-BR" b="1" i="1" dirty="0" err="1">
+                          <a:solidFill>
+                            <a:srgbClr val="002060"/>
+                          </a:solidFill>
+                          <a:effectLst/>
+                          <a:latin typeface="KaTeX_Math"/>
+                        </a:rPr>
+                        <a:t>n</a:t>
+                      </a:r>
+                      <a:r>
+                        <a:rPr lang="pt-BR" b="1" dirty="0">
+                          <a:solidFill>
+                            <a:srgbClr val="002060"/>
+                          </a:solidFill>
+                          <a:effectLst/>
+                          <a:latin typeface="KaTeX_Main"/>
+                        </a:rPr>
+                        <a:t>)</a:t>
+                      </a:r>
+                      <a:endParaRPr lang="pt-BR" b="1" dirty="0">
+                        <a:solidFill>
+                          <a:srgbClr val="002060"/>
+                        </a:solidFill>
+                        <a:effectLst/>
+                      </a:endParaRPr>
+                    </a:p>
+                  </a:txBody>
+                  <a:tcPr marL="76200" marR="76200" marT="38100" marB="38100" anchor="ctr">
+                    <a:lnL>
+                      <a:noFill/>
+                    </a:lnL>
+                    <a:lnR>
+                      <a:noFill/>
+                    </a:lnR>
+                    <a:lnT>
+                      <a:noFill/>
+                    </a:lnT>
+                    <a:lnB>
+                      <a:noFill/>
+                    </a:lnB>
+                    <a:solidFill>
+                      <a:srgbClr val="EDEDED"/>
+                    </a:solidFill>
+                  </a:tcPr>
+                </a:tc>
+                <a:tc>
+                  <a:txBody>
+                    <a:bodyPr/>
+                    <a:lstStyle/>
+                    <a:p>
+                      <a:pPr algn="ctr" fontAlgn="base"/>
+                      <a:r>
+                        <a:rPr lang="pt-BR" b="1" dirty="0">
+                          <a:solidFill>
+                            <a:srgbClr val="002060"/>
+                          </a:solidFill>
+                          <a:effectLst/>
+                          <a:latin typeface="KaTeX_Main"/>
+                        </a:rPr>
+                        <a:t>Θ(</a:t>
+                      </a:r>
+                      <a:r>
+                        <a:rPr lang="pt-BR" b="1" i="1" dirty="0" err="1">
+                          <a:solidFill>
+                            <a:srgbClr val="002060"/>
+                          </a:solidFill>
+                          <a:effectLst/>
+                          <a:latin typeface="KaTeX_Math"/>
+                        </a:rPr>
+                        <a:t>n</a:t>
+                      </a:r>
+                      <a:r>
+                        <a:rPr lang="pt-BR" b="1" dirty="0" err="1">
+                          <a:solidFill>
+                            <a:srgbClr val="002060"/>
+                          </a:solidFill>
+                          <a:effectLst/>
+                          <a:latin typeface="KaTeX_Main"/>
+                        </a:rPr>
+                        <a:t>lg</a:t>
+                      </a:r>
+                      <a:r>
+                        <a:rPr lang="pt-BR" b="1" i="1" dirty="0" err="1">
+                          <a:solidFill>
+                            <a:srgbClr val="002060"/>
+                          </a:solidFill>
+                          <a:effectLst/>
+                          <a:latin typeface="KaTeX_Math"/>
+                        </a:rPr>
+                        <a:t>n</a:t>
+                      </a:r>
+                      <a:r>
+                        <a:rPr lang="pt-BR" b="1" dirty="0">
+                          <a:solidFill>
+                            <a:srgbClr val="002060"/>
+                          </a:solidFill>
+                          <a:effectLst/>
+                          <a:latin typeface="KaTeX_Main"/>
+                        </a:rPr>
+                        <a:t>)</a:t>
+                      </a:r>
+                      <a:endParaRPr lang="pt-BR" b="1" dirty="0">
+                        <a:solidFill>
+                          <a:srgbClr val="002060"/>
+                        </a:solidFill>
+                        <a:effectLst/>
+                      </a:endParaRPr>
+                    </a:p>
+                  </a:txBody>
+                  <a:tcPr marL="76200" marR="76200" marT="38100" marB="38100" anchor="ctr">
+                    <a:lnL>
+                      <a:noFill/>
+                    </a:lnL>
+                    <a:lnR>
+                      <a:noFill/>
+                    </a:lnR>
+                    <a:lnT>
+                      <a:noFill/>
+                    </a:lnT>
+                    <a:lnB>
+                      <a:noFill/>
+                    </a:lnB>
+                    <a:solidFill>
+                      <a:srgbClr val="EDEDED"/>
+                    </a:solidFill>
+                  </a:tcPr>
+                </a:tc>
+                <a:extLst>
+                  <a:ext uri="{0D108BD9-81ED-4DB2-BD59-A6C34878D82A}">
+                    <a16:rowId xmlns:a16="http://schemas.microsoft.com/office/drawing/2014/main" val="412795136"/>
+                  </a:ext>
+                </a:extLst>
+              </a:tr>
+              <a:tr h="420237">
+                <a:tc>
+                  <a:txBody>
+                    <a:bodyPr/>
+                    <a:lstStyle/>
+                    <a:p>
+                      <a:pPr algn="l" fontAlgn="base"/>
+                      <a:r>
+                        <a:rPr lang="pt-BR">
+                          <a:effectLst/>
+                        </a:rPr>
+                        <a:t>Quicksort</a:t>
+                      </a:r>
+                    </a:p>
+                  </a:txBody>
+                  <a:tcPr marL="76200" marR="76200" marT="38100" marB="38100" anchor="ctr">
+                    <a:lnL>
+                      <a:noFill/>
+                    </a:lnL>
+                    <a:lnR>
+                      <a:noFill/>
+                    </a:lnR>
+                    <a:lnT>
+                      <a:noFill/>
+                    </a:lnT>
+                    <a:lnB>
+                      <a:noFill/>
+                    </a:lnB>
+                    <a:solidFill>
+                      <a:srgbClr val="FFFFFF"/>
+                    </a:solidFill>
+                  </a:tcPr>
+                </a:tc>
+                <a:tc>
+                  <a:txBody>
+                    <a:bodyPr/>
+                    <a:lstStyle/>
+                    <a:p>
+                      <a:pPr algn="ctr" fontAlgn="base"/>
+                      <a:r>
+                        <a:rPr lang="pt-BR" dirty="0">
+                          <a:effectLst/>
+                          <a:latin typeface="KaTeX_Main"/>
+                        </a:rPr>
+                        <a:t>Θ(</a:t>
+                      </a:r>
+                      <a:r>
+                        <a:rPr lang="pt-BR" i="1" dirty="0">
+                          <a:effectLst/>
+                          <a:latin typeface="KaTeX_Math"/>
+                        </a:rPr>
+                        <a:t>n</a:t>
+                      </a:r>
+                      <a:r>
+                        <a:rPr lang="pt-BR" dirty="0">
+                          <a:effectLst/>
+                          <a:latin typeface="inherit"/>
+                        </a:rPr>
+                        <a:t>2</a:t>
+                      </a:r>
+                      <a:r>
+                        <a:rPr lang="pt-BR" dirty="0">
+                          <a:effectLst/>
+                          <a:latin typeface="KaTeX_Main"/>
+                        </a:rPr>
+                        <a:t>)</a:t>
+                      </a:r>
+                      <a:endParaRPr lang="pt-BR" dirty="0">
+                        <a:effectLst/>
+                      </a:endParaRPr>
+                    </a:p>
+                  </a:txBody>
+                  <a:tcPr marL="76200" marR="76200" marT="38100" marB="38100" anchor="ctr">
+                    <a:lnL>
+                      <a:noFill/>
+                    </a:lnL>
+                    <a:lnR>
+                      <a:noFill/>
+                    </a:lnR>
+                    <a:lnT>
+                      <a:noFill/>
+                    </a:lnT>
+                    <a:lnB>
+                      <a:noFill/>
+                    </a:lnB>
+                    <a:solidFill>
+                      <a:srgbClr val="FFFFFF"/>
+                    </a:solidFill>
+                  </a:tcPr>
+                </a:tc>
+                <a:tc>
+                  <a:txBody>
+                    <a:bodyPr/>
+                    <a:lstStyle/>
+                    <a:p>
+                      <a:pPr algn="ctr" fontAlgn="base"/>
+                      <a:r>
+                        <a:rPr lang="pt-BR" dirty="0">
+                          <a:effectLst/>
+                          <a:latin typeface="KaTeX_Main"/>
+                        </a:rPr>
+                        <a:t>Θ(</a:t>
+                      </a:r>
+                      <a:r>
+                        <a:rPr lang="pt-BR" i="1" dirty="0" err="1">
+                          <a:effectLst/>
+                          <a:latin typeface="KaTeX_Math"/>
+                        </a:rPr>
+                        <a:t>n</a:t>
+                      </a:r>
+                      <a:r>
+                        <a:rPr lang="pt-BR" dirty="0" err="1">
+                          <a:effectLst/>
+                          <a:latin typeface="KaTeX_Main"/>
+                        </a:rPr>
+                        <a:t>lg</a:t>
+                      </a:r>
+                      <a:r>
+                        <a:rPr lang="pt-BR" i="1" dirty="0" err="1">
+                          <a:effectLst/>
+                          <a:latin typeface="KaTeX_Math"/>
+                        </a:rPr>
+                        <a:t>n</a:t>
+                      </a:r>
+                      <a:r>
+                        <a:rPr lang="pt-BR" dirty="0">
+                          <a:effectLst/>
+                          <a:latin typeface="KaTeX_Main"/>
+                        </a:rPr>
+                        <a:t>)</a:t>
+                      </a:r>
+                      <a:endParaRPr lang="pt-BR" dirty="0">
+                        <a:effectLst/>
+                      </a:endParaRPr>
+                    </a:p>
+                  </a:txBody>
+                  <a:tcPr marL="76200" marR="76200" marT="38100" marB="38100" anchor="ctr">
+                    <a:lnL>
+                      <a:noFill/>
+                    </a:lnL>
+                    <a:lnR>
+                      <a:noFill/>
+                    </a:lnR>
+                    <a:lnT>
+                      <a:noFill/>
+                    </a:lnT>
+                    <a:lnB>
+                      <a:noFill/>
+                    </a:lnB>
+                    <a:solidFill>
+                      <a:srgbClr val="FFFFFF"/>
+                    </a:solidFill>
+                  </a:tcPr>
+                </a:tc>
+                <a:tc>
+                  <a:txBody>
+                    <a:bodyPr/>
+                    <a:lstStyle/>
+                    <a:p>
+                      <a:pPr algn="ctr" fontAlgn="base"/>
+                      <a:r>
+                        <a:rPr lang="pt-BR" dirty="0">
+                          <a:effectLst/>
+                          <a:latin typeface="KaTeX_Main"/>
+                        </a:rPr>
+                        <a:t>Θ(</a:t>
+                      </a:r>
+                      <a:r>
+                        <a:rPr lang="pt-BR" i="1" dirty="0" err="1">
+                          <a:effectLst/>
+                          <a:latin typeface="KaTeX_Math"/>
+                        </a:rPr>
+                        <a:t>n</a:t>
+                      </a:r>
+                      <a:r>
+                        <a:rPr lang="pt-BR" dirty="0" err="1">
+                          <a:effectLst/>
+                          <a:latin typeface="KaTeX_Main"/>
+                        </a:rPr>
+                        <a:t>lg</a:t>
+                      </a:r>
+                      <a:r>
+                        <a:rPr lang="pt-BR" i="1" dirty="0" err="1">
+                          <a:effectLst/>
+                          <a:latin typeface="KaTeX_Math"/>
+                        </a:rPr>
+                        <a:t>n</a:t>
+                      </a:r>
+                      <a:r>
+                        <a:rPr lang="pt-BR" dirty="0">
+                          <a:effectLst/>
+                          <a:latin typeface="KaTeX_Main"/>
+                        </a:rPr>
+                        <a:t>)</a:t>
+                      </a:r>
+                      <a:endParaRPr lang="pt-BR" dirty="0">
+                        <a:effectLst/>
+                      </a:endParaRPr>
+                    </a:p>
+                  </a:txBody>
+                  <a:tcPr marL="76200" marR="76200" marT="38100" marB="38100" anchor="ctr">
+                    <a:lnL>
+                      <a:noFill/>
+                    </a:lnL>
+                    <a:lnR>
+                      <a:noFill/>
+                    </a:lnR>
+                    <a:lnT>
+                      <a:noFill/>
+                    </a:lnT>
+                    <a:lnB>
+                      <a:noFill/>
+                    </a:lnB>
+                    <a:solidFill>
+                      <a:srgbClr val="FFFFFF"/>
+                    </a:solidFill>
+                  </a:tcPr>
+                </a:tc>
+                <a:extLst>
+                  <a:ext uri="{0D108BD9-81ED-4DB2-BD59-A6C34878D82A}">
+                    <a16:rowId xmlns:a16="http://schemas.microsoft.com/office/drawing/2014/main" val="4075375945"/>
+                  </a:ext>
+                </a:extLst>
+              </a:tr>
+            </a:tbl>
+          </a:graphicData>
+        </a:graphic>
+      </p:graphicFrame>
+      <p:sp>
+        <p:nvSpPr>
+          <p:cNvPr id="3" name="Chave Esquerda 2">
+            <a:extLst>
+              <a:ext uri="{FF2B5EF4-FFF2-40B4-BE49-F238E27FC236}">
+                <a16:creationId xmlns:a16="http://schemas.microsoft.com/office/drawing/2014/main" id="{3B53DE88-B149-4D66-A63C-DBB8A3883B93}"/>
+              </a:ext>
+            </a:extLst>
+          </p:cNvPr>
+          <p:cNvSpPr/>
+          <p:nvPr/>
+        </p:nvSpPr>
+        <p:spPr>
+          <a:xfrm>
+            <a:off x="971600" y="5229200"/>
+            <a:ext cx="432048" cy="1087016"/>
+          </a:xfrm>
+          <a:prstGeom prst="leftBrace">
+            <a:avLst/>
+          </a:prstGeom>
+          <a:ln w="19050"/>
+        </p:spPr>
+        <p:style>
+          <a:lnRef idx="1">
+            <a:schemeClr val="accent1"/>
+          </a:lnRef>
+          <a:fillRef idx="0">
+            <a:schemeClr val="accent1"/>
+          </a:fillRef>
+          <a:effectRef idx="0">
+            <a:schemeClr val="accent1"/>
+          </a:effectRef>
+          <a:fontRef idx="minor">
+            <a:schemeClr val="tx1"/>
+          </a:fontRef>
+        </p:style>
+        <p:txBody>
+          <a:bodyPr rtlCol="0" anchor="ctr"/>
+          <a:lstStyle/>
+          <a:p>
+            <a:pPr algn="ctr"/>
+            <a:endParaRPr lang="pt-BR"/>
           </a:p>
         </p:txBody>
       </p:sp>
@@ -11559,7 +13655,12 @@
             <p:ph type="title"/>
           </p:nvPr>
         </p:nvSpPr>
-        <p:spPr/>
+        <p:spPr>
+          <a:xfrm>
+            <a:off x="1195389" y="171870"/>
+            <a:ext cx="7339012" cy="612560"/>
+          </a:xfrm>
+        </p:spPr>
         <p:txBody>
           <a:bodyPr rtlCol="0"/>
           <a:lstStyle/>
@@ -11567,42 +13668,2719 @@
             <a:pPr rtl="0"/>
             <a:r>
               <a:rPr lang="pt-BR" b="1" dirty="0"/>
-              <a:t>SOLUÇÃO </a:t>
+              <a:t>Notação assintótica (método da expansão)</a:t>
             </a:r>
-            <a:r>
-              <a:rPr lang="pt-BR" b="1" i="1" dirty="0"/>
-              <a:t>DIVIDE AND CONQUER</a:t>
-            </a:r>
+            <a:endParaRPr lang="pt-BR" b="1" i="1" dirty="0"/>
           </a:p>
         </p:txBody>
       </p:sp>
-      <p:sp>
-        <p:nvSpPr>
-          <p:cNvPr id="14" name="Espaço reservado para conteúdo 13"/>
-          <p:cNvSpPr>
-            <a:spLocks noGrp="1"/>
-          </p:cNvSpPr>
-          <p:nvPr>
-            <p:ph idx="1"/>
-          </p:nvPr>
-        </p:nvSpPr>
-        <p:spPr/>
-        <p:txBody>
-          <a:bodyPr rtlCol="0"/>
-          <a:lstStyle/>
-          <a:p>
-            <a:pPr rtl="0"/>
-            <a:r>
-              <a:rPr lang="pt-BR" dirty="0"/>
-              <a:t>Incluir pseudocódigo</a:t>
-            </a:r>
-          </a:p>
-        </p:txBody>
-      </p:sp>
+      <mc:AlternateContent xmlns:mc="http://schemas.openxmlformats.org/markup-compatibility/2006">
+        <mc:Choice xmlns:a14="http://schemas.microsoft.com/office/drawing/2010/main" Requires="a14">
+          <p:sp>
+            <p:nvSpPr>
+              <p:cNvPr id="6" name="Espaço reservado para conteúdo 13">
+                <a:extLst>
+                  <a:ext uri="{FF2B5EF4-FFF2-40B4-BE49-F238E27FC236}">
+                    <a16:creationId xmlns:a16="http://schemas.microsoft.com/office/drawing/2014/main" id="{5D30DBDC-17E3-493F-83BD-EAD770B5E77E}"/>
+                  </a:ext>
+                </a:extLst>
+              </p:cNvPr>
+              <p:cNvSpPr>
+                <a:spLocks noGrp="1"/>
+              </p:cNvSpPr>
+              <p:nvPr>
+                <p:ph idx="1"/>
+              </p:nvPr>
+            </p:nvSpPr>
+            <p:spPr>
+              <a:xfrm>
+                <a:off x="1182659" y="980728"/>
+                <a:ext cx="7339012" cy="5688632"/>
+              </a:xfrm>
+            </p:spPr>
+            <p:txBody>
+              <a:bodyPr rtlCol="0">
+                <a:normAutofit fontScale="70000" lnSpcReduction="20000"/>
+              </a:bodyPr>
+              <a:lstStyle/>
+              <a:p>
+                <a:pPr marL="0" indent="0">
+                  <a:lnSpc>
+                    <a:spcPct val="150000"/>
+                  </a:lnSpc>
+                  <a:spcBef>
+                    <a:spcPts val="0"/>
+                  </a:spcBef>
+                  <a:buNone/>
+                </a:pPr>
+                <a14:m>
+                  <m:oMathPara xmlns:m="http://schemas.openxmlformats.org/officeDocument/2006/math">
+                    <m:oMathParaPr>
+                      <m:jc m:val="left"/>
+                    </m:oMathParaPr>
+                    <m:oMath xmlns:m="http://schemas.openxmlformats.org/officeDocument/2006/math">
+                      <m:r>
+                        <a:rPr lang="pt-BR" sz="1900" i="1" smtClean="0">
+                          <a:latin typeface="Cambria Math" panose="02040503050406030204" pitchFamily="18" charset="0"/>
+                        </a:rPr>
+                        <m:t>𝑇</m:t>
+                      </m:r>
+                      <m:d>
+                        <m:dPr>
+                          <m:ctrlPr>
+                            <a:rPr lang="pt-BR" sz="1900" i="1">
+                              <a:latin typeface="Cambria Math" panose="02040503050406030204" pitchFamily="18" charset="0"/>
+                            </a:rPr>
+                          </m:ctrlPr>
+                        </m:dPr>
+                        <m:e>
+                          <m:r>
+                            <a:rPr lang="pt-BR" sz="1900" b="0" i="1" smtClean="0">
+                              <a:latin typeface="Cambria Math" panose="02040503050406030204" pitchFamily="18" charset="0"/>
+                            </a:rPr>
+                            <m:t>1</m:t>
+                          </m:r>
+                        </m:e>
+                      </m:d>
+                      <m:r>
+                        <a:rPr lang="pt-BR" sz="1900" i="1">
+                          <a:latin typeface="Cambria Math" panose="02040503050406030204" pitchFamily="18" charset="0"/>
+                        </a:rPr>
+                        <m:t>=</m:t>
+                      </m:r>
+                      <m:r>
+                        <a:rPr lang="pt-BR" sz="1900" b="0" i="1" smtClean="0">
+                          <a:latin typeface="Cambria Math" panose="02040503050406030204" pitchFamily="18" charset="0"/>
+                        </a:rPr>
+                        <m:t>1</m:t>
+                      </m:r>
+                    </m:oMath>
+                  </m:oMathPara>
+                </a14:m>
+                <a:endParaRPr lang="pt-BR" sz="1900" dirty="0"/>
+              </a:p>
+              <a:p>
+                <a:pPr marL="0" indent="0" rtl="0">
+                  <a:lnSpc>
+                    <a:spcPct val="150000"/>
+                  </a:lnSpc>
+                  <a:spcBef>
+                    <a:spcPts val="0"/>
+                  </a:spcBef>
+                  <a:buNone/>
+                </a:pPr>
+                <a14:m>
+                  <m:oMathPara xmlns:m="http://schemas.openxmlformats.org/officeDocument/2006/math">
+                    <m:oMathParaPr>
+                      <m:jc m:val="left"/>
+                    </m:oMathParaPr>
+                    <m:oMath xmlns:m="http://schemas.openxmlformats.org/officeDocument/2006/math">
+                      <m:r>
+                        <a:rPr lang="pt-BR" sz="1900" b="0" i="1" smtClean="0">
+                          <a:latin typeface="Cambria Math" panose="02040503050406030204" pitchFamily="18" charset="0"/>
+                        </a:rPr>
+                        <m:t>𝑇</m:t>
+                      </m:r>
+                      <m:d>
+                        <m:dPr>
+                          <m:ctrlPr>
+                            <a:rPr lang="pt-BR" sz="1900" b="0" i="1" smtClean="0">
+                              <a:latin typeface="Cambria Math" panose="02040503050406030204" pitchFamily="18" charset="0"/>
+                            </a:rPr>
+                          </m:ctrlPr>
+                        </m:dPr>
+                        <m:e>
+                          <m:r>
+                            <a:rPr lang="pt-BR" sz="1900" b="0" i="1" smtClean="0">
+                              <a:latin typeface="Cambria Math" panose="02040503050406030204" pitchFamily="18" charset="0"/>
+                            </a:rPr>
+                            <m:t>𝑛</m:t>
+                          </m:r>
+                        </m:e>
+                      </m:d>
+                      <m:r>
+                        <a:rPr lang="pt-BR" sz="1900" b="0" i="1" smtClean="0">
+                          <a:latin typeface="Cambria Math" panose="02040503050406030204" pitchFamily="18" charset="0"/>
+                        </a:rPr>
+                        <m:t>=2</m:t>
+                      </m:r>
+                      <m:r>
+                        <a:rPr lang="pt-BR" sz="1900" b="0" i="1" smtClean="0">
+                          <a:latin typeface="Cambria Math" panose="02040503050406030204" pitchFamily="18" charset="0"/>
+                        </a:rPr>
+                        <m:t>𝑇</m:t>
+                      </m:r>
+                      <m:d>
+                        <m:dPr>
+                          <m:ctrlPr>
+                            <a:rPr lang="pt-BR" sz="1900" b="0" i="1" smtClean="0">
+                              <a:latin typeface="Cambria Math" panose="02040503050406030204" pitchFamily="18" charset="0"/>
+                            </a:rPr>
+                          </m:ctrlPr>
+                        </m:dPr>
+                        <m:e>
+                          <m:box>
+                            <m:boxPr>
+                              <m:ctrlPr>
+                                <a:rPr lang="pt-BR" sz="1900" b="0" i="1" smtClean="0">
+                                  <a:latin typeface="Cambria Math" panose="02040503050406030204" pitchFamily="18" charset="0"/>
+                                </a:rPr>
+                              </m:ctrlPr>
+                            </m:boxPr>
+                            <m:e>
+                              <m:argPr>
+                                <m:argSz m:val="-1"/>
+                              </m:argPr>
+                              <m:f>
+                                <m:fPr>
+                                  <m:ctrlPr>
+                                    <a:rPr lang="pt-BR" sz="1900" b="0" i="1" smtClean="0">
+                                      <a:latin typeface="Cambria Math" panose="02040503050406030204" pitchFamily="18" charset="0"/>
+                                    </a:rPr>
+                                  </m:ctrlPr>
+                                </m:fPr>
+                                <m:num>
+                                  <m:r>
+                                    <a:rPr lang="pt-BR" sz="1900" b="0" i="1" smtClean="0">
+                                      <a:latin typeface="Cambria Math" panose="02040503050406030204" pitchFamily="18" charset="0"/>
+                                    </a:rPr>
+                                    <m:t>𝑛</m:t>
+                                  </m:r>
+                                </m:num>
+                                <m:den>
+                                  <m:r>
+                                    <a:rPr lang="pt-BR" sz="1900" b="0" i="1" smtClean="0">
+                                      <a:latin typeface="Cambria Math" panose="02040503050406030204" pitchFamily="18" charset="0"/>
+                                    </a:rPr>
+                                    <m:t>2</m:t>
+                                  </m:r>
+                                </m:den>
+                              </m:f>
+                            </m:e>
+                          </m:box>
+                        </m:e>
+                      </m:d>
+                      <m:r>
+                        <a:rPr lang="pt-BR" sz="1900" b="0" i="1" smtClean="0">
+                          <a:latin typeface="Cambria Math" panose="02040503050406030204" pitchFamily="18" charset="0"/>
+                        </a:rPr>
+                        <m:t>+</m:t>
+                      </m:r>
+                      <m:r>
+                        <a:rPr lang="pt-BR" sz="1900" b="0" i="1" smtClean="0">
+                          <a:latin typeface="Cambria Math" panose="02040503050406030204" pitchFamily="18" charset="0"/>
+                        </a:rPr>
+                        <m:t>𝑛</m:t>
+                      </m:r>
+                    </m:oMath>
+                  </m:oMathPara>
+                </a14:m>
+                <a:endParaRPr lang="pt-BR" sz="1900" b="0" dirty="0"/>
+              </a:p>
+              <a:p>
+                <a:pPr marL="0" indent="0" rtl="0">
+                  <a:lnSpc>
+                    <a:spcPct val="150000"/>
+                  </a:lnSpc>
+                  <a:spcBef>
+                    <a:spcPts val="0"/>
+                  </a:spcBef>
+                  <a:buNone/>
+                </a:pPr>
+                <a14:m>
+                  <m:oMathPara xmlns:m="http://schemas.openxmlformats.org/officeDocument/2006/math">
+                    <m:oMathParaPr>
+                      <m:jc m:val="left"/>
+                    </m:oMathParaPr>
+                    <m:oMath xmlns:m="http://schemas.openxmlformats.org/officeDocument/2006/math">
+                      <m:r>
+                        <a:rPr lang="pt-BR" sz="1900" b="0" i="1" smtClean="0">
+                          <a:latin typeface="Cambria Math" panose="02040503050406030204" pitchFamily="18" charset="0"/>
+                        </a:rPr>
+                        <m:t>𝑇</m:t>
+                      </m:r>
+                      <m:d>
+                        <m:dPr>
+                          <m:ctrlPr>
+                            <a:rPr lang="pt-BR" sz="1900" b="0" i="1" smtClean="0">
+                              <a:latin typeface="Cambria Math" panose="02040503050406030204" pitchFamily="18" charset="0"/>
+                            </a:rPr>
+                          </m:ctrlPr>
+                        </m:dPr>
+                        <m:e>
+                          <m:r>
+                            <a:rPr lang="pt-BR" sz="1900" b="0" i="1" smtClean="0">
+                              <a:latin typeface="Cambria Math" panose="02040503050406030204" pitchFamily="18" charset="0"/>
+                            </a:rPr>
+                            <m:t>𝑛</m:t>
+                          </m:r>
+                        </m:e>
+                      </m:d>
+                      <m:r>
+                        <a:rPr lang="pt-BR" sz="1900" b="0" i="1" smtClean="0">
+                          <a:latin typeface="Cambria Math" panose="02040503050406030204" pitchFamily="18" charset="0"/>
+                        </a:rPr>
+                        <m:t>=2</m:t>
+                      </m:r>
+                      <m:d>
+                        <m:dPr>
+                          <m:ctrlPr>
+                            <a:rPr lang="pt-BR" sz="1900" b="0" i="1" smtClean="0">
+                              <a:latin typeface="Cambria Math" panose="02040503050406030204" pitchFamily="18" charset="0"/>
+                            </a:rPr>
+                          </m:ctrlPr>
+                        </m:dPr>
+                        <m:e>
+                          <m:r>
+                            <a:rPr lang="pt-BR" sz="1900" b="0" i="1" smtClean="0">
+                              <a:latin typeface="Cambria Math" panose="02040503050406030204" pitchFamily="18" charset="0"/>
+                            </a:rPr>
+                            <m:t>2</m:t>
+                          </m:r>
+                          <m:r>
+                            <a:rPr lang="pt-BR" sz="1900" b="0" i="1" smtClean="0">
+                              <a:latin typeface="Cambria Math" panose="02040503050406030204" pitchFamily="18" charset="0"/>
+                            </a:rPr>
+                            <m:t>𝑇</m:t>
+                          </m:r>
+                          <m:d>
+                            <m:dPr>
+                              <m:ctrlPr>
+                                <a:rPr lang="pt-BR" sz="1900" b="0" i="1" smtClean="0">
+                                  <a:latin typeface="Cambria Math" panose="02040503050406030204" pitchFamily="18" charset="0"/>
+                                </a:rPr>
+                              </m:ctrlPr>
+                            </m:dPr>
+                            <m:e>
+                              <m:box>
+                                <m:boxPr>
+                                  <m:ctrlPr>
+                                    <a:rPr lang="pt-BR" sz="1900" b="0" i="1" smtClean="0">
+                                      <a:latin typeface="Cambria Math" panose="02040503050406030204" pitchFamily="18" charset="0"/>
+                                    </a:rPr>
+                                  </m:ctrlPr>
+                                </m:boxPr>
+                                <m:e>
+                                  <m:argPr>
+                                    <m:argSz m:val="-1"/>
+                                  </m:argPr>
+                                  <m:f>
+                                    <m:fPr>
+                                      <m:ctrlPr>
+                                        <a:rPr lang="pt-BR" sz="1900" b="0" i="1" smtClean="0">
+                                          <a:latin typeface="Cambria Math" panose="02040503050406030204" pitchFamily="18" charset="0"/>
+                                        </a:rPr>
+                                      </m:ctrlPr>
+                                    </m:fPr>
+                                    <m:num>
+                                      <m:r>
+                                        <a:rPr lang="pt-BR" sz="1900" b="0" i="1" smtClean="0">
+                                          <a:latin typeface="Cambria Math" panose="02040503050406030204" pitchFamily="18" charset="0"/>
+                                        </a:rPr>
+                                        <m:t>𝑛</m:t>
+                                      </m:r>
+                                    </m:num>
+                                    <m:den>
+                                      <m:r>
+                                        <a:rPr lang="pt-BR" sz="1900" b="0" i="1" smtClean="0">
+                                          <a:latin typeface="Cambria Math" panose="02040503050406030204" pitchFamily="18" charset="0"/>
+                                        </a:rPr>
+                                        <m:t>4</m:t>
+                                      </m:r>
+                                    </m:den>
+                                  </m:f>
+                                </m:e>
+                              </m:box>
+                            </m:e>
+                          </m:d>
+                          <m:r>
+                            <a:rPr lang="pt-BR" sz="1900" b="0" i="1" smtClean="0">
+                              <a:latin typeface="Cambria Math" panose="02040503050406030204" pitchFamily="18" charset="0"/>
+                            </a:rPr>
+                            <m:t>+ </m:t>
+                          </m:r>
+                          <m:box>
+                            <m:boxPr>
+                              <m:ctrlPr>
+                                <a:rPr lang="pt-BR" sz="1900" b="0" i="1" smtClean="0">
+                                  <a:latin typeface="Cambria Math" panose="02040503050406030204" pitchFamily="18" charset="0"/>
+                                </a:rPr>
+                              </m:ctrlPr>
+                            </m:boxPr>
+                            <m:e>
+                              <m:argPr>
+                                <m:argSz m:val="-1"/>
+                              </m:argPr>
+                              <m:f>
+                                <m:fPr>
+                                  <m:ctrlPr>
+                                    <a:rPr lang="pt-BR" sz="1900" b="0" i="1" smtClean="0">
+                                      <a:latin typeface="Cambria Math" panose="02040503050406030204" pitchFamily="18" charset="0"/>
+                                    </a:rPr>
+                                  </m:ctrlPr>
+                                </m:fPr>
+                                <m:num>
+                                  <m:r>
+                                    <a:rPr lang="pt-BR" sz="1900" b="0" i="1" smtClean="0">
+                                      <a:latin typeface="Cambria Math" panose="02040503050406030204" pitchFamily="18" charset="0"/>
+                                    </a:rPr>
+                                    <m:t>𝑛</m:t>
+                                  </m:r>
+                                </m:num>
+                                <m:den>
+                                  <m:r>
+                                    <a:rPr lang="pt-BR" sz="1900" b="0" i="1" smtClean="0">
+                                      <a:latin typeface="Cambria Math" panose="02040503050406030204" pitchFamily="18" charset="0"/>
+                                    </a:rPr>
+                                    <m:t>2</m:t>
+                                  </m:r>
+                                </m:den>
+                              </m:f>
+                            </m:e>
+                          </m:box>
+                        </m:e>
+                      </m:d>
+                      <m:r>
+                        <a:rPr lang="pt-BR" sz="1900" b="0" i="0" smtClean="0">
+                          <a:latin typeface="Cambria Math" panose="02040503050406030204" pitchFamily="18" charset="0"/>
+                        </a:rPr>
+                        <m:t>+</m:t>
+                      </m:r>
+                      <m:r>
+                        <m:rPr>
+                          <m:sty m:val="p"/>
+                        </m:rPr>
+                        <a:rPr lang="pt-BR" sz="1900" b="0" i="0" smtClean="0">
+                          <a:latin typeface="Cambria Math" panose="02040503050406030204" pitchFamily="18" charset="0"/>
+                        </a:rPr>
+                        <m:t>n</m:t>
+                      </m:r>
+                    </m:oMath>
+                  </m:oMathPara>
+                </a14:m>
+                <a:endParaRPr lang="pt-BR" sz="1900" b="0" dirty="0"/>
+              </a:p>
+              <a:p>
+                <a:pPr marL="0" indent="0" rtl="0">
+                  <a:lnSpc>
+                    <a:spcPct val="150000"/>
+                  </a:lnSpc>
+                  <a:spcBef>
+                    <a:spcPts val="0"/>
+                  </a:spcBef>
+                  <a:buNone/>
+                </a:pPr>
+                <a14:m>
+                  <m:oMathPara xmlns:m="http://schemas.openxmlformats.org/officeDocument/2006/math">
+                    <m:oMathParaPr>
+                      <m:jc m:val="left"/>
+                    </m:oMathParaPr>
+                    <m:oMath xmlns:m="http://schemas.openxmlformats.org/officeDocument/2006/math">
+                      <m:r>
+                        <a:rPr lang="pt-BR" sz="1900" b="0" i="1" smtClean="0">
+                          <a:latin typeface="Cambria Math" panose="02040503050406030204" pitchFamily="18" charset="0"/>
+                        </a:rPr>
+                        <m:t>𝑇</m:t>
+                      </m:r>
+                      <m:d>
+                        <m:dPr>
+                          <m:ctrlPr>
+                            <a:rPr lang="pt-BR" sz="1900" b="0" i="1" smtClean="0">
+                              <a:latin typeface="Cambria Math" panose="02040503050406030204" pitchFamily="18" charset="0"/>
+                            </a:rPr>
+                          </m:ctrlPr>
+                        </m:dPr>
+                        <m:e>
+                          <m:r>
+                            <a:rPr lang="pt-BR" sz="1900" b="0" i="1" smtClean="0">
+                              <a:latin typeface="Cambria Math" panose="02040503050406030204" pitchFamily="18" charset="0"/>
+                            </a:rPr>
+                            <m:t>𝑛</m:t>
+                          </m:r>
+                        </m:e>
+                      </m:d>
+                      <m:r>
+                        <a:rPr lang="pt-BR" sz="1900" b="0" i="1" smtClean="0">
+                          <a:latin typeface="Cambria Math" panose="02040503050406030204" pitchFamily="18" charset="0"/>
+                        </a:rPr>
+                        <m:t>=2(2</m:t>
+                      </m:r>
+                      <m:d>
+                        <m:dPr>
+                          <m:ctrlPr>
+                            <a:rPr lang="pt-BR" sz="1900" b="0" i="1" smtClean="0">
+                              <a:latin typeface="Cambria Math" panose="02040503050406030204" pitchFamily="18" charset="0"/>
+                            </a:rPr>
+                          </m:ctrlPr>
+                        </m:dPr>
+                        <m:e>
+                          <m:r>
+                            <a:rPr lang="pt-BR" sz="1900" b="0" i="1" smtClean="0">
+                              <a:latin typeface="Cambria Math" panose="02040503050406030204" pitchFamily="18" charset="0"/>
+                            </a:rPr>
+                            <m:t>2</m:t>
+                          </m:r>
+                          <m:r>
+                            <a:rPr lang="pt-BR" sz="1900" b="0" i="1" smtClean="0">
+                              <a:latin typeface="Cambria Math" panose="02040503050406030204" pitchFamily="18" charset="0"/>
+                            </a:rPr>
+                            <m:t>𝑇</m:t>
+                          </m:r>
+                          <m:d>
+                            <m:dPr>
+                              <m:ctrlPr>
+                                <a:rPr lang="pt-BR" sz="1900" b="0" i="1" smtClean="0">
+                                  <a:latin typeface="Cambria Math" panose="02040503050406030204" pitchFamily="18" charset="0"/>
+                                </a:rPr>
+                              </m:ctrlPr>
+                            </m:dPr>
+                            <m:e>
+                              <m:box>
+                                <m:boxPr>
+                                  <m:ctrlPr>
+                                    <a:rPr lang="pt-BR" sz="1900" b="0" i="1" smtClean="0">
+                                      <a:latin typeface="Cambria Math" panose="02040503050406030204" pitchFamily="18" charset="0"/>
+                                    </a:rPr>
+                                  </m:ctrlPr>
+                                </m:boxPr>
+                                <m:e>
+                                  <m:argPr>
+                                    <m:argSz m:val="-1"/>
+                                  </m:argPr>
+                                  <m:f>
+                                    <m:fPr>
+                                      <m:ctrlPr>
+                                        <a:rPr lang="pt-BR" sz="1900" b="0" i="1" smtClean="0">
+                                          <a:latin typeface="Cambria Math" panose="02040503050406030204" pitchFamily="18" charset="0"/>
+                                        </a:rPr>
+                                      </m:ctrlPr>
+                                    </m:fPr>
+                                    <m:num>
+                                      <m:r>
+                                        <a:rPr lang="pt-BR" sz="1900" b="0" i="1" smtClean="0">
+                                          <a:latin typeface="Cambria Math" panose="02040503050406030204" pitchFamily="18" charset="0"/>
+                                        </a:rPr>
+                                        <m:t>𝑛</m:t>
+                                      </m:r>
+                                    </m:num>
+                                    <m:den>
+                                      <m:r>
+                                        <a:rPr lang="pt-BR" sz="1900" b="0" i="1" smtClean="0">
+                                          <a:latin typeface="Cambria Math" panose="02040503050406030204" pitchFamily="18" charset="0"/>
+                                        </a:rPr>
+                                        <m:t>8</m:t>
+                                      </m:r>
+                                    </m:den>
+                                  </m:f>
+                                </m:e>
+                              </m:box>
+                            </m:e>
+                          </m:d>
+                          <m:r>
+                            <a:rPr lang="pt-BR" sz="1900" b="0" i="1" smtClean="0">
+                              <a:latin typeface="Cambria Math" panose="02040503050406030204" pitchFamily="18" charset="0"/>
+                            </a:rPr>
+                            <m:t>+ </m:t>
+                          </m:r>
+                          <m:box>
+                            <m:boxPr>
+                              <m:ctrlPr>
+                                <a:rPr lang="pt-BR" sz="1900" b="0" i="1" smtClean="0">
+                                  <a:latin typeface="Cambria Math" panose="02040503050406030204" pitchFamily="18" charset="0"/>
+                                </a:rPr>
+                              </m:ctrlPr>
+                            </m:boxPr>
+                            <m:e>
+                              <m:argPr>
+                                <m:argSz m:val="-1"/>
+                              </m:argPr>
+                              <m:f>
+                                <m:fPr>
+                                  <m:ctrlPr>
+                                    <a:rPr lang="pt-BR" sz="1900" b="0" i="1" smtClean="0">
+                                      <a:latin typeface="Cambria Math" panose="02040503050406030204" pitchFamily="18" charset="0"/>
+                                    </a:rPr>
+                                  </m:ctrlPr>
+                                </m:fPr>
+                                <m:num>
+                                  <m:r>
+                                    <a:rPr lang="pt-BR" sz="1900" b="0" i="1" smtClean="0">
+                                      <a:latin typeface="Cambria Math" panose="02040503050406030204" pitchFamily="18" charset="0"/>
+                                    </a:rPr>
+                                    <m:t>𝑛</m:t>
+                                  </m:r>
+                                </m:num>
+                                <m:den>
+                                  <m:r>
+                                    <a:rPr lang="pt-BR" sz="1900" b="0" i="1" smtClean="0">
+                                      <a:latin typeface="Cambria Math" panose="02040503050406030204" pitchFamily="18" charset="0"/>
+                                    </a:rPr>
+                                    <m:t>4</m:t>
+                                  </m:r>
+                                </m:den>
+                              </m:f>
+                            </m:e>
+                          </m:box>
+                          <m:r>
+                            <a:rPr lang="pt-BR" sz="1900" b="0" i="1" smtClean="0">
+                              <a:latin typeface="Cambria Math" panose="02040503050406030204" pitchFamily="18" charset="0"/>
+                            </a:rPr>
+                            <m:t>)</m:t>
+                          </m:r>
+                          <m:r>
+                            <a:rPr lang="pt-BR" sz="1900" b="0" i="0" smtClean="0">
+                              <a:latin typeface="Cambria Math" panose="02040503050406030204" pitchFamily="18" charset="0"/>
+                            </a:rPr>
+                            <m:t>+ </m:t>
+                          </m:r>
+                          <m:box>
+                            <m:boxPr>
+                              <m:ctrlPr>
+                                <a:rPr lang="pt-BR" sz="1900" b="0" i="1" smtClean="0">
+                                  <a:latin typeface="Cambria Math" panose="02040503050406030204" pitchFamily="18" charset="0"/>
+                                </a:rPr>
+                              </m:ctrlPr>
+                            </m:boxPr>
+                            <m:e>
+                              <m:argPr>
+                                <m:argSz m:val="-1"/>
+                              </m:argPr>
+                              <m:f>
+                                <m:fPr>
+                                  <m:ctrlPr>
+                                    <a:rPr lang="pt-BR" sz="1900" b="0" i="1" smtClean="0">
+                                      <a:latin typeface="Cambria Math" panose="02040503050406030204" pitchFamily="18" charset="0"/>
+                                    </a:rPr>
+                                  </m:ctrlPr>
+                                </m:fPr>
+                                <m:num>
+                                  <m:r>
+                                    <a:rPr lang="pt-BR" sz="1900" b="0" i="1" smtClean="0">
+                                      <a:latin typeface="Cambria Math" panose="02040503050406030204" pitchFamily="18" charset="0"/>
+                                    </a:rPr>
+                                    <m:t>𝑛</m:t>
+                                  </m:r>
+                                </m:num>
+                                <m:den>
+                                  <m:r>
+                                    <a:rPr lang="pt-BR" sz="1900" b="0" i="1" smtClean="0">
+                                      <a:latin typeface="Cambria Math" panose="02040503050406030204" pitchFamily="18" charset="0"/>
+                                    </a:rPr>
+                                    <m:t>2</m:t>
+                                  </m:r>
+                                </m:den>
+                              </m:f>
+                            </m:e>
+                          </m:box>
+                        </m:e>
+                      </m:d>
+                      <m:r>
+                        <a:rPr lang="pt-BR" sz="1900" b="0" i="0" smtClean="0">
+                          <a:latin typeface="Cambria Math" panose="02040503050406030204" pitchFamily="18" charset="0"/>
+                        </a:rPr>
+                        <m:t>+</m:t>
+                      </m:r>
+                      <m:r>
+                        <m:rPr>
+                          <m:sty m:val="p"/>
+                        </m:rPr>
+                        <a:rPr lang="pt-BR" sz="1900" b="0" i="0" smtClean="0">
+                          <a:latin typeface="Cambria Math" panose="02040503050406030204" pitchFamily="18" charset="0"/>
+                        </a:rPr>
+                        <m:t>n</m:t>
+                      </m:r>
+                    </m:oMath>
+                  </m:oMathPara>
+                </a14:m>
+                <a:endParaRPr lang="pt-BR" sz="1900" b="0" dirty="0"/>
+              </a:p>
+              <a:p>
+                <a:pPr marL="0" indent="0" rtl="0">
+                  <a:lnSpc>
+                    <a:spcPct val="150000"/>
+                  </a:lnSpc>
+                  <a:spcBef>
+                    <a:spcPts val="0"/>
+                  </a:spcBef>
+                  <a:buNone/>
+                </a:pPr>
+                <a14:m>
+                  <m:oMathPara xmlns:m="http://schemas.openxmlformats.org/officeDocument/2006/math">
+                    <m:oMathParaPr>
+                      <m:jc m:val="left"/>
+                    </m:oMathParaPr>
+                    <m:oMath xmlns:m="http://schemas.openxmlformats.org/officeDocument/2006/math">
+                      <m:r>
+                        <a:rPr lang="pt-BR" sz="1900" b="0" i="1" smtClean="0">
+                          <a:latin typeface="Cambria Math" panose="02040503050406030204" pitchFamily="18" charset="0"/>
+                        </a:rPr>
+                        <m:t>𝑇</m:t>
+                      </m:r>
+                      <m:d>
+                        <m:dPr>
+                          <m:ctrlPr>
+                            <a:rPr lang="pt-BR" sz="1900" b="0" i="1" smtClean="0">
+                              <a:latin typeface="Cambria Math" panose="02040503050406030204" pitchFamily="18" charset="0"/>
+                            </a:rPr>
+                          </m:ctrlPr>
+                        </m:dPr>
+                        <m:e>
+                          <m:r>
+                            <a:rPr lang="pt-BR" sz="1900" b="0" i="1" smtClean="0">
+                              <a:latin typeface="Cambria Math" panose="02040503050406030204" pitchFamily="18" charset="0"/>
+                            </a:rPr>
+                            <m:t>𝑛</m:t>
+                          </m:r>
+                        </m:e>
+                      </m:d>
+                      <m:r>
+                        <a:rPr lang="pt-BR" sz="1900" b="0" i="1" smtClean="0">
+                          <a:latin typeface="Cambria Math" panose="02040503050406030204" pitchFamily="18" charset="0"/>
+                        </a:rPr>
+                        <m:t>=2</m:t>
+                      </m:r>
+                      <m:d>
+                        <m:dPr>
+                          <m:ctrlPr>
+                            <a:rPr lang="pt-BR" sz="1900" b="0" i="1" smtClean="0">
+                              <a:latin typeface="Cambria Math" panose="02040503050406030204" pitchFamily="18" charset="0"/>
+                            </a:rPr>
+                          </m:ctrlPr>
+                        </m:dPr>
+                        <m:e>
+                          <m:sSup>
+                            <m:sSupPr>
+                              <m:ctrlPr>
+                                <a:rPr lang="pt-BR" sz="1900" b="0" i="1" smtClean="0">
+                                  <a:latin typeface="Cambria Math" panose="02040503050406030204" pitchFamily="18" charset="0"/>
+                                </a:rPr>
+                              </m:ctrlPr>
+                            </m:sSupPr>
+                            <m:e>
+                              <m:r>
+                                <a:rPr lang="pt-BR" sz="1900" b="0" i="1" smtClean="0">
+                                  <a:latin typeface="Cambria Math" panose="02040503050406030204" pitchFamily="18" charset="0"/>
+                                </a:rPr>
+                                <m:t>2</m:t>
+                              </m:r>
+                            </m:e>
+                            <m:sup>
+                              <m:r>
+                                <a:rPr lang="pt-BR" sz="1900" b="0" i="1" smtClean="0">
+                                  <a:latin typeface="Cambria Math" panose="02040503050406030204" pitchFamily="18" charset="0"/>
+                                </a:rPr>
+                                <m:t>2</m:t>
+                              </m:r>
+                            </m:sup>
+                          </m:sSup>
+                          <m:r>
+                            <a:rPr lang="pt-BR" sz="1900" b="0" i="1" smtClean="0">
+                              <a:latin typeface="Cambria Math" panose="02040503050406030204" pitchFamily="18" charset="0"/>
+                            </a:rPr>
+                            <m:t>𝑇</m:t>
+                          </m:r>
+                          <m:d>
+                            <m:dPr>
+                              <m:ctrlPr>
+                                <a:rPr lang="pt-BR" sz="1900" b="0" i="1" smtClean="0">
+                                  <a:latin typeface="Cambria Math" panose="02040503050406030204" pitchFamily="18" charset="0"/>
+                                </a:rPr>
+                              </m:ctrlPr>
+                            </m:dPr>
+                            <m:e>
+                              <m:box>
+                                <m:boxPr>
+                                  <m:ctrlPr>
+                                    <a:rPr lang="pt-BR" sz="1900" b="0" i="1" smtClean="0">
+                                      <a:latin typeface="Cambria Math" panose="02040503050406030204" pitchFamily="18" charset="0"/>
+                                    </a:rPr>
+                                  </m:ctrlPr>
+                                </m:boxPr>
+                                <m:e>
+                                  <m:argPr>
+                                    <m:argSz m:val="-1"/>
+                                  </m:argPr>
+                                  <m:f>
+                                    <m:fPr>
+                                      <m:ctrlPr>
+                                        <a:rPr lang="pt-BR" sz="1900" b="0" i="1" smtClean="0">
+                                          <a:latin typeface="Cambria Math" panose="02040503050406030204" pitchFamily="18" charset="0"/>
+                                        </a:rPr>
+                                      </m:ctrlPr>
+                                    </m:fPr>
+                                    <m:num>
+                                      <m:r>
+                                        <a:rPr lang="pt-BR" sz="1900" b="0" i="1" smtClean="0">
+                                          <a:latin typeface="Cambria Math" panose="02040503050406030204" pitchFamily="18" charset="0"/>
+                                        </a:rPr>
+                                        <m:t>𝑛</m:t>
+                                      </m:r>
+                                    </m:num>
+                                    <m:den>
+                                      <m:r>
+                                        <a:rPr lang="pt-BR" sz="1900" b="0" i="1" smtClean="0">
+                                          <a:latin typeface="Cambria Math" panose="02040503050406030204" pitchFamily="18" charset="0"/>
+                                        </a:rPr>
+                                        <m:t>8</m:t>
+                                      </m:r>
+                                    </m:den>
+                                  </m:f>
+                                </m:e>
+                              </m:box>
+                            </m:e>
+                          </m:d>
+                          <m:r>
+                            <a:rPr lang="pt-BR" sz="1900" b="0" i="1" smtClean="0">
+                              <a:latin typeface="Cambria Math" panose="02040503050406030204" pitchFamily="18" charset="0"/>
+                            </a:rPr>
+                            <m:t>+2 </m:t>
+                          </m:r>
+                          <m:box>
+                            <m:boxPr>
+                              <m:ctrlPr>
+                                <a:rPr lang="pt-BR" sz="1900" b="0" i="1" smtClean="0">
+                                  <a:latin typeface="Cambria Math" panose="02040503050406030204" pitchFamily="18" charset="0"/>
+                                </a:rPr>
+                              </m:ctrlPr>
+                            </m:boxPr>
+                            <m:e>
+                              <m:argPr>
+                                <m:argSz m:val="-1"/>
+                              </m:argPr>
+                              <m:f>
+                                <m:fPr>
+                                  <m:ctrlPr>
+                                    <a:rPr lang="pt-BR" sz="1900" b="0" i="1" smtClean="0">
+                                      <a:latin typeface="Cambria Math" panose="02040503050406030204" pitchFamily="18" charset="0"/>
+                                    </a:rPr>
+                                  </m:ctrlPr>
+                                </m:fPr>
+                                <m:num>
+                                  <m:r>
+                                    <a:rPr lang="pt-BR" sz="1900" b="0" i="1" smtClean="0">
+                                      <a:latin typeface="Cambria Math" panose="02040503050406030204" pitchFamily="18" charset="0"/>
+                                    </a:rPr>
+                                    <m:t>𝑛</m:t>
+                                  </m:r>
+                                </m:num>
+                                <m:den>
+                                  <m:r>
+                                    <a:rPr lang="pt-BR" sz="1900" b="0" i="1" smtClean="0">
+                                      <a:latin typeface="Cambria Math" panose="02040503050406030204" pitchFamily="18" charset="0"/>
+                                    </a:rPr>
+                                    <m:t>4</m:t>
+                                  </m:r>
+                                </m:den>
+                              </m:f>
+                            </m:e>
+                          </m:box>
+                          <m:r>
+                            <a:rPr lang="pt-BR" sz="1900" b="0" i="1" smtClean="0">
+                              <a:latin typeface="Cambria Math" panose="02040503050406030204" pitchFamily="18" charset="0"/>
+                            </a:rPr>
+                            <m:t>+ </m:t>
+                          </m:r>
+                          <m:box>
+                            <m:boxPr>
+                              <m:ctrlPr>
+                                <a:rPr lang="pt-BR" sz="1900" b="0" i="1" smtClean="0">
+                                  <a:latin typeface="Cambria Math" panose="02040503050406030204" pitchFamily="18" charset="0"/>
+                                </a:rPr>
+                              </m:ctrlPr>
+                            </m:boxPr>
+                            <m:e>
+                              <m:argPr>
+                                <m:argSz m:val="-1"/>
+                              </m:argPr>
+                              <m:f>
+                                <m:fPr>
+                                  <m:ctrlPr>
+                                    <a:rPr lang="pt-BR" sz="1900" b="0" i="1" smtClean="0">
+                                      <a:latin typeface="Cambria Math" panose="02040503050406030204" pitchFamily="18" charset="0"/>
+                                    </a:rPr>
+                                  </m:ctrlPr>
+                                </m:fPr>
+                                <m:num>
+                                  <m:r>
+                                    <a:rPr lang="pt-BR" sz="1900" b="0" i="1" smtClean="0">
+                                      <a:latin typeface="Cambria Math" panose="02040503050406030204" pitchFamily="18" charset="0"/>
+                                    </a:rPr>
+                                    <m:t>𝑛</m:t>
+                                  </m:r>
+                                </m:num>
+                                <m:den>
+                                  <m:r>
+                                    <a:rPr lang="pt-BR" sz="1900" b="0" i="1" smtClean="0">
+                                      <a:latin typeface="Cambria Math" panose="02040503050406030204" pitchFamily="18" charset="0"/>
+                                    </a:rPr>
+                                    <m:t>2</m:t>
+                                  </m:r>
+                                </m:den>
+                              </m:f>
+                            </m:e>
+                          </m:box>
+                        </m:e>
+                      </m:d>
+                      <m:r>
+                        <a:rPr lang="pt-BR" sz="1900" b="0" i="1" smtClean="0">
+                          <a:latin typeface="Cambria Math" panose="02040503050406030204" pitchFamily="18" charset="0"/>
+                        </a:rPr>
+                        <m:t>+</m:t>
+                      </m:r>
+                      <m:r>
+                        <a:rPr lang="pt-BR" sz="1900" b="0" i="1" smtClean="0">
+                          <a:latin typeface="Cambria Math" panose="02040503050406030204" pitchFamily="18" charset="0"/>
+                        </a:rPr>
+                        <m:t>𝑛</m:t>
+                      </m:r>
+                    </m:oMath>
+                  </m:oMathPara>
+                </a14:m>
+                <a:endParaRPr lang="pt-BR" sz="1900" b="0" dirty="0"/>
+              </a:p>
+              <a:p>
+                <a:pPr marL="0" indent="0" rtl="0">
+                  <a:lnSpc>
+                    <a:spcPct val="150000"/>
+                  </a:lnSpc>
+                  <a:spcBef>
+                    <a:spcPts val="0"/>
+                  </a:spcBef>
+                  <a:buNone/>
+                </a:pPr>
+                <a14:m>
+                  <m:oMathPara xmlns:m="http://schemas.openxmlformats.org/officeDocument/2006/math">
+                    <m:oMathParaPr>
+                      <m:jc m:val="left"/>
+                    </m:oMathParaPr>
+                    <m:oMath xmlns:m="http://schemas.openxmlformats.org/officeDocument/2006/math">
+                      <m:r>
+                        <a:rPr lang="pt-BR" sz="1900" b="0" i="1" smtClean="0">
+                          <a:latin typeface="Cambria Math" panose="02040503050406030204" pitchFamily="18" charset="0"/>
+                        </a:rPr>
+                        <m:t>𝑇</m:t>
+                      </m:r>
+                      <m:d>
+                        <m:dPr>
+                          <m:ctrlPr>
+                            <a:rPr lang="pt-BR" sz="1900" b="0" i="1" smtClean="0">
+                              <a:latin typeface="Cambria Math" panose="02040503050406030204" pitchFamily="18" charset="0"/>
+                            </a:rPr>
+                          </m:ctrlPr>
+                        </m:dPr>
+                        <m:e>
+                          <m:r>
+                            <a:rPr lang="pt-BR" sz="1900" b="0" i="1" smtClean="0">
+                              <a:latin typeface="Cambria Math" panose="02040503050406030204" pitchFamily="18" charset="0"/>
+                            </a:rPr>
+                            <m:t>𝑛</m:t>
+                          </m:r>
+                        </m:e>
+                      </m:d>
+                      <m:r>
+                        <a:rPr lang="pt-BR" sz="1900" b="0" i="1" smtClean="0">
+                          <a:latin typeface="Cambria Math" panose="02040503050406030204" pitchFamily="18" charset="0"/>
+                        </a:rPr>
+                        <m:t>=</m:t>
+                      </m:r>
+                      <m:sSup>
+                        <m:sSupPr>
+                          <m:ctrlPr>
+                            <a:rPr lang="pt-BR" sz="1900" b="0" i="1" smtClean="0">
+                              <a:latin typeface="Cambria Math" panose="02040503050406030204" pitchFamily="18" charset="0"/>
+                            </a:rPr>
+                          </m:ctrlPr>
+                        </m:sSupPr>
+                        <m:e>
+                          <m:r>
+                            <a:rPr lang="pt-BR" sz="1900" b="0" i="1" smtClean="0">
+                              <a:latin typeface="Cambria Math" panose="02040503050406030204" pitchFamily="18" charset="0"/>
+                            </a:rPr>
+                            <m:t>2</m:t>
+                          </m:r>
+                        </m:e>
+                        <m:sup>
+                          <m:r>
+                            <a:rPr lang="pt-BR" sz="1900" b="0" i="1" smtClean="0">
+                              <a:latin typeface="Cambria Math" panose="02040503050406030204" pitchFamily="18" charset="0"/>
+                            </a:rPr>
+                            <m:t>3</m:t>
+                          </m:r>
+                        </m:sup>
+                      </m:sSup>
+                      <m:r>
+                        <a:rPr lang="pt-BR" sz="1900" b="0" i="1" smtClean="0">
+                          <a:latin typeface="Cambria Math" panose="02040503050406030204" pitchFamily="18" charset="0"/>
+                        </a:rPr>
+                        <m:t>𝑇</m:t>
+                      </m:r>
+                      <m:d>
+                        <m:dPr>
+                          <m:ctrlPr>
+                            <a:rPr lang="pt-BR" sz="1900" b="0" i="1" smtClean="0">
+                              <a:latin typeface="Cambria Math" panose="02040503050406030204" pitchFamily="18" charset="0"/>
+                            </a:rPr>
+                          </m:ctrlPr>
+                        </m:dPr>
+                        <m:e>
+                          <m:box>
+                            <m:boxPr>
+                              <m:ctrlPr>
+                                <a:rPr lang="pt-BR" sz="1900" b="0" i="1" smtClean="0">
+                                  <a:latin typeface="Cambria Math" panose="02040503050406030204" pitchFamily="18" charset="0"/>
+                                </a:rPr>
+                              </m:ctrlPr>
+                            </m:boxPr>
+                            <m:e>
+                              <m:argPr>
+                                <m:argSz m:val="-1"/>
+                              </m:argPr>
+                              <m:f>
+                                <m:fPr>
+                                  <m:ctrlPr>
+                                    <a:rPr lang="pt-BR" sz="1900" b="0" i="1" smtClean="0">
+                                      <a:latin typeface="Cambria Math" panose="02040503050406030204" pitchFamily="18" charset="0"/>
+                                    </a:rPr>
+                                  </m:ctrlPr>
+                                </m:fPr>
+                                <m:num>
+                                  <m:r>
+                                    <a:rPr lang="pt-BR" sz="1900" b="0" i="1" smtClean="0">
+                                      <a:latin typeface="Cambria Math" panose="02040503050406030204" pitchFamily="18" charset="0"/>
+                                    </a:rPr>
+                                    <m:t>𝑛</m:t>
+                                  </m:r>
+                                </m:num>
+                                <m:den>
+                                  <m:r>
+                                    <a:rPr lang="pt-BR" sz="1900" b="0" i="1" smtClean="0">
+                                      <a:latin typeface="Cambria Math" panose="02040503050406030204" pitchFamily="18" charset="0"/>
+                                    </a:rPr>
+                                    <m:t>8</m:t>
+                                  </m:r>
+                                </m:den>
+                              </m:f>
+                            </m:e>
+                          </m:box>
+                        </m:e>
+                      </m:d>
+                      <m:r>
+                        <a:rPr lang="pt-BR" sz="1900" b="0" i="1" smtClean="0">
+                          <a:latin typeface="Cambria Math" panose="02040503050406030204" pitchFamily="18" charset="0"/>
+                        </a:rPr>
+                        <m:t>+ </m:t>
+                      </m:r>
+                      <m:sSup>
+                        <m:sSupPr>
+                          <m:ctrlPr>
+                            <a:rPr lang="pt-BR" sz="1900" b="0" i="1" smtClean="0">
+                              <a:latin typeface="Cambria Math" panose="02040503050406030204" pitchFamily="18" charset="0"/>
+                            </a:rPr>
+                          </m:ctrlPr>
+                        </m:sSupPr>
+                        <m:e>
+                          <m:r>
+                            <a:rPr lang="pt-BR" sz="1900" b="0" i="1" smtClean="0">
+                              <a:latin typeface="Cambria Math" panose="02040503050406030204" pitchFamily="18" charset="0"/>
+                            </a:rPr>
+                            <m:t>2</m:t>
+                          </m:r>
+                        </m:e>
+                        <m:sup>
+                          <m:r>
+                            <a:rPr lang="pt-BR" sz="1900" b="0" i="1" smtClean="0">
+                              <a:latin typeface="Cambria Math" panose="02040503050406030204" pitchFamily="18" charset="0"/>
+                            </a:rPr>
+                            <m:t>2</m:t>
+                          </m:r>
+                        </m:sup>
+                      </m:sSup>
+                      <m:box>
+                        <m:boxPr>
+                          <m:ctrlPr>
+                            <a:rPr lang="pt-BR" sz="1900" b="0" i="1" smtClean="0">
+                              <a:latin typeface="Cambria Math" panose="02040503050406030204" pitchFamily="18" charset="0"/>
+                            </a:rPr>
+                          </m:ctrlPr>
+                        </m:boxPr>
+                        <m:e>
+                          <m:argPr>
+                            <m:argSz m:val="-1"/>
+                          </m:argPr>
+                          <m:f>
+                            <m:fPr>
+                              <m:ctrlPr>
+                                <a:rPr lang="pt-BR" sz="1900" b="0" i="1" smtClean="0">
+                                  <a:latin typeface="Cambria Math" panose="02040503050406030204" pitchFamily="18" charset="0"/>
+                                </a:rPr>
+                              </m:ctrlPr>
+                            </m:fPr>
+                            <m:num>
+                              <m:r>
+                                <a:rPr lang="pt-BR" sz="1900" b="0" i="1" smtClean="0">
+                                  <a:latin typeface="Cambria Math" panose="02040503050406030204" pitchFamily="18" charset="0"/>
+                                </a:rPr>
+                                <m:t>𝑛</m:t>
+                              </m:r>
+                            </m:num>
+                            <m:den>
+                              <m:r>
+                                <a:rPr lang="pt-BR" sz="1900" b="0" i="1" smtClean="0">
+                                  <a:latin typeface="Cambria Math" panose="02040503050406030204" pitchFamily="18" charset="0"/>
+                                </a:rPr>
+                                <m:t>4</m:t>
+                              </m:r>
+                            </m:den>
+                          </m:f>
+                        </m:e>
+                      </m:box>
+                      <m:r>
+                        <a:rPr lang="pt-BR" sz="1900" b="0" i="1" smtClean="0">
+                          <a:latin typeface="Cambria Math" panose="02040503050406030204" pitchFamily="18" charset="0"/>
+                        </a:rPr>
+                        <m:t>+2</m:t>
+                      </m:r>
+                      <m:box>
+                        <m:boxPr>
+                          <m:ctrlPr>
+                            <a:rPr lang="pt-BR" sz="1900" b="0" i="1" smtClean="0">
+                              <a:latin typeface="Cambria Math" panose="02040503050406030204" pitchFamily="18" charset="0"/>
+                            </a:rPr>
+                          </m:ctrlPr>
+                        </m:boxPr>
+                        <m:e>
+                          <m:argPr>
+                            <m:argSz m:val="-1"/>
+                          </m:argPr>
+                          <m:f>
+                            <m:fPr>
+                              <m:ctrlPr>
+                                <a:rPr lang="pt-BR" sz="1900" b="0" i="1" smtClean="0">
+                                  <a:latin typeface="Cambria Math" panose="02040503050406030204" pitchFamily="18" charset="0"/>
+                                </a:rPr>
+                              </m:ctrlPr>
+                            </m:fPr>
+                            <m:num>
+                              <m:r>
+                                <a:rPr lang="pt-BR" sz="1900" b="0" i="1" smtClean="0">
+                                  <a:latin typeface="Cambria Math" panose="02040503050406030204" pitchFamily="18" charset="0"/>
+                                </a:rPr>
+                                <m:t>𝑛</m:t>
+                              </m:r>
+                            </m:num>
+                            <m:den>
+                              <m:r>
+                                <a:rPr lang="pt-BR" sz="1900" b="0" i="1" smtClean="0">
+                                  <a:latin typeface="Cambria Math" panose="02040503050406030204" pitchFamily="18" charset="0"/>
+                                </a:rPr>
+                                <m:t>2</m:t>
+                              </m:r>
+                            </m:den>
+                          </m:f>
+                        </m:e>
+                      </m:box>
+                      <m:r>
+                        <a:rPr lang="pt-BR" sz="1900" b="0" i="1" smtClean="0">
+                          <a:latin typeface="Cambria Math" panose="02040503050406030204" pitchFamily="18" charset="0"/>
+                        </a:rPr>
+                        <m:t>+</m:t>
+                      </m:r>
+                      <m:r>
+                        <a:rPr lang="pt-BR" sz="1900" b="0" i="1" smtClean="0">
+                          <a:latin typeface="Cambria Math" panose="02040503050406030204" pitchFamily="18" charset="0"/>
+                        </a:rPr>
+                        <m:t>𝑛</m:t>
+                      </m:r>
+                    </m:oMath>
+                  </m:oMathPara>
+                </a14:m>
+                <a:endParaRPr lang="pt-BR" sz="1900" b="0" dirty="0"/>
+              </a:p>
+              <a:p>
+                <a:pPr marL="0" indent="0" rtl="0">
+                  <a:lnSpc>
+                    <a:spcPct val="150000"/>
+                  </a:lnSpc>
+                  <a:spcBef>
+                    <a:spcPts val="0"/>
+                  </a:spcBef>
+                  <a:buNone/>
+                </a:pPr>
+                <a14:m>
+                  <m:oMathPara xmlns:m="http://schemas.openxmlformats.org/officeDocument/2006/math">
+                    <m:oMathParaPr>
+                      <m:jc m:val="left"/>
+                    </m:oMathParaPr>
+                    <m:oMath xmlns:m="http://schemas.openxmlformats.org/officeDocument/2006/math">
+                      <m:r>
+                        <a:rPr lang="pt-BR" sz="1900" b="0" i="1" smtClean="0">
+                          <a:latin typeface="Cambria Math" panose="02040503050406030204" pitchFamily="18" charset="0"/>
+                        </a:rPr>
+                        <m:t>𝑇</m:t>
+                      </m:r>
+                      <m:d>
+                        <m:dPr>
+                          <m:ctrlPr>
+                            <a:rPr lang="pt-BR" sz="1900" b="0" i="1" smtClean="0">
+                              <a:latin typeface="Cambria Math" panose="02040503050406030204" pitchFamily="18" charset="0"/>
+                            </a:rPr>
+                          </m:ctrlPr>
+                        </m:dPr>
+                        <m:e>
+                          <m:r>
+                            <a:rPr lang="pt-BR" sz="1900" b="0" i="1" smtClean="0">
+                              <a:latin typeface="Cambria Math" panose="02040503050406030204" pitchFamily="18" charset="0"/>
+                            </a:rPr>
+                            <m:t>𝑛</m:t>
+                          </m:r>
+                        </m:e>
+                      </m:d>
+                      <m:r>
+                        <a:rPr lang="pt-BR" sz="1900" b="0" i="1" smtClean="0">
+                          <a:latin typeface="Cambria Math" panose="02040503050406030204" pitchFamily="18" charset="0"/>
+                        </a:rPr>
+                        <m:t>= </m:t>
+                      </m:r>
+                      <m:sSup>
+                        <m:sSupPr>
+                          <m:ctrlPr>
+                            <a:rPr lang="pt-BR" sz="1900" b="0" i="1" smtClean="0">
+                              <a:latin typeface="Cambria Math" panose="02040503050406030204" pitchFamily="18" charset="0"/>
+                            </a:rPr>
+                          </m:ctrlPr>
+                        </m:sSupPr>
+                        <m:e>
+                          <m:r>
+                            <a:rPr lang="pt-BR" sz="1900" b="0" i="1" smtClean="0">
+                              <a:latin typeface="Cambria Math" panose="02040503050406030204" pitchFamily="18" charset="0"/>
+                            </a:rPr>
+                            <m:t>2</m:t>
+                          </m:r>
+                        </m:e>
+                        <m:sup>
+                          <m:r>
+                            <a:rPr lang="pt-BR" sz="1900" b="0" i="1" smtClean="0">
+                              <a:latin typeface="Cambria Math" panose="02040503050406030204" pitchFamily="18" charset="0"/>
+                            </a:rPr>
+                            <m:t>3</m:t>
+                          </m:r>
+                        </m:sup>
+                      </m:sSup>
+                      <m:r>
+                        <a:rPr lang="pt-BR" sz="1900" b="0" i="1" smtClean="0">
+                          <a:latin typeface="Cambria Math" panose="02040503050406030204" pitchFamily="18" charset="0"/>
+                        </a:rPr>
+                        <m:t>𝑇</m:t>
+                      </m:r>
+                      <m:d>
+                        <m:dPr>
+                          <m:ctrlPr>
+                            <a:rPr lang="pt-BR" sz="1900" b="0" i="1" smtClean="0">
+                              <a:latin typeface="Cambria Math" panose="02040503050406030204" pitchFamily="18" charset="0"/>
+                            </a:rPr>
+                          </m:ctrlPr>
+                        </m:dPr>
+                        <m:e>
+                          <m:box>
+                            <m:boxPr>
+                              <m:ctrlPr>
+                                <a:rPr lang="pt-BR" sz="1900" b="0" i="1" smtClean="0">
+                                  <a:latin typeface="Cambria Math" panose="02040503050406030204" pitchFamily="18" charset="0"/>
+                                </a:rPr>
+                              </m:ctrlPr>
+                            </m:boxPr>
+                            <m:e>
+                              <m:argPr>
+                                <m:argSz m:val="-1"/>
+                              </m:argPr>
+                              <m:f>
+                                <m:fPr>
+                                  <m:ctrlPr>
+                                    <a:rPr lang="pt-BR" sz="1900" b="0" i="1" smtClean="0">
+                                      <a:latin typeface="Cambria Math" panose="02040503050406030204" pitchFamily="18" charset="0"/>
+                                    </a:rPr>
+                                  </m:ctrlPr>
+                                </m:fPr>
+                                <m:num>
+                                  <m:r>
+                                    <a:rPr lang="pt-BR" sz="1900" b="0" i="1" smtClean="0">
+                                      <a:latin typeface="Cambria Math" panose="02040503050406030204" pitchFamily="18" charset="0"/>
+                                    </a:rPr>
+                                    <m:t>𝑛</m:t>
+                                  </m:r>
+                                </m:num>
+                                <m:den>
+                                  <m:sSup>
+                                    <m:sSupPr>
+                                      <m:ctrlPr>
+                                        <a:rPr lang="pt-BR" sz="1900" b="0" i="1" smtClean="0">
+                                          <a:latin typeface="Cambria Math" panose="02040503050406030204" pitchFamily="18" charset="0"/>
+                                        </a:rPr>
+                                      </m:ctrlPr>
+                                    </m:sSupPr>
+                                    <m:e>
+                                      <m:r>
+                                        <a:rPr lang="pt-BR" sz="1900" b="0" i="1" smtClean="0">
+                                          <a:latin typeface="Cambria Math" panose="02040503050406030204" pitchFamily="18" charset="0"/>
+                                        </a:rPr>
+                                        <m:t>2</m:t>
+                                      </m:r>
+                                    </m:e>
+                                    <m:sup>
+                                      <m:r>
+                                        <a:rPr lang="pt-BR" sz="1900" b="0" i="1" smtClean="0">
+                                          <a:latin typeface="Cambria Math" panose="02040503050406030204" pitchFamily="18" charset="0"/>
+                                        </a:rPr>
+                                        <m:t>3</m:t>
+                                      </m:r>
+                                    </m:sup>
+                                  </m:sSup>
+                                </m:den>
+                              </m:f>
+                            </m:e>
+                          </m:box>
+                        </m:e>
+                      </m:d>
+                      <m:r>
+                        <a:rPr lang="pt-BR" sz="1900" b="0" i="1" smtClean="0">
+                          <a:latin typeface="Cambria Math" panose="02040503050406030204" pitchFamily="18" charset="0"/>
+                        </a:rPr>
+                        <m:t>+ </m:t>
+                      </m:r>
+                      <m:sSup>
+                        <m:sSupPr>
+                          <m:ctrlPr>
+                            <a:rPr lang="pt-BR" sz="1900" b="0" i="1" smtClean="0">
+                              <a:latin typeface="Cambria Math" panose="02040503050406030204" pitchFamily="18" charset="0"/>
+                            </a:rPr>
+                          </m:ctrlPr>
+                        </m:sSupPr>
+                        <m:e>
+                          <m:r>
+                            <a:rPr lang="pt-BR" sz="1900" b="0" i="1" smtClean="0">
+                              <a:latin typeface="Cambria Math" panose="02040503050406030204" pitchFamily="18" charset="0"/>
+                            </a:rPr>
+                            <m:t>2</m:t>
+                          </m:r>
+                        </m:e>
+                        <m:sup>
+                          <m:r>
+                            <a:rPr lang="pt-BR" sz="1900" b="0" i="1" smtClean="0">
+                              <a:latin typeface="Cambria Math" panose="02040503050406030204" pitchFamily="18" charset="0"/>
+                            </a:rPr>
+                            <m:t>2</m:t>
+                          </m:r>
+                        </m:sup>
+                      </m:sSup>
+                      <m:box>
+                        <m:boxPr>
+                          <m:ctrlPr>
+                            <a:rPr lang="pt-BR" sz="1900" b="0" i="1" smtClean="0">
+                              <a:latin typeface="Cambria Math" panose="02040503050406030204" pitchFamily="18" charset="0"/>
+                            </a:rPr>
+                          </m:ctrlPr>
+                        </m:boxPr>
+                        <m:e>
+                          <m:argPr>
+                            <m:argSz m:val="-1"/>
+                          </m:argPr>
+                          <m:f>
+                            <m:fPr>
+                              <m:ctrlPr>
+                                <a:rPr lang="pt-BR" sz="1900" b="0" i="1" smtClean="0">
+                                  <a:latin typeface="Cambria Math" panose="02040503050406030204" pitchFamily="18" charset="0"/>
+                                </a:rPr>
+                              </m:ctrlPr>
+                            </m:fPr>
+                            <m:num>
+                              <m:r>
+                                <a:rPr lang="pt-BR" sz="1900" b="0" i="1" smtClean="0">
+                                  <a:latin typeface="Cambria Math" panose="02040503050406030204" pitchFamily="18" charset="0"/>
+                                </a:rPr>
+                                <m:t>𝑛</m:t>
+                              </m:r>
+                            </m:num>
+                            <m:den>
+                              <m:sSup>
+                                <m:sSupPr>
+                                  <m:ctrlPr>
+                                    <a:rPr lang="pt-BR" sz="1900" b="0" i="1" smtClean="0">
+                                      <a:latin typeface="Cambria Math" panose="02040503050406030204" pitchFamily="18" charset="0"/>
+                                    </a:rPr>
+                                  </m:ctrlPr>
+                                </m:sSupPr>
+                                <m:e>
+                                  <m:r>
+                                    <a:rPr lang="pt-BR" sz="1900" b="0" i="1" smtClean="0">
+                                      <a:latin typeface="Cambria Math" panose="02040503050406030204" pitchFamily="18" charset="0"/>
+                                    </a:rPr>
+                                    <m:t>2</m:t>
+                                  </m:r>
+                                </m:e>
+                                <m:sup>
+                                  <m:r>
+                                    <a:rPr lang="pt-BR" sz="1900" b="0" i="1" smtClean="0">
+                                      <a:latin typeface="Cambria Math" panose="02040503050406030204" pitchFamily="18" charset="0"/>
+                                    </a:rPr>
+                                    <m:t>2</m:t>
+                                  </m:r>
+                                </m:sup>
+                              </m:sSup>
+                            </m:den>
+                          </m:f>
+                        </m:e>
+                      </m:box>
+                      <m:r>
+                        <a:rPr lang="pt-BR" sz="1900" b="0" i="1" smtClean="0">
+                          <a:latin typeface="Cambria Math" panose="02040503050406030204" pitchFamily="18" charset="0"/>
+                        </a:rPr>
+                        <m:t>+ </m:t>
+                      </m:r>
+                      <m:sSup>
+                        <m:sSupPr>
+                          <m:ctrlPr>
+                            <a:rPr lang="pt-BR" sz="1900" b="0" i="1" smtClean="0">
+                              <a:latin typeface="Cambria Math" panose="02040503050406030204" pitchFamily="18" charset="0"/>
+                            </a:rPr>
+                          </m:ctrlPr>
+                        </m:sSupPr>
+                        <m:e>
+                          <m:r>
+                            <a:rPr lang="pt-BR" sz="1900" b="0" i="1" smtClean="0">
+                              <a:latin typeface="Cambria Math" panose="02040503050406030204" pitchFamily="18" charset="0"/>
+                            </a:rPr>
+                            <m:t>2</m:t>
+                          </m:r>
+                        </m:e>
+                        <m:sup>
+                          <m:r>
+                            <a:rPr lang="pt-BR" sz="1900" b="0" i="1" smtClean="0">
+                              <a:latin typeface="Cambria Math" panose="02040503050406030204" pitchFamily="18" charset="0"/>
+                            </a:rPr>
+                            <m:t>1</m:t>
+                          </m:r>
+                        </m:sup>
+                      </m:sSup>
+                      <m:box>
+                        <m:boxPr>
+                          <m:ctrlPr>
+                            <a:rPr lang="pt-BR" sz="1900" b="0" i="1" smtClean="0">
+                              <a:latin typeface="Cambria Math" panose="02040503050406030204" pitchFamily="18" charset="0"/>
+                            </a:rPr>
+                          </m:ctrlPr>
+                        </m:boxPr>
+                        <m:e>
+                          <m:argPr>
+                            <m:argSz m:val="-1"/>
+                          </m:argPr>
+                          <m:f>
+                            <m:fPr>
+                              <m:ctrlPr>
+                                <a:rPr lang="pt-BR" sz="1900" b="0" i="1" smtClean="0">
+                                  <a:latin typeface="Cambria Math" panose="02040503050406030204" pitchFamily="18" charset="0"/>
+                                </a:rPr>
+                              </m:ctrlPr>
+                            </m:fPr>
+                            <m:num>
+                              <m:r>
+                                <a:rPr lang="pt-BR" sz="1900" b="0" i="1" smtClean="0">
+                                  <a:latin typeface="Cambria Math" panose="02040503050406030204" pitchFamily="18" charset="0"/>
+                                </a:rPr>
+                                <m:t>𝑛</m:t>
+                              </m:r>
+                            </m:num>
+                            <m:den>
+                              <m:sSup>
+                                <m:sSupPr>
+                                  <m:ctrlPr>
+                                    <a:rPr lang="pt-BR" sz="1900" b="0" i="1" smtClean="0">
+                                      <a:latin typeface="Cambria Math" panose="02040503050406030204" pitchFamily="18" charset="0"/>
+                                    </a:rPr>
+                                  </m:ctrlPr>
+                                </m:sSupPr>
+                                <m:e>
+                                  <m:r>
+                                    <a:rPr lang="pt-BR" sz="1900" b="0" i="1" smtClean="0">
+                                      <a:latin typeface="Cambria Math" panose="02040503050406030204" pitchFamily="18" charset="0"/>
+                                    </a:rPr>
+                                    <m:t>2</m:t>
+                                  </m:r>
+                                </m:e>
+                                <m:sup>
+                                  <m:r>
+                                    <a:rPr lang="pt-BR" sz="1900" b="0" i="1" smtClean="0">
+                                      <a:latin typeface="Cambria Math" panose="02040503050406030204" pitchFamily="18" charset="0"/>
+                                    </a:rPr>
+                                    <m:t>1</m:t>
+                                  </m:r>
+                                </m:sup>
+                              </m:sSup>
+                            </m:den>
+                          </m:f>
+                        </m:e>
+                      </m:box>
+                      <m:r>
+                        <a:rPr lang="pt-BR" sz="1900" b="0" i="1" smtClean="0">
+                          <a:latin typeface="Cambria Math" panose="02040503050406030204" pitchFamily="18" charset="0"/>
+                        </a:rPr>
+                        <m:t>+ </m:t>
+                      </m:r>
+                      <m:sSup>
+                        <m:sSupPr>
+                          <m:ctrlPr>
+                            <a:rPr lang="pt-BR" sz="1900" b="0" i="1" smtClean="0">
+                              <a:latin typeface="Cambria Math" panose="02040503050406030204" pitchFamily="18" charset="0"/>
+                            </a:rPr>
+                          </m:ctrlPr>
+                        </m:sSupPr>
+                        <m:e>
+                          <m:r>
+                            <a:rPr lang="pt-BR" sz="1900" b="0" i="1" smtClean="0">
+                              <a:latin typeface="Cambria Math" panose="02040503050406030204" pitchFamily="18" charset="0"/>
+                            </a:rPr>
+                            <m:t>2</m:t>
+                          </m:r>
+                        </m:e>
+                        <m:sup>
+                          <m:r>
+                            <a:rPr lang="pt-BR" sz="1900" b="0" i="1" smtClean="0">
+                              <a:latin typeface="Cambria Math" panose="02040503050406030204" pitchFamily="18" charset="0"/>
+                            </a:rPr>
+                            <m:t>0</m:t>
+                          </m:r>
+                        </m:sup>
+                      </m:sSup>
+                      <m:box>
+                        <m:boxPr>
+                          <m:ctrlPr>
+                            <a:rPr lang="pt-BR" sz="1900" b="0" i="1" smtClean="0">
+                              <a:latin typeface="Cambria Math" panose="02040503050406030204" pitchFamily="18" charset="0"/>
+                            </a:rPr>
+                          </m:ctrlPr>
+                        </m:boxPr>
+                        <m:e>
+                          <m:argPr>
+                            <m:argSz m:val="-1"/>
+                          </m:argPr>
+                          <m:f>
+                            <m:fPr>
+                              <m:ctrlPr>
+                                <a:rPr lang="pt-BR" sz="1900" b="0" i="1" smtClean="0">
+                                  <a:latin typeface="Cambria Math" panose="02040503050406030204" pitchFamily="18" charset="0"/>
+                                </a:rPr>
+                              </m:ctrlPr>
+                            </m:fPr>
+                            <m:num>
+                              <m:r>
+                                <a:rPr lang="pt-BR" sz="1900" b="0" i="1" smtClean="0">
+                                  <a:latin typeface="Cambria Math" panose="02040503050406030204" pitchFamily="18" charset="0"/>
+                                </a:rPr>
+                                <m:t>𝑛</m:t>
+                              </m:r>
+                            </m:num>
+                            <m:den>
+                              <m:sSup>
+                                <m:sSupPr>
+                                  <m:ctrlPr>
+                                    <a:rPr lang="pt-BR" sz="1900" b="0" i="1" smtClean="0">
+                                      <a:latin typeface="Cambria Math" panose="02040503050406030204" pitchFamily="18" charset="0"/>
+                                    </a:rPr>
+                                  </m:ctrlPr>
+                                </m:sSupPr>
+                                <m:e>
+                                  <m:r>
+                                    <a:rPr lang="pt-BR" sz="1900" b="0" i="1" smtClean="0">
+                                      <a:latin typeface="Cambria Math" panose="02040503050406030204" pitchFamily="18" charset="0"/>
+                                    </a:rPr>
+                                    <m:t>2</m:t>
+                                  </m:r>
+                                </m:e>
+                                <m:sup>
+                                  <m:r>
+                                    <a:rPr lang="pt-BR" sz="1900" b="0" i="1" smtClean="0">
+                                      <a:latin typeface="Cambria Math" panose="02040503050406030204" pitchFamily="18" charset="0"/>
+                                    </a:rPr>
+                                    <m:t>0</m:t>
+                                  </m:r>
+                                </m:sup>
+                              </m:sSup>
+                            </m:den>
+                          </m:f>
+                        </m:e>
+                      </m:box>
+                    </m:oMath>
+                  </m:oMathPara>
+                </a14:m>
+                <a:endParaRPr lang="pt-BR" sz="1900" b="0" dirty="0"/>
+              </a:p>
+              <a:p>
+                <a:pPr marL="0" indent="0" rtl="0">
+                  <a:lnSpc>
+                    <a:spcPct val="150000"/>
+                  </a:lnSpc>
+                  <a:spcBef>
+                    <a:spcPts val="0"/>
+                  </a:spcBef>
+                  <a:buNone/>
+                </a:pPr>
+                <a14:m>
+                  <m:oMathPara xmlns:m="http://schemas.openxmlformats.org/officeDocument/2006/math">
+                    <m:oMathParaPr>
+                      <m:jc m:val="left"/>
+                    </m:oMathParaPr>
+                    <m:oMath xmlns:m="http://schemas.openxmlformats.org/officeDocument/2006/math">
+                      <m:r>
+                        <a:rPr lang="pt-BR" sz="1900" b="0" i="1" smtClean="0">
+                          <a:latin typeface="Cambria Math" panose="02040503050406030204" pitchFamily="18" charset="0"/>
+                        </a:rPr>
+                        <m:t>𝑇</m:t>
+                      </m:r>
+                      <m:d>
+                        <m:dPr>
+                          <m:ctrlPr>
+                            <a:rPr lang="pt-BR" sz="1900" b="0" i="1" smtClean="0">
+                              <a:latin typeface="Cambria Math" panose="02040503050406030204" pitchFamily="18" charset="0"/>
+                            </a:rPr>
+                          </m:ctrlPr>
+                        </m:dPr>
+                        <m:e>
+                          <m:r>
+                            <a:rPr lang="pt-BR" sz="1900" b="0" i="1" smtClean="0">
+                              <a:latin typeface="Cambria Math" panose="02040503050406030204" pitchFamily="18" charset="0"/>
+                            </a:rPr>
+                            <m:t>𝑛</m:t>
+                          </m:r>
+                        </m:e>
+                      </m:d>
+                      <m:r>
+                        <a:rPr lang="pt-BR" sz="1900" b="0" i="1" smtClean="0">
+                          <a:latin typeface="Cambria Math" panose="02040503050406030204" pitchFamily="18" charset="0"/>
+                        </a:rPr>
+                        <m:t>=</m:t>
+                      </m:r>
+                      <m:sSup>
+                        <m:sSupPr>
+                          <m:ctrlPr>
+                            <a:rPr lang="pt-BR" sz="1900" b="0" i="1" smtClean="0">
+                              <a:latin typeface="Cambria Math" panose="02040503050406030204" pitchFamily="18" charset="0"/>
+                            </a:rPr>
+                          </m:ctrlPr>
+                        </m:sSupPr>
+                        <m:e>
+                          <m:r>
+                            <a:rPr lang="pt-BR" sz="1900" b="0" i="1" smtClean="0">
+                              <a:latin typeface="Cambria Math" panose="02040503050406030204" pitchFamily="18" charset="0"/>
+                            </a:rPr>
+                            <m:t>2</m:t>
+                          </m:r>
+                        </m:e>
+                        <m:sup>
+                          <m:r>
+                            <a:rPr lang="pt-BR" sz="1900" b="0" i="1" smtClean="0">
+                              <a:latin typeface="Cambria Math" panose="02040503050406030204" pitchFamily="18" charset="0"/>
+                            </a:rPr>
+                            <m:t>𝑖</m:t>
+                          </m:r>
+                        </m:sup>
+                      </m:sSup>
+                      <m:r>
+                        <a:rPr lang="pt-BR" sz="1900" b="0" i="1" smtClean="0">
+                          <a:latin typeface="Cambria Math" panose="02040503050406030204" pitchFamily="18" charset="0"/>
+                        </a:rPr>
+                        <m:t>𝑇</m:t>
+                      </m:r>
+                      <m:d>
+                        <m:dPr>
+                          <m:ctrlPr>
+                            <a:rPr lang="pt-BR" sz="1900" b="0" i="1" smtClean="0">
+                              <a:latin typeface="Cambria Math" panose="02040503050406030204" pitchFamily="18" charset="0"/>
+                            </a:rPr>
+                          </m:ctrlPr>
+                        </m:dPr>
+                        <m:e>
+                          <m:box>
+                            <m:boxPr>
+                              <m:ctrlPr>
+                                <a:rPr lang="pt-BR" sz="1900" b="0" i="1" smtClean="0">
+                                  <a:latin typeface="Cambria Math" panose="02040503050406030204" pitchFamily="18" charset="0"/>
+                                </a:rPr>
+                              </m:ctrlPr>
+                            </m:boxPr>
+                            <m:e>
+                              <m:argPr>
+                                <m:argSz m:val="-1"/>
+                              </m:argPr>
+                              <m:f>
+                                <m:fPr>
+                                  <m:ctrlPr>
+                                    <a:rPr lang="pt-BR" sz="1900" b="0" i="1" smtClean="0">
+                                      <a:latin typeface="Cambria Math" panose="02040503050406030204" pitchFamily="18" charset="0"/>
+                                    </a:rPr>
+                                  </m:ctrlPr>
+                                </m:fPr>
+                                <m:num>
+                                  <m:r>
+                                    <a:rPr lang="pt-BR" sz="1900" b="0" i="1" smtClean="0">
+                                      <a:latin typeface="Cambria Math" panose="02040503050406030204" pitchFamily="18" charset="0"/>
+                                    </a:rPr>
+                                    <m:t>𝑛</m:t>
+                                  </m:r>
+                                </m:num>
+                                <m:den>
+                                  <m:sSup>
+                                    <m:sSupPr>
+                                      <m:ctrlPr>
+                                        <a:rPr lang="pt-BR" sz="1900" b="0" i="1" smtClean="0">
+                                          <a:latin typeface="Cambria Math" panose="02040503050406030204" pitchFamily="18" charset="0"/>
+                                        </a:rPr>
+                                      </m:ctrlPr>
+                                    </m:sSupPr>
+                                    <m:e>
+                                      <m:r>
+                                        <a:rPr lang="pt-BR" sz="1900" b="0" i="1" smtClean="0">
+                                          <a:latin typeface="Cambria Math" panose="02040503050406030204" pitchFamily="18" charset="0"/>
+                                        </a:rPr>
+                                        <m:t>2</m:t>
+                                      </m:r>
+                                    </m:e>
+                                    <m:sup>
+                                      <m:r>
+                                        <a:rPr lang="pt-BR" sz="1900" b="0" i="1" smtClean="0">
+                                          <a:latin typeface="Cambria Math" panose="02040503050406030204" pitchFamily="18" charset="0"/>
+                                        </a:rPr>
+                                        <m:t>𝑖</m:t>
+                                      </m:r>
+                                    </m:sup>
+                                  </m:sSup>
+                                </m:den>
+                              </m:f>
+                            </m:e>
+                          </m:box>
+                        </m:e>
+                      </m:d>
+                      <m:r>
+                        <a:rPr lang="pt-BR" sz="1900" b="0" i="1" smtClean="0">
+                          <a:latin typeface="Cambria Math" panose="02040503050406030204" pitchFamily="18" charset="0"/>
+                        </a:rPr>
+                        <m:t>+ </m:t>
+                      </m:r>
+                      <m:sSup>
+                        <m:sSupPr>
+                          <m:ctrlPr>
+                            <a:rPr lang="pt-BR" sz="1900" b="0" i="1" smtClean="0">
+                              <a:latin typeface="Cambria Math" panose="02040503050406030204" pitchFamily="18" charset="0"/>
+                            </a:rPr>
+                          </m:ctrlPr>
+                        </m:sSupPr>
+                        <m:e>
+                          <m:r>
+                            <a:rPr lang="pt-BR" sz="1900" b="0" i="1" smtClean="0">
+                              <a:latin typeface="Cambria Math" panose="02040503050406030204" pitchFamily="18" charset="0"/>
+                            </a:rPr>
+                            <m:t>2</m:t>
+                          </m:r>
+                        </m:e>
+                        <m:sup>
+                          <m:r>
+                            <a:rPr lang="pt-BR" sz="1900" b="0" i="1" smtClean="0">
+                              <a:latin typeface="Cambria Math" panose="02040503050406030204" pitchFamily="18" charset="0"/>
+                            </a:rPr>
+                            <m:t>𝑖</m:t>
+                          </m:r>
+                          <m:r>
+                            <a:rPr lang="pt-BR" sz="1900" b="0" i="1" smtClean="0">
+                              <a:latin typeface="Cambria Math" panose="02040503050406030204" pitchFamily="18" charset="0"/>
+                            </a:rPr>
+                            <m:t>−1</m:t>
+                          </m:r>
+                        </m:sup>
+                      </m:sSup>
+                      <m:box>
+                        <m:boxPr>
+                          <m:ctrlPr>
+                            <a:rPr lang="pt-BR" sz="1900" b="0" i="1" smtClean="0">
+                              <a:latin typeface="Cambria Math" panose="02040503050406030204" pitchFamily="18" charset="0"/>
+                            </a:rPr>
+                          </m:ctrlPr>
+                        </m:boxPr>
+                        <m:e>
+                          <m:argPr>
+                            <m:argSz m:val="-1"/>
+                          </m:argPr>
+                          <m:f>
+                            <m:fPr>
+                              <m:ctrlPr>
+                                <a:rPr lang="pt-BR" sz="1900" b="0" i="1" smtClean="0">
+                                  <a:latin typeface="Cambria Math" panose="02040503050406030204" pitchFamily="18" charset="0"/>
+                                </a:rPr>
+                              </m:ctrlPr>
+                            </m:fPr>
+                            <m:num>
+                              <m:r>
+                                <a:rPr lang="pt-BR" sz="1900" b="0" i="1" smtClean="0">
+                                  <a:latin typeface="Cambria Math" panose="02040503050406030204" pitchFamily="18" charset="0"/>
+                                </a:rPr>
+                                <m:t>𝑛</m:t>
+                              </m:r>
+                            </m:num>
+                            <m:den>
+                              <m:sSup>
+                                <m:sSupPr>
+                                  <m:ctrlPr>
+                                    <a:rPr lang="pt-BR" sz="1900" b="0" i="1" smtClean="0">
+                                      <a:latin typeface="Cambria Math" panose="02040503050406030204" pitchFamily="18" charset="0"/>
+                                    </a:rPr>
+                                  </m:ctrlPr>
+                                </m:sSupPr>
+                                <m:e>
+                                  <m:r>
+                                    <a:rPr lang="pt-BR" sz="1900" b="0" i="1" smtClean="0">
+                                      <a:latin typeface="Cambria Math" panose="02040503050406030204" pitchFamily="18" charset="0"/>
+                                    </a:rPr>
+                                    <m:t>2</m:t>
+                                  </m:r>
+                                </m:e>
+                                <m:sup>
+                                  <m:r>
+                                    <a:rPr lang="pt-BR" sz="1900" b="0" i="1" smtClean="0">
+                                      <a:latin typeface="Cambria Math" panose="02040503050406030204" pitchFamily="18" charset="0"/>
+                                    </a:rPr>
+                                    <m:t>𝑖</m:t>
+                                  </m:r>
+                                  <m:r>
+                                    <a:rPr lang="pt-BR" sz="1900" b="0" i="1" smtClean="0">
+                                      <a:latin typeface="Cambria Math" panose="02040503050406030204" pitchFamily="18" charset="0"/>
+                                    </a:rPr>
+                                    <m:t>−1</m:t>
+                                  </m:r>
+                                </m:sup>
+                              </m:sSup>
+                            </m:den>
+                          </m:f>
+                        </m:e>
+                      </m:box>
+                      <m:r>
+                        <a:rPr lang="pt-BR" sz="1900" b="0" i="1" smtClean="0">
+                          <a:latin typeface="Cambria Math" panose="02040503050406030204" pitchFamily="18" charset="0"/>
+                        </a:rPr>
+                        <m:t>+ </m:t>
+                      </m:r>
+                      <m:sSup>
+                        <m:sSupPr>
+                          <m:ctrlPr>
+                            <a:rPr lang="pt-BR" sz="1900" b="0" i="1" smtClean="0">
+                              <a:latin typeface="Cambria Math" panose="02040503050406030204" pitchFamily="18" charset="0"/>
+                            </a:rPr>
+                          </m:ctrlPr>
+                        </m:sSupPr>
+                        <m:e>
+                          <m:r>
+                            <a:rPr lang="pt-BR" sz="1900" b="0" i="1" smtClean="0">
+                              <a:latin typeface="Cambria Math" panose="02040503050406030204" pitchFamily="18" charset="0"/>
+                            </a:rPr>
+                            <m:t>2</m:t>
+                          </m:r>
+                        </m:e>
+                        <m:sup>
+                          <m:r>
+                            <a:rPr lang="pt-BR" sz="1900" b="0" i="1" smtClean="0">
+                              <a:latin typeface="Cambria Math" panose="02040503050406030204" pitchFamily="18" charset="0"/>
+                            </a:rPr>
+                            <m:t>𝑖</m:t>
+                          </m:r>
+                          <m:r>
+                            <a:rPr lang="pt-BR" sz="1900" b="0" i="1" smtClean="0">
+                              <a:latin typeface="Cambria Math" panose="02040503050406030204" pitchFamily="18" charset="0"/>
+                            </a:rPr>
+                            <m:t>−2</m:t>
+                          </m:r>
+                        </m:sup>
+                      </m:sSup>
+                      <m:box>
+                        <m:boxPr>
+                          <m:ctrlPr>
+                            <a:rPr lang="pt-BR" sz="1900" b="0" i="1" smtClean="0">
+                              <a:latin typeface="Cambria Math" panose="02040503050406030204" pitchFamily="18" charset="0"/>
+                            </a:rPr>
+                          </m:ctrlPr>
+                        </m:boxPr>
+                        <m:e>
+                          <m:argPr>
+                            <m:argSz m:val="-1"/>
+                          </m:argPr>
+                          <m:f>
+                            <m:fPr>
+                              <m:ctrlPr>
+                                <a:rPr lang="pt-BR" sz="1900" b="0" i="1" smtClean="0">
+                                  <a:latin typeface="Cambria Math" panose="02040503050406030204" pitchFamily="18" charset="0"/>
+                                </a:rPr>
+                              </m:ctrlPr>
+                            </m:fPr>
+                            <m:num>
+                              <m:r>
+                                <a:rPr lang="pt-BR" sz="1900" b="0" i="1" smtClean="0">
+                                  <a:latin typeface="Cambria Math" panose="02040503050406030204" pitchFamily="18" charset="0"/>
+                                </a:rPr>
+                                <m:t>𝑛</m:t>
+                              </m:r>
+                            </m:num>
+                            <m:den>
+                              <m:sSup>
+                                <m:sSupPr>
+                                  <m:ctrlPr>
+                                    <a:rPr lang="pt-BR" sz="1900" b="0" i="1" smtClean="0">
+                                      <a:latin typeface="Cambria Math" panose="02040503050406030204" pitchFamily="18" charset="0"/>
+                                    </a:rPr>
+                                  </m:ctrlPr>
+                                </m:sSupPr>
+                                <m:e>
+                                  <m:r>
+                                    <a:rPr lang="pt-BR" sz="1900" b="0" i="1" smtClean="0">
+                                      <a:latin typeface="Cambria Math" panose="02040503050406030204" pitchFamily="18" charset="0"/>
+                                    </a:rPr>
+                                    <m:t>2</m:t>
+                                  </m:r>
+                                </m:e>
+                                <m:sup>
+                                  <m:r>
+                                    <a:rPr lang="pt-BR" sz="1900" b="0" i="1" smtClean="0">
+                                      <a:latin typeface="Cambria Math" panose="02040503050406030204" pitchFamily="18" charset="0"/>
+                                    </a:rPr>
+                                    <m:t>𝑖</m:t>
+                                  </m:r>
+                                  <m:r>
+                                    <a:rPr lang="pt-BR" sz="1900" b="0" i="1" smtClean="0">
+                                      <a:latin typeface="Cambria Math" panose="02040503050406030204" pitchFamily="18" charset="0"/>
+                                    </a:rPr>
+                                    <m:t>−2</m:t>
+                                  </m:r>
+                                </m:sup>
+                              </m:sSup>
+                            </m:den>
+                          </m:f>
+                        </m:e>
+                      </m:box>
+                      <m:r>
+                        <a:rPr lang="pt-BR" sz="1900" b="0" i="1" smtClean="0">
+                          <a:latin typeface="Cambria Math" panose="02040503050406030204" pitchFamily="18" charset="0"/>
+                        </a:rPr>
+                        <m:t>+ …+ </m:t>
+                      </m:r>
+                      <m:sSup>
+                        <m:sSupPr>
+                          <m:ctrlPr>
+                            <a:rPr lang="pt-BR" sz="1900" b="0" i="1" smtClean="0">
+                              <a:latin typeface="Cambria Math" panose="02040503050406030204" pitchFamily="18" charset="0"/>
+                            </a:rPr>
+                          </m:ctrlPr>
+                        </m:sSupPr>
+                        <m:e>
+                          <m:r>
+                            <a:rPr lang="pt-BR" sz="1900" b="0" i="1" smtClean="0">
+                              <a:latin typeface="Cambria Math" panose="02040503050406030204" pitchFamily="18" charset="0"/>
+                            </a:rPr>
+                            <m:t>2</m:t>
+                          </m:r>
+                        </m:e>
+                        <m:sup>
+                          <m:r>
+                            <a:rPr lang="pt-BR" sz="1900" b="0" i="1" smtClean="0">
+                              <a:latin typeface="Cambria Math" panose="02040503050406030204" pitchFamily="18" charset="0"/>
+                            </a:rPr>
+                            <m:t>0</m:t>
+                          </m:r>
+                        </m:sup>
+                      </m:sSup>
+                      <m:box>
+                        <m:boxPr>
+                          <m:ctrlPr>
+                            <a:rPr lang="pt-BR" sz="1900" b="0" i="1" smtClean="0">
+                              <a:latin typeface="Cambria Math" panose="02040503050406030204" pitchFamily="18" charset="0"/>
+                            </a:rPr>
+                          </m:ctrlPr>
+                        </m:boxPr>
+                        <m:e>
+                          <m:argPr>
+                            <m:argSz m:val="-1"/>
+                          </m:argPr>
+                          <m:f>
+                            <m:fPr>
+                              <m:ctrlPr>
+                                <a:rPr lang="pt-BR" sz="1900" b="0" i="1" smtClean="0">
+                                  <a:latin typeface="Cambria Math" panose="02040503050406030204" pitchFamily="18" charset="0"/>
+                                </a:rPr>
+                              </m:ctrlPr>
+                            </m:fPr>
+                            <m:num>
+                              <m:r>
+                                <a:rPr lang="pt-BR" sz="1900" b="0" i="1" smtClean="0">
+                                  <a:latin typeface="Cambria Math" panose="02040503050406030204" pitchFamily="18" charset="0"/>
+                                </a:rPr>
+                                <m:t>𝑛</m:t>
+                              </m:r>
+                            </m:num>
+                            <m:den>
+                              <m:sSup>
+                                <m:sSupPr>
+                                  <m:ctrlPr>
+                                    <a:rPr lang="pt-BR" sz="1900" b="0" i="1" smtClean="0">
+                                      <a:latin typeface="Cambria Math" panose="02040503050406030204" pitchFamily="18" charset="0"/>
+                                    </a:rPr>
+                                  </m:ctrlPr>
+                                </m:sSupPr>
+                                <m:e>
+                                  <m:r>
+                                    <a:rPr lang="pt-BR" sz="1900" b="0" i="1" smtClean="0">
+                                      <a:latin typeface="Cambria Math" panose="02040503050406030204" pitchFamily="18" charset="0"/>
+                                    </a:rPr>
+                                    <m:t>2</m:t>
+                                  </m:r>
+                                </m:e>
+                                <m:sup>
+                                  <m:r>
+                                    <a:rPr lang="pt-BR" sz="1900" b="0" i="1" smtClean="0">
+                                      <a:latin typeface="Cambria Math" panose="02040503050406030204" pitchFamily="18" charset="0"/>
+                                    </a:rPr>
+                                    <m:t>0</m:t>
+                                  </m:r>
+                                </m:sup>
+                              </m:sSup>
+                            </m:den>
+                          </m:f>
+                        </m:e>
+                      </m:box>
+                    </m:oMath>
+                  </m:oMathPara>
+                </a14:m>
+                <a:endParaRPr lang="pt-BR" sz="1900" b="0" dirty="0"/>
+              </a:p>
+              <a:p>
+                <a:pPr marL="0" indent="0" rtl="0">
+                  <a:lnSpc>
+                    <a:spcPct val="150000"/>
+                  </a:lnSpc>
+                  <a:spcBef>
+                    <a:spcPts val="0"/>
+                  </a:spcBef>
+                  <a:buNone/>
+                </a:pPr>
+                <a14:m>
+                  <m:oMathPara xmlns:m="http://schemas.openxmlformats.org/officeDocument/2006/math">
+                    <m:oMathParaPr>
+                      <m:jc m:val="left"/>
+                    </m:oMathParaPr>
+                    <m:oMath xmlns:m="http://schemas.openxmlformats.org/officeDocument/2006/math">
+                      <m:box>
+                        <m:boxPr>
+                          <m:ctrlPr>
+                            <a:rPr lang="pt-BR" sz="1900" b="0" i="1" smtClean="0">
+                              <a:latin typeface="Cambria Math" panose="02040503050406030204" pitchFamily="18" charset="0"/>
+                            </a:rPr>
+                          </m:ctrlPr>
+                        </m:boxPr>
+                        <m:e>
+                          <m:argPr>
+                            <m:argSz m:val="-1"/>
+                          </m:argPr>
+                          <m:f>
+                            <m:fPr>
+                              <m:ctrlPr>
+                                <a:rPr lang="pt-BR" sz="1900" b="0" i="1" smtClean="0">
+                                  <a:latin typeface="Cambria Math" panose="02040503050406030204" pitchFamily="18" charset="0"/>
+                                </a:rPr>
+                              </m:ctrlPr>
+                            </m:fPr>
+                            <m:num>
+                              <m:r>
+                                <a:rPr lang="pt-BR" sz="1900" b="0" i="1" smtClean="0">
+                                  <a:latin typeface="Cambria Math" panose="02040503050406030204" pitchFamily="18" charset="0"/>
+                                </a:rPr>
+                                <m:t>𝑛</m:t>
+                              </m:r>
+                            </m:num>
+                            <m:den>
+                              <m:sSup>
+                                <m:sSupPr>
+                                  <m:ctrlPr>
+                                    <a:rPr lang="pt-BR" sz="1900" b="0" i="1" smtClean="0">
+                                      <a:latin typeface="Cambria Math" panose="02040503050406030204" pitchFamily="18" charset="0"/>
+                                    </a:rPr>
+                                  </m:ctrlPr>
+                                </m:sSupPr>
+                                <m:e>
+                                  <m:r>
+                                    <a:rPr lang="pt-BR" sz="1900" b="0" i="1" smtClean="0">
+                                      <a:latin typeface="Cambria Math" panose="02040503050406030204" pitchFamily="18" charset="0"/>
+                                    </a:rPr>
+                                    <m:t>2</m:t>
+                                  </m:r>
+                                </m:e>
+                                <m:sup>
+                                  <m:r>
+                                    <a:rPr lang="pt-BR" sz="1900" b="0" i="1" smtClean="0">
+                                      <a:latin typeface="Cambria Math" panose="02040503050406030204" pitchFamily="18" charset="0"/>
+                                    </a:rPr>
+                                    <m:t>𝑖</m:t>
+                                  </m:r>
+                                </m:sup>
+                              </m:sSup>
+                            </m:den>
+                          </m:f>
+                        </m:e>
+                      </m:box>
+                      <m:r>
+                        <a:rPr lang="pt-BR" sz="1900" b="0" i="1" smtClean="0">
+                          <a:latin typeface="Cambria Math" panose="02040503050406030204" pitchFamily="18" charset="0"/>
+                        </a:rPr>
+                        <m:t>=1 </m:t>
+                      </m:r>
+                      <m:r>
+                        <a:rPr lang="pt-BR" sz="1900" b="0" i="1" smtClean="0">
+                          <a:latin typeface="Cambria Math" panose="02040503050406030204" pitchFamily="18" charset="0"/>
+                        </a:rPr>
+                        <m:t>𝑜𝑢</m:t>
+                      </m:r>
+                      <m:r>
+                        <a:rPr lang="pt-BR" sz="1900" b="0" i="1" smtClean="0">
+                          <a:latin typeface="Cambria Math" panose="02040503050406030204" pitchFamily="18" charset="0"/>
+                        </a:rPr>
+                        <m:t> </m:t>
+                      </m:r>
+                      <m:r>
+                        <a:rPr lang="pt-BR" sz="1900" b="0" i="1" smtClean="0">
+                          <a:latin typeface="Cambria Math" panose="02040503050406030204" pitchFamily="18" charset="0"/>
+                        </a:rPr>
+                        <m:t>𝑛</m:t>
+                      </m:r>
+                      <m:r>
+                        <a:rPr lang="pt-BR" sz="1900" b="0" i="1" smtClean="0">
+                          <a:latin typeface="Cambria Math" panose="02040503050406030204" pitchFamily="18" charset="0"/>
+                        </a:rPr>
+                        <m:t>= </m:t>
+                      </m:r>
+                      <m:sSup>
+                        <m:sSupPr>
+                          <m:ctrlPr>
+                            <a:rPr lang="pt-BR" sz="1900" b="0" i="1" smtClean="0">
+                              <a:latin typeface="Cambria Math" panose="02040503050406030204" pitchFamily="18" charset="0"/>
+                            </a:rPr>
+                          </m:ctrlPr>
+                        </m:sSupPr>
+                        <m:e>
+                          <m:r>
+                            <a:rPr lang="pt-BR" sz="1900" b="0" i="1" smtClean="0">
+                              <a:latin typeface="Cambria Math" panose="02040503050406030204" pitchFamily="18" charset="0"/>
+                            </a:rPr>
+                            <m:t>2</m:t>
+                          </m:r>
+                        </m:e>
+                        <m:sup>
+                          <m:r>
+                            <a:rPr lang="pt-BR" sz="1900" b="0" i="1" smtClean="0">
+                              <a:latin typeface="Cambria Math" panose="02040503050406030204" pitchFamily="18" charset="0"/>
+                            </a:rPr>
+                            <m:t>𝑖</m:t>
+                          </m:r>
+                        </m:sup>
+                      </m:sSup>
+                      <m:r>
+                        <a:rPr lang="pt-BR" sz="1900" b="0" i="1" smtClean="0">
+                          <a:latin typeface="Cambria Math" panose="02040503050406030204" pitchFamily="18" charset="0"/>
+                        </a:rPr>
+                        <m:t>. </m:t>
+                      </m:r>
+                    </m:oMath>
+                  </m:oMathPara>
+                </a14:m>
+                <a:endParaRPr lang="pt-BR" sz="1900" b="0" i="1" dirty="0">
+                  <a:latin typeface="Cambria Math" panose="02040503050406030204" pitchFamily="18" charset="0"/>
+                </a:endParaRPr>
+              </a:p>
+              <a:p>
+                <a:pPr marL="0" indent="0" rtl="0">
+                  <a:lnSpc>
+                    <a:spcPct val="150000"/>
+                  </a:lnSpc>
+                  <a:spcBef>
+                    <a:spcPts val="0"/>
+                  </a:spcBef>
+                  <a:buNone/>
+                </a:pPr>
+                <a14:m>
+                  <m:oMathPara xmlns:m="http://schemas.openxmlformats.org/officeDocument/2006/math">
+                    <m:oMathParaPr>
+                      <m:jc m:val="left"/>
+                    </m:oMathParaPr>
+                    <m:oMath xmlns:m="http://schemas.openxmlformats.org/officeDocument/2006/math">
+                      <m:r>
+                        <a:rPr lang="pt-BR" sz="1900" b="0" i="1" smtClean="0">
+                          <a:latin typeface="Cambria Math" panose="02040503050406030204" pitchFamily="18" charset="0"/>
+                        </a:rPr>
+                        <m:t>𝐴𝑠𝑠𝑖𝑚</m:t>
+                      </m:r>
+                      <m:r>
+                        <a:rPr lang="pt-BR" sz="1900" b="0" i="1" smtClean="0">
+                          <a:latin typeface="Cambria Math" panose="02040503050406030204" pitchFamily="18" charset="0"/>
+                        </a:rPr>
+                        <m:t>, </m:t>
+                      </m:r>
+                      <m:r>
+                        <a:rPr lang="pt-BR" sz="1900" b="0" i="1" smtClean="0">
+                          <a:latin typeface="Cambria Math" panose="02040503050406030204" pitchFamily="18" charset="0"/>
+                        </a:rPr>
+                        <m:t>𝑖</m:t>
+                      </m:r>
+                      <m:r>
+                        <a:rPr lang="pt-BR" sz="1900" b="0" i="1" smtClean="0">
+                          <a:latin typeface="Cambria Math" panose="02040503050406030204" pitchFamily="18" charset="0"/>
+                        </a:rPr>
+                        <m:t>= </m:t>
+                      </m:r>
+                      <m:sSub>
+                        <m:sSubPr>
+                          <m:ctrlPr>
+                            <a:rPr lang="pt-BR" sz="1900" b="0" i="1" smtClean="0">
+                              <a:latin typeface="Cambria Math" panose="02040503050406030204" pitchFamily="18" charset="0"/>
+                            </a:rPr>
+                          </m:ctrlPr>
+                        </m:sSubPr>
+                        <m:e>
+                          <m:r>
+                            <a:rPr lang="pt-BR" sz="1900" b="0" i="1" smtClean="0">
+                              <a:latin typeface="Cambria Math" panose="02040503050406030204" pitchFamily="18" charset="0"/>
+                            </a:rPr>
+                            <m:t>𝑙𝑜𝑔</m:t>
+                          </m:r>
+                        </m:e>
+                        <m:sub>
+                          <m:r>
+                            <a:rPr lang="pt-BR" sz="1900" b="0" i="1" smtClean="0">
+                              <a:latin typeface="Cambria Math" panose="02040503050406030204" pitchFamily="18" charset="0"/>
+                            </a:rPr>
+                            <m:t>2</m:t>
+                          </m:r>
+                        </m:sub>
+                      </m:sSub>
+                      <m:r>
+                        <a:rPr lang="pt-BR" sz="1900" b="0" i="1" smtClean="0">
+                          <a:latin typeface="Cambria Math" panose="02040503050406030204" pitchFamily="18" charset="0"/>
+                        </a:rPr>
+                        <m:t>𝑛</m:t>
+                      </m:r>
+                      <m:r>
+                        <a:rPr lang="pt-BR" sz="1900" b="0" i="1" smtClean="0">
+                          <a:latin typeface="Cambria Math" panose="02040503050406030204" pitchFamily="18" charset="0"/>
+                        </a:rPr>
+                        <m:t> </m:t>
+                      </m:r>
+                      <m:r>
+                        <a:rPr lang="pt-BR" sz="1900" b="0" i="1" smtClean="0">
+                          <a:latin typeface="Cambria Math" panose="02040503050406030204" pitchFamily="18" charset="0"/>
+                        </a:rPr>
+                        <m:t>𝑒</m:t>
+                      </m:r>
+                      <m:r>
+                        <a:rPr lang="pt-BR" sz="1900" b="0" i="1" smtClean="0">
+                          <a:latin typeface="Cambria Math" panose="02040503050406030204" pitchFamily="18" charset="0"/>
+                        </a:rPr>
+                        <m:t> </m:t>
+                      </m:r>
+                      <m:r>
+                        <a:rPr lang="pt-BR" sz="1900" b="0" i="1" smtClean="0">
+                          <a:latin typeface="Cambria Math" panose="02040503050406030204" pitchFamily="18" charset="0"/>
+                        </a:rPr>
+                        <m:t>𝑇</m:t>
+                      </m:r>
+                      <m:d>
+                        <m:dPr>
+                          <m:ctrlPr>
+                            <a:rPr lang="pt-BR" sz="1900" b="0" i="1" smtClean="0">
+                              <a:latin typeface="Cambria Math" panose="02040503050406030204" pitchFamily="18" charset="0"/>
+                            </a:rPr>
+                          </m:ctrlPr>
+                        </m:dPr>
+                        <m:e>
+                          <m:box>
+                            <m:boxPr>
+                              <m:ctrlPr>
+                                <a:rPr lang="pt-BR" sz="1900" b="0" i="1" smtClean="0">
+                                  <a:latin typeface="Cambria Math" panose="02040503050406030204" pitchFamily="18" charset="0"/>
+                                </a:rPr>
+                              </m:ctrlPr>
+                            </m:boxPr>
+                            <m:e>
+                              <m:argPr>
+                                <m:argSz m:val="-1"/>
+                              </m:argPr>
+                              <m:f>
+                                <m:fPr>
+                                  <m:ctrlPr>
+                                    <a:rPr lang="pt-BR" sz="1900" b="0" i="1" smtClean="0">
+                                      <a:latin typeface="Cambria Math" panose="02040503050406030204" pitchFamily="18" charset="0"/>
+                                    </a:rPr>
+                                  </m:ctrlPr>
+                                </m:fPr>
+                                <m:num>
+                                  <m:r>
+                                    <a:rPr lang="pt-BR" sz="1900" b="0" i="1" smtClean="0">
+                                      <a:latin typeface="Cambria Math" panose="02040503050406030204" pitchFamily="18" charset="0"/>
+                                    </a:rPr>
+                                    <m:t>𝑛</m:t>
+                                  </m:r>
+                                </m:num>
+                                <m:den>
+                                  <m:sSup>
+                                    <m:sSupPr>
+                                      <m:ctrlPr>
+                                        <a:rPr lang="pt-BR" sz="1900" b="0" i="1" smtClean="0">
+                                          <a:latin typeface="Cambria Math" panose="02040503050406030204" pitchFamily="18" charset="0"/>
+                                        </a:rPr>
+                                      </m:ctrlPr>
+                                    </m:sSupPr>
+                                    <m:e>
+                                      <m:r>
+                                        <a:rPr lang="pt-BR" sz="1900" b="0" i="1" smtClean="0">
+                                          <a:latin typeface="Cambria Math" panose="02040503050406030204" pitchFamily="18" charset="0"/>
+                                        </a:rPr>
+                                        <m:t>2</m:t>
+                                      </m:r>
+                                    </m:e>
+                                    <m:sup>
+                                      <m:r>
+                                        <a:rPr lang="pt-BR" sz="1900" b="0" i="1" smtClean="0">
+                                          <a:latin typeface="Cambria Math" panose="02040503050406030204" pitchFamily="18" charset="0"/>
+                                        </a:rPr>
+                                        <m:t>𝑖</m:t>
+                                      </m:r>
+                                    </m:sup>
+                                  </m:sSup>
+                                </m:den>
+                              </m:f>
+                            </m:e>
+                          </m:box>
+                        </m:e>
+                      </m:d>
+                      <m:r>
+                        <a:rPr lang="pt-BR" sz="1900" b="0" i="1" smtClean="0">
+                          <a:latin typeface="Cambria Math" panose="02040503050406030204" pitchFamily="18" charset="0"/>
+                        </a:rPr>
+                        <m:t>=1</m:t>
+                      </m:r>
+                    </m:oMath>
+                  </m:oMathPara>
+                </a14:m>
+                <a:endParaRPr lang="pt-BR" sz="1900" b="0" dirty="0"/>
+              </a:p>
+              <a:p>
+                <a:pPr marL="0" indent="0" rtl="0">
+                  <a:lnSpc>
+                    <a:spcPct val="150000"/>
+                  </a:lnSpc>
+                  <a:spcBef>
+                    <a:spcPts val="0"/>
+                  </a:spcBef>
+                  <a:buNone/>
+                </a:pPr>
+                <a14:m>
+                  <m:oMathPara xmlns:m="http://schemas.openxmlformats.org/officeDocument/2006/math">
+                    <m:oMathParaPr>
+                      <m:jc m:val="centerGroup"/>
+                    </m:oMathParaPr>
+                    <m:oMath xmlns:m="http://schemas.openxmlformats.org/officeDocument/2006/math">
+                      <m:r>
+                        <a:rPr lang="pt-BR" sz="1900" b="0" i="1" smtClean="0">
+                          <a:latin typeface="Cambria Math" panose="02040503050406030204" pitchFamily="18" charset="0"/>
+                        </a:rPr>
+                        <m:t>𝑇</m:t>
+                      </m:r>
+                      <m:d>
+                        <m:dPr>
+                          <m:ctrlPr>
+                            <a:rPr lang="pt-BR" sz="1900" b="0" i="1" smtClean="0">
+                              <a:latin typeface="Cambria Math" panose="02040503050406030204" pitchFamily="18" charset="0"/>
+                            </a:rPr>
+                          </m:ctrlPr>
+                        </m:dPr>
+                        <m:e>
+                          <m:r>
+                            <a:rPr lang="pt-BR" sz="1900" b="0" i="1" smtClean="0">
+                              <a:latin typeface="Cambria Math" panose="02040503050406030204" pitchFamily="18" charset="0"/>
+                            </a:rPr>
+                            <m:t>𝑛</m:t>
+                          </m:r>
+                        </m:e>
+                      </m:d>
+                      <m:r>
+                        <a:rPr lang="pt-BR" sz="1900" b="0" i="1" smtClean="0">
+                          <a:latin typeface="Cambria Math" panose="02040503050406030204" pitchFamily="18" charset="0"/>
+                        </a:rPr>
+                        <m:t>= </m:t>
+                      </m:r>
+                      <m:sSup>
+                        <m:sSupPr>
+                          <m:ctrlPr>
+                            <a:rPr lang="pt-BR" sz="1900" b="0" i="1" smtClean="0">
+                              <a:latin typeface="Cambria Math" panose="02040503050406030204" pitchFamily="18" charset="0"/>
+                            </a:rPr>
+                          </m:ctrlPr>
+                        </m:sSupPr>
+                        <m:e>
+                          <m:r>
+                            <a:rPr lang="pt-BR" sz="1900" b="0" i="1" smtClean="0">
+                              <a:latin typeface="Cambria Math" panose="02040503050406030204" pitchFamily="18" charset="0"/>
+                            </a:rPr>
+                            <m:t>2</m:t>
+                          </m:r>
+                        </m:e>
+                        <m:sup>
+                          <m:sSub>
+                            <m:sSubPr>
+                              <m:ctrlPr>
+                                <a:rPr lang="pt-BR" sz="1900" b="0" i="1" smtClean="0">
+                                  <a:latin typeface="Cambria Math" panose="02040503050406030204" pitchFamily="18" charset="0"/>
+                                </a:rPr>
+                              </m:ctrlPr>
+                            </m:sSubPr>
+                            <m:e>
+                              <m:r>
+                                <a:rPr lang="pt-BR" sz="1900" b="0" i="1" smtClean="0">
+                                  <a:latin typeface="Cambria Math" panose="02040503050406030204" pitchFamily="18" charset="0"/>
+                                </a:rPr>
+                                <m:t>𝑙𝑜𝑔</m:t>
+                              </m:r>
+                            </m:e>
+                            <m:sub>
+                              <m:r>
+                                <a:rPr lang="pt-BR" sz="1900" b="0" i="1" smtClean="0">
+                                  <a:latin typeface="Cambria Math" panose="02040503050406030204" pitchFamily="18" charset="0"/>
+                                </a:rPr>
+                                <m:t>2</m:t>
+                              </m:r>
+                            </m:sub>
+                          </m:sSub>
+                          <m:r>
+                            <a:rPr lang="pt-BR" sz="1900" b="0" i="1" smtClean="0">
+                              <a:latin typeface="Cambria Math" panose="02040503050406030204" pitchFamily="18" charset="0"/>
+                            </a:rPr>
+                            <m:t>𝑛</m:t>
+                          </m:r>
+                        </m:sup>
+                      </m:sSup>
+                      <m:r>
+                        <a:rPr lang="pt-BR" sz="1900" b="0" i="1" smtClean="0">
+                          <a:latin typeface="Cambria Math" panose="02040503050406030204" pitchFamily="18" charset="0"/>
+                        </a:rPr>
+                        <m:t> ∗1+ </m:t>
+                      </m:r>
+                      <m:nary>
+                        <m:naryPr>
+                          <m:chr m:val="∑"/>
+                          <m:ctrlPr>
+                            <a:rPr lang="pt-BR" sz="1900" b="0" i="1" smtClean="0">
+                              <a:latin typeface="Cambria Math" panose="02040503050406030204" pitchFamily="18" charset="0"/>
+                            </a:rPr>
+                          </m:ctrlPr>
+                        </m:naryPr>
+                        <m:sub>
+                          <m:r>
+                            <m:rPr>
+                              <m:brk m:alnAt="23"/>
+                            </m:rPr>
+                            <a:rPr lang="pt-BR" sz="1900" b="0" i="1" smtClean="0">
+                              <a:latin typeface="Cambria Math" panose="02040503050406030204" pitchFamily="18" charset="0"/>
+                            </a:rPr>
+                            <m:t>𝑗</m:t>
+                          </m:r>
+                          <m:r>
+                            <a:rPr lang="pt-BR" sz="1900" b="0" i="1" smtClean="0">
+                              <a:latin typeface="Cambria Math" panose="02040503050406030204" pitchFamily="18" charset="0"/>
+                            </a:rPr>
+                            <m:t>=0</m:t>
+                          </m:r>
+                        </m:sub>
+                        <m:sup>
+                          <m:sSub>
+                            <m:sSubPr>
+                              <m:ctrlPr>
+                                <a:rPr lang="pt-BR" sz="1900" b="0" i="1" smtClean="0">
+                                  <a:latin typeface="Cambria Math" panose="02040503050406030204" pitchFamily="18" charset="0"/>
+                                </a:rPr>
+                              </m:ctrlPr>
+                            </m:sSubPr>
+                            <m:e>
+                              <m:r>
+                                <a:rPr lang="pt-BR" sz="1900" b="0" i="1" smtClean="0">
+                                  <a:latin typeface="Cambria Math" panose="02040503050406030204" pitchFamily="18" charset="0"/>
+                                </a:rPr>
+                                <m:t>𝑙𝑜𝑔</m:t>
+                              </m:r>
+                            </m:e>
+                            <m:sub>
+                              <m:r>
+                                <a:rPr lang="pt-BR" sz="1900" b="0" i="1" smtClean="0">
+                                  <a:latin typeface="Cambria Math" panose="02040503050406030204" pitchFamily="18" charset="0"/>
+                                </a:rPr>
+                                <m:t>2</m:t>
+                              </m:r>
+                            </m:sub>
+                          </m:sSub>
+                          <m:r>
+                            <a:rPr lang="pt-BR" sz="1900" b="0" i="1" smtClean="0">
+                              <a:latin typeface="Cambria Math" panose="02040503050406030204" pitchFamily="18" charset="0"/>
+                            </a:rPr>
+                            <m:t>𝑛</m:t>
+                          </m:r>
+                          <m:r>
+                            <a:rPr lang="pt-BR" sz="1900" b="0" i="1" smtClean="0">
+                              <a:latin typeface="Cambria Math" panose="02040503050406030204" pitchFamily="18" charset="0"/>
+                            </a:rPr>
+                            <m:t>−1</m:t>
+                          </m:r>
+                        </m:sup>
+                        <m:e>
+                          <m:r>
+                            <a:rPr lang="pt-BR" sz="1900" b="0" i="1" smtClean="0">
+                              <a:latin typeface="Cambria Math" panose="02040503050406030204" pitchFamily="18" charset="0"/>
+                            </a:rPr>
+                            <m:t>𝑛</m:t>
+                          </m:r>
+                        </m:e>
+                      </m:nary>
+                    </m:oMath>
+                  </m:oMathPara>
+                </a14:m>
+                <a:endParaRPr lang="pt-BR" sz="1900" b="0" dirty="0"/>
+              </a:p>
+              <a:p>
+                <a:pPr marL="0" indent="0" rtl="0">
+                  <a:lnSpc>
+                    <a:spcPct val="150000"/>
+                  </a:lnSpc>
+                  <a:buNone/>
+                </a:pPr>
+                <a14:m>
+                  <m:oMathPara xmlns:m="http://schemas.openxmlformats.org/officeDocument/2006/math">
+                    <m:oMathParaPr>
+                      <m:jc m:val="centerGroup"/>
+                    </m:oMathParaPr>
+                    <m:oMath xmlns:m="http://schemas.openxmlformats.org/officeDocument/2006/math">
+                      <m:r>
+                        <a:rPr lang="pt-BR" sz="1900" b="0" i="1" smtClean="0">
+                          <a:latin typeface="Cambria Math" panose="02040503050406030204" pitchFamily="18" charset="0"/>
+                        </a:rPr>
+                        <m:t>𝑇</m:t>
+                      </m:r>
+                      <m:d>
+                        <m:dPr>
+                          <m:ctrlPr>
+                            <a:rPr lang="pt-BR" sz="1900" b="0" i="1" smtClean="0">
+                              <a:latin typeface="Cambria Math" panose="02040503050406030204" pitchFamily="18" charset="0"/>
+                            </a:rPr>
+                          </m:ctrlPr>
+                        </m:dPr>
+                        <m:e>
+                          <m:r>
+                            <a:rPr lang="pt-BR" sz="1900" b="0" i="1" smtClean="0">
+                              <a:latin typeface="Cambria Math" panose="02040503050406030204" pitchFamily="18" charset="0"/>
+                            </a:rPr>
+                            <m:t>𝑛</m:t>
+                          </m:r>
+                        </m:e>
+                      </m:d>
+                      <m:r>
+                        <a:rPr lang="pt-BR" sz="1900" b="0" i="1" smtClean="0">
+                          <a:latin typeface="Cambria Math" panose="02040503050406030204" pitchFamily="18" charset="0"/>
+                        </a:rPr>
+                        <m:t>=</m:t>
+                      </m:r>
+                      <m:r>
+                        <a:rPr lang="pt-BR" sz="1900" b="0" i="1" smtClean="0">
+                          <a:latin typeface="Cambria Math" panose="02040503050406030204" pitchFamily="18" charset="0"/>
+                        </a:rPr>
+                        <m:t>𝑛</m:t>
+                      </m:r>
+                      <m:r>
+                        <a:rPr lang="pt-BR" sz="1900" b="0" i="1" smtClean="0">
+                          <a:latin typeface="Cambria Math" panose="02040503050406030204" pitchFamily="18" charset="0"/>
+                        </a:rPr>
+                        <m:t>+</m:t>
+                      </m:r>
+                      <m:r>
+                        <a:rPr lang="pt-BR" sz="1900" b="0" i="1" smtClean="0">
+                          <a:latin typeface="Cambria Math" panose="02040503050406030204" pitchFamily="18" charset="0"/>
+                        </a:rPr>
+                        <m:t>𝑛𝑙𝑜𝑔𝑛</m:t>
+                      </m:r>
+                    </m:oMath>
+                  </m:oMathPara>
+                </a14:m>
+                <a:endParaRPr lang="pt-BR" sz="1900" b="0" dirty="0"/>
+              </a:p>
+              <a:p>
+                <a:pPr marL="0" indent="0" rtl="0">
+                  <a:lnSpc>
+                    <a:spcPct val="150000"/>
+                  </a:lnSpc>
+                  <a:buNone/>
+                </a:pPr>
+                <a14:m>
+                  <m:oMathPara xmlns:m="http://schemas.openxmlformats.org/officeDocument/2006/math">
+                    <m:oMathParaPr>
+                      <m:jc m:val="centerGroup"/>
+                    </m:oMathParaPr>
+                    <m:oMath xmlns:m="http://schemas.openxmlformats.org/officeDocument/2006/math">
+                      <m:r>
+                        <a:rPr lang="pt-BR" sz="2900" b="1" i="1" smtClean="0">
+                          <a:latin typeface="Cambria Math" panose="02040503050406030204" pitchFamily="18" charset="0"/>
+                        </a:rPr>
+                        <m:t>𝑻</m:t>
+                      </m:r>
+                      <m:d>
+                        <m:dPr>
+                          <m:ctrlPr>
+                            <a:rPr lang="pt-BR" sz="2900" b="1" i="1" smtClean="0">
+                              <a:latin typeface="Cambria Math" panose="02040503050406030204" pitchFamily="18" charset="0"/>
+                            </a:rPr>
+                          </m:ctrlPr>
+                        </m:dPr>
+                        <m:e>
+                          <m:r>
+                            <a:rPr lang="pt-BR" sz="2900" b="1" i="1" smtClean="0">
+                              <a:latin typeface="Cambria Math" panose="02040503050406030204" pitchFamily="18" charset="0"/>
+                            </a:rPr>
+                            <m:t>𝒏</m:t>
+                          </m:r>
+                        </m:e>
+                      </m:d>
+                      <m:r>
+                        <a:rPr lang="pt-BR" sz="2900" b="1" i="1" smtClean="0">
+                          <a:latin typeface="Cambria Math" panose="02040503050406030204" pitchFamily="18" charset="0"/>
+                        </a:rPr>
+                        <m:t>= </m:t>
+                      </m:r>
+                      <m:r>
+                        <a:rPr lang="pt-BR" sz="2900" b="1" i="1" smtClean="0">
+                          <a:latin typeface="Cambria Math" panose="02040503050406030204" pitchFamily="18" charset="0"/>
+                          <a:ea typeface="Cambria Math" panose="02040503050406030204" pitchFamily="18" charset="0"/>
+                        </a:rPr>
+                        <m:t>𝜽</m:t>
+                      </m:r>
+                      <m:r>
+                        <a:rPr lang="pt-BR" sz="2900" b="1" i="1" smtClean="0">
+                          <a:latin typeface="Cambria Math" panose="02040503050406030204" pitchFamily="18" charset="0"/>
+                          <a:ea typeface="Cambria Math" panose="02040503050406030204" pitchFamily="18" charset="0"/>
+                        </a:rPr>
+                        <m:t>(</m:t>
+                      </m:r>
+                      <m:r>
+                        <a:rPr lang="pt-BR" sz="2900" b="1" i="1" smtClean="0">
+                          <a:latin typeface="Cambria Math" panose="02040503050406030204" pitchFamily="18" charset="0"/>
+                          <a:ea typeface="Cambria Math" panose="02040503050406030204" pitchFamily="18" charset="0"/>
+                        </a:rPr>
+                        <m:t>𝒏𝒍𝒐𝒈𝒏</m:t>
+                      </m:r>
+                      <m:r>
+                        <a:rPr lang="pt-BR" sz="2900" b="1" i="1" smtClean="0">
+                          <a:latin typeface="Cambria Math" panose="02040503050406030204" pitchFamily="18" charset="0"/>
+                          <a:ea typeface="Cambria Math" panose="02040503050406030204" pitchFamily="18" charset="0"/>
+                        </a:rPr>
+                        <m:t>)</m:t>
+                      </m:r>
+                    </m:oMath>
+                  </m:oMathPara>
+                </a14:m>
+                <a:endParaRPr lang="pt-BR" sz="2900" b="1" dirty="0"/>
+              </a:p>
+              <a:p>
+                <a:pPr marL="0" indent="0" algn="ctr" rtl="0">
+                  <a:lnSpc>
+                    <a:spcPct val="150000"/>
+                  </a:lnSpc>
+                  <a:buNone/>
+                </a:pPr>
+                <a:endParaRPr lang="pt-BR" b="0" dirty="0"/>
+              </a:p>
+              <a:p>
+                <a:pPr marL="0" indent="0" algn="ctr" rtl="0">
+                  <a:lnSpc>
+                    <a:spcPct val="150000"/>
+                  </a:lnSpc>
+                  <a:buNone/>
+                </a:pPr>
+                <a:endParaRPr lang="pt-BR" b="0" dirty="0"/>
+              </a:p>
+              <a:p>
+                <a:pPr marL="0" indent="0" algn="ctr" rtl="0">
+                  <a:lnSpc>
+                    <a:spcPct val="150000"/>
+                  </a:lnSpc>
+                  <a:buNone/>
+                </a:pPr>
+                <a:endParaRPr lang="pt-BR" b="0" dirty="0"/>
+              </a:p>
+              <a:p>
+                <a:pPr marL="0" indent="0" algn="ctr" rtl="0">
+                  <a:buNone/>
+                </a:pPr>
+                <a:endParaRPr lang="pt-BR" dirty="0"/>
+              </a:p>
+              <a:p>
+                <a:pPr marL="0" indent="0" algn="ctr" rtl="0">
+                  <a:buNone/>
+                </a:pPr>
+                <a:endParaRPr lang="pt-BR" dirty="0"/>
+              </a:p>
+            </p:txBody>
+          </p:sp>
+        </mc:Choice>
+        <mc:Fallback>
+          <p:sp>
+            <p:nvSpPr>
+              <p:cNvPr id="6" name="Espaço reservado para conteúdo 13">
+                <a:extLst>
+                  <a:ext uri="{FF2B5EF4-FFF2-40B4-BE49-F238E27FC236}">
+                    <a16:creationId xmlns:a16="http://schemas.microsoft.com/office/drawing/2014/main" id="{5D30DBDC-17E3-493F-83BD-EAD770B5E77E}"/>
+                  </a:ext>
+                </a:extLst>
+              </p:cNvPr>
+              <p:cNvSpPr>
+                <a:spLocks noGrp="1" noRot="1" noChangeAspect="1" noMove="1" noResize="1" noEditPoints="1" noAdjustHandles="1" noChangeArrowheads="1" noChangeShapeType="1" noTextEdit="1"/>
+              </p:cNvSpPr>
+              <p:nvPr>
+                <p:ph idx="1"/>
+              </p:nvPr>
+            </p:nvSpPr>
+            <p:spPr>
+              <a:xfrm>
+                <a:off x="1182659" y="980728"/>
+                <a:ext cx="7339012" cy="5688632"/>
+              </a:xfrm>
+              <a:blipFill>
+                <a:blip r:embed="rId3"/>
+                <a:stretch>
+                  <a:fillRect/>
+                </a:stretch>
+              </a:blipFill>
+            </p:spPr>
+            <p:txBody>
+              <a:bodyPr/>
+              <a:lstStyle/>
+              <a:p>
+                <a:r>
+                  <a:rPr lang="pt-BR">
+                    <a:noFill/>
+                  </a:rPr>
+                  <a:t> </a:t>
+                </a:r>
+              </a:p>
+            </p:txBody>
+          </p:sp>
+        </mc:Fallback>
+      </mc:AlternateContent>
     </p:spTree>
     <p:extLst>
       <p:ext uri="{BB962C8B-B14F-4D97-AF65-F5344CB8AC3E}">
-        <p14:creationId xmlns:p14="http://schemas.microsoft.com/office/powerpoint/2010/main" val="3860936187"/>
+        <p14:creationId xmlns:p14="http://schemas.microsoft.com/office/powerpoint/2010/main" val="319124117"/>
       </p:ext>
     </p:extLst>
   </p:cSld>
@@ -11659,56 +16437,50 @@
             <a:pPr rtl="0"/>
             <a:r>
               <a:rPr lang="pt-BR" b="1" dirty="0"/>
-              <a:t>SOLUÇÃO </a:t>
+              <a:t>Contagem de ocorrências no merge-</a:t>
             </a:r>
             <a:r>
-              <a:rPr lang="pt-BR" b="1" i="1" dirty="0"/>
-              <a:t>DIVIDE AND CONQUER</a:t>
+              <a:rPr lang="pt-BR" b="1" dirty="0" err="1"/>
+              <a:t>sort</a:t>
             </a:r>
+            <a:endParaRPr lang="pt-BR" b="1" i="1" dirty="0"/>
           </a:p>
         </p:txBody>
       </p:sp>
-      <p:sp>
-        <p:nvSpPr>
-          <p:cNvPr id="14" name="Espaço reservado para conteúdo 13"/>
-          <p:cNvSpPr>
-            <a:spLocks noGrp="1"/>
-          </p:cNvSpPr>
-          <p:nvPr>
-            <p:ph idx="1"/>
-          </p:nvPr>
-        </p:nvSpPr>
-        <p:spPr/>
-        <p:txBody>
-          <a:bodyPr rtlCol="0"/>
-          <a:lstStyle/>
-          <a:p>
-            <a:pPr rtl="0"/>
-            <a:r>
-              <a:rPr lang="pt-BR" dirty="0"/>
-              <a:t>Demonstrar a ordem de complexidade:</a:t>
-            </a:r>
-          </a:p>
-          <a:p>
-            <a:pPr lvl="1"/>
-            <a:r>
-              <a:rPr lang="pt-BR" dirty="0"/>
-              <a:t>Demonstrar a árvore de recursão (incluir imagem)</a:t>
-            </a:r>
-          </a:p>
-          <a:p>
-            <a:pPr lvl="1"/>
-            <a:r>
-              <a:rPr lang="pt-BR" dirty="0"/>
-              <a:t>Demonstrar pelo método da substituição</a:t>
-            </a:r>
-          </a:p>
-        </p:txBody>
-      </p:sp>
+      <p:pic>
+        <p:nvPicPr>
+          <p:cNvPr id="3" name="Imagem 2">
+            <a:extLst>
+              <a:ext uri="{FF2B5EF4-FFF2-40B4-BE49-F238E27FC236}">
+                <a16:creationId xmlns:a16="http://schemas.microsoft.com/office/drawing/2014/main" id="{6F8BAFAA-4B85-47BD-B2CF-52845286A213}"/>
+              </a:ext>
+            </a:extLst>
+          </p:cNvPr>
+          <p:cNvPicPr>
+            <a:picLocks noChangeAspect="1"/>
+          </p:cNvPicPr>
+          <p:nvPr/>
+        </p:nvPicPr>
+        <p:blipFill>
+          <a:blip r:embed="rId3"/>
+          <a:stretch>
+            <a:fillRect/>
+          </a:stretch>
+        </p:blipFill>
+        <p:spPr>
+          <a:xfrm>
+            <a:off x="1195389" y="2276872"/>
+            <a:ext cx="7236809" cy="3330315"/>
+          </a:xfrm>
+          <a:prstGeom prst="rect">
+            <a:avLst/>
+          </a:prstGeom>
+        </p:spPr>
+      </p:pic>
     </p:spTree>
     <p:extLst>
       <p:ext uri="{BB962C8B-B14F-4D97-AF65-F5344CB8AC3E}">
-        <p14:creationId xmlns:p14="http://schemas.microsoft.com/office/powerpoint/2010/main" val="319124117"/>
+        <p14:creationId xmlns:p14="http://schemas.microsoft.com/office/powerpoint/2010/main" val="2552093789"/>
       </p:ext>
     </p:extLst>
   </p:cSld>
@@ -11765,18 +16537,55 @@
             <a:pPr rtl="0"/>
             <a:r>
               <a:rPr lang="pt-BR" b="1" dirty="0"/>
-              <a:t>SOLUÇÃO </a:t>
+              <a:t>Contagem de ocorrências no merge-</a:t>
             </a:r>
             <a:r>
-              <a:rPr lang="pt-BR" b="1" i="1" dirty="0"/>
-              <a:t>DIVIDE AND CONQUER</a:t>
+              <a:rPr lang="pt-BR" b="1" dirty="0" err="1"/>
+              <a:t>sort</a:t>
             </a:r>
+            <a:endParaRPr lang="pt-BR" b="1" i="1" dirty="0"/>
           </a:p>
         </p:txBody>
       </p:sp>
+      <p:pic>
+        <p:nvPicPr>
+          <p:cNvPr id="4" name="Imagem 3">
+            <a:extLst>
+              <a:ext uri="{FF2B5EF4-FFF2-40B4-BE49-F238E27FC236}">
+                <a16:creationId xmlns:a16="http://schemas.microsoft.com/office/drawing/2014/main" id="{BC7EDB1F-5498-40B7-9E90-8E7C3E6359DA}"/>
+              </a:ext>
+            </a:extLst>
+          </p:cNvPr>
+          <p:cNvPicPr>
+            <a:picLocks noChangeAspect="1"/>
+          </p:cNvPicPr>
+          <p:nvPr/>
+        </p:nvPicPr>
+        <p:blipFill>
+          <a:blip r:embed="rId3"/>
+          <a:stretch>
+            <a:fillRect/>
+          </a:stretch>
+        </p:blipFill>
+        <p:spPr>
+          <a:xfrm>
+            <a:off x="1835696" y="2719969"/>
+            <a:ext cx="5718999" cy="3949391"/>
+          </a:xfrm>
+          <a:prstGeom prst="rect">
+            <a:avLst/>
+          </a:prstGeom>
+        </p:spPr>
+      </p:pic>
       <p:sp>
         <p:nvSpPr>
-          <p:cNvPr id="14" name="Espaço reservado para conteúdo 13"/>
+          <p:cNvPr id="6" name="Espaço reservado para conteúdo 13">
+            <a:extLst>
+              <a:ext uri="{FF2B5EF4-FFF2-40B4-BE49-F238E27FC236}">
+                <a16:creationId xmlns:a16="http://schemas.microsoft.com/office/drawing/2014/main" id="{B7C9972F-9182-441D-9056-951F6DF8AEB4}"/>
+              </a:ext>
+            </a:extLst>
+          </p:cNvPr>
           <p:cNvSpPr>
             <a:spLocks noGrp="1"/>
           </p:cNvSpPr>
@@ -11784,15 +16593,27 @@
             <p:ph idx="1"/>
           </p:nvPr>
         </p:nvSpPr>
-        <p:spPr/>
+        <p:spPr>
+          <a:xfrm>
+            <a:off x="1195389" y="1600200"/>
+            <a:ext cx="7339012" cy="1036712"/>
+          </a:xfrm>
+        </p:spPr>
         <p:txBody>
-          <a:bodyPr rtlCol="0"/>
+          <a:bodyPr rtlCol="0">
+            <a:normAutofit lnSpcReduction="10000"/>
+          </a:bodyPr>
           <a:lstStyle/>
           <a:p>
-            <a:pPr rtl="0"/>
             <a:r>
               <a:rPr lang="pt-BR" dirty="0"/>
-              <a:t>Exibir trecho do código</a:t>
+              <a:t>Contar os elementos durante o processo de atribuição do vetor auxiliar ao vetor passado por referência</a:t>
+            </a:r>
+          </a:p>
+          <a:p>
+            <a:r>
+              <a:rPr lang="pt-BR" dirty="0"/>
+              <a:t>Custo constante</a:t>
             </a:r>
           </a:p>
         </p:txBody>
@@ -11800,7 +16621,7 @@
     </p:spTree>
     <p:extLst>
       <p:ext uri="{BB962C8B-B14F-4D97-AF65-F5344CB8AC3E}">
-        <p14:creationId xmlns:p14="http://schemas.microsoft.com/office/powerpoint/2010/main" val="2552093789"/>
+        <p14:creationId xmlns:p14="http://schemas.microsoft.com/office/powerpoint/2010/main" val="2534396603"/>
       </p:ext>
     </p:extLst>
   </p:cSld>

--- a/Apresentação.pptx
+++ b/Apresentação.pptx
@@ -5,10 +5,10 @@
     <p:sldMasterId id="2147483648" r:id="rId1"/>
   </p:sldMasterIdLst>
   <p:notesMasterIdLst>
-    <p:notesMasterId r:id="rId15"/>
+    <p:notesMasterId r:id="rId16"/>
   </p:notesMasterIdLst>
   <p:handoutMasterIdLst>
-    <p:handoutMasterId r:id="rId16"/>
+    <p:handoutMasterId r:id="rId17"/>
   </p:handoutMasterIdLst>
   <p:sldIdLst>
     <p:sldId id="256" r:id="rId2"/>
@@ -23,7 +23,8 @@
     <p:sldId id="283" r:id="rId11"/>
     <p:sldId id="280" r:id="rId12"/>
     <p:sldId id="281" r:id="rId13"/>
-    <p:sldId id="285" r:id="rId14"/>
+    <p:sldId id="286" r:id="rId14"/>
+    <p:sldId id="285" r:id="rId15"/>
   </p:sldIdLst>
   <p:sldSz cx="9144000" cy="6858000" type="screen4x3"/>
   <p:notesSz cx="6858000" cy="9144000"/>
@@ -163,7 +164,7 @@
 <file path=ppt/revisionInfo.xml><?xml version="1.0" encoding="utf-8"?>
 <p1510:revInfo xmlns:a="http://schemas.openxmlformats.org/drawingml/2006/main" xmlns:r="http://schemas.openxmlformats.org/officeDocument/2006/relationships" xmlns:p1510="http://schemas.microsoft.com/office/powerpoint/2015/10/main">
   <p1510:revLst>
-    <p1510:client id="{AA6378EA-44E2-4665-842F-E009EF00A9D6}" v="276" dt="2019-04-18T03:00:55.759"/>
+    <p1510:client id="{AA6378EA-44E2-4665-842F-E009EF00A9D6}" v="280" dt="2019-04-18T13:06:51.080"/>
   </p1510:revLst>
 </p1510:revInfo>
 </file>
@@ -173,7 +174,7 @@
   <pc:docChgLst>
     <pc:chgData name="Denis José" userId="a5f28e6e68565588" providerId="LiveId" clId="{AA6378EA-44E2-4665-842F-E009EF00A9D6}"/>
     <pc:docChg chg="undo redo custSel addSld delSld modSld sldOrd">
-      <pc:chgData name="Denis José" userId="a5f28e6e68565588" providerId="LiveId" clId="{AA6378EA-44E2-4665-842F-E009EF00A9D6}" dt="2019-04-18T03:02:17.604" v="1571" actId="948"/>
+      <pc:chgData name="Denis José" userId="a5f28e6e68565588" providerId="LiveId" clId="{AA6378EA-44E2-4665-842F-E009EF00A9D6}" dt="2019-04-18T13:07:58.653" v="1712" actId="14100"/>
       <pc:docMkLst>
         <pc:docMk/>
       </pc:docMkLst>
@@ -336,7 +337,7 @@
         </pc:grpChg>
       </pc:sldChg>
       <pc:sldChg chg="addSp delSp modSp">
-        <pc:chgData name="Denis José" userId="a5f28e6e68565588" providerId="LiveId" clId="{AA6378EA-44E2-4665-842F-E009EF00A9D6}" dt="2019-04-18T02:22:53.444" v="1059" actId="27636"/>
+        <pc:chgData name="Denis José" userId="a5f28e6e68565588" providerId="LiveId" clId="{AA6378EA-44E2-4665-842F-E009EF00A9D6}" dt="2019-04-18T12:40:05.289" v="1572" actId="947"/>
         <pc:sldMkLst>
           <pc:docMk/>
           <pc:sldMk cId="2006054977" sldId="273"/>
@@ -358,7 +359,7 @@
           </ac:spMkLst>
         </pc:spChg>
         <pc:spChg chg="mod">
-          <ac:chgData name="Denis José" userId="a5f28e6e68565588" providerId="LiveId" clId="{AA6378EA-44E2-4665-842F-E009EF00A9D6}" dt="2019-04-18T02:22:53.444" v="1059" actId="27636"/>
+          <ac:chgData name="Denis José" userId="a5f28e6e68565588" providerId="LiveId" clId="{AA6378EA-44E2-4665-842F-E009EF00A9D6}" dt="2019-04-18T12:40:05.289" v="1572" actId="947"/>
           <ac:spMkLst>
             <pc:docMk/>
             <pc:sldMk cId="2006054977" sldId="273"/>
@@ -801,6 +802,37 @@
             <ac:spMk id="13" creationId="{00000000-0000-0000-0000-000000000000}"/>
           </ac:spMkLst>
         </pc:spChg>
+      </pc:sldChg>
+      <pc:sldChg chg="addSp modSp add ord">
+        <pc:chgData name="Denis José" userId="a5f28e6e68565588" providerId="LiveId" clId="{AA6378EA-44E2-4665-842F-E009EF00A9D6}" dt="2019-04-18T13:07:58.653" v="1712" actId="14100"/>
+        <pc:sldMkLst>
+          <pc:docMk/>
+          <pc:sldMk cId="1374326186" sldId="286"/>
+        </pc:sldMkLst>
+        <pc:spChg chg="add mod">
+          <ac:chgData name="Denis José" userId="a5f28e6e68565588" providerId="LiveId" clId="{AA6378EA-44E2-4665-842F-E009EF00A9D6}" dt="2019-04-18T13:07:13.936" v="1691" actId="20577"/>
+          <ac:spMkLst>
+            <pc:docMk/>
+            <pc:sldMk cId="1374326186" sldId="286"/>
+            <ac:spMk id="5" creationId="{7E72466E-911D-4C5C-9435-2E51FBA24CEF}"/>
+          </ac:spMkLst>
+        </pc:spChg>
+        <pc:spChg chg="mod">
+          <ac:chgData name="Denis José" userId="a5f28e6e68565588" providerId="LiveId" clId="{AA6378EA-44E2-4665-842F-E009EF00A9D6}" dt="2019-04-18T13:07:58.653" v="1712" actId="14100"/>
+          <ac:spMkLst>
+            <pc:docMk/>
+            <pc:sldMk cId="1374326186" sldId="286"/>
+            <ac:spMk id="10" creationId="{F4BEC61D-C6F1-455C-8DE7-28ECACA958C3}"/>
+          </ac:spMkLst>
+        </pc:spChg>
+        <pc:graphicFrameChg chg="mod modGraphic">
+          <ac:chgData name="Denis José" userId="a5f28e6e68565588" providerId="LiveId" clId="{AA6378EA-44E2-4665-842F-E009EF00A9D6}" dt="2019-04-18T13:07:37.103" v="1694" actId="5793"/>
+          <ac:graphicFrameMkLst>
+            <pc:docMk/>
+            <pc:sldMk cId="1374326186" sldId="286"/>
+            <ac:graphicFrameMk id="9" creationId="{72CE3AB8-C52F-4EA8-BBD2-364E65716825}"/>
+          </ac:graphicFrameMkLst>
+        </pc:graphicFrameChg>
       </pc:sldChg>
     </pc:docChg>
   </pc:docChgLst>
@@ -2048,7 +2080,7 @@
             <a:pPr rtl="0"/>
             <a:fld id="{70981B7D-53F6-4039-A8FA-44779F95F4C7}" type="datetime1">
               <a:rPr lang="pt-BR" smtClean="0"/>
-              <a:t>17/04/2019</a:t>
+              <a:t>18/04/2019</a:t>
             </a:fld>
             <a:endParaRPr lang="pt-BR" dirty="0"/>
           </a:p>
@@ -2226,7 +2258,7 @@
             <a:pPr rtl="0"/>
             <a:fld id="{FD1732DB-6DE7-4ED0-8D58-5BB99683AAF5}" type="datetime1">
               <a:rPr lang="pt-BR" noProof="0" smtClean="0"/>
-              <a:t>17/04/2019</a:t>
+              <a:t>18/04/2019</a:t>
             </a:fld>
             <a:endParaRPr lang="pt-BR" noProof="0" dirty="0"/>
           </a:p>
@@ -2951,6 +2983,97 @@
     </p:spTree>
     <p:extLst>
       <p:ext uri="{BB962C8B-B14F-4D97-AF65-F5344CB8AC3E}">
+        <p14:creationId xmlns:p14="http://schemas.microsoft.com/office/powerpoint/2010/main" val="1952403922"/>
+      </p:ext>
+    </p:extLst>
+  </p:cSld>
+  <p:clrMapOvr>
+    <a:masterClrMapping/>
+  </p:clrMapOvr>
+</p:notes>
+</file>
+
+<file path=ppt/notesSlides/notesSlide14.xml><?xml version="1.0" encoding="utf-8"?>
+<p:notes xmlns:a="http://schemas.openxmlformats.org/drawingml/2006/main" xmlns:r="http://schemas.openxmlformats.org/officeDocument/2006/relationships" xmlns:p="http://schemas.openxmlformats.org/presentationml/2006/main">
+  <p:cSld>
+    <p:spTree>
+      <p:nvGrpSpPr>
+        <p:cNvPr id="1" name=""/>
+        <p:cNvGrpSpPr/>
+        <p:nvPr/>
+      </p:nvGrpSpPr>
+      <p:grpSpPr>
+        <a:xfrm>
+          <a:off x="0" y="0"/>
+          <a:ext cx="0" cy="0"/>
+          <a:chOff x="0" y="0"/>
+          <a:chExt cx="0" cy="0"/>
+        </a:xfrm>
+      </p:grpSpPr>
+      <p:sp>
+        <p:nvSpPr>
+          <p:cNvPr id="2" name="Espaço Reservado para Imagem de Slide 1"/>
+          <p:cNvSpPr>
+            <a:spLocks noGrp="1" noRot="1" noChangeAspect="1"/>
+          </p:cNvSpPr>
+          <p:nvPr>
+            <p:ph type="sldImg"/>
+          </p:nvPr>
+        </p:nvSpPr>
+        <p:spPr>
+          <a:xfrm>
+            <a:off x="1143000" y="685800"/>
+            <a:ext cx="4572000" cy="3429000"/>
+          </a:xfrm>
+        </p:spPr>
+      </p:sp>
+      <p:sp>
+        <p:nvSpPr>
+          <p:cNvPr id="3" name="Espaço Reservado para Anotações 2"/>
+          <p:cNvSpPr>
+            <a:spLocks noGrp="1"/>
+          </p:cNvSpPr>
+          <p:nvPr>
+            <p:ph type="body" idx="1"/>
+          </p:nvPr>
+        </p:nvSpPr>
+        <p:spPr/>
+        <p:txBody>
+          <a:bodyPr/>
+          <a:lstStyle/>
+          <a:p>
+            <a:endParaRPr lang="pt-BR" dirty="0"/>
+          </a:p>
+        </p:txBody>
+      </p:sp>
+      <p:sp>
+        <p:nvSpPr>
+          <p:cNvPr id="4" name="Espaço Reservado para Número de Slide 3"/>
+          <p:cNvSpPr>
+            <a:spLocks noGrp="1"/>
+          </p:cNvSpPr>
+          <p:nvPr>
+            <p:ph type="sldNum" sz="quarter" idx="10"/>
+          </p:nvPr>
+        </p:nvSpPr>
+        <p:spPr/>
+        <p:txBody>
+          <a:bodyPr/>
+          <a:lstStyle/>
+          <a:p>
+            <a:pPr rtl="0"/>
+            <a:fld id="{841221E5-7225-48EB-A4EE-420E7BFCF705}" type="slidenum">
+              <a:rPr lang="pt-BR" smtClean="0"/>
+              <a:pPr rtl="0"/>
+              <a:t>14</a:t>
+            </a:fld>
+            <a:endParaRPr lang="pt-BR" dirty="0"/>
+          </a:p>
+        </p:txBody>
+      </p:sp>
+    </p:spTree>
+    <p:extLst>
+      <p:ext uri="{BB962C8B-B14F-4D97-AF65-F5344CB8AC3E}">
         <p14:creationId xmlns:p14="http://schemas.microsoft.com/office/powerpoint/2010/main" val="3673912176"/>
       </p:ext>
     </p:extLst>
@@ -4235,7 +4358,7 @@
             <a:pPr rtl="0"/>
             <a:fld id="{AEFE8A07-BE7E-486B-BB6D-37077AACAD92}" type="datetime1">
               <a:rPr lang="pt-BR" noProof="0" smtClean="0"/>
-              <a:t>17/04/2019</a:t>
+              <a:t>18/04/2019</a:t>
             </a:fld>
             <a:endParaRPr lang="pt-BR" noProof="0" dirty="0"/>
           </a:p>
@@ -4462,7 +4585,7 @@
             <a:pPr rtl="0"/>
             <a:fld id="{1459BB7D-2155-48F5-AD4A-A4A3EC901849}" type="datetime1">
               <a:rPr lang="pt-BR" noProof="0" smtClean="0"/>
-              <a:t>17/04/2019</a:t>
+              <a:t>18/04/2019</a:t>
             </a:fld>
             <a:endParaRPr lang="pt-BR" noProof="0" dirty="0"/>
           </a:p>
@@ -5285,7 +5408,7 @@
             <a:pPr rtl="0"/>
             <a:fld id="{EF61E51A-BD37-4956-ABA8-D4D5FB5F24C2}" type="datetime1">
               <a:rPr lang="pt-BR" noProof="0" smtClean="0"/>
-              <a:t>17/04/2019</a:t>
+              <a:t>18/04/2019</a:t>
             </a:fld>
             <a:endParaRPr lang="pt-BR" noProof="0" dirty="0"/>
           </a:p>
@@ -5490,7 +5613,7 @@
             <a:pPr rtl="0"/>
             <a:fld id="{3E5486B6-A73D-4B8F-83D6-D9AC60E0479B}" type="datetime1">
               <a:rPr lang="pt-BR" noProof="0" smtClean="0"/>
-              <a:t>17/04/2019</a:t>
+              <a:t>18/04/2019</a:t>
             </a:fld>
             <a:endParaRPr lang="pt-BR" noProof="0" dirty="0"/>
           </a:p>
@@ -6432,7 +6555,7 @@
             <a:pPr rtl="0"/>
             <a:fld id="{EBBB5E5B-F3F8-4810-8BA6-9A32C99FBA53}" type="datetime1">
               <a:rPr lang="pt-BR" noProof="0" smtClean="0"/>
-              <a:t>17/04/2019</a:t>
+              <a:t>18/04/2019</a:t>
             </a:fld>
             <a:endParaRPr lang="pt-BR" noProof="0" dirty="0"/>
           </a:p>
@@ -6761,7 +6884,7 @@
             <a:pPr rtl="0"/>
             <a:fld id="{BF8325B8-6816-4ECB-949F-F9D65FA27766}" type="datetime1">
               <a:rPr lang="pt-BR" noProof="0" smtClean="0"/>
-              <a:t>17/04/2019</a:t>
+              <a:t>18/04/2019</a:t>
             </a:fld>
             <a:endParaRPr lang="pt-BR" noProof="0" dirty="0"/>
           </a:p>
@@ -7216,7 +7339,7 @@
             <a:pPr rtl="0"/>
             <a:fld id="{159AD37B-9B4E-40B8-B2FD-963F90BA8EF4}" type="datetime1">
               <a:rPr lang="pt-BR" noProof="0" smtClean="0"/>
-              <a:t>17/04/2019</a:t>
+              <a:t>18/04/2019</a:t>
             </a:fld>
             <a:endParaRPr lang="pt-BR" noProof="0" dirty="0"/>
           </a:p>
@@ -7353,7 +7476,7 @@
             <a:pPr rtl="0"/>
             <a:fld id="{49666B81-3F0F-4225-B123-405B9F5CEABA}" type="datetime1">
               <a:rPr lang="pt-BR" noProof="0" smtClean="0"/>
-              <a:t>17/04/2019</a:t>
+              <a:t>18/04/2019</a:t>
             </a:fld>
             <a:endParaRPr lang="pt-BR" noProof="0" dirty="0"/>
           </a:p>
@@ -7694,7 +7817,7 @@
             <a:pPr rtl="0"/>
             <a:fld id="{B6D6C805-8419-44A5-85BF-5D1C68D15222}" type="datetime1">
               <a:rPr lang="pt-BR" noProof="0" smtClean="0"/>
-              <a:t>17/04/2019</a:t>
+              <a:t>18/04/2019</a:t>
             </a:fld>
             <a:endParaRPr lang="pt-BR" noProof="0" dirty="0"/>
           </a:p>
@@ -8193,7 +8316,7 @@
             <a:pPr rtl="0"/>
             <a:fld id="{A936704B-E432-4339-97E3-AB4AC11D2F2E}" type="datetime1">
               <a:rPr lang="pt-BR" noProof="0" smtClean="0"/>
-              <a:t>17/04/2019</a:t>
+              <a:t>18/04/2019</a:t>
             </a:fld>
             <a:endParaRPr lang="pt-BR" noProof="0" dirty="0"/>
           </a:p>
@@ -8649,7 +8772,7 @@
             <a:pPr rtl="0"/>
             <a:fld id="{07B3CC04-66F6-41ED-A1FB-ED4B01CF015A}" type="datetime1">
               <a:rPr lang="pt-BR" noProof="0" smtClean="0"/>
-              <a:t>17/04/2019</a:t>
+              <a:t>18/04/2019</a:t>
             </a:fld>
             <a:endParaRPr lang="pt-BR" noProof="0" dirty="0"/>
           </a:p>
@@ -9132,7 +9255,7 @@
             <a:pPr rtl="0"/>
             <a:fld id="{35B82636-8409-46FE-AEF6-9C2E988E9D0B}" type="datetime1">
               <a:rPr lang="pt-BR" noProof="0" smtClean="0"/>
-              <a:t>17/04/2019</a:t>
+              <a:t>18/04/2019</a:t>
             </a:fld>
             <a:endParaRPr lang="pt-BR" noProof="0" dirty="0"/>
           </a:p>
@@ -10014,8 +10137,8 @@
           </a:p>
         </p:txBody>
       </p:sp>
-      <mc:AlternateContent xmlns:mc="http://schemas.openxmlformats.org/markup-compatibility/2006">
-        <mc:Choice xmlns:a14="http://schemas.microsoft.com/office/drawing/2010/main" Requires="a14">
+      <mc:AlternateContent xmlns:mc="http://schemas.openxmlformats.org/markup-compatibility/2006" xmlns:a14="http://schemas.microsoft.com/office/drawing/2010/main">
+        <mc:Choice Requires="a14">
           <p:sp>
             <p:nvSpPr>
               <p:cNvPr id="7" name="Retângulo 6">
@@ -10119,7 +10242,7 @@
             </p:txBody>
           </p:sp>
         </mc:Choice>
-        <mc:Fallback>
+        <mc:Fallback xmlns="">
           <p:sp>
             <p:nvSpPr>
               <p:cNvPr id="7" name="Retângulo 6">
@@ -10776,6 +10899,348 @@
 </file>
 
 <file path=ppt/slides/slide13.xml><?xml version="1.0" encoding="utf-8"?>
+<p:sld xmlns:a="http://schemas.openxmlformats.org/drawingml/2006/main" xmlns:r="http://schemas.openxmlformats.org/officeDocument/2006/relationships" xmlns:p="http://schemas.openxmlformats.org/presentationml/2006/main">
+  <p:cSld>
+    <p:spTree>
+      <p:nvGrpSpPr>
+        <p:cNvPr id="1" name=""/>
+        <p:cNvGrpSpPr/>
+        <p:nvPr/>
+      </p:nvGrpSpPr>
+      <p:grpSpPr>
+        <a:xfrm>
+          <a:off x="0" y="0"/>
+          <a:ext cx="0" cy="0"/>
+          <a:chOff x="0" y="0"/>
+          <a:chExt cx="0" cy="0"/>
+        </a:xfrm>
+      </p:grpSpPr>
+      <p:sp>
+        <p:nvSpPr>
+          <p:cNvPr id="13" name="Título 12"/>
+          <p:cNvSpPr>
+            <a:spLocks noGrp="1"/>
+          </p:cNvSpPr>
+          <p:nvPr>
+            <p:ph type="title"/>
+          </p:nvPr>
+        </p:nvSpPr>
+        <p:spPr/>
+        <p:txBody>
+          <a:bodyPr rtlCol="0"/>
+          <a:lstStyle/>
+          <a:p>
+            <a:pPr rtl="0"/>
+            <a:r>
+              <a:rPr lang="pt-BR" b="1" dirty="0"/>
+              <a:t>COMPARAÇÃO</a:t>
+            </a:r>
+          </a:p>
+        </p:txBody>
+      </p:sp>
+      <p:graphicFrame>
+        <p:nvGraphicFramePr>
+          <p:cNvPr id="9" name="Tabela 8">
+            <a:extLst>
+              <a:ext uri="{FF2B5EF4-FFF2-40B4-BE49-F238E27FC236}">
+                <a16:creationId xmlns:a16="http://schemas.microsoft.com/office/drawing/2014/main" id="{72CE3AB8-C52F-4EA8-BBD2-364E65716825}"/>
+              </a:ext>
+            </a:extLst>
+          </p:cNvPr>
+          <p:cNvGraphicFramePr>
+            <a:graphicFrameLocks noGrp="1"/>
+          </p:cNvGraphicFramePr>
+          <p:nvPr>
+            <p:extLst>
+              <p:ext uri="{D42A27DB-BD31-4B8C-83A1-F6EECF244321}">
+                <p14:modId xmlns:p14="http://schemas.microsoft.com/office/powerpoint/2010/main" val="659975518"/>
+              </p:ext>
+            </p:extLst>
+          </p:nvPr>
+        </p:nvGraphicFramePr>
+        <p:xfrm>
+          <a:off x="1701084" y="3429000"/>
+          <a:ext cx="6096000" cy="1734360"/>
+        </p:xfrm>
+        <a:graphic>
+          <a:graphicData uri="http://schemas.openxmlformats.org/drawingml/2006/table">
+            <a:tbl>
+              <a:tblPr firstRow="1" bandRow="1">
+                <a:tableStyleId>{073A0DAA-6AF3-43AB-8588-CEC1D06C72B9}</a:tableStyleId>
+              </a:tblPr>
+              <a:tblGrid>
+                <a:gridCol w="2032000">
+                  <a:extLst>
+                    <a:ext uri="{9D8B030D-6E8A-4147-A177-3AD203B41FA5}">
+                      <a16:colId xmlns:a16="http://schemas.microsoft.com/office/drawing/2014/main" val="701116430"/>
+                    </a:ext>
+                  </a:extLst>
+                </a:gridCol>
+                <a:gridCol w="2032000">
+                  <a:extLst>
+                    <a:ext uri="{9D8B030D-6E8A-4147-A177-3AD203B41FA5}">
+                      <a16:colId xmlns:a16="http://schemas.microsoft.com/office/drawing/2014/main" val="3183311733"/>
+                    </a:ext>
+                  </a:extLst>
+                </a:gridCol>
+                <a:gridCol w="2032000">
+                  <a:extLst>
+                    <a:ext uri="{9D8B030D-6E8A-4147-A177-3AD203B41FA5}">
+                      <a16:colId xmlns:a16="http://schemas.microsoft.com/office/drawing/2014/main" val="3602995047"/>
+                    </a:ext>
+                  </a:extLst>
+                </a:gridCol>
+              </a:tblGrid>
+              <a:tr h="578120">
+                <a:tc>
+                  <a:txBody>
+                    <a:bodyPr/>
+                    <a:lstStyle/>
+                    <a:p>
+                      <a:pPr algn="ctr"/>
+                      <a:r>
+                        <a:rPr lang="pt-BR" sz="1800" dirty="0"/>
+                        <a:t>TAMANHO</a:t>
+                      </a:r>
+                    </a:p>
+                  </a:txBody>
+                  <a:tcPr anchor="ctr"/>
+                </a:tc>
+                <a:tc>
+                  <a:txBody>
+                    <a:bodyPr/>
+                    <a:lstStyle/>
+                    <a:p>
+                      <a:pPr algn="ctr"/>
+                      <a:r>
+                        <a:rPr lang="pt-BR" sz="1800" dirty="0"/>
+                        <a:t>1</a:t>
+                      </a:r>
+                    </a:p>
+                  </a:txBody>
+                  <a:tcPr anchor="ctr"/>
+                </a:tc>
+                <a:tc>
+                  <a:txBody>
+                    <a:bodyPr/>
+                    <a:lstStyle/>
+                    <a:p>
+                      <a:pPr algn="ctr"/>
+                      <a:r>
+                        <a:rPr lang="pt-BR" sz="1800" dirty="0"/>
+                        <a:t>N</a:t>
+                      </a:r>
+                    </a:p>
+                  </a:txBody>
+                  <a:tcPr anchor="ctr"/>
+                </a:tc>
+                <a:extLst>
+                  <a:ext uri="{0D108BD9-81ED-4DB2-BD59-A6C34878D82A}">
+                    <a16:rowId xmlns:a16="http://schemas.microsoft.com/office/drawing/2014/main" val="3298045006"/>
+                  </a:ext>
+                </a:extLst>
+              </a:tr>
+              <a:tr h="578120">
+                <a:tc>
+                  <a:txBody>
+                    <a:bodyPr/>
+                    <a:lstStyle/>
+                    <a:p>
+                      <a:pPr algn="r"/>
+                      <a:r>
+                        <a:rPr lang="pt-BR" sz="1800" dirty="0"/>
+                        <a:t>50.000.000</a:t>
+                      </a:r>
+                    </a:p>
+                  </a:txBody>
+                  <a:tcPr anchor="ctr"/>
+                </a:tc>
+                <a:tc>
+                  <a:txBody>
+                    <a:bodyPr/>
+                    <a:lstStyle/>
+                    <a:p>
+                      <a:pPr algn="r"/>
+                      <a:r>
+                        <a:rPr lang="pt-BR" sz="1800" dirty="0"/>
+                        <a:t>19,606</a:t>
+                      </a:r>
+                    </a:p>
+                  </a:txBody>
+                  <a:tcPr anchor="ctr"/>
+                </a:tc>
+                <a:tc>
+                  <a:txBody>
+                    <a:bodyPr/>
+                    <a:lstStyle/>
+                    <a:p>
+                      <a:pPr algn="r"/>
+                      <a:r>
+                        <a:rPr lang="pt-BR" sz="1800" dirty="0"/>
+                        <a:t>22,102</a:t>
+                      </a:r>
+                    </a:p>
+                  </a:txBody>
+                  <a:tcPr anchor="ctr"/>
+                </a:tc>
+                <a:extLst>
+                  <a:ext uri="{0D108BD9-81ED-4DB2-BD59-A6C34878D82A}">
+                    <a16:rowId xmlns:a16="http://schemas.microsoft.com/office/drawing/2014/main" val="3554967233"/>
+                  </a:ext>
+                </a:extLst>
+              </a:tr>
+              <a:tr h="578120">
+                <a:tc>
+                  <a:txBody>
+                    <a:bodyPr/>
+                    <a:lstStyle/>
+                    <a:p>
+                      <a:pPr algn="r"/>
+                      <a:r>
+                        <a:rPr lang="pt-BR" sz="1800" dirty="0"/>
+                        <a:t>200.000.000</a:t>
+                      </a:r>
+                    </a:p>
+                  </a:txBody>
+                  <a:tcPr anchor="ctr"/>
+                </a:tc>
+                <a:tc>
+                  <a:txBody>
+                    <a:bodyPr/>
+                    <a:lstStyle/>
+                    <a:p>
+                      <a:pPr algn="r"/>
+                      <a:r>
+                        <a:rPr lang="pt-BR" sz="1800" dirty="0"/>
+                        <a:t>82,264</a:t>
+                      </a:r>
+                    </a:p>
+                  </a:txBody>
+                  <a:tcPr anchor="ctr"/>
+                </a:tc>
+                <a:tc>
+                  <a:txBody>
+                    <a:bodyPr/>
+                    <a:lstStyle/>
+                    <a:p>
+                      <a:pPr algn="r"/>
+                      <a:r>
+                        <a:rPr lang="pt-BR" sz="1800" dirty="0"/>
+                        <a:t>98,890</a:t>
+                      </a:r>
+                    </a:p>
+                  </a:txBody>
+                  <a:tcPr anchor="ctr"/>
+                </a:tc>
+                <a:extLst>
+                  <a:ext uri="{0D108BD9-81ED-4DB2-BD59-A6C34878D82A}">
+                    <a16:rowId xmlns:a16="http://schemas.microsoft.com/office/drawing/2014/main" val="2599079990"/>
+                  </a:ext>
+                </a:extLst>
+              </a:tr>
+            </a:tbl>
+          </a:graphicData>
+        </a:graphic>
+      </p:graphicFrame>
+      <p:sp>
+        <p:nvSpPr>
+          <p:cNvPr id="10" name="CaixaDeTexto 9">
+            <a:extLst>
+              <a:ext uri="{FF2B5EF4-FFF2-40B4-BE49-F238E27FC236}">
+                <a16:creationId xmlns:a16="http://schemas.microsoft.com/office/drawing/2014/main" id="{F4BEC61D-C6F1-455C-8DE7-28ECACA958C3}"/>
+              </a:ext>
+            </a:extLst>
+          </p:cNvPr>
+          <p:cNvSpPr txBox="1"/>
+          <p:nvPr/>
+        </p:nvSpPr>
+        <p:spPr>
+          <a:xfrm>
+            <a:off x="2843808" y="6105400"/>
+            <a:ext cx="4104456" cy="369332"/>
+          </a:xfrm>
+          <a:prstGeom prst="rect">
+            <a:avLst/>
+          </a:prstGeom>
+          <a:noFill/>
+        </p:spPr>
+        <p:txBody>
+          <a:bodyPr wrap="square" rtlCol="0">
+            <a:spAutoFit/>
+          </a:bodyPr>
+          <a:lstStyle/>
+          <a:p>
+            <a:r>
+              <a:rPr lang="pt-BR" dirty="0"/>
+              <a:t>Tempo em segundos x chamadas</a:t>
+            </a:r>
+          </a:p>
+        </p:txBody>
+      </p:sp>
+      <p:sp>
+        <p:nvSpPr>
+          <p:cNvPr id="5" name="Espaço reservado para conteúdo 13">
+            <a:extLst>
+              <a:ext uri="{FF2B5EF4-FFF2-40B4-BE49-F238E27FC236}">
+                <a16:creationId xmlns:a16="http://schemas.microsoft.com/office/drawing/2014/main" id="{7E72466E-911D-4C5C-9435-2E51FBA24CEF}"/>
+              </a:ext>
+            </a:extLst>
+          </p:cNvPr>
+          <p:cNvSpPr>
+            <a:spLocks noGrp="1"/>
+          </p:cNvSpPr>
+          <p:nvPr>
+            <p:ph idx="1"/>
+          </p:nvPr>
+        </p:nvSpPr>
+        <p:spPr>
+          <a:xfrm>
+            <a:off x="1195389" y="1600200"/>
+            <a:ext cx="7339012" cy="1036712"/>
+          </a:xfrm>
+        </p:spPr>
+        <p:txBody>
+          <a:bodyPr rtlCol="0">
+            <a:normAutofit/>
+          </a:bodyPr>
+          <a:lstStyle/>
+          <a:p>
+            <a:r>
+              <a:rPr lang="pt-BR" dirty="0"/>
+              <a:t>Contagem em todas as chamadas da intercalação</a:t>
+            </a:r>
+          </a:p>
+          <a:p>
+            <a:endParaRPr lang="pt-BR" dirty="0"/>
+          </a:p>
+        </p:txBody>
+      </p:sp>
+    </p:spTree>
+    <p:extLst>
+      <p:ext uri="{BB962C8B-B14F-4D97-AF65-F5344CB8AC3E}">
+        <p14:creationId xmlns:p14="http://schemas.microsoft.com/office/powerpoint/2010/main" val="1374326186"/>
+      </p:ext>
+    </p:extLst>
+  </p:cSld>
+  <p:clrMapOvr>
+    <a:masterClrMapping/>
+  </p:clrMapOvr>
+  <mc:AlternateContent xmlns:mc="http://schemas.openxmlformats.org/markup-compatibility/2006" xmlns:p14="http://schemas.microsoft.com/office/powerpoint/2010/main">
+    <mc:Choice Requires="p14">
+      <p:transition spd="med" p14:dur="700">
+        <p:fade/>
+      </p:transition>
+    </mc:Choice>
+    <mc:Fallback xmlns="">
+      <p:transition spd="med">
+        <p:fade/>
+      </p:transition>
+    </mc:Fallback>
+  </mc:AlternateContent>
+</p:sld>
+</file>
+
+<file path=ppt/slides/slide14.xml><?xml version="1.0" encoding="utf-8"?>
 <p:sld xmlns:a="http://schemas.openxmlformats.org/drawingml/2006/main" xmlns:r="http://schemas.openxmlformats.org/officeDocument/2006/relationships" xmlns:p="http://schemas.openxmlformats.org/presentationml/2006/main">
   <p:cSld>
     <p:spTree>
@@ -11765,7 +12230,15 @@
             </a:pPr>
             <a:r>
               <a:rPr lang="pt-BR" dirty="0"/>
-              <a:t>Existem n2 pares de elementos para serem comparados</a:t>
+              <a:t>Existem n</a:t>
+            </a:r>
+            <a:r>
+              <a:rPr lang="pt-BR" baseline="30000" dirty="0"/>
+              <a:t>2</a:t>
+            </a:r>
+            <a:r>
+              <a:rPr lang="pt-BR" dirty="0"/>
+              <a:t> pares de elementos para serem comparados</a:t>
             </a:r>
           </a:p>
           <a:p>
@@ -11984,8 +12457,8 @@
           </a:p>
         </p:txBody>
       </p:sp>
-      <mc:AlternateContent xmlns:mc="http://schemas.openxmlformats.org/markup-compatibility/2006">
-        <mc:Choice xmlns:a14="http://schemas.microsoft.com/office/drawing/2010/main" Requires="a14">
+      <mc:AlternateContent xmlns:mc="http://schemas.openxmlformats.org/markup-compatibility/2006" xmlns:a14="http://schemas.microsoft.com/office/drawing/2010/main">
+        <mc:Choice Requires="a14">
           <p:sp>
             <p:nvSpPr>
               <p:cNvPr id="4" name="Retângulo 3">
@@ -12067,7 +12540,7 @@
             </p:txBody>
           </p:sp>
         </mc:Choice>
-        <mc:Fallback>
+        <mc:Fallback xmlns="">
           <p:sp>
             <p:nvSpPr>
               <p:cNvPr id="4" name="Retângulo 3">
@@ -13674,8 +14147,8 @@
           </a:p>
         </p:txBody>
       </p:sp>
-      <mc:AlternateContent xmlns:mc="http://schemas.openxmlformats.org/markup-compatibility/2006">
-        <mc:Choice xmlns:a14="http://schemas.microsoft.com/office/drawing/2010/main" Requires="a14">
+      <mc:AlternateContent xmlns:mc="http://schemas.openxmlformats.org/markup-compatibility/2006" xmlns:a14="http://schemas.microsoft.com/office/drawing/2010/main">
+        <mc:Choice Requires="a14">
           <p:sp>
             <p:nvSpPr>
               <p:cNvPr id="6" name="Espaço reservado para conteúdo 13">
@@ -16333,7 +16806,7 @@
             </p:txBody>
           </p:sp>
         </mc:Choice>
-        <mc:Fallback>
+        <mc:Fallback xmlns="">
           <p:sp>
             <p:nvSpPr>
               <p:cNvPr id="6" name="Espaço reservado para conteúdo 13">
